--- a/업무보고0122.pptx
+++ b/업무보고0122.pptx
@@ -7,16 +7,18 @@
   <p:sldIdLst>
     <p:sldId id="309" r:id="rId2"/>
     <p:sldId id="341" r:id="rId3"/>
-    <p:sldId id="348" r:id="rId4"/>
-    <p:sldId id="337" r:id="rId5"/>
-    <p:sldId id="343" r:id="rId6"/>
-    <p:sldId id="340" r:id="rId7"/>
-    <p:sldId id="344" r:id="rId8"/>
-    <p:sldId id="345" r:id="rId9"/>
-    <p:sldId id="346" r:id="rId10"/>
-    <p:sldId id="347" r:id="rId11"/>
-    <p:sldId id="336" r:id="rId12"/>
-    <p:sldId id="338" r:id="rId13"/>
+    <p:sldId id="350" r:id="rId4"/>
+    <p:sldId id="351" r:id="rId5"/>
+    <p:sldId id="337" r:id="rId6"/>
+    <p:sldId id="343" r:id="rId7"/>
+    <p:sldId id="352" r:id="rId8"/>
+    <p:sldId id="344" r:id="rId9"/>
+    <p:sldId id="345" r:id="rId10"/>
+    <p:sldId id="353" r:id="rId11"/>
+    <p:sldId id="346" r:id="rId12"/>
+    <p:sldId id="347" r:id="rId13"/>
+    <p:sldId id="336" r:id="rId14"/>
+    <p:sldId id="338" r:id="rId15"/>
   </p:sldIdLst>
   <p:sldSz cx="9144000" cy="6858000" type="screen4x3"/>
   <p:notesSz cx="6858000" cy="9144000"/>
@@ -124,7 +126,7 @@
 </file>
 
 <file path=ppt/slideLayouts/slideLayout1.xml><?xml version="1.0" encoding="utf-8"?>
-<p:sldLayout xmlns:a="http://schemas.openxmlformats.org/drawingml/2006/main" xmlns:r="http://schemas.openxmlformats.org/officeDocument/2006/relationships" xmlns:p="http://schemas.openxmlformats.org/presentationml/2006/main" type="title" preserve="1">
+<p:sldLayout xmlns:a="http://schemas.openxmlformats.org/drawingml/2006/main" xmlns:r="http://schemas.openxmlformats.org/officeDocument/2006/relationships" xmlns:p="http://schemas.openxmlformats.org/presentationml/2006/main" preserve="1" userDrawn="1">
   <p:cSld name="제목 슬라이드">
     <p:spTree>
       <p:nvGrpSpPr>
@@ -142,103 +144,6 @@
       </p:grpSpPr>
       <p:sp>
         <p:nvSpPr>
-          <p:cNvPr id="2" name="Title 1"/>
-          <p:cNvSpPr>
-            <a:spLocks noGrp="1"/>
-          </p:cNvSpPr>
-          <p:nvPr>
-            <p:ph type="ctrTitle"/>
-          </p:nvPr>
-        </p:nvSpPr>
-        <p:spPr>
-          <a:xfrm>
-            <a:off x="685800" y="1122363"/>
-            <a:ext cx="7772400" cy="2387600"/>
-          </a:xfrm>
-        </p:spPr>
-        <p:txBody>
-          <a:bodyPr anchor="b"/>
-          <a:lstStyle>
-            <a:lvl1pPr algn="ctr">
-              <a:defRPr sz="6000"/>
-            </a:lvl1pPr>
-          </a:lstStyle>
-          <a:p>
-            <a:r>
-              <a:rPr lang="ko-KR" altLang="en-US" smtClean="0"/>
-              <a:t>마스터 제목 스타일 편집</a:t>
-            </a:r>
-            <a:endParaRPr lang="en-US" dirty="0"/>
-          </a:p>
-        </p:txBody>
-      </p:sp>
-      <p:sp>
-        <p:nvSpPr>
-          <p:cNvPr id="3" name="Subtitle 2"/>
-          <p:cNvSpPr>
-            <a:spLocks noGrp="1"/>
-          </p:cNvSpPr>
-          <p:nvPr>
-            <p:ph type="subTitle" idx="1"/>
-          </p:nvPr>
-        </p:nvSpPr>
-        <p:spPr>
-          <a:xfrm>
-            <a:off x="1143000" y="3602038"/>
-            <a:ext cx="6858000" cy="1655762"/>
-          </a:xfrm>
-        </p:spPr>
-        <p:txBody>
-          <a:bodyPr/>
-          <a:lstStyle>
-            <a:lvl1pPr marL="0" indent="0" algn="ctr">
-              <a:buNone/>
-              <a:defRPr sz="2400"/>
-            </a:lvl1pPr>
-            <a:lvl2pPr marL="457200" indent="0" algn="ctr">
-              <a:buNone/>
-              <a:defRPr sz="2000"/>
-            </a:lvl2pPr>
-            <a:lvl3pPr marL="914400" indent="0" algn="ctr">
-              <a:buNone/>
-              <a:defRPr sz="1800"/>
-            </a:lvl3pPr>
-            <a:lvl4pPr marL="1371600" indent="0" algn="ctr">
-              <a:buNone/>
-              <a:defRPr sz="1600"/>
-            </a:lvl4pPr>
-            <a:lvl5pPr marL="1828800" indent="0" algn="ctr">
-              <a:buNone/>
-              <a:defRPr sz="1600"/>
-            </a:lvl5pPr>
-            <a:lvl6pPr marL="2286000" indent="0" algn="ctr">
-              <a:buNone/>
-              <a:defRPr sz="1600"/>
-            </a:lvl6pPr>
-            <a:lvl7pPr marL="2743200" indent="0" algn="ctr">
-              <a:buNone/>
-              <a:defRPr sz="1600"/>
-            </a:lvl7pPr>
-            <a:lvl8pPr marL="3200400" indent="0" algn="ctr">
-              <a:buNone/>
-              <a:defRPr sz="1600"/>
-            </a:lvl8pPr>
-            <a:lvl9pPr marL="3657600" indent="0" algn="ctr">
-              <a:buNone/>
-              <a:defRPr sz="1600"/>
-            </a:lvl9pPr>
-          </a:lstStyle>
-          <a:p>
-            <a:r>
-              <a:rPr lang="ko-KR" altLang="en-US" smtClean="0"/>
-              <a:t>클릭하여 마스터 부제목 스타일 편집</a:t>
-            </a:r>
-            <a:endParaRPr lang="en-US" dirty="0"/>
-          </a:p>
-        </p:txBody>
-      </p:sp>
-      <p:sp>
-        <p:nvSpPr>
           <p:cNvPr id="4" name="Date Placeholder 3"/>
           <p:cNvSpPr>
             <a:spLocks noGrp="1"/>
@@ -254,7 +159,7 @@
           <a:p>
             <a:fld id="{9F12D92A-1099-47F9-BA91-F3EF59B10499}" type="datetimeFigureOut">
               <a:rPr lang="ko-KR" altLang="en-US" smtClean="0"/>
-              <a:t>2021-01-20</a:t>
+              <a:t>2021-01-21</a:t>
             </a:fld>
             <a:endParaRPr lang="ko-KR" altLang="en-US"/>
           </a:p>
@@ -302,6 +207,126 @@
           </a:p>
         </p:txBody>
       </p:sp>
+      <p:cxnSp>
+        <p:nvCxnSpPr>
+          <p:cNvPr id="7" name="직선 연결선 6"/>
+          <p:cNvCxnSpPr/>
+          <p:nvPr userDrawn="1"/>
+        </p:nvCxnSpPr>
+        <p:spPr>
+          <a:xfrm>
+            <a:off x="248631" y="2252749"/>
+            <a:ext cx="8646738" cy="0"/>
+          </a:xfrm>
+          <a:prstGeom prst="line">
+            <a:avLst/>
+          </a:prstGeom>
+          <a:ln>
+            <a:solidFill>
+              <a:schemeClr val="tx1">
+                <a:lumMod val="50000"/>
+                <a:lumOff val="50000"/>
+              </a:schemeClr>
+            </a:solidFill>
+          </a:ln>
+        </p:spPr>
+        <p:style>
+          <a:lnRef idx="1">
+            <a:schemeClr val="accent1"/>
+          </a:lnRef>
+          <a:fillRef idx="0">
+            <a:schemeClr val="accent1"/>
+          </a:fillRef>
+          <a:effectRef idx="0">
+            <a:schemeClr val="accent1"/>
+          </a:effectRef>
+          <a:fontRef idx="minor">
+            <a:schemeClr val="tx1"/>
+          </a:fontRef>
+        </p:style>
+      </p:cxnSp>
+      <p:sp>
+        <p:nvSpPr>
+          <p:cNvPr id="8" name="직사각형 7"/>
+          <p:cNvSpPr/>
+          <p:nvPr userDrawn="1"/>
+        </p:nvSpPr>
+        <p:spPr>
+          <a:xfrm>
+            <a:off x="5910349" y="5112327"/>
+            <a:ext cx="2985020" cy="1541740"/>
+          </a:xfrm>
+          <a:prstGeom prst="rect">
+            <a:avLst/>
+          </a:prstGeom>
+          <a:solidFill>
+            <a:schemeClr val="accent4">
+              <a:lumMod val="20000"/>
+              <a:lumOff val="80000"/>
+            </a:schemeClr>
+          </a:solidFill>
+          <a:ln w="25400">
+            <a:solidFill>
+              <a:srgbClr val="C00000"/>
+            </a:solidFill>
+          </a:ln>
+        </p:spPr>
+        <p:txBody>
+          <a:bodyPr wrap="square">
+            <a:spAutoFit/>
+          </a:bodyPr>
+          <a:lstStyle/>
+          <a:p>
+            <a:pPr algn="r"/>
+            <a:endParaRPr lang="en-US" altLang="ko-KR" sz="1200" dirty="0">
+              <a:ln>
+                <a:solidFill>
+                  <a:schemeClr val="tx1">
+                    <a:alpha val="0"/>
+                  </a:schemeClr>
+                </a:solidFill>
+              </a:ln>
+              <a:latin typeface="나눔바른고딕" panose="020B0603020101020101" pitchFamily="50" charset="-127"/>
+              <a:ea typeface="나눔바른고딕" panose="020B0603020101020101" pitchFamily="50" charset="-127"/>
+            </a:endParaRPr>
+          </a:p>
+        </p:txBody>
+      </p:sp>
+      <p:cxnSp>
+        <p:nvCxnSpPr>
+          <p:cNvPr id="9" name="직선 연결선 8"/>
+          <p:cNvCxnSpPr/>
+          <p:nvPr userDrawn="1"/>
+        </p:nvCxnSpPr>
+        <p:spPr>
+          <a:xfrm>
+            <a:off x="136868" y="401870"/>
+            <a:ext cx="8867351" cy="0"/>
+          </a:xfrm>
+          <a:prstGeom prst="line">
+            <a:avLst/>
+          </a:prstGeom>
+          <a:ln>
+            <a:solidFill>
+              <a:schemeClr val="tx1"/>
+            </a:solidFill>
+          </a:ln>
+        </p:spPr>
+        <p:style>
+          <a:lnRef idx="1">
+            <a:schemeClr val="accent1"/>
+          </a:lnRef>
+          <a:fillRef idx="0">
+            <a:schemeClr val="accent1"/>
+          </a:fillRef>
+          <a:effectRef idx="0">
+            <a:schemeClr val="accent1"/>
+          </a:effectRef>
+          <a:fontRef idx="minor">
+            <a:schemeClr val="tx1"/>
+          </a:fontRef>
+        </p:style>
+      </p:cxnSp>
     </p:spTree>
     <p:extLst>
       <p:ext uri="{BB962C8B-B14F-4D97-AF65-F5344CB8AC3E}">
@@ -424,7 +449,7 @@
           <a:p>
             <a:fld id="{9F12D92A-1099-47F9-BA91-F3EF59B10499}" type="datetimeFigureOut">
               <a:rPr lang="ko-KR" altLang="en-US" smtClean="0"/>
-              <a:t>2021-01-20</a:t>
+              <a:t>2021-01-21</a:t>
             </a:fld>
             <a:endParaRPr lang="ko-KR" altLang="en-US"/>
           </a:p>
@@ -604,7 +629,7 @@
           <a:p>
             <a:fld id="{9F12D92A-1099-47F9-BA91-F3EF59B10499}" type="datetimeFigureOut">
               <a:rPr lang="ko-KR" altLang="en-US" smtClean="0"/>
-              <a:t>2021-01-20</a:t>
+              <a:t>2021-01-21</a:t>
             </a:fld>
             <a:endParaRPr lang="ko-KR" altLang="en-US"/>
           </a:p>
@@ -774,7 +799,7 @@
           <a:p>
             <a:fld id="{9F12D92A-1099-47F9-BA91-F3EF59B10499}" type="datetimeFigureOut">
               <a:rPr lang="ko-KR" altLang="en-US" smtClean="0"/>
-              <a:t>2021-01-20</a:t>
+              <a:t>2021-01-21</a:t>
             </a:fld>
             <a:endParaRPr lang="ko-KR" altLang="en-US"/>
           </a:p>
@@ -1018,7 +1043,7 @@
           <a:p>
             <a:fld id="{9F12D92A-1099-47F9-BA91-F3EF59B10499}" type="datetimeFigureOut">
               <a:rPr lang="ko-KR" altLang="en-US" smtClean="0"/>
-              <a:t>2021-01-20</a:t>
+              <a:t>2021-01-21</a:t>
             </a:fld>
             <a:endParaRPr lang="ko-KR" altLang="en-US"/>
           </a:p>
@@ -1250,7 +1275,7 @@
           <a:p>
             <a:fld id="{9F12D92A-1099-47F9-BA91-F3EF59B10499}" type="datetimeFigureOut">
               <a:rPr lang="ko-KR" altLang="en-US" smtClean="0"/>
-              <a:t>2021-01-20</a:t>
+              <a:t>2021-01-21</a:t>
             </a:fld>
             <a:endParaRPr lang="ko-KR" altLang="en-US"/>
           </a:p>
@@ -1617,7 +1642,7 @@
           <a:p>
             <a:fld id="{9F12D92A-1099-47F9-BA91-F3EF59B10499}" type="datetimeFigureOut">
               <a:rPr lang="ko-KR" altLang="en-US" smtClean="0"/>
-              <a:t>2021-01-20</a:t>
+              <a:t>2021-01-21</a:t>
             </a:fld>
             <a:endParaRPr lang="ko-KR" altLang="en-US"/>
           </a:p>
@@ -1735,7 +1760,7 @@
           <a:p>
             <a:fld id="{9F12D92A-1099-47F9-BA91-F3EF59B10499}" type="datetimeFigureOut">
               <a:rPr lang="ko-KR" altLang="en-US" smtClean="0"/>
-              <a:t>2021-01-20</a:t>
+              <a:t>2021-01-21</a:t>
             </a:fld>
             <a:endParaRPr lang="ko-KR" altLang="en-US"/>
           </a:p>
@@ -1830,7 +1855,7 @@
           <a:p>
             <a:fld id="{9F12D92A-1099-47F9-BA91-F3EF59B10499}" type="datetimeFigureOut">
               <a:rPr lang="ko-KR" altLang="en-US" smtClean="0"/>
-              <a:t>2021-01-20</a:t>
+              <a:t>2021-01-21</a:t>
             </a:fld>
             <a:endParaRPr lang="ko-KR" altLang="en-US"/>
           </a:p>
@@ -2107,7 +2132,7 @@
           <a:p>
             <a:fld id="{9F12D92A-1099-47F9-BA91-F3EF59B10499}" type="datetimeFigureOut">
               <a:rPr lang="ko-KR" altLang="en-US" smtClean="0"/>
-              <a:t>2021-01-20</a:t>
+              <a:t>2021-01-21</a:t>
             </a:fld>
             <a:endParaRPr lang="ko-KR" altLang="en-US"/>
           </a:p>
@@ -2364,7 +2389,7 @@
           <a:p>
             <a:fld id="{9F12D92A-1099-47F9-BA91-F3EF59B10499}" type="datetimeFigureOut">
               <a:rPr lang="ko-KR" altLang="en-US" smtClean="0"/>
-              <a:t>2021-01-20</a:t>
+              <a:t>2021-01-21</a:t>
             </a:fld>
             <a:endParaRPr lang="ko-KR" altLang="en-US"/>
           </a:p>
@@ -2577,7 +2602,7 @@
           <a:p>
             <a:fld id="{9F12D92A-1099-47F9-BA91-F3EF59B10499}" type="datetimeFigureOut">
               <a:rPr lang="ko-KR" altLang="en-US" smtClean="0"/>
-              <a:t>2021-01-20</a:t>
+              <a:t>2021-01-21</a:t>
             </a:fld>
             <a:endParaRPr lang="ko-KR" altLang="en-US"/>
           </a:p>
@@ -3133,6 +3158,1189 @@
           <a:chExt cx="0" cy="0"/>
         </a:xfrm>
       </p:grpSpPr>
+      <p:pic>
+        <p:nvPicPr>
+          <p:cNvPr id="2" name="그림 1"/>
+          <p:cNvPicPr>
+            <a:picLocks noChangeAspect="1"/>
+          </p:cNvPicPr>
+          <p:nvPr/>
+        </p:nvPicPr>
+        <p:blipFill rotWithShape="1">
+          <a:blip r:embed="rId2"/>
+          <a:srcRect t="33115" r="78543"/>
+          <a:stretch/>
+        </p:blipFill>
+        <p:spPr>
+          <a:xfrm>
+            <a:off x="7047270" y="547126"/>
+            <a:ext cx="1519611" cy="2425682"/>
+          </a:xfrm>
+          <a:prstGeom prst="rect">
+            <a:avLst/>
+          </a:prstGeom>
+        </p:spPr>
+      </p:pic>
+      <p:sp>
+        <p:nvSpPr>
+          <p:cNvPr id="3" name="직사각형 2"/>
+          <p:cNvSpPr/>
+          <p:nvPr/>
+        </p:nvSpPr>
+        <p:spPr>
+          <a:xfrm>
+            <a:off x="136868" y="98606"/>
+            <a:ext cx="4572000" cy="253916"/>
+          </a:xfrm>
+          <a:prstGeom prst="rect">
+            <a:avLst/>
+          </a:prstGeom>
+        </p:spPr>
+        <p:txBody>
+          <a:bodyPr>
+            <a:spAutoFit/>
+          </a:bodyPr>
+          <a:lstStyle/>
+          <a:p>
+            <a:r>
+              <a:rPr lang="ko-KR" altLang="en-US" sz="1050" b="1" dirty="0" smtClean="0">
+                <a:ln>
+                  <a:solidFill>
+                    <a:schemeClr val="tx1">
+                      <a:alpha val="0"/>
+                    </a:schemeClr>
+                  </a:solidFill>
+                </a:ln>
+                <a:latin typeface="나눔바른고딕" panose="020B0603020101020101" pitchFamily="50" charset="-127"/>
+                <a:ea typeface="나눔바른고딕" panose="020B0603020101020101" pitchFamily="50" charset="-127"/>
+              </a:rPr>
+              <a:t>수강신청 유입 대상 상담 유도 알림</a:t>
+            </a:r>
+            <a:endParaRPr lang="ko-KR" altLang="en-US" sz="1050" b="1" dirty="0">
+              <a:ln>
+                <a:solidFill>
+                  <a:schemeClr val="tx1">
+                    <a:alpha val="0"/>
+                  </a:schemeClr>
+                </a:solidFill>
+              </a:ln>
+              <a:latin typeface="나눔바른고딕" panose="020B0603020101020101" pitchFamily="50" charset="-127"/>
+              <a:ea typeface="나눔바른고딕" panose="020B0603020101020101" pitchFamily="50" charset="-127"/>
+            </a:endParaRPr>
+          </a:p>
+        </p:txBody>
+      </p:sp>
+      <p:cxnSp>
+        <p:nvCxnSpPr>
+          <p:cNvPr id="4" name="직선 연결선 3"/>
+          <p:cNvCxnSpPr/>
+          <p:nvPr/>
+        </p:nvCxnSpPr>
+        <p:spPr>
+          <a:xfrm>
+            <a:off x="136868" y="401870"/>
+            <a:ext cx="8867351" cy="0"/>
+          </a:xfrm>
+          <a:prstGeom prst="line">
+            <a:avLst/>
+          </a:prstGeom>
+          <a:ln>
+            <a:solidFill>
+              <a:schemeClr val="tx1"/>
+            </a:solidFill>
+          </a:ln>
+        </p:spPr>
+        <p:style>
+          <a:lnRef idx="1">
+            <a:schemeClr val="accent1"/>
+          </a:lnRef>
+          <a:fillRef idx="0">
+            <a:schemeClr val="accent1"/>
+          </a:fillRef>
+          <a:effectRef idx="0">
+            <a:schemeClr val="accent1"/>
+          </a:effectRef>
+          <a:fontRef idx="minor">
+            <a:schemeClr val="tx1"/>
+          </a:fontRef>
+        </p:style>
+      </p:cxnSp>
+      <p:pic>
+        <p:nvPicPr>
+          <p:cNvPr id="5" name="그림 4"/>
+          <p:cNvPicPr>
+            <a:picLocks noChangeAspect="1"/>
+          </p:cNvPicPr>
+          <p:nvPr/>
+        </p:nvPicPr>
+        <p:blipFill>
+          <a:blip r:embed="rId3"/>
+          <a:stretch>
+            <a:fillRect/>
+          </a:stretch>
+        </p:blipFill>
+        <p:spPr>
+          <a:xfrm>
+            <a:off x="333820" y="567123"/>
+            <a:ext cx="6368106" cy="2453240"/>
+          </a:xfrm>
+          <a:prstGeom prst="rect">
+            <a:avLst/>
+          </a:prstGeom>
+        </p:spPr>
+      </p:pic>
+      <p:pic>
+        <p:nvPicPr>
+          <p:cNvPr id="6" name="그림 5"/>
+          <p:cNvPicPr>
+            <a:picLocks noChangeAspect="1"/>
+          </p:cNvPicPr>
+          <p:nvPr/>
+        </p:nvPicPr>
+        <p:blipFill>
+          <a:blip r:embed="rId4"/>
+          <a:stretch>
+            <a:fillRect/>
+          </a:stretch>
+        </p:blipFill>
+        <p:spPr>
+          <a:xfrm>
+            <a:off x="433575" y="3325963"/>
+            <a:ext cx="2496210" cy="3277175"/>
+          </a:xfrm>
+          <a:prstGeom prst="rect">
+            <a:avLst/>
+          </a:prstGeom>
+        </p:spPr>
+      </p:pic>
+      <p:pic>
+        <p:nvPicPr>
+          <p:cNvPr id="7" name="그림 6"/>
+          <p:cNvPicPr>
+            <a:picLocks noChangeAspect="1"/>
+          </p:cNvPicPr>
+          <p:nvPr/>
+        </p:nvPicPr>
+        <p:blipFill>
+          <a:blip r:embed="rId5"/>
+          <a:stretch>
+            <a:fillRect/>
+          </a:stretch>
+        </p:blipFill>
+        <p:spPr>
+          <a:xfrm>
+            <a:off x="2929785" y="3265374"/>
+            <a:ext cx="2812077" cy="3117970"/>
+          </a:xfrm>
+          <a:prstGeom prst="rect">
+            <a:avLst/>
+          </a:prstGeom>
+        </p:spPr>
+      </p:pic>
+      <p:cxnSp>
+        <p:nvCxnSpPr>
+          <p:cNvPr id="8" name="직선 연결선 7"/>
+          <p:cNvCxnSpPr/>
+          <p:nvPr/>
+        </p:nvCxnSpPr>
+        <p:spPr>
+          <a:xfrm>
+            <a:off x="365760" y="3138062"/>
+            <a:ext cx="8454044" cy="0"/>
+          </a:xfrm>
+          <a:prstGeom prst="line">
+            <a:avLst/>
+          </a:prstGeom>
+          <a:ln>
+            <a:solidFill>
+              <a:schemeClr val="bg1">
+                <a:lumMod val="75000"/>
+              </a:schemeClr>
+            </a:solidFill>
+          </a:ln>
+        </p:spPr>
+        <p:style>
+          <a:lnRef idx="1">
+            <a:schemeClr val="accent1"/>
+          </a:lnRef>
+          <a:fillRef idx="0">
+            <a:schemeClr val="accent1"/>
+          </a:fillRef>
+          <a:effectRef idx="0">
+            <a:schemeClr val="accent1"/>
+          </a:effectRef>
+          <a:fontRef idx="minor">
+            <a:schemeClr val="tx1"/>
+          </a:fontRef>
+        </p:style>
+      </p:cxnSp>
+      <p:sp>
+        <p:nvSpPr>
+          <p:cNvPr id="9" name="직사각형 8"/>
+          <p:cNvSpPr/>
+          <p:nvPr/>
+        </p:nvSpPr>
+        <p:spPr>
+          <a:xfrm>
+            <a:off x="7047270" y="567123"/>
+            <a:ext cx="1681094" cy="2405685"/>
+          </a:xfrm>
+          <a:prstGeom prst="rect">
+            <a:avLst/>
+          </a:prstGeom>
+          <a:noFill/>
+          <a:ln w="44450">
+            <a:solidFill>
+              <a:schemeClr val="tx1">
+                <a:lumMod val="50000"/>
+                <a:lumOff val="50000"/>
+              </a:schemeClr>
+            </a:solidFill>
+          </a:ln>
+        </p:spPr>
+        <p:style>
+          <a:lnRef idx="2">
+            <a:schemeClr val="accent1">
+              <a:shade val="50000"/>
+            </a:schemeClr>
+          </a:lnRef>
+          <a:fillRef idx="1">
+            <a:schemeClr val="accent1"/>
+          </a:fillRef>
+          <a:effectRef idx="0">
+            <a:schemeClr val="accent1"/>
+          </a:effectRef>
+          <a:fontRef idx="minor">
+            <a:schemeClr val="lt1"/>
+          </a:fontRef>
+        </p:style>
+        <p:txBody>
+          <a:bodyPr rtlCol="0" anchor="ctr"/>
+          <a:lstStyle/>
+          <a:p>
+            <a:pPr algn="ctr"/>
+            <a:endParaRPr lang="ko-KR" altLang="en-US"/>
+          </a:p>
+        </p:txBody>
+      </p:sp>
+      <p:sp>
+        <p:nvSpPr>
+          <p:cNvPr id="10" name="직사각형 9"/>
+          <p:cNvSpPr/>
+          <p:nvPr/>
+        </p:nvSpPr>
+        <p:spPr>
+          <a:xfrm>
+            <a:off x="369660" y="3318622"/>
+            <a:ext cx="4967113" cy="3284516"/>
+          </a:xfrm>
+          <a:prstGeom prst="rect">
+            <a:avLst/>
+          </a:prstGeom>
+          <a:noFill/>
+          <a:ln w="44450">
+            <a:solidFill>
+              <a:schemeClr val="tx1">
+                <a:lumMod val="50000"/>
+                <a:lumOff val="50000"/>
+              </a:schemeClr>
+            </a:solidFill>
+          </a:ln>
+        </p:spPr>
+        <p:style>
+          <a:lnRef idx="2">
+            <a:schemeClr val="accent1">
+              <a:shade val="50000"/>
+            </a:schemeClr>
+          </a:lnRef>
+          <a:fillRef idx="1">
+            <a:schemeClr val="accent1"/>
+          </a:fillRef>
+          <a:effectRef idx="0">
+            <a:schemeClr val="accent1"/>
+          </a:effectRef>
+          <a:fontRef idx="minor">
+            <a:schemeClr val="lt1"/>
+          </a:fontRef>
+        </p:style>
+        <p:txBody>
+          <a:bodyPr rtlCol="0" anchor="ctr"/>
+          <a:lstStyle/>
+          <a:p>
+            <a:pPr algn="ctr"/>
+            <a:endParaRPr lang="ko-KR" altLang="en-US"/>
+          </a:p>
+        </p:txBody>
+      </p:sp>
+    </p:spTree>
+    <p:extLst>
+      <p:ext uri="{BB962C8B-B14F-4D97-AF65-F5344CB8AC3E}">
+        <p14:creationId xmlns:p14="http://schemas.microsoft.com/office/powerpoint/2010/main" val="2928720574"/>
+      </p:ext>
+    </p:extLst>
+  </p:cSld>
+  <p:clrMapOvr>
+    <a:masterClrMapping/>
+  </p:clrMapOvr>
+</p:sld>
+</file>
+
+<file path=ppt/slides/slide11.xml><?xml version="1.0" encoding="utf-8"?>
+<p:sld xmlns:a="http://schemas.openxmlformats.org/drawingml/2006/main" xmlns:r="http://schemas.openxmlformats.org/officeDocument/2006/relationships" xmlns:p="http://schemas.openxmlformats.org/presentationml/2006/main">
+  <p:cSld>
+    <p:spTree>
+      <p:nvGrpSpPr>
+        <p:cNvPr id="1" name=""/>
+        <p:cNvGrpSpPr/>
+        <p:nvPr/>
+      </p:nvGrpSpPr>
+      <p:grpSpPr>
+        <a:xfrm>
+          <a:off x="0" y="0"/>
+          <a:ext cx="0" cy="0"/>
+          <a:chOff x="0" y="0"/>
+          <a:chExt cx="0" cy="0"/>
+        </a:xfrm>
+      </p:grpSpPr>
+      <p:sp>
+        <p:nvSpPr>
+          <p:cNvPr id="2" name="직사각형 1"/>
+          <p:cNvSpPr/>
+          <p:nvPr/>
+        </p:nvSpPr>
+        <p:spPr>
+          <a:xfrm>
+            <a:off x="136868" y="98606"/>
+            <a:ext cx="4572000" cy="253916"/>
+          </a:xfrm>
+          <a:prstGeom prst="rect">
+            <a:avLst/>
+          </a:prstGeom>
+        </p:spPr>
+        <p:txBody>
+          <a:bodyPr>
+            <a:spAutoFit/>
+          </a:bodyPr>
+          <a:lstStyle/>
+          <a:p>
+            <a:r>
+              <a:rPr lang="ko-KR" altLang="en-US" sz="1050" b="1" dirty="0" err="1" smtClean="0">
+                <a:ln>
+                  <a:solidFill>
+                    <a:schemeClr val="tx1">
+                      <a:alpha val="0"/>
+                    </a:schemeClr>
+                  </a:solidFill>
+                </a:ln>
+                <a:latin typeface="나눔바른고딕" panose="020B0603020101020101" pitchFamily="50" charset="-127"/>
+                <a:ea typeface="나눔바른고딕" panose="020B0603020101020101" pitchFamily="50" charset="-127"/>
+              </a:rPr>
+              <a:t>채널톡</a:t>
+            </a:r>
+            <a:r>
+              <a:rPr lang="ko-KR" altLang="en-US" sz="1050" b="1" dirty="0" smtClean="0">
+                <a:ln>
+                  <a:solidFill>
+                    <a:schemeClr val="tx1">
+                      <a:alpha val="0"/>
+                    </a:schemeClr>
+                  </a:solidFill>
+                </a:ln>
+                <a:latin typeface="나눔바른고딕" panose="020B0603020101020101" pitchFamily="50" charset="-127"/>
+                <a:ea typeface="나눔바른고딕" panose="020B0603020101020101" pitchFamily="50" charset="-127"/>
+              </a:rPr>
+              <a:t> 마케팅 </a:t>
+            </a:r>
+            <a:r>
+              <a:rPr lang="en-US" altLang="ko-KR" sz="1050" b="1" dirty="0" smtClean="0">
+                <a:ln>
+                  <a:solidFill>
+                    <a:schemeClr val="tx1">
+                      <a:alpha val="0"/>
+                    </a:schemeClr>
+                  </a:solidFill>
+                </a:ln>
+                <a:latin typeface="나눔바른고딕" panose="020B0603020101020101" pitchFamily="50" charset="-127"/>
+                <a:ea typeface="나눔바른고딕" panose="020B0603020101020101" pitchFamily="50" charset="-127"/>
+              </a:rPr>
+              <a:t>: </a:t>
+            </a:r>
+            <a:r>
+              <a:rPr lang="ko-KR" altLang="en-US" sz="1050" b="1" dirty="0" err="1" smtClean="0">
+                <a:ln>
+                  <a:solidFill>
+                    <a:schemeClr val="tx1">
+                      <a:alpha val="0"/>
+                    </a:schemeClr>
+                  </a:solidFill>
+                </a:ln>
+                <a:latin typeface="나눔바른고딕" panose="020B0603020101020101" pitchFamily="50" charset="-127"/>
+                <a:ea typeface="나눔바른고딕" panose="020B0603020101020101" pitchFamily="50" charset="-127"/>
+              </a:rPr>
+              <a:t>비공개미션</a:t>
+            </a:r>
+            <a:endParaRPr lang="ko-KR" altLang="en-US" sz="1050" b="1" dirty="0">
+              <a:ln>
+                <a:solidFill>
+                  <a:schemeClr val="tx1">
+                    <a:alpha val="0"/>
+                  </a:schemeClr>
+                </a:solidFill>
+              </a:ln>
+              <a:latin typeface="나눔바른고딕" panose="020B0603020101020101" pitchFamily="50" charset="-127"/>
+              <a:ea typeface="나눔바른고딕" panose="020B0603020101020101" pitchFamily="50" charset="-127"/>
+            </a:endParaRPr>
+          </a:p>
+        </p:txBody>
+      </p:sp>
+      <p:cxnSp>
+        <p:nvCxnSpPr>
+          <p:cNvPr id="3" name="직선 연결선 2"/>
+          <p:cNvCxnSpPr/>
+          <p:nvPr/>
+        </p:nvCxnSpPr>
+        <p:spPr>
+          <a:xfrm>
+            <a:off x="136868" y="401870"/>
+            <a:ext cx="8867351" cy="0"/>
+          </a:xfrm>
+          <a:prstGeom prst="line">
+            <a:avLst/>
+          </a:prstGeom>
+          <a:ln>
+            <a:solidFill>
+              <a:schemeClr val="tx1"/>
+            </a:solidFill>
+          </a:ln>
+        </p:spPr>
+        <p:style>
+          <a:lnRef idx="1">
+            <a:schemeClr val="accent1"/>
+          </a:lnRef>
+          <a:fillRef idx="0">
+            <a:schemeClr val="accent1"/>
+          </a:fillRef>
+          <a:effectRef idx="0">
+            <a:schemeClr val="accent1"/>
+          </a:effectRef>
+          <a:fontRef idx="minor">
+            <a:schemeClr val="tx1"/>
+          </a:fontRef>
+        </p:style>
+      </p:cxnSp>
+      <p:sp>
+        <p:nvSpPr>
+          <p:cNvPr id="4" name="직사각형 3"/>
+          <p:cNvSpPr/>
+          <p:nvPr/>
+        </p:nvSpPr>
+        <p:spPr>
+          <a:xfrm>
+            <a:off x="5977595" y="451219"/>
+            <a:ext cx="3026624" cy="430887"/>
+          </a:xfrm>
+          <a:prstGeom prst="rect">
+            <a:avLst/>
+          </a:prstGeom>
+          <a:solidFill>
+            <a:schemeClr val="bg2"/>
+          </a:solidFill>
+          <a:ln>
+            <a:solidFill>
+              <a:srgbClr val="0070C0"/>
+            </a:solidFill>
+          </a:ln>
+        </p:spPr>
+        <p:txBody>
+          <a:bodyPr wrap="square">
+            <a:spAutoFit/>
+          </a:bodyPr>
+          <a:lstStyle/>
+          <a:p>
+            <a:pPr algn="r"/>
+            <a:r>
+              <a:rPr lang="ko-KR" altLang="en-US" sz="1100" dirty="0">
+                <a:ln>
+                  <a:solidFill>
+                    <a:schemeClr val="tx1">
+                      <a:alpha val="0"/>
+                    </a:schemeClr>
+                  </a:solidFill>
+                </a:ln>
+                <a:latin typeface="나눔바른고딕" panose="020B0603020101020101" pitchFamily="50" charset="-127"/>
+                <a:ea typeface="나눔바른고딕" panose="020B0603020101020101" pitchFamily="50" charset="-127"/>
+              </a:rPr>
+              <a:t>목표 </a:t>
+            </a:r>
+            <a:r>
+              <a:rPr lang="en-US" altLang="ko-KR" sz="1100" dirty="0">
+                <a:ln>
+                  <a:solidFill>
+                    <a:schemeClr val="tx1">
+                      <a:alpha val="0"/>
+                    </a:schemeClr>
+                  </a:solidFill>
+                </a:ln>
+                <a:latin typeface="나눔바른고딕" panose="020B0603020101020101" pitchFamily="50" charset="-127"/>
+                <a:ea typeface="나눔바른고딕" panose="020B0603020101020101" pitchFamily="50" charset="-127"/>
+              </a:rPr>
+              <a:t>: </a:t>
+            </a:r>
+            <a:r>
+              <a:rPr lang="en-US" altLang="ko-KR" sz="1100" dirty="0" smtClean="0">
+                <a:ln>
+                  <a:solidFill>
+                    <a:schemeClr val="tx1">
+                      <a:alpha val="0"/>
+                    </a:schemeClr>
+                  </a:solidFill>
+                </a:ln>
+                <a:latin typeface="나눔바른고딕" panose="020B0603020101020101" pitchFamily="50" charset="-127"/>
+                <a:ea typeface="나눔바른고딕" panose="020B0603020101020101" pitchFamily="50" charset="-127"/>
+              </a:rPr>
+              <a:t>‘</a:t>
+            </a:r>
+            <a:r>
+              <a:rPr lang="ko-KR" altLang="en-US" sz="1100" dirty="0" smtClean="0">
+                <a:ln>
+                  <a:solidFill>
+                    <a:schemeClr val="tx1">
+                      <a:alpha val="0"/>
+                    </a:schemeClr>
+                  </a:solidFill>
+                </a:ln>
+                <a:latin typeface="나눔바른고딕" panose="020B0603020101020101" pitchFamily="50" charset="-127"/>
+                <a:ea typeface="나눔바른고딕" panose="020B0603020101020101" pitchFamily="50" charset="-127"/>
+              </a:rPr>
+              <a:t>제대로</a:t>
+            </a:r>
+            <a:r>
+              <a:rPr lang="en-US" altLang="ko-KR" sz="1100" dirty="0" smtClean="0">
+                <a:ln>
+                  <a:solidFill>
+                    <a:schemeClr val="tx1">
+                      <a:alpha val="0"/>
+                    </a:schemeClr>
+                  </a:solidFill>
+                </a:ln>
+                <a:latin typeface="나눔바른고딕" panose="020B0603020101020101" pitchFamily="50" charset="-127"/>
+                <a:ea typeface="나눔바른고딕" panose="020B0603020101020101" pitchFamily="50" charset="-127"/>
+              </a:rPr>
+              <a:t>’ </a:t>
+            </a:r>
+            <a:r>
+              <a:rPr lang="ko-KR" altLang="en-US" sz="1100" dirty="0" smtClean="0">
+                <a:ln>
+                  <a:solidFill>
+                    <a:schemeClr val="tx1">
+                      <a:alpha val="0"/>
+                    </a:schemeClr>
+                  </a:solidFill>
+                </a:ln>
+                <a:latin typeface="나눔바른고딕" panose="020B0603020101020101" pitchFamily="50" charset="-127"/>
+                <a:ea typeface="나눔바른고딕" panose="020B0603020101020101" pitchFamily="50" charset="-127"/>
+              </a:rPr>
+              <a:t>체험 유도</a:t>
+            </a:r>
+            <a:r>
+              <a:rPr lang="en-US" altLang="ko-KR" sz="1100" dirty="0" smtClean="0">
+                <a:ln>
+                  <a:solidFill>
+                    <a:schemeClr val="tx1">
+                      <a:alpha val="0"/>
+                    </a:schemeClr>
+                  </a:solidFill>
+                </a:ln>
+                <a:latin typeface="나눔바른고딕" panose="020B0603020101020101" pitchFamily="50" charset="-127"/>
+                <a:ea typeface="나눔바른고딕" panose="020B0603020101020101" pitchFamily="50" charset="-127"/>
+              </a:rPr>
+              <a:t>(</a:t>
+            </a:r>
+            <a:r>
+              <a:rPr lang="ko-KR" altLang="en-US" sz="1100" dirty="0" err="1" smtClean="0">
+                <a:ln>
+                  <a:solidFill>
+                    <a:schemeClr val="tx1">
+                      <a:alpha val="0"/>
+                    </a:schemeClr>
+                  </a:solidFill>
+                </a:ln>
+                <a:latin typeface="나눔바른고딕" panose="020B0603020101020101" pitchFamily="50" charset="-127"/>
+                <a:ea typeface="나눔바른고딕" panose="020B0603020101020101" pitchFamily="50" charset="-127"/>
+              </a:rPr>
+              <a:t>코칭앱</a:t>
+            </a:r>
+            <a:r>
+              <a:rPr lang="ko-KR" altLang="en-US" sz="1100" dirty="0" smtClean="0">
+                <a:ln>
+                  <a:solidFill>
+                    <a:schemeClr val="tx1">
+                      <a:alpha val="0"/>
+                    </a:schemeClr>
+                  </a:solidFill>
+                </a:ln>
+                <a:latin typeface="나눔바른고딕" panose="020B0603020101020101" pitchFamily="50" charset="-127"/>
+                <a:ea typeface="나눔바른고딕" panose="020B0603020101020101" pitchFamily="50" charset="-127"/>
+              </a:rPr>
+              <a:t> </a:t>
+            </a:r>
+            <a:r>
+              <a:rPr lang="en-US" altLang="ko-KR" sz="1100" dirty="0" smtClean="0">
+                <a:ln>
+                  <a:solidFill>
+                    <a:schemeClr val="tx1">
+                      <a:alpha val="0"/>
+                    </a:schemeClr>
+                  </a:solidFill>
+                </a:ln>
+                <a:latin typeface="나눔바른고딕" panose="020B0603020101020101" pitchFamily="50" charset="-127"/>
+                <a:ea typeface="나눔바른고딕" panose="020B0603020101020101" pitchFamily="50" charset="-127"/>
+              </a:rPr>
+              <a:t>30</a:t>
+            </a:r>
+            <a:r>
+              <a:rPr lang="ko-KR" altLang="en-US" sz="1100" dirty="0" smtClean="0">
+                <a:ln>
+                  <a:solidFill>
+                    <a:schemeClr val="tx1">
+                      <a:alpha val="0"/>
+                    </a:schemeClr>
+                  </a:solidFill>
+                </a:ln>
+                <a:latin typeface="나눔바른고딕" panose="020B0603020101020101" pitchFamily="50" charset="-127"/>
+                <a:ea typeface="나눔바른고딕" panose="020B0603020101020101" pitchFamily="50" charset="-127"/>
+              </a:rPr>
+              <a:t>문제 정답</a:t>
+            </a:r>
+            <a:r>
+              <a:rPr lang="en-US" altLang="ko-KR" sz="1100" dirty="0" smtClean="0">
+                <a:ln>
+                  <a:solidFill>
+                    <a:schemeClr val="tx1">
+                      <a:alpha val="0"/>
+                    </a:schemeClr>
+                  </a:solidFill>
+                </a:ln>
+                <a:latin typeface="나눔바른고딕" panose="020B0603020101020101" pitchFamily="50" charset="-127"/>
+                <a:ea typeface="나눔바른고딕" panose="020B0603020101020101" pitchFamily="50" charset="-127"/>
+              </a:rPr>
+              <a:t>)</a:t>
+            </a:r>
+          </a:p>
+          <a:p>
+            <a:pPr algn="r"/>
+            <a:r>
+              <a:rPr lang="en-US" altLang="ko-KR" sz="1100" dirty="0" smtClean="0">
+                <a:ln>
+                  <a:solidFill>
+                    <a:schemeClr val="tx1">
+                      <a:alpha val="0"/>
+                    </a:schemeClr>
+                  </a:solidFill>
+                </a:ln>
+                <a:latin typeface="나눔바른고딕" panose="020B0603020101020101" pitchFamily="50" charset="-127"/>
+                <a:ea typeface="나눔바른고딕" panose="020B0603020101020101" pitchFamily="50" charset="-127"/>
+              </a:rPr>
+              <a:t>1/13~</a:t>
+            </a:r>
+            <a:r>
+              <a:rPr lang="ko-KR" altLang="en-US" sz="1100" dirty="0" smtClean="0">
+                <a:ln>
+                  <a:solidFill>
+                    <a:schemeClr val="tx1">
+                      <a:alpha val="0"/>
+                    </a:schemeClr>
+                  </a:solidFill>
+                </a:ln>
+                <a:latin typeface="나눔바른고딕" panose="020B0603020101020101" pitchFamily="50" charset="-127"/>
+                <a:ea typeface="나눔바른고딕" panose="020B0603020101020101" pitchFamily="50" charset="-127"/>
+              </a:rPr>
+              <a:t>진행 중</a:t>
+            </a:r>
+            <a:endParaRPr lang="en-US" altLang="ko-KR" sz="1100" dirty="0">
+              <a:ln>
+                <a:solidFill>
+                  <a:schemeClr val="tx1">
+                    <a:alpha val="0"/>
+                  </a:schemeClr>
+                </a:solidFill>
+              </a:ln>
+              <a:latin typeface="나눔바른고딕" panose="020B0603020101020101" pitchFamily="50" charset="-127"/>
+              <a:ea typeface="나눔바른고딕" panose="020B0603020101020101" pitchFamily="50" charset="-127"/>
+            </a:endParaRPr>
+          </a:p>
+        </p:txBody>
+      </p:sp>
+      <p:sp>
+        <p:nvSpPr>
+          <p:cNvPr id="11" name="직사각형 10"/>
+          <p:cNvSpPr/>
+          <p:nvPr/>
+        </p:nvSpPr>
+        <p:spPr>
+          <a:xfrm>
+            <a:off x="136868" y="5930167"/>
+            <a:ext cx="8867351" cy="646331"/>
+          </a:xfrm>
+          <a:prstGeom prst="rect">
+            <a:avLst/>
+          </a:prstGeom>
+          <a:solidFill>
+            <a:schemeClr val="accent4">
+              <a:lumMod val="20000"/>
+              <a:lumOff val="80000"/>
+            </a:schemeClr>
+          </a:solidFill>
+          <a:ln w="25400">
+            <a:solidFill>
+              <a:srgbClr val="C00000"/>
+            </a:solidFill>
+          </a:ln>
+        </p:spPr>
+        <p:txBody>
+          <a:bodyPr wrap="square">
+            <a:spAutoFit/>
+          </a:bodyPr>
+          <a:lstStyle/>
+          <a:p>
+            <a:pPr algn="ctr"/>
+            <a:r>
+              <a:rPr lang="ko-KR" altLang="en-US" sz="1200" dirty="0" smtClean="0">
+                <a:ln>
+                  <a:solidFill>
+                    <a:schemeClr val="tx1">
+                      <a:alpha val="0"/>
+                    </a:schemeClr>
+                  </a:solidFill>
+                </a:ln>
+                <a:latin typeface="나눔바른고딕" panose="020B0603020101020101" pitchFamily="50" charset="-127"/>
+                <a:ea typeface="나눔바른고딕" panose="020B0603020101020101" pitchFamily="50" charset="-127"/>
+              </a:rPr>
+              <a:t>총 </a:t>
+            </a:r>
+            <a:r>
+              <a:rPr lang="en-US" altLang="ko-KR" sz="1200" dirty="0" smtClean="0">
+                <a:ln>
+                  <a:solidFill>
+                    <a:schemeClr val="tx1">
+                      <a:alpha val="0"/>
+                    </a:schemeClr>
+                  </a:solidFill>
+                </a:ln>
+                <a:latin typeface="나눔바른고딕" panose="020B0603020101020101" pitchFamily="50" charset="-127"/>
+                <a:ea typeface="나눔바른고딕" panose="020B0603020101020101" pitchFamily="50" charset="-127"/>
+              </a:rPr>
+              <a:t>15</a:t>
+            </a:r>
+            <a:r>
+              <a:rPr lang="ko-KR" altLang="en-US" sz="1200" dirty="0" smtClean="0">
+                <a:ln>
+                  <a:solidFill>
+                    <a:schemeClr val="tx1">
+                      <a:alpha val="0"/>
+                    </a:schemeClr>
+                  </a:solidFill>
+                </a:ln>
+                <a:latin typeface="나눔바른고딕" panose="020B0603020101020101" pitchFamily="50" charset="-127"/>
+                <a:ea typeface="나눔바른고딕" panose="020B0603020101020101" pitchFamily="50" charset="-127"/>
+              </a:rPr>
+              <a:t>명에게 미션 전송</a:t>
+            </a:r>
+            <a:r>
+              <a:rPr lang="en-US" altLang="ko-KR" sz="1200" dirty="0" smtClean="0">
+                <a:ln>
+                  <a:solidFill>
+                    <a:schemeClr val="tx1">
+                      <a:alpha val="0"/>
+                    </a:schemeClr>
+                  </a:solidFill>
+                </a:ln>
+                <a:latin typeface="나눔바른고딕" panose="020B0603020101020101" pitchFamily="50" charset="-127"/>
+                <a:ea typeface="나눔바른고딕" panose="020B0603020101020101" pitchFamily="50" charset="-127"/>
+              </a:rPr>
+              <a:t>, </a:t>
+            </a:r>
+            <a:r>
+              <a:rPr lang="ko-KR" altLang="en-US" sz="1200" dirty="0" smtClean="0">
+                <a:ln>
+                  <a:solidFill>
+                    <a:schemeClr val="tx1">
+                      <a:alpha val="0"/>
+                    </a:schemeClr>
+                  </a:solidFill>
+                </a:ln>
+                <a:latin typeface="나눔바른고딕" panose="020B0603020101020101" pitchFamily="50" charset="-127"/>
+                <a:ea typeface="나눔바른고딕" panose="020B0603020101020101" pitchFamily="50" charset="-127"/>
+              </a:rPr>
+              <a:t>현재 </a:t>
+            </a:r>
+            <a:r>
+              <a:rPr lang="en-US" altLang="ko-KR" sz="1200" dirty="0" smtClean="0">
+                <a:ln>
+                  <a:solidFill>
+                    <a:schemeClr val="tx1">
+                      <a:alpha val="0"/>
+                    </a:schemeClr>
+                  </a:solidFill>
+                </a:ln>
+                <a:latin typeface="나눔바른고딕" panose="020B0603020101020101" pitchFamily="50" charset="-127"/>
+                <a:ea typeface="나눔바른고딕" panose="020B0603020101020101" pitchFamily="50" charset="-127"/>
+              </a:rPr>
+              <a:t>0</a:t>
+            </a:r>
+            <a:r>
+              <a:rPr lang="ko-KR" altLang="en-US" sz="1200" dirty="0" smtClean="0">
+                <a:ln>
+                  <a:solidFill>
+                    <a:schemeClr val="tx1">
+                      <a:alpha val="0"/>
+                    </a:schemeClr>
+                  </a:solidFill>
+                </a:ln>
+                <a:latin typeface="나눔바른고딕" panose="020B0603020101020101" pitchFamily="50" charset="-127"/>
+                <a:ea typeface="나눔바른고딕" panose="020B0603020101020101" pitchFamily="50" charset="-127"/>
+              </a:rPr>
+              <a:t>명 달성 </a:t>
+            </a:r>
+            <a:endParaRPr lang="en-US" altLang="ko-KR" sz="1200" dirty="0" smtClean="0">
+              <a:ln>
+                <a:solidFill>
+                  <a:schemeClr val="tx1">
+                    <a:alpha val="0"/>
+                  </a:schemeClr>
+                </a:solidFill>
+              </a:ln>
+              <a:latin typeface="나눔바른고딕" panose="020B0603020101020101" pitchFamily="50" charset="-127"/>
+              <a:ea typeface="나눔바른고딕" panose="020B0603020101020101" pitchFamily="50" charset="-127"/>
+            </a:endParaRPr>
+          </a:p>
+          <a:p>
+            <a:pPr algn="ctr"/>
+            <a:r>
+              <a:rPr lang="en-US" altLang="ko-KR" sz="1200" dirty="0" smtClean="0">
+                <a:ln>
+                  <a:solidFill>
+                    <a:schemeClr val="tx1">
+                      <a:alpha val="0"/>
+                    </a:schemeClr>
+                  </a:solidFill>
+                </a:ln>
+                <a:latin typeface="나눔바른고딕" panose="020B0603020101020101" pitchFamily="50" charset="-127"/>
+                <a:ea typeface="나눔바른고딕" panose="020B0603020101020101" pitchFamily="50" charset="-127"/>
+              </a:rPr>
+              <a:t>1/21~ </a:t>
+            </a:r>
+            <a:r>
+              <a:rPr lang="ko-KR" altLang="en-US" sz="1200" b="1" dirty="0" smtClean="0">
+                <a:ln>
+                  <a:solidFill>
+                    <a:schemeClr val="tx1">
+                      <a:alpha val="0"/>
+                    </a:schemeClr>
+                  </a:solidFill>
+                </a:ln>
+                <a:latin typeface="나눔바른고딕" panose="020B0603020101020101" pitchFamily="50" charset="-127"/>
+                <a:ea typeface="나눔바른고딕" panose="020B0603020101020101" pitchFamily="50" charset="-127"/>
+              </a:rPr>
+              <a:t>보상을 </a:t>
+            </a:r>
+            <a:r>
+              <a:rPr lang="ko-KR" altLang="en-US" sz="1200" b="1" dirty="0" err="1" smtClean="0">
+                <a:ln>
+                  <a:solidFill>
+                    <a:schemeClr val="tx1">
+                      <a:alpha val="0"/>
+                    </a:schemeClr>
+                  </a:solidFill>
+                </a:ln>
+                <a:latin typeface="나눔바른고딕" panose="020B0603020101020101" pitchFamily="50" charset="-127"/>
+                <a:ea typeface="나눔바른고딕" panose="020B0603020101020101" pitchFamily="50" charset="-127"/>
+              </a:rPr>
+              <a:t>교촌</a:t>
+            </a:r>
+            <a:r>
+              <a:rPr lang="ko-KR" altLang="en-US" sz="1200" b="1" dirty="0" smtClean="0">
+                <a:ln>
+                  <a:solidFill>
+                    <a:schemeClr val="tx1">
+                      <a:alpha val="0"/>
+                    </a:schemeClr>
+                  </a:solidFill>
+                </a:ln>
+                <a:latin typeface="나눔바른고딕" panose="020B0603020101020101" pitchFamily="50" charset="-127"/>
+                <a:ea typeface="나눔바른고딕" panose="020B0603020101020101" pitchFamily="50" charset="-127"/>
+              </a:rPr>
+              <a:t> </a:t>
+            </a:r>
+            <a:r>
+              <a:rPr lang="ko-KR" altLang="en-US" sz="1200" b="1" dirty="0" err="1" smtClean="0">
+                <a:ln>
+                  <a:solidFill>
+                    <a:schemeClr val="tx1">
+                      <a:alpha val="0"/>
+                    </a:schemeClr>
+                  </a:solidFill>
+                </a:ln>
+                <a:latin typeface="나눔바른고딕" panose="020B0603020101020101" pitchFamily="50" charset="-127"/>
+                <a:ea typeface="나눔바른고딕" panose="020B0603020101020101" pitchFamily="50" charset="-127"/>
+              </a:rPr>
+              <a:t>허니콤보</a:t>
+            </a:r>
+            <a:r>
+              <a:rPr lang="ko-KR" altLang="en-US" sz="1200" b="1" dirty="0" smtClean="0">
+                <a:ln>
+                  <a:solidFill>
+                    <a:schemeClr val="tx1">
+                      <a:alpha val="0"/>
+                    </a:schemeClr>
+                  </a:solidFill>
+                </a:ln>
+                <a:latin typeface="나눔바른고딕" panose="020B0603020101020101" pitchFamily="50" charset="-127"/>
+                <a:ea typeface="나눔바른고딕" panose="020B0603020101020101" pitchFamily="50" charset="-127"/>
+              </a:rPr>
+              <a:t> </a:t>
+            </a:r>
+            <a:r>
+              <a:rPr lang="ko-KR" altLang="en-US" sz="1200" b="1" dirty="0" err="1" smtClean="0">
+                <a:ln>
+                  <a:solidFill>
+                    <a:schemeClr val="tx1">
+                      <a:alpha val="0"/>
+                    </a:schemeClr>
+                  </a:solidFill>
+                </a:ln>
+                <a:latin typeface="나눔바른고딕" panose="020B0603020101020101" pitchFamily="50" charset="-127"/>
+                <a:ea typeface="나눔바른고딕" panose="020B0603020101020101" pitchFamily="50" charset="-127"/>
+              </a:rPr>
+              <a:t>기프티콘으로</a:t>
+            </a:r>
+            <a:r>
+              <a:rPr lang="ko-KR" altLang="en-US" sz="1200" b="1" dirty="0" smtClean="0">
+                <a:ln>
+                  <a:solidFill>
+                    <a:schemeClr val="tx1">
+                      <a:alpha val="0"/>
+                    </a:schemeClr>
+                  </a:solidFill>
+                </a:ln>
+                <a:latin typeface="나눔바른고딕" panose="020B0603020101020101" pitchFamily="50" charset="-127"/>
+                <a:ea typeface="나눔바른고딕" panose="020B0603020101020101" pitchFamily="50" charset="-127"/>
+              </a:rPr>
+              <a:t> 수정</a:t>
+            </a:r>
+            <a:r>
+              <a:rPr lang="ko-KR" altLang="en-US" sz="1200" dirty="0" smtClean="0">
+                <a:ln>
+                  <a:solidFill>
+                    <a:schemeClr val="tx1">
+                      <a:alpha val="0"/>
+                    </a:schemeClr>
+                  </a:solidFill>
+                </a:ln>
+                <a:latin typeface="나눔바른고딕" panose="020B0603020101020101" pitchFamily="50" charset="-127"/>
+                <a:ea typeface="나눔바른고딕" panose="020B0603020101020101" pitchFamily="50" charset="-127"/>
+              </a:rPr>
+              <a:t>하여</a:t>
+            </a:r>
+            <a:endParaRPr lang="en-US" altLang="ko-KR" sz="1200" dirty="0" smtClean="0">
+              <a:ln>
+                <a:solidFill>
+                  <a:schemeClr val="tx1">
+                    <a:alpha val="0"/>
+                  </a:schemeClr>
+                </a:solidFill>
+              </a:ln>
+              <a:latin typeface="나눔바른고딕" panose="020B0603020101020101" pitchFamily="50" charset="-127"/>
+              <a:ea typeface="나눔바른고딕" panose="020B0603020101020101" pitchFamily="50" charset="-127"/>
+            </a:endParaRPr>
+          </a:p>
+          <a:p>
+            <a:pPr algn="ctr"/>
+            <a:r>
+              <a:rPr lang="en-US" altLang="ko-KR" sz="1200" dirty="0" smtClean="0">
+                <a:ln>
+                  <a:solidFill>
+                    <a:schemeClr val="tx1">
+                      <a:alpha val="0"/>
+                    </a:schemeClr>
+                  </a:solidFill>
+                </a:ln>
+                <a:latin typeface="나눔바른고딕" panose="020B0603020101020101" pitchFamily="50" charset="-127"/>
+                <a:ea typeface="나눔바른고딕" panose="020B0603020101020101" pitchFamily="50" charset="-127"/>
+              </a:rPr>
+              <a:t>A/B test </a:t>
+            </a:r>
+            <a:r>
+              <a:rPr lang="ko-KR" altLang="en-US" sz="1200" dirty="0" smtClean="0">
+                <a:ln>
+                  <a:solidFill>
+                    <a:schemeClr val="tx1">
+                      <a:alpha val="0"/>
+                    </a:schemeClr>
+                  </a:solidFill>
+                </a:ln>
+                <a:latin typeface="나눔바른고딕" panose="020B0603020101020101" pitchFamily="50" charset="-127"/>
+                <a:ea typeface="나눔바른고딕" panose="020B0603020101020101" pitchFamily="50" charset="-127"/>
+              </a:rPr>
+              <a:t>진행 시작 </a:t>
+            </a:r>
+            <a:r>
+              <a:rPr lang="en-US" altLang="ko-KR" sz="1200" dirty="0" smtClean="0">
+                <a:ln>
+                  <a:solidFill>
+                    <a:schemeClr val="tx1">
+                      <a:alpha val="0"/>
+                    </a:schemeClr>
+                  </a:solidFill>
+                </a:ln>
+                <a:latin typeface="나눔바른고딕" panose="020B0603020101020101" pitchFamily="50" charset="-127"/>
+                <a:ea typeface="나눔바른고딕" panose="020B0603020101020101" pitchFamily="50" charset="-127"/>
+              </a:rPr>
+              <a:t>== </a:t>
+            </a:r>
+            <a:r>
+              <a:rPr lang="ko-KR" altLang="en-US" sz="1200" dirty="0" smtClean="0">
+                <a:ln>
+                  <a:solidFill>
+                    <a:schemeClr val="tx1">
+                      <a:alpha val="0"/>
+                    </a:schemeClr>
+                  </a:solidFill>
+                </a:ln>
+                <a:latin typeface="나눔바른고딕" panose="020B0603020101020101" pitchFamily="50" charset="-127"/>
+                <a:ea typeface="나눔바른고딕" panose="020B0603020101020101" pitchFamily="50" charset="-127"/>
+              </a:rPr>
+              <a:t>보상이 문제인지 판단</a:t>
+            </a:r>
+            <a:endParaRPr lang="ko-KR" altLang="en-US" sz="1200" dirty="0">
+              <a:ln>
+                <a:solidFill>
+                  <a:schemeClr val="tx1">
+                    <a:alpha val="0"/>
+                  </a:schemeClr>
+                </a:solidFill>
+              </a:ln>
+              <a:latin typeface="나눔바른고딕" panose="020B0603020101020101" pitchFamily="50" charset="-127"/>
+              <a:ea typeface="나눔바른고딕" panose="020B0603020101020101" pitchFamily="50" charset="-127"/>
+            </a:endParaRPr>
+          </a:p>
+        </p:txBody>
+      </p:sp>
+      <p:pic>
+        <p:nvPicPr>
+          <p:cNvPr id="5" name="그림 4"/>
+          <p:cNvPicPr>
+            <a:picLocks noChangeAspect="1"/>
+          </p:cNvPicPr>
+          <p:nvPr/>
+        </p:nvPicPr>
+        <p:blipFill>
+          <a:blip r:embed="rId2"/>
+          <a:stretch>
+            <a:fillRect/>
+          </a:stretch>
+        </p:blipFill>
+        <p:spPr>
+          <a:xfrm>
+            <a:off x="1005941" y="2447479"/>
+            <a:ext cx="7129201" cy="3002453"/>
+          </a:xfrm>
+          <a:prstGeom prst="rect">
+            <a:avLst/>
+          </a:prstGeom>
+        </p:spPr>
+      </p:pic>
+      <p:pic>
+        <p:nvPicPr>
+          <p:cNvPr id="12" name="그림 11"/>
+          <p:cNvPicPr>
+            <a:picLocks noChangeAspect="1"/>
+          </p:cNvPicPr>
+          <p:nvPr/>
+        </p:nvPicPr>
+        <p:blipFill>
+          <a:blip r:embed="rId3"/>
+          <a:stretch>
+            <a:fillRect/>
+          </a:stretch>
+        </p:blipFill>
+        <p:spPr>
+          <a:xfrm>
+            <a:off x="743354" y="1186032"/>
+            <a:ext cx="7654377" cy="781212"/>
+          </a:xfrm>
+          <a:prstGeom prst="rect">
+            <a:avLst/>
+          </a:prstGeom>
+        </p:spPr>
+      </p:pic>
+      <p:cxnSp>
+        <p:nvCxnSpPr>
+          <p:cNvPr id="13" name="직선 연결선 12"/>
+          <p:cNvCxnSpPr/>
+          <p:nvPr/>
+        </p:nvCxnSpPr>
+        <p:spPr>
+          <a:xfrm>
+            <a:off x="365760" y="2098971"/>
+            <a:ext cx="8454044" cy="0"/>
+          </a:xfrm>
+          <a:prstGeom prst="line">
+            <a:avLst/>
+          </a:prstGeom>
+          <a:ln>
+            <a:solidFill>
+              <a:schemeClr val="bg1">
+                <a:lumMod val="75000"/>
+              </a:schemeClr>
+            </a:solidFill>
+          </a:ln>
+        </p:spPr>
+        <p:style>
+          <a:lnRef idx="1">
+            <a:schemeClr val="accent1"/>
+          </a:lnRef>
+          <a:fillRef idx="0">
+            <a:schemeClr val="accent1"/>
+          </a:fillRef>
+          <a:effectRef idx="0">
+            <a:schemeClr val="accent1"/>
+          </a:effectRef>
+          <a:fontRef idx="minor">
+            <a:schemeClr val="tx1"/>
+          </a:fontRef>
+        </p:style>
+      </p:cxnSp>
+    </p:spTree>
+    <p:extLst>
+      <p:ext uri="{BB962C8B-B14F-4D97-AF65-F5344CB8AC3E}">
+        <p14:creationId xmlns:p14="http://schemas.microsoft.com/office/powerpoint/2010/main" val="2204932835"/>
+      </p:ext>
+    </p:extLst>
+  </p:cSld>
+  <p:clrMapOvr>
+    <a:masterClrMapping/>
+  </p:clrMapOvr>
+</p:sld>
+</file>
+
+<file path=ppt/slides/slide12.xml><?xml version="1.0" encoding="utf-8"?>
+<p:sld xmlns:a="http://schemas.openxmlformats.org/drawingml/2006/main" xmlns:r="http://schemas.openxmlformats.org/officeDocument/2006/relationships" xmlns:p="http://schemas.openxmlformats.org/presentationml/2006/main">
+  <p:cSld>
+    <p:spTree>
+      <p:nvGrpSpPr>
+        <p:cNvPr id="1" name=""/>
+        <p:cNvGrpSpPr/>
+        <p:nvPr/>
+      </p:nvGrpSpPr>
+      <p:grpSpPr>
+        <a:xfrm>
+          <a:off x="0" y="0"/>
+          <a:ext cx="0" cy="0"/>
+          <a:chOff x="0" y="0"/>
+          <a:chExt cx="0" cy="0"/>
+        </a:xfrm>
+      </p:grpSpPr>
       <p:sp>
         <p:nvSpPr>
           <p:cNvPr id="2" name="직사각형 1"/>
@@ -3291,8 +4499,8 @@
         </p:nvSpPr>
         <p:spPr>
           <a:xfrm>
-            <a:off x="5453149" y="5859656"/>
-            <a:ext cx="3551070" cy="461665"/>
+            <a:off x="5370136" y="5360892"/>
+            <a:ext cx="3551070" cy="1200329"/>
           </a:xfrm>
           <a:prstGeom prst="rect">
             <a:avLst/>
@@ -3317,20 +4525,6 @@
           <a:p>
             <a:pPr algn="r"/>
             <a:r>
-              <a:rPr lang="en-US" altLang="ko-KR" sz="1200" dirty="0" smtClean="0">
-                <a:ln>
-                  <a:solidFill>
-                    <a:schemeClr val="tx1">
-                      <a:alpha val="0"/>
-                    </a:schemeClr>
-                  </a:solidFill>
-                </a:ln>
-                <a:latin typeface="나눔바른고딕" panose="020B0603020101020101" pitchFamily="50" charset="-127"/>
-                <a:ea typeface="나눔바른고딕" panose="020B0603020101020101" pitchFamily="50" charset="-127"/>
-              </a:rPr>
-              <a:t>1</a:t>
-            </a:r>
-            <a:r>
               <a:rPr lang="ko-KR" altLang="en-US" sz="1200" dirty="0" smtClean="0">
                 <a:ln>
                   <a:solidFill>
@@ -3342,35 +4536,7 @@
                 <a:latin typeface="나눔바른고딕" panose="020B0603020101020101" pitchFamily="50" charset="-127"/>
                 <a:ea typeface="나눔바른고딕" panose="020B0603020101020101" pitchFamily="50" charset="-127"/>
               </a:rPr>
-              <a:t>월 </a:t>
-            </a:r>
-            <a:r>
-              <a:rPr lang="en-US" altLang="ko-KR" sz="1200" dirty="0" smtClean="0">
-                <a:ln>
-                  <a:solidFill>
-                    <a:schemeClr val="tx1">
-                      <a:alpha val="0"/>
-                    </a:schemeClr>
-                  </a:solidFill>
-                </a:ln>
-                <a:latin typeface="나눔바른고딕" panose="020B0603020101020101" pitchFamily="50" charset="-127"/>
-                <a:ea typeface="나눔바른고딕" panose="020B0603020101020101" pitchFamily="50" charset="-127"/>
-              </a:rPr>
-              <a:t>11</a:t>
-            </a:r>
-            <a:r>
-              <a:rPr lang="ko-KR" altLang="en-US" sz="1200" dirty="0" smtClean="0">
-                <a:ln>
-                  <a:solidFill>
-                    <a:schemeClr val="tx1">
-                      <a:alpha val="0"/>
-                    </a:schemeClr>
-                  </a:solidFill>
-                </a:ln>
-                <a:latin typeface="나눔바른고딕" panose="020B0603020101020101" pitchFamily="50" charset="-127"/>
-                <a:ea typeface="나눔바른고딕" panose="020B0603020101020101" pitchFamily="50" charset="-127"/>
-              </a:rPr>
-              <a:t>일부로 이벤트 진행</a:t>
+              <a:t>이벤트 마감</a:t>
             </a:r>
             <a:endParaRPr lang="en-US" altLang="ko-KR" sz="1200" dirty="0" smtClean="0">
               <a:ln>
@@ -3426,7 +4592,7 @@
                 <a:latin typeface="나눔바른고딕" panose="020B0603020101020101" pitchFamily="50" charset="-127"/>
                 <a:ea typeface="나눔바른고딕" panose="020B0603020101020101" pitchFamily="50" charset="-127"/>
               </a:rPr>
-              <a:t>15</a:t>
+              <a:t>22</a:t>
             </a:r>
             <a:r>
               <a:rPr lang="ko-KR" altLang="en-US" sz="1200" b="1" dirty="0" smtClean="0">
@@ -3440,7 +4606,35 @@
                 <a:latin typeface="나눔바른고딕" panose="020B0603020101020101" pitchFamily="50" charset="-127"/>
                 <a:ea typeface="나눔바른고딕" panose="020B0603020101020101" pitchFamily="50" charset="-127"/>
               </a:rPr>
-              <a:t>일 현재 </a:t>
+              <a:t>일 </a:t>
+            </a:r>
+            <a:r>
+              <a:rPr lang="ko-KR" altLang="en-US" sz="1200" b="1" dirty="0" smtClean="0">
+                <a:ln>
+                  <a:solidFill>
+                    <a:schemeClr val="tx1">
+                      <a:alpha val="0"/>
+                    </a:schemeClr>
+                  </a:solidFill>
+                </a:ln>
+                <a:latin typeface="나눔바른고딕" panose="020B0603020101020101" pitchFamily="50" charset="-127"/>
+                <a:ea typeface="나눔바른고딕" panose="020B0603020101020101" pitchFamily="50" charset="-127"/>
+              </a:rPr>
+              <a:t>현재 </a:t>
+            </a:r>
+            <a:r>
+              <a:rPr lang="ko-KR" altLang="en-US" sz="1200" b="1" dirty="0" smtClean="0">
+                <a:ln>
+                  <a:solidFill>
+                    <a:schemeClr val="tx1">
+                      <a:alpha val="0"/>
+                    </a:schemeClr>
+                  </a:solidFill>
+                </a:ln>
+                <a:latin typeface="나눔바른고딕" panose="020B0603020101020101" pitchFamily="50" charset="-127"/>
+                <a:ea typeface="나눔바른고딕" panose="020B0603020101020101" pitchFamily="50" charset="-127"/>
+              </a:rPr>
+              <a:t>결제완료 </a:t>
             </a:r>
             <a:r>
               <a:rPr lang="en-US" altLang="ko-KR" sz="1200" b="1" dirty="0" smtClean="0">
@@ -3454,7 +4648,7 @@
                 <a:latin typeface="나눔바른고딕" panose="020B0603020101020101" pitchFamily="50" charset="-127"/>
                 <a:ea typeface="나눔바른고딕" panose="020B0603020101020101" pitchFamily="50" charset="-127"/>
               </a:rPr>
-              <a:t>26</a:t>
+              <a:t>9</a:t>
             </a:r>
             <a:r>
               <a:rPr lang="ko-KR" altLang="en-US" sz="1200" b="1" dirty="0" smtClean="0">
@@ -3468,9 +4662,9 @@
                 <a:latin typeface="나눔바른고딕" panose="020B0603020101020101" pitchFamily="50" charset="-127"/>
                 <a:ea typeface="나눔바른고딕" panose="020B0603020101020101" pitchFamily="50" charset="-127"/>
               </a:rPr>
-              <a:t>명 신청</a:t>
-            </a:r>
-            <a:endParaRPr lang="en-US" altLang="ko-KR" sz="1200" b="1" dirty="0">
+              <a:t>건</a:t>
+            </a:r>
+            <a:endParaRPr lang="en-US" altLang="ko-KR" sz="1200" b="1" dirty="0" smtClean="0">
               <a:ln>
                 <a:solidFill>
                   <a:schemeClr val="tx1">
@@ -3482,53 +4676,9 @@
               <a:ea typeface="나눔바른고딕" panose="020B0603020101020101" pitchFamily="50" charset="-127"/>
             </a:endParaRPr>
           </a:p>
-        </p:txBody>
-      </p:sp>
-      <p:sp>
-        <p:nvSpPr>
-          <p:cNvPr id="6" name="직사각형 5"/>
-          <p:cNvSpPr/>
-          <p:nvPr/>
-        </p:nvSpPr>
-        <p:spPr>
-          <a:xfrm>
-            <a:off x="7705898" y="515190"/>
-            <a:ext cx="1215308" cy="261610"/>
-          </a:xfrm>
-          <a:prstGeom prst="rect">
-            <a:avLst/>
-          </a:prstGeom>
-          <a:solidFill>
-            <a:schemeClr val="bg2"/>
-          </a:solidFill>
-          <a:ln>
-            <a:solidFill>
-              <a:srgbClr val="0070C0"/>
-            </a:solidFill>
-          </a:ln>
-        </p:spPr>
-        <p:txBody>
-          <a:bodyPr wrap="square">
-            <a:spAutoFit/>
-          </a:bodyPr>
-          <a:lstStyle/>
-          <a:p>
-            <a:pPr algn="ctr"/>
-            <a:r>
-              <a:rPr lang="en-US" altLang="ko-KR" sz="1100" dirty="0" smtClean="0">
-                <a:ln>
-                  <a:solidFill>
-                    <a:schemeClr val="tx1">
-                      <a:alpha val="0"/>
-                    </a:schemeClr>
-                  </a:solidFill>
-                </a:ln>
-                <a:latin typeface="나눔바른고딕" panose="020B0603020101020101" pitchFamily="50" charset="-127"/>
-                <a:ea typeface="나눔바른고딕" panose="020B0603020101020101" pitchFamily="50" charset="-127"/>
-              </a:rPr>
-              <a:t>01.11~</a:t>
-            </a:r>
-            <a:endParaRPr lang="en-US" altLang="ko-KR" sz="1100" dirty="0">
+          <a:p>
+            <a:pPr algn="r"/>
+            <a:endParaRPr lang="en-US" altLang="ko-KR" sz="1200" b="1" dirty="0" smtClean="0">
               <a:ln>
                 <a:solidFill>
                   <a:schemeClr val="tx1">
@@ -3536,6 +4686,144 @@
                   </a:schemeClr>
                 </a:solidFill>
               </a:ln>
+              <a:latin typeface="나눔바른고딕" panose="020B0603020101020101" pitchFamily="50" charset="-127"/>
+              <a:ea typeface="나눔바른고딕" panose="020B0603020101020101" pitchFamily="50" charset="-127"/>
+            </a:endParaRPr>
+          </a:p>
+          <a:p>
+            <a:pPr algn="r"/>
+            <a:r>
+              <a:rPr lang="ko-KR" altLang="en-US" sz="1200" b="1" dirty="0" smtClean="0">
+                <a:ln>
+                  <a:solidFill>
+                    <a:schemeClr val="tx1">
+                      <a:alpha val="0"/>
+                    </a:schemeClr>
+                  </a:solidFill>
+                </a:ln>
+                <a:latin typeface="나눔바른고딕" panose="020B0603020101020101" pitchFamily="50" charset="-127"/>
+                <a:ea typeface="나눔바른고딕" panose="020B0603020101020101" pitchFamily="50" charset="-127"/>
+              </a:rPr>
+              <a:t>총 </a:t>
+            </a:r>
+            <a:r>
+              <a:rPr lang="en-US" altLang="ko-KR" sz="1200" b="1" dirty="0" smtClean="0">
+                <a:ln>
+                  <a:solidFill>
+                    <a:schemeClr val="tx1">
+                      <a:alpha val="0"/>
+                    </a:schemeClr>
+                  </a:solidFill>
+                </a:ln>
+                <a:latin typeface="나눔바른고딕" panose="020B0603020101020101" pitchFamily="50" charset="-127"/>
+                <a:ea typeface="나눔바른고딕" panose="020B0603020101020101" pitchFamily="50" charset="-127"/>
+              </a:rPr>
+              <a:t>13,820,000</a:t>
+            </a:r>
+            <a:r>
+              <a:rPr lang="ko-KR" altLang="en-US" sz="1200" b="1" dirty="0" smtClean="0">
+                <a:ln>
+                  <a:solidFill>
+                    <a:schemeClr val="tx1">
+                      <a:alpha val="0"/>
+                    </a:schemeClr>
+                  </a:solidFill>
+                </a:ln>
+                <a:latin typeface="나눔바른고딕" panose="020B0603020101020101" pitchFamily="50" charset="-127"/>
+                <a:ea typeface="나눔바른고딕" panose="020B0603020101020101" pitchFamily="50" charset="-127"/>
+              </a:rPr>
+              <a:t>원</a:t>
+            </a:r>
+            <a:endParaRPr lang="en-US" altLang="ko-KR" sz="1200" b="1" dirty="0" smtClean="0">
+              <a:ln>
+                <a:solidFill>
+                  <a:schemeClr val="tx1">
+                    <a:alpha val="0"/>
+                  </a:schemeClr>
+                </a:solidFill>
+              </a:ln>
+              <a:latin typeface="나눔바른고딕" panose="020B0603020101020101" pitchFamily="50" charset="-127"/>
+              <a:ea typeface="나눔바른고딕" panose="020B0603020101020101" pitchFamily="50" charset="-127"/>
+            </a:endParaRPr>
+          </a:p>
+          <a:p>
+            <a:pPr algn="r"/>
+            <a:endParaRPr lang="en-US" altLang="ko-KR" sz="1200" b="1" dirty="0" smtClean="0">
+              <a:ln>
+                <a:solidFill>
+                  <a:schemeClr val="tx1">
+                    <a:alpha val="0"/>
+                  </a:schemeClr>
+                </a:solidFill>
+              </a:ln>
+              <a:latin typeface="나눔바른고딕" panose="020B0603020101020101" pitchFamily="50" charset="-127"/>
+              <a:ea typeface="나눔바른고딕" panose="020B0603020101020101" pitchFamily="50" charset="-127"/>
+            </a:endParaRPr>
+          </a:p>
+          <a:p>
+            <a:pPr algn="r"/>
+            <a:r>
+              <a:rPr lang="ko-KR" altLang="en-US" sz="1200" b="1" dirty="0" smtClean="0">
+                <a:ln>
+                  <a:solidFill>
+                    <a:schemeClr val="tx1">
+                      <a:alpha val="0"/>
+                    </a:schemeClr>
+                  </a:solidFill>
+                </a:ln>
+                <a:solidFill>
+                  <a:srgbClr val="FF0000"/>
+                </a:solidFill>
+                <a:latin typeface="나눔바른고딕" panose="020B0603020101020101" pitchFamily="50" charset="-127"/>
+                <a:ea typeface="나눔바른고딕" panose="020B0603020101020101" pitchFamily="50" charset="-127"/>
+              </a:rPr>
+              <a:t>평균 결제금액 약 </a:t>
+            </a:r>
+            <a:r>
+              <a:rPr lang="en-US" altLang="ko-KR" sz="1200" b="1" dirty="0" smtClean="0">
+                <a:ln>
+                  <a:solidFill>
+                    <a:schemeClr val="tx1">
+                      <a:alpha val="0"/>
+                    </a:schemeClr>
+                  </a:solidFill>
+                </a:ln>
+                <a:solidFill>
+                  <a:srgbClr val="FF0000"/>
+                </a:solidFill>
+                <a:latin typeface="나눔바른고딕" panose="020B0603020101020101" pitchFamily="50" charset="-127"/>
+                <a:ea typeface="나눔바른고딕" panose="020B0603020101020101" pitchFamily="50" charset="-127"/>
+              </a:rPr>
+              <a:t>1,536,000</a:t>
+            </a:r>
+            <a:r>
+              <a:rPr lang="ko-KR" altLang="en-US" sz="1200" b="1" dirty="0" smtClean="0">
+                <a:ln>
+                  <a:solidFill>
+                    <a:schemeClr val="tx1">
+                      <a:alpha val="0"/>
+                    </a:schemeClr>
+                  </a:solidFill>
+                </a:ln>
+                <a:solidFill>
+                  <a:srgbClr val="FF0000"/>
+                </a:solidFill>
+                <a:latin typeface="나눔바른고딕" panose="020B0603020101020101" pitchFamily="50" charset="-127"/>
+                <a:ea typeface="나눔바른고딕" panose="020B0603020101020101" pitchFamily="50" charset="-127"/>
+              </a:rPr>
+              <a:t>원</a:t>
+            </a:r>
+            <a:endParaRPr lang="en-US" altLang="ko-KR" sz="1200" b="1" dirty="0">
+              <a:ln>
+                <a:solidFill>
+                  <a:schemeClr val="tx1">
+                    <a:alpha val="0"/>
+                  </a:schemeClr>
+                </a:solidFill>
+              </a:ln>
+              <a:solidFill>
+                <a:srgbClr val="FF0000"/>
+              </a:solidFill>
               <a:latin typeface="나눔바른고딕" panose="020B0603020101020101" pitchFamily="50" charset="-127"/>
               <a:ea typeface="나눔바른고딕" panose="020B0603020101020101" pitchFamily="50" charset="-127"/>
             </a:endParaRPr>
@@ -3579,7 +4867,7 @@
 </p:sld>
 </file>
 
-<file path=ppt/slides/slide11.xml><?xml version="1.0" encoding="utf-8"?>
+<file path=ppt/slides/slide13.xml><?xml version="1.0" encoding="utf-8"?>
 <p:sld xmlns:a="http://schemas.openxmlformats.org/drawingml/2006/main" xmlns:r="http://schemas.openxmlformats.org/officeDocument/2006/relationships" xmlns:p="http://schemas.openxmlformats.org/presentationml/2006/main">
   <p:cSld>
     <p:spTree>
@@ -3717,7 +5005,7 @@
         <p:spPr>
           <a:xfrm>
             <a:off x="361101" y="803741"/>
-            <a:ext cx="4968027" cy="461665"/>
+            <a:ext cx="4108817" cy="430887"/>
           </a:xfrm>
           <a:prstGeom prst="rect">
             <a:avLst/>
@@ -3731,33 +5019,113 @@
           <a:lstStyle/>
           <a:p>
             <a:r>
-              <a:rPr lang="ko-KR" altLang="en-US" sz="1200" dirty="0" smtClean="0"/>
+              <a:rPr lang="ko-KR" altLang="en-US" sz="1100" dirty="0">
+                <a:ln>
+                  <a:solidFill>
+                    <a:schemeClr val="tx1">
+                      <a:alpha val="0"/>
+                    </a:schemeClr>
+                  </a:solidFill>
+                </a:ln>
+                <a:latin typeface="나눔바른고딕" panose="020B0603020101020101" pitchFamily="50" charset="-127"/>
+                <a:ea typeface="나눔바른고딕" panose="020B0603020101020101" pitchFamily="50" charset="-127"/>
+              </a:rPr>
               <a:t>수상자 혹은 합격자 후기 받는 상시 이벤트</a:t>
             </a:r>
-            <a:endParaRPr lang="en-US" altLang="ko-KR" sz="1200" dirty="0" smtClean="0"/>
-          </a:p>
-          <a:p>
-            <a:r>
-              <a:rPr lang="ko-KR" altLang="en-US" sz="1200" dirty="0" smtClean="0"/>
+            <a:endParaRPr lang="en-US" altLang="ko-KR" sz="1100" dirty="0">
+              <a:ln>
+                <a:solidFill>
+                  <a:schemeClr val="tx1">
+                    <a:alpha val="0"/>
+                  </a:schemeClr>
+                </a:solidFill>
+              </a:ln>
+              <a:latin typeface="나눔바른고딕" panose="020B0603020101020101" pitchFamily="50" charset="-127"/>
+              <a:ea typeface="나눔바른고딕" panose="020B0603020101020101" pitchFamily="50" charset="-127"/>
+            </a:endParaRPr>
+          </a:p>
+          <a:p>
+            <a:r>
+              <a:rPr lang="ko-KR" altLang="en-US" sz="1100" dirty="0">
+                <a:ln>
+                  <a:solidFill>
+                    <a:schemeClr val="tx1">
+                      <a:alpha val="0"/>
+                    </a:schemeClr>
+                  </a:solidFill>
+                </a:ln>
+                <a:latin typeface="나눔바른고딕" panose="020B0603020101020101" pitchFamily="50" charset="-127"/>
+                <a:ea typeface="나눔바른고딕" panose="020B0603020101020101" pitchFamily="50" charset="-127"/>
+              </a:rPr>
               <a:t>카페 읽을거리도 풍부해지고 합격</a:t>
             </a:r>
             <a:r>
-              <a:rPr lang="en-US" altLang="ko-KR" sz="1200" dirty="0" smtClean="0"/>
+              <a:rPr lang="en-US" altLang="ko-KR" sz="1100" dirty="0">
+                <a:ln>
+                  <a:solidFill>
+                    <a:schemeClr val="tx1">
+                      <a:alpha val="0"/>
+                    </a:schemeClr>
+                  </a:solidFill>
+                </a:ln>
+                <a:latin typeface="나눔바른고딕" panose="020B0603020101020101" pitchFamily="50" charset="-127"/>
+                <a:ea typeface="나눔바른고딕" panose="020B0603020101020101" pitchFamily="50" charset="-127"/>
+              </a:rPr>
               <a:t>, </a:t>
             </a:r>
             <a:r>
-              <a:rPr lang="ko-KR" altLang="en-US" sz="1200" dirty="0" smtClean="0"/>
+              <a:rPr lang="ko-KR" altLang="en-US" sz="1100" dirty="0">
+                <a:ln>
+                  <a:solidFill>
+                    <a:schemeClr val="tx1">
+                      <a:alpha val="0"/>
+                    </a:schemeClr>
+                  </a:solidFill>
+                </a:ln>
+                <a:latin typeface="나눔바른고딕" panose="020B0603020101020101" pitchFamily="50" charset="-127"/>
+                <a:ea typeface="나눔바른고딕" panose="020B0603020101020101" pitchFamily="50" charset="-127"/>
+              </a:rPr>
               <a:t>수상 횟수 </a:t>
             </a:r>
             <a:r>
-              <a:rPr lang="ko-KR" altLang="en-US" sz="1200" dirty="0" err="1" smtClean="0"/>
+              <a:rPr lang="ko-KR" altLang="en-US" sz="1100" dirty="0" err="1">
+                <a:ln>
+                  <a:solidFill>
+                    <a:schemeClr val="tx1">
+                      <a:alpha val="0"/>
+                    </a:schemeClr>
+                  </a:solidFill>
+                </a:ln>
+                <a:latin typeface="나눔바른고딕" panose="020B0603020101020101" pitchFamily="50" charset="-127"/>
+                <a:ea typeface="나눔바른고딕" panose="020B0603020101020101" pitchFamily="50" charset="-127"/>
+              </a:rPr>
               <a:t>수치화하는데에</a:t>
             </a:r>
             <a:r>
-              <a:rPr lang="ko-KR" altLang="en-US" sz="1200" dirty="0" smtClean="0"/>
+              <a:rPr lang="ko-KR" altLang="en-US" sz="1100" dirty="0">
+                <a:ln>
+                  <a:solidFill>
+                    <a:schemeClr val="tx1">
+                      <a:alpha val="0"/>
+                    </a:schemeClr>
+                  </a:solidFill>
+                </a:ln>
+                <a:latin typeface="나눔바른고딕" panose="020B0603020101020101" pitchFamily="50" charset="-127"/>
+                <a:ea typeface="나눔바른고딕" panose="020B0603020101020101" pitchFamily="50" charset="-127"/>
+              </a:rPr>
               <a:t> 도움될 것</a:t>
             </a:r>
-            <a:endParaRPr lang="ko-KR" altLang="en-US" sz="1200" dirty="0"/>
+            <a:endParaRPr lang="ko-KR" altLang="en-US" sz="1100" dirty="0">
+              <a:ln>
+                <a:solidFill>
+                  <a:schemeClr val="tx1">
+                    <a:alpha val="0"/>
+                  </a:schemeClr>
+                </a:solidFill>
+              </a:ln>
+              <a:latin typeface="나눔바른고딕" panose="020B0603020101020101" pitchFamily="50" charset="-127"/>
+              <a:ea typeface="나눔바른고딕" panose="020B0603020101020101" pitchFamily="50" charset="-127"/>
+            </a:endParaRPr>
           </a:p>
         </p:txBody>
       </p:sp>
@@ -3774,7 +5142,7 @@
 </p:sld>
 </file>
 
-<file path=ppt/slides/slide12.xml><?xml version="1.0" encoding="utf-8"?>
+<file path=ppt/slides/slide14.xml><?xml version="1.0" encoding="utf-8"?>
 <p:sld xmlns:a="http://schemas.openxmlformats.org/drawingml/2006/main" xmlns:r="http://schemas.openxmlformats.org/officeDocument/2006/relationships" xmlns:p="http://schemas.openxmlformats.org/presentationml/2006/main">
   <p:cSld>
     <p:spTree>
@@ -3791,54 +5159,6 @@
           <a:chExt cx="0" cy="0"/>
         </a:xfrm>
       </p:grpSpPr>
-      <p:pic>
-        <p:nvPicPr>
-          <p:cNvPr id="2" name="그림 1"/>
-          <p:cNvPicPr>
-            <a:picLocks noChangeAspect="1"/>
-          </p:cNvPicPr>
-          <p:nvPr/>
-        </p:nvPicPr>
-        <p:blipFill>
-          <a:blip r:embed="rId2"/>
-          <a:stretch>
-            <a:fillRect/>
-          </a:stretch>
-        </p:blipFill>
-        <p:spPr>
-          <a:xfrm>
-            <a:off x="1649597" y="1328449"/>
-            <a:ext cx="2100839" cy="4583648"/>
-          </a:xfrm>
-          <a:prstGeom prst="rect">
-            <a:avLst/>
-          </a:prstGeom>
-        </p:spPr>
-      </p:pic>
-      <p:pic>
-        <p:nvPicPr>
-          <p:cNvPr id="3" name="그림 2"/>
-          <p:cNvPicPr>
-            <a:picLocks noChangeAspect="1"/>
-          </p:cNvPicPr>
-          <p:nvPr/>
-        </p:nvPicPr>
-        <p:blipFill>
-          <a:blip r:embed="rId3"/>
-          <a:stretch>
-            <a:fillRect/>
-          </a:stretch>
-        </p:blipFill>
-        <p:spPr>
-          <a:xfrm>
-            <a:off x="4570543" y="1281721"/>
-            <a:ext cx="3042842" cy="4677104"/>
-          </a:xfrm>
-          <a:prstGeom prst="rect">
-            <a:avLst/>
-          </a:prstGeom>
-        </p:spPr>
-      </p:pic>
       <p:sp>
         <p:nvSpPr>
           <p:cNvPr id="4" name="직사각형 3"/>
@@ -4066,7 +5386,21 @@
                 <a:latin typeface="나눔바른고딕" panose="020B0603020101020101" pitchFamily="50" charset="-127"/>
                 <a:ea typeface="나눔바른고딕" panose="020B0603020101020101" pitchFamily="50" charset="-127"/>
               </a:rPr>
-              <a:t>유입 사용자</a:t>
+              <a:t>유입 </a:t>
+            </a:r>
+            <a:r>
+              <a:rPr lang="ko-KR" altLang="en-US" sz="1050" b="1" dirty="0" err="1" smtClean="0">
+                <a:ln>
+                  <a:solidFill>
+                    <a:schemeClr val="tx1">
+                      <a:alpha val="0"/>
+                    </a:schemeClr>
+                  </a:solidFill>
+                </a:ln>
+                <a:latin typeface="나눔바른고딕" panose="020B0603020101020101" pitchFamily="50" charset="-127"/>
+                <a:ea typeface="나눔바른고딕" panose="020B0603020101020101" pitchFamily="50" charset="-127"/>
+              </a:rPr>
+              <a:t>사ㅇㅎㄴㅇㅎㅇ용자</a:t>
             </a:r>
             <a:endParaRPr lang="ko-KR" altLang="en-US" sz="1050" b="1" dirty="0">
               <a:ln>
@@ -4269,8 +5603,8 @@
         </p:nvSpPr>
         <p:spPr>
           <a:xfrm>
-            <a:off x="4787900" y="5930167"/>
-            <a:ext cx="4077145" cy="461665"/>
+            <a:off x="5544589" y="5710189"/>
+            <a:ext cx="3320456" cy="461665"/>
           </a:xfrm>
           <a:prstGeom prst="rect">
             <a:avLst/>
@@ -4682,6 +6016,104 @@
           </a:p>
         </p:txBody>
       </p:sp>
+      <p:cxnSp>
+        <p:nvCxnSpPr>
+          <p:cNvPr id="5" name="직선 연결선 4"/>
+          <p:cNvCxnSpPr/>
+          <p:nvPr/>
+        </p:nvCxnSpPr>
+        <p:spPr>
+          <a:xfrm>
+            <a:off x="248631" y="2252749"/>
+            <a:ext cx="8646738" cy="0"/>
+          </a:xfrm>
+          <a:prstGeom prst="line">
+            <a:avLst/>
+          </a:prstGeom>
+          <a:ln>
+            <a:solidFill>
+              <a:schemeClr val="tx1">
+                <a:lumMod val="50000"/>
+                <a:lumOff val="50000"/>
+              </a:schemeClr>
+            </a:solidFill>
+          </a:ln>
+        </p:spPr>
+        <p:style>
+          <a:lnRef idx="1">
+            <a:schemeClr val="accent1"/>
+          </a:lnRef>
+          <a:fillRef idx="0">
+            <a:schemeClr val="accent1"/>
+          </a:fillRef>
+          <a:effectRef idx="0">
+            <a:schemeClr val="accent1"/>
+          </a:effectRef>
+          <a:fontRef idx="minor">
+            <a:schemeClr val="tx1"/>
+          </a:fontRef>
+        </p:style>
+      </p:cxnSp>
+      <p:sp>
+        <p:nvSpPr>
+          <p:cNvPr id="18" name="직사각형 17"/>
+          <p:cNvSpPr/>
+          <p:nvPr/>
+        </p:nvSpPr>
+        <p:spPr>
+          <a:xfrm>
+            <a:off x="297757" y="2614140"/>
+            <a:ext cx="1531189" cy="276999"/>
+          </a:xfrm>
+          <a:prstGeom prst="rect">
+            <a:avLst/>
+          </a:prstGeom>
+          <a:solidFill>
+            <a:schemeClr val="tx1">
+              <a:lumMod val="65000"/>
+              <a:lumOff val="35000"/>
+            </a:schemeClr>
+          </a:solidFill>
+        </p:spPr>
+        <p:txBody>
+          <a:bodyPr wrap="none">
+            <a:spAutoFit/>
+          </a:bodyPr>
+          <a:lstStyle/>
+          <a:p>
+            <a:pPr algn="ctr"/>
+            <a:r>
+              <a:rPr lang="ko-KR" altLang="en-US" sz="1200" dirty="0" smtClean="0">
+                <a:ln>
+                  <a:solidFill>
+                    <a:schemeClr val="bg2">
+                      <a:alpha val="0"/>
+                    </a:schemeClr>
+                  </a:solidFill>
+                </a:ln>
+                <a:solidFill>
+                  <a:schemeClr val="bg1"/>
+                </a:solidFill>
+                <a:latin typeface="나눔바른고딕" panose="020B0603020101020101" pitchFamily="50" charset="-127"/>
+                <a:ea typeface="나눔바른고딕" panose="020B0603020101020101" pitchFamily="50" charset="-127"/>
+              </a:rPr>
+              <a:t>캠페인 별 획득 방문자</a:t>
+            </a:r>
+            <a:endParaRPr lang="ko-KR" altLang="en-US" sz="1200" dirty="0">
+              <a:ln>
+                <a:solidFill>
+                  <a:schemeClr val="bg2">
+                    <a:alpha val="0"/>
+                  </a:schemeClr>
+                </a:solidFill>
+              </a:ln>
+              <a:solidFill>
+                <a:schemeClr val="bg1"/>
+              </a:solidFill>
+            </a:endParaRPr>
+          </a:p>
+        </p:txBody>
+      </p:sp>
     </p:spTree>
     <p:extLst>
       <p:ext uri="{BB962C8B-B14F-4D97-AF65-F5344CB8AC3E}">
@@ -4714,7 +6146,7 @@
       </p:grpSpPr>
       <p:sp>
         <p:nvSpPr>
-          <p:cNvPr id="2" name="직사각형 1"/>
+          <p:cNvPr id="4" name="직사각형 3"/>
           <p:cNvSpPr/>
           <p:nvPr/>
         </p:nvSpPr>
@@ -4789,9 +6221,2144 @@
           </a:p>
         </p:txBody>
       </p:sp>
+      <p:sp>
+        <p:nvSpPr>
+          <p:cNvPr id="5" name="직사각형 4"/>
+          <p:cNvSpPr/>
+          <p:nvPr/>
+        </p:nvSpPr>
+        <p:spPr>
+          <a:xfrm>
+            <a:off x="297757" y="2364758"/>
+            <a:ext cx="1531189" cy="276999"/>
+          </a:xfrm>
+          <a:prstGeom prst="rect">
+            <a:avLst/>
+          </a:prstGeom>
+          <a:solidFill>
+            <a:schemeClr val="tx1">
+              <a:lumMod val="65000"/>
+              <a:lumOff val="35000"/>
+            </a:schemeClr>
+          </a:solidFill>
+        </p:spPr>
+        <p:txBody>
+          <a:bodyPr wrap="none">
+            <a:spAutoFit/>
+          </a:bodyPr>
+          <a:lstStyle/>
+          <a:p>
+            <a:pPr algn="ctr"/>
+            <a:r>
+              <a:rPr lang="ko-KR" altLang="en-US" sz="1200" dirty="0" smtClean="0">
+                <a:ln>
+                  <a:solidFill>
+                    <a:schemeClr val="bg2">
+                      <a:alpha val="0"/>
+                    </a:schemeClr>
+                  </a:solidFill>
+                </a:ln>
+                <a:solidFill>
+                  <a:schemeClr val="bg1"/>
+                </a:solidFill>
+                <a:latin typeface="나눔바른고딕" panose="020B0603020101020101" pitchFamily="50" charset="-127"/>
+                <a:ea typeface="나눔바른고딕" panose="020B0603020101020101" pitchFamily="50" charset="-127"/>
+              </a:rPr>
+              <a:t>캠페인 별 획득 방문자</a:t>
+            </a:r>
+            <a:endParaRPr lang="ko-KR" altLang="en-US" sz="1200" dirty="0">
+              <a:ln>
+                <a:solidFill>
+                  <a:schemeClr val="bg2">
+                    <a:alpha val="0"/>
+                  </a:schemeClr>
+                </a:solidFill>
+              </a:ln>
+              <a:solidFill>
+                <a:schemeClr val="bg1"/>
+              </a:solidFill>
+            </a:endParaRPr>
+          </a:p>
+        </p:txBody>
+      </p:sp>
+      <p:sp>
+        <p:nvSpPr>
+          <p:cNvPr id="6" name="직사각형 5"/>
+          <p:cNvSpPr/>
+          <p:nvPr/>
+        </p:nvSpPr>
+        <p:spPr>
+          <a:xfrm>
+            <a:off x="297757" y="502707"/>
+            <a:ext cx="1566454" cy="276999"/>
+          </a:xfrm>
+          <a:prstGeom prst="rect">
+            <a:avLst/>
+          </a:prstGeom>
+          <a:solidFill>
+            <a:schemeClr val="tx1">
+              <a:lumMod val="65000"/>
+              <a:lumOff val="35000"/>
+            </a:schemeClr>
+          </a:solidFill>
+        </p:spPr>
+        <p:txBody>
+          <a:bodyPr wrap="none">
+            <a:spAutoFit/>
+          </a:bodyPr>
+          <a:lstStyle/>
+          <a:p>
+            <a:r>
+              <a:rPr lang="ko-KR" altLang="en-US" sz="1200" dirty="0" smtClean="0">
+                <a:ln>
+                  <a:solidFill>
+                    <a:schemeClr val="bg2">
+                      <a:alpha val="0"/>
+                    </a:schemeClr>
+                  </a:solidFill>
+                </a:ln>
+                <a:solidFill>
+                  <a:schemeClr val="bg1"/>
+                </a:solidFill>
+                <a:latin typeface="나눔바른고딕" panose="020B0603020101020101" pitchFamily="50" charset="-127"/>
+                <a:ea typeface="나눔바른고딕" panose="020B0603020101020101" pitchFamily="50" charset="-127"/>
+              </a:rPr>
+              <a:t>전 주 대비 방문자 추이</a:t>
+            </a:r>
+            <a:endParaRPr lang="ko-KR" altLang="en-US" sz="1200" dirty="0">
+              <a:ln>
+                <a:solidFill>
+                  <a:schemeClr val="bg2">
+                    <a:alpha val="0"/>
+                  </a:schemeClr>
+                </a:solidFill>
+              </a:ln>
+              <a:solidFill>
+                <a:schemeClr val="bg1"/>
+              </a:solidFill>
+            </a:endParaRPr>
+          </a:p>
+        </p:txBody>
+      </p:sp>
+      <p:sp>
+        <p:nvSpPr>
+          <p:cNvPr id="7" name="직사각형 6"/>
+          <p:cNvSpPr/>
+          <p:nvPr/>
+        </p:nvSpPr>
+        <p:spPr>
+          <a:xfrm>
+            <a:off x="326072" y="5930167"/>
+            <a:ext cx="2130082" cy="430887"/>
+          </a:xfrm>
+          <a:prstGeom prst="rect">
+            <a:avLst/>
+          </a:prstGeom>
+          <a:solidFill>
+            <a:schemeClr val="bg2"/>
+          </a:solidFill>
+          <a:ln>
+            <a:solidFill>
+              <a:srgbClr val="0070C0"/>
+            </a:solidFill>
+          </a:ln>
+        </p:spPr>
+        <p:txBody>
+          <a:bodyPr wrap="square">
+            <a:spAutoFit/>
+          </a:bodyPr>
+          <a:lstStyle/>
+          <a:p>
+            <a:pPr algn="ctr"/>
+            <a:r>
+              <a:rPr lang="ko-KR" altLang="en-US" sz="1100" b="1" dirty="0" err="1" smtClean="0">
+                <a:ln>
+                  <a:solidFill>
+                    <a:schemeClr val="tx1">
+                      <a:alpha val="0"/>
+                    </a:schemeClr>
+                  </a:solidFill>
+                </a:ln>
+                <a:latin typeface="나눔바른고딕" panose="020B0603020101020101" pitchFamily="50" charset="-127"/>
+                <a:ea typeface="나눔바른고딕" panose="020B0603020101020101" pitchFamily="50" charset="-127"/>
+              </a:rPr>
+              <a:t>체험권</a:t>
+            </a:r>
+            <a:r>
+              <a:rPr lang="ko-KR" altLang="en-US" sz="1100" b="1" dirty="0" smtClean="0">
+                <a:ln>
+                  <a:solidFill>
+                    <a:schemeClr val="tx1">
+                      <a:alpha val="0"/>
+                    </a:schemeClr>
+                  </a:solidFill>
+                </a:ln>
+                <a:latin typeface="나눔바른고딕" panose="020B0603020101020101" pitchFamily="50" charset="-127"/>
+                <a:ea typeface="나눔바른고딕" panose="020B0603020101020101" pitchFamily="50" charset="-127"/>
+              </a:rPr>
+              <a:t> 신청 인원 </a:t>
+            </a:r>
+            <a:endParaRPr lang="en-US" altLang="ko-KR" sz="1100" b="1" dirty="0" smtClean="0">
+              <a:ln>
+                <a:solidFill>
+                  <a:schemeClr val="tx1">
+                    <a:alpha val="0"/>
+                  </a:schemeClr>
+                </a:solidFill>
+              </a:ln>
+              <a:latin typeface="나눔바른고딕" panose="020B0603020101020101" pitchFamily="50" charset="-127"/>
+              <a:ea typeface="나눔바른고딕" panose="020B0603020101020101" pitchFamily="50" charset="-127"/>
+            </a:endParaRPr>
+          </a:p>
+          <a:p>
+            <a:pPr algn="ctr"/>
+            <a:r>
+              <a:rPr lang="ko-KR" altLang="en-US" sz="1100" dirty="0" smtClean="0">
+                <a:ln>
+                  <a:solidFill>
+                    <a:schemeClr val="tx1">
+                      <a:alpha val="0"/>
+                    </a:schemeClr>
+                  </a:solidFill>
+                </a:ln>
+                <a:solidFill>
+                  <a:srgbClr val="FF0000"/>
+                </a:solidFill>
+                <a:latin typeface="나눔바른고딕" panose="020B0603020101020101" pitchFamily="50" charset="-127"/>
+                <a:ea typeface="나눔바른고딕" panose="020B0603020101020101" pitchFamily="50" charset="-127"/>
+              </a:rPr>
+              <a:t>동 기간 </a:t>
+            </a:r>
+            <a:r>
+              <a:rPr lang="en-US" altLang="ko-KR" sz="1100" dirty="0" smtClean="0">
+                <a:ln>
+                  <a:solidFill>
+                    <a:schemeClr val="tx1">
+                      <a:alpha val="0"/>
+                    </a:schemeClr>
+                  </a:solidFill>
+                </a:ln>
+                <a:solidFill>
+                  <a:srgbClr val="FF0000"/>
+                </a:solidFill>
+                <a:latin typeface="나눔바른고딕" panose="020B0603020101020101" pitchFamily="50" charset="-127"/>
+                <a:ea typeface="나눔바른고딕" panose="020B0603020101020101" pitchFamily="50" charset="-127"/>
+              </a:rPr>
+              <a:t>45 </a:t>
+            </a:r>
+            <a:r>
+              <a:rPr lang="en-US" altLang="ko-KR" sz="1100" dirty="0" smtClean="0">
+                <a:ln>
+                  <a:solidFill>
+                    <a:schemeClr val="tx1">
+                      <a:alpha val="0"/>
+                    </a:schemeClr>
+                  </a:solidFill>
+                </a:ln>
+                <a:solidFill>
+                  <a:srgbClr val="FF0000"/>
+                </a:solidFill>
+                <a:latin typeface="나눔바른고딕" panose="020B0603020101020101" pitchFamily="50" charset="-127"/>
+                <a:ea typeface="나눔바른고딕" panose="020B0603020101020101" pitchFamily="50" charset="-127"/>
+                <a:sym typeface="Wingdings" panose="05000000000000000000" pitchFamily="2" charset="2"/>
+              </a:rPr>
+              <a:t> 42</a:t>
+            </a:r>
+            <a:r>
+              <a:rPr lang="ko-KR" altLang="en-US" sz="1100" dirty="0" smtClean="0">
+                <a:ln>
+                  <a:solidFill>
+                    <a:schemeClr val="tx1">
+                      <a:alpha val="0"/>
+                    </a:schemeClr>
+                  </a:solidFill>
+                </a:ln>
+                <a:solidFill>
+                  <a:srgbClr val="FF0000"/>
+                </a:solidFill>
+                <a:latin typeface="나눔바른고딕" panose="020B0603020101020101" pitchFamily="50" charset="-127"/>
+                <a:ea typeface="나눔바른고딕" panose="020B0603020101020101" pitchFamily="50" charset="-127"/>
+                <a:sym typeface="Wingdings" panose="05000000000000000000" pitchFamily="2" charset="2"/>
+              </a:rPr>
+              <a:t>명으로 </a:t>
+            </a:r>
+            <a:r>
+              <a:rPr lang="en-US" altLang="ko-KR" sz="1100" dirty="0">
+                <a:ln>
+                  <a:solidFill>
+                    <a:schemeClr val="tx1">
+                      <a:alpha val="0"/>
+                    </a:schemeClr>
+                  </a:solidFill>
+                </a:ln>
+                <a:solidFill>
+                  <a:srgbClr val="FF0000"/>
+                </a:solidFill>
+                <a:latin typeface="나눔바른고딕" panose="020B0603020101020101" pitchFamily="50" charset="-127"/>
+                <a:ea typeface="나눔바른고딕" panose="020B0603020101020101" pitchFamily="50" charset="-127"/>
+                <a:sym typeface="Wingdings" panose="05000000000000000000" pitchFamily="2" charset="2"/>
+              </a:rPr>
+              <a:t>7</a:t>
+            </a:r>
+            <a:r>
+              <a:rPr lang="en-US" altLang="ko-KR" sz="1100" dirty="0" smtClean="0">
+                <a:ln>
+                  <a:solidFill>
+                    <a:schemeClr val="tx1">
+                      <a:alpha val="0"/>
+                    </a:schemeClr>
+                  </a:solidFill>
+                </a:ln>
+                <a:solidFill>
+                  <a:srgbClr val="FF0000"/>
+                </a:solidFill>
+                <a:latin typeface="나눔바른고딕" panose="020B0603020101020101" pitchFamily="50" charset="-127"/>
+                <a:ea typeface="나눔바른고딕" panose="020B0603020101020101" pitchFamily="50" charset="-127"/>
+                <a:sym typeface="Wingdings" panose="05000000000000000000" pitchFamily="2" charset="2"/>
+              </a:rPr>
+              <a:t>% </a:t>
+            </a:r>
+            <a:r>
+              <a:rPr lang="ko-KR" altLang="en-US" sz="1100" dirty="0" smtClean="0">
+                <a:ln>
+                  <a:solidFill>
+                    <a:schemeClr val="tx1">
+                      <a:alpha val="0"/>
+                    </a:schemeClr>
+                  </a:solidFill>
+                </a:ln>
+                <a:solidFill>
+                  <a:srgbClr val="FF0000"/>
+                </a:solidFill>
+                <a:latin typeface="나눔바른고딕" panose="020B0603020101020101" pitchFamily="50" charset="-127"/>
+                <a:ea typeface="나눔바른고딕" panose="020B0603020101020101" pitchFamily="50" charset="-127"/>
+                <a:sym typeface="Wingdings" panose="05000000000000000000" pitchFamily="2" charset="2"/>
+              </a:rPr>
+              <a:t>감소</a:t>
+            </a:r>
+            <a:endParaRPr lang="en-US" altLang="ko-KR" sz="1100" dirty="0">
+              <a:ln>
+                <a:solidFill>
+                  <a:schemeClr val="tx1">
+                    <a:alpha val="0"/>
+                  </a:schemeClr>
+                </a:solidFill>
+              </a:ln>
+              <a:solidFill>
+                <a:srgbClr val="FF0000"/>
+              </a:solidFill>
+              <a:latin typeface="나눔바른고딕" panose="020B0603020101020101" pitchFamily="50" charset="-127"/>
+              <a:ea typeface="나눔바른고딕" panose="020B0603020101020101" pitchFamily="50" charset="-127"/>
+            </a:endParaRPr>
+          </a:p>
+        </p:txBody>
+      </p:sp>
+      <p:sp>
+        <p:nvSpPr>
+          <p:cNvPr id="8" name="직사각형 7"/>
+          <p:cNvSpPr/>
+          <p:nvPr/>
+        </p:nvSpPr>
+        <p:spPr>
+          <a:xfrm>
+            <a:off x="5544589" y="5710189"/>
+            <a:ext cx="3320456" cy="461665"/>
+          </a:xfrm>
+          <a:prstGeom prst="rect">
+            <a:avLst/>
+          </a:prstGeom>
+          <a:solidFill>
+            <a:schemeClr val="accent4">
+              <a:lumMod val="20000"/>
+              <a:lumOff val="80000"/>
+            </a:schemeClr>
+          </a:solidFill>
+          <a:ln w="25400">
+            <a:solidFill>
+              <a:srgbClr val="C00000"/>
+            </a:solidFill>
+          </a:ln>
+        </p:spPr>
+        <p:txBody>
+          <a:bodyPr wrap="square">
+            <a:spAutoFit/>
+          </a:bodyPr>
+          <a:lstStyle/>
+          <a:p>
+            <a:pPr algn="r"/>
+            <a:r>
+              <a:rPr lang="ko-KR" altLang="en-US" sz="1200" b="1" dirty="0" smtClean="0">
+                <a:ln>
+                  <a:solidFill>
+                    <a:schemeClr val="tx1">
+                      <a:alpha val="0"/>
+                    </a:schemeClr>
+                  </a:solidFill>
+                </a:ln>
+                <a:latin typeface="나눔바른고딕" panose="020B0603020101020101" pitchFamily="50" charset="-127"/>
+                <a:ea typeface="나눔바른고딕" panose="020B0603020101020101" pitchFamily="50" charset="-127"/>
+              </a:rPr>
+              <a:t>전 주 대비 신규 방문자 수 </a:t>
+            </a:r>
+            <a:r>
+              <a:rPr lang="en-US" altLang="ko-KR" sz="1200" b="1" dirty="0" smtClean="0">
+                <a:ln>
+                  <a:solidFill>
+                    <a:schemeClr val="tx1">
+                      <a:alpha val="0"/>
+                    </a:schemeClr>
+                  </a:solidFill>
+                </a:ln>
+                <a:latin typeface="나눔바른고딕" panose="020B0603020101020101" pitchFamily="50" charset="-127"/>
+                <a:ea typeface="나눔바른고딕" panose="020B0603020101020101" pitchFamily="50" charset="-127"/>
+              </a:rPr>
+              <a:t>-16.72%</a:t>
+            </a:r>
+            <a:endParaRPr lang="en-US" altLang="ko-KR" sz="1200" b="1" dirty="0">
+              <a:ln>
+                <a:solidFill>
+                  <a:schemeClr val="tx1">
+                    <a:alpha val="0"/>
+                  </a:schemeClr>
+                </a:solidFill>
+              </a:ln>
+              <a:latin typeface="나눔바른고딕" panose="020B0603020101020101" pitchFamily="50" charset="-127"/>
+              <a:ea typeface="나눔바른고딕" panose="020B0603020101020101" pitchFamily="50" charset="-127"/>
+            </a:endParaRPr>
+          </a:p>
+          <a:p>
+            <a:pPr algn="r"/>
+            <a:r>
+              <a:rPr lang="en-US" altLang="ko-KR" sz="1200" dirty="0" smtClean="0">
+                <a:ln>
+                  <a:solidFill>
+                    <a:schemeClr val="tx1">
+                      <a:alpha val="0"/>
+                    </a:schemeClr>
+                  </a:solidFill>
+                </a:ln>
+                <a:solidFill>
+                  <a:srgbClr val="FF0000"/>
+                </a:solidFill>
+                <a:latin typeface="나눔바른고딕" panose="020B0603020101020101" pitchFamily="50" charset="-127"/>
+                <a:ea typeface="나눔바른고딕" panose="020B0603020101020101" pitchFamily="50" charset="-127"/>
+              </a:rPr>
+              <a:t>GDN</a:t>
+            </a:r>
+            <a:r>
+              <a:rPr lang="ko-KR" altLang="en-US" sz="1200" dirty="0" smtClean="0">
+                <a:ln>
+                  <a:solidFill>
+                    <a:schemeClr val="tx1">
+                      <a:alpha val="0"/>
+                    </a:schemeClr>
+                  </a:solidFill>
+                </a:ln>
+                <a:solidFill>
+                  <a:srgbClr val="FF0000"/>
+                </a:solidFill>
+                <a:latin typeface="나눔바른고딕" panose="020B0603020101020101" pitchFamily="50" charset="-127"/>
+                <a:ea typeface="나눔바른고딕" panose="020B0603020101020101" pitchFamily="50" charset="-127"/>
+              </a:rPr>
+              <a:t>을 통한 </a:t>
+            </a:r>
+            <a:r>
+              <a:rPr lang="ko-KR" altLang="en-US" sz="1200" dirty="0" err="1" smtClean="0">
+                <a:ln>
+                  <a:solidFill>
+                    <a:schemeClr val="tx1">
+                      <a:alpha val="0"/>
+                    </a:schemeClr>
+                  </a:solidFill>
+                </a:ln>
+                <a:solidFill>
+                  <a:srgbClr val="FF0000"/>
+                </a:solidFill>
+                <a:latin typeface="나눔바른고딕" panose="020B0603020101020101" pitchFamily="50" charset="-127"/>
+                <a:ea typeface="나눔바른고딕" panose="020B0603020101020101" pitchFamily="50" charset="-127"/>
+              </a:rPr>
+              <a:t>유입채널</a:t>
+            </a:r>
+            <a:r>
+              <a:rPr lang="ko-KR" altLang="en-US" sz="1200" dirty="0" smtClean="0">
+                <a:ln>
+                  <a:solidFill>
+                    <a:schemeClr val="tx1">
+                      <a:alpha val="0"/>
+                    </a:schemeClr>
+                  </a:solidFill>
+                </a:ln>
+                <a:solidFill>
+                  <a:srgbClr val="FF0000"/>
+                </a:solidFill>
+                <a:latin typeface="나눔바른고딕" panose="020B0603020101020101" pitchFamily="50" charset="-127"/>
+                <a:ea typeface="나눔바른고딕" panose="020B0603020101020101" pitchFamily="50" charset="-127"/>
+              </a:rPr>
+              <a:t> 확장 예정</a:t>
+            </a:r>
+            <a:endParaRPr lang="en-US" altLang="ko-KR" sz="1200" dirty="0">
+              <a:ln>
+                <a:solidFill>
+                  <a:schemeClr val="tx1">
+                    <a:alpha val="0"/>
+                  </a:schemeClr>
+                </a:solidFill>
+              </a:ln>
+              <a:solidFill>
+                <a:srgbClr val="FF0000"/>
+              </a:solidFill>
+              <a:latin typeface="나눔바른고딕" panose="020B0603020101020101" pitchFamily="50" charset="-127"/>
+              <a:ea typeface="나눔바른고딕" panose="020B0603020101020101" pitchFamily="50" charset="-127"/>
+            </a:endParaRPr>
+          </a:p>
+        </p:txBody>
+      </p:sp>
+    </p:spTree>
+    <p:extLst>
+      <p:ext uri="{BB962C8B-B14F-4D97-AF65-F5344CB8AC3E}">
+        <p14:creationId xmlns:p14="http://schemas.microsoft.com/office/powerpoint/2010/main" val="3961200487"/>
+      </p:ext>
+    </p:extLst>
+  </p:cSld>
+  <p:clrMapOvr>
+    <a:masterClrMapping/>
+  </p:clrMapOvr>
+</p:sld>
+</file>
+
+<file path=ppt/slides/slide4.xml><?xml version="1.0" encoding="utf-8"?>
+<p:sld xmlns:a="http://schemas.openxmlformats.org/drawingml/2006/main" xmlns:r="http://schemas.openxmlformats.org/officeDocument/2006/relationships" xmlns:p="http://schemas.openxmlformats.org/presentationml/2006/main">
+  <p:cSld>
+    <p:spTree>
+      <p:nvGrpSpPr>
+        <p:cNvPr id="1" name=""/>
+        <p:cNvGrpSpPr/>
+        <p:nvPr/>
+      </p:nvGrpSpPr>
+      <p:grpSpPr>
+        <a:xfrm>
+          <a:off x="0" y="0"/>
+          <a:ext cx="0" cy="0"/>
+          <a:chOff x="0" y="0"/>
+          <a:chExt cx="0" cy="0"/>
+        </a:xfrm>
+      </p:grpSpPr>
+      <p:sp>
+        <p:nvSpPr>
+          <p:cNvPr id="16" name="직사각형 15"/>
+          <p:cNvSpPr/>
+          <p:nvPr/>
+        </p:nvSpPr>
+        <p:spPr>
+          <a:xfrm>
+            <a:off x="5415940" y="4424581"/>
+            <a:ext cx="2497776" cy="307776"/>
+          </a:xfrm>
+          <a:prstGeom prst="rect">
+            <a:avLst/>
+          </a:prstGeom>
+          <a:solidFill>
+            <a:schemeClr val="accent4">
+              <a:lumMod val="40000"/>
+              <a:lumOff val="60000"/>
+            </a:schemeClr>
+          </a:solidFill>
+          <a:ln>
+            <a:noFill/>
+          </a:ln>
+        </p:spPr>
+        <p:style>
+          <a:lnRef idx="2">
+            <a:schemeClr val="accent1">
+              <a:shade val="50000"/>
+            </a:schemeClr>
+          </a:lnRef>
+          <a:fillRef idx="1">
+            <a:schemeClr val="accent1"/>
+          </a:fillRef>
+          <a:effectRef idx="0">
+            <a:schemeClr val="accent1"/>
+          </a:effectRef>
+          <a:fontRef idx="minor">
+            <a:schemeClr val="lt1"/>
+          </a:fontRef>
+        </p:style>
+        <p:txBody>
+          <a:bodyPr rtlCol="0" anchor="ctr"/>
+          <a:lstStyle/>
+          <a:p>
+            <a:pPr algn="ctr"/>
+            <a:endParaRPr lang="ko-KR" altLang="en-US"/>
+          </a:p>
+        </p:txBody>
+      </p:sp>
+      <p:sp>
+        <p:nvSpPr>
+          <p:cNvPr id="2" name="직사각형 1"/>
+          <p:cNvSpPr/>
+          <p:nvPr/>
+        </p:nvSpPr>
+        <p:spPr>
+          <a:xfrm>
+            <a:off x="597058" y="1101739"/>
+            <a:ext cx="4214019" cy="5262979"/>
+          </a:xfrm>
+          <a:prstGeom prst="rect">
+            <a:avLst/>
+          </a:prstGeom>
+        </p:spPr>
+        <p:txBody>
+          <a:bodyPr wrap="square">
+            <a:spAutoFit/>
+          </a:bodyPr>
+          <a:lstStyle/>
+          <a:p>
+            <a:r>
+              <a:rPr lang="ko-KR" altLang="en-US" sz="1200" b="1" dirty="0" smtClean="0">
+                <a:ln>
+                  <a:solidFill>
+                    <a:schemeClr val="tx1">
+                      <a:alpha val="0"/>
+                    </a:schemeClr>
+                  </a:solidFill>
+                </a:ln>
+                <a:latin typeface="나눔바른고딕" panose="020B0603020101020101" pitchFamily="50" charset="-127"/>
+                <a:ea typeface="나눔바른고딕" panose="020B0603020101020101" pitchFamily="50" charset="-127"/>
+              </a:rPr>
+              <a:t>키워드광고 모바일</a:t>
+            </a:r>
+            <a:r>
+              <a:rPr lang="en-US" altLang="ko-KR" sz="1200" b="1" dirty="0" smtClean="0">
+                <a:ln>
+                  <a:solidFill>
+                    <a:schemeClr val="tx1">
+                      <a:alpha val="0"/>
+                    </a:schemeClr>
+                  </a:solidFill>
+                </a:ln>
+                <a:latin typeface="나눔바른고딕" panose="020B0603020101020101" pitchFamily="50" charset="-127"/>
+                <a:ea typeface="나눔바른고딕" panose="020B0603020101020101" pitchFamily="50" charset="-127"/>
+              </a:rPr>
+              <a:t>/</a:t>
+            </a:r>
+            <a:r>
+              <a:rPr lang="ko-KR" altLang="en-US" sz="1200" b="1" dirty="0" err="1" smtClean="0">
+                <a:ln>
+                  <a:solidFill>
+                    <a:schemeClr val="tx1">
+                      <a:alpha val="0"/>
+                    </a:schemeClr>
+                  </a:solidFill>
+                </a:ln>
+                <a:latin typeface="나눔바른고딕" panose="020B0603020101020101" pitchFamily="50" charset="-127"/>
+                <a:ea typeface="나눔바른고딕" panose="020B0603020101020101" pitchFamily="50" charset="-127"/>
+              </a:rPr>
+              <a:t>데스크탑</a:t>
+            </a:r>
+            <a:r>
+              <a:rPr lang="ko-KR" altLang="en-US" sz="1200" b="1" dirty="0" smtClean="0">
+                <a:ln>
+                  <a:solidFill>
+                    <a:schemeClr val="tx1">
+                      <a:alpha val="0"/>
+                    </a:schemeClr>
+                  </a:solidFill>
+                </a:ln>
+                <a:latin typeface="나눔바른고딕" panose="020B0603020101020101" pitchFamily="50" charset="-127"/>
+                <a:ea typeface="나눔바른고딕" panose="020B0603020101020101" pitchFamily="50" charset="-127"/>
+              </a:rPr>
+              <a:t> 분리 과정에서 </a:t>
+            </a:r>
+            <a:r>
+              <a:rPr lang="ko-KR" altLang="en-US" sz="1200" b="1" dirty="0" err="1" smtClean="0">
+                <a:ln>
+                  <a:solidFill>
+                    <a:schemeClr val="tx1">
+                      <a:alpha val="0"/>
+                    </a:schemeClr>
+                  </a:solidFill>
+                </a:ln>
+                <a:latin typeface="나눔바른고딕" panose="020B0603020101020101" pitchFamily="50" charset="-127"/>
+                <a:ea typeface="나눔바른고딕" panose="020B0603020101020101" pitchFamily="50" charset="-127"/>
+              </a:rPr>
+              <a:t>썸네일</a:t>
+            </a:r>
+            <a:r>
+              <a:rPr lang="ko-KR" altLang="en-US" sz="1200" b="1" dirty="0" smtClean="0">
+                <a:ln>
+                  <a:solidFill>
+                    <a:schemeClr val="tx1">
+                      <a:alpha val="0"/>
+                    </a:schemeClr>
+                  </a:solidFill>
+                </a:ln>
+                <a:latin typeface="나눔바른고딕" panose="020B0603020101020101" pitchFamily="50" charset="-127"/>
+                <a:ea typeface="나눔바른고딕" panose="020B0603020101020101" pitchFamily="50" charset="-127"/>
+              </a:rPr>
+              <a:t> 심사 반려</a:t>
+            </a:r>
+            <a:endParaRPr lang="en-US" altLang="ko-KR" sz="1200" b="1" dirty="0" smtClean="0">
+              <a:ln>
+                <a:solidFill>
+                  <a:schemeClr val="tx1">
+                    <a:alpha val="0"/>
+                  </a:schemeClr>
+                </a:solidFill>
+              </a:ln>
+              <a:latin typeface="나눔바른고딕" panose="020B0603020101020101" pitchFamily="50" charset="-127"/>
+              <a:ea typeface="나눔바른고딕" panose="020B0603020101020101" pitchFamily="50" charset="-127"/>
+            </a:endParaRPr>
+          </a:p>
+          <a:p>
+            <a:pPr marL="228600" indent="-228600">
+              <a:buAutoNum type="arabicPeriod"/>
+            </a:pPr>
+            <a:endParaRPr lang="en-US" altLang="ko-KR" sz="1200" dirty="0" smtClean="0">
+              <a:ln>
+                <a:solidFill>
+                  <a:schemeClr val="tx1">
+                    <a:alpha val="0"/>
+                  </a:schemeClr>
+                </a:solidFill>
+              </a:ln>
+              <a:latin typeface="나눔바른고딕" panose="020B0603020101020101" pitchFamily="50" charset="-127"/>
+              <a:ea typeface="나눔바른고딕" panose="020B0603020101020101" pitchFamily="50" charset="-127"/>
+            </a:endParaRPr>
+          </a:p>
+          <a:p>
+            <a:pPr marL="628650" lvl="1" indent="-171450">
+              <a:buFontTx/>
+              <a:buChar char="-"/>
+            </a:pPr>
+            <a:r>
+              <a:rPr lang="ko-KR" altLang="en-US" sz="1200" dirty="0" smtClean="0">
+                <a:ln>
+                  <a:solidFill>
+                    <a:schemeClr val="tx1">
+                      <a:alpha val="0"/>
+                    </a:schemeClr>
+                  </a:solidFill>
+                </a:ln>
+                <a:latin typeface="나눔바른고딕" panose="020B0603020101020101" pitchFamily="50" charset="-127"/>
+                <a:ea typeface="나눔바른고딕" panose="020B0603020101020101" pitchFamily="50" charset="-127"/>
+              </a:rPr>
+              <a:t>네이버 광고에서는 검색광고 </a:t>
+            </a:r>
+            <a:r>
+              <a:rPr lang="ko-KR" altLang="en-US" sz="1200" dirty="0" err="1" smtClean="0">
+                <a:ln>
+                  <a:solidFill>
+                    <a:schemeClr val="tx1">
+                      <a:alpha val="0"/>
+                    </a:schemeClr>
+                  </a:solidFill>
+                </a:ln>
+                <a:latin typeface="나눔바른고딕" panose="020B0603020101020101" pitchFamily="50" charset="-127"/>
+                <a:ea typeface="나눔바른고딕" panose="020B0603020101020101" pitchFamily="50" charset="-127"/>
+              </a:rPr>
+              <a:t>썸네일에</a:t>
+            </a:r>
+            <a:r>
+              <a:rPr lang="ko-KR" altLang="en-US" sz="1200" dirty="0" smtClean="0">
+                <a:ln>
+                  <a:solidFill>
+                    <a:schemeClr val="tx1">
+                      <a:alpha val="0"/>
+                    </a:schemeClr>
+                  </a:solidFill>
+                </a:ln>
+                <a:latin typeface="나눔바른고딕" panose="020B0603020101020101" pitchFamily="50" charset="-127"/>
+                <a:ea typeface="나눔바른고딕" panose="020B0603020101020101" pitchFamily="50" charset="-127"/>
+              </a:rPr>
+              <a:t> </a:t>
+            </a:r>
+            <a:r>
+              <a:rPr lang="ko-KR" altLang="en-US" sz="1200" b="1" dirty="0" smtClean="0">
+                <a:ln>
+                  <a:solidFill>
+                    <a:schemeClr val="tx1">
+                      <a:alpha val="0"/>
+                    </a:schemeClr>
+                  </a:solidFill>
+                </a:ln>
+                <a:latin typeface="나눔바른고딕" panose="020B0603020101020101" pitchFamily="50" charset="-127"/>
+                <a:ea typeface="나눔바른고딕" panose="020B0603020101020101" pitchFamily="50" charset="-127"/>
+              </a:rPr>
+              <a:t>글자</a:t>
+            </a:r>
+            <a:r>
+              <a:rPr lang="en-US" altLang="ko-KR" sz="1200" b="1" dirty="0" smtClean="0">
+                <a:ln>
+                  <a:solidFill>
+                    <a:schemeClr val="tx1">
+                      <a:alpha val="0"/>
+                    </a:schemeClr>
+                  </a:solidFill>
+                </a:ln>
+                <a:latin typeface="나눔바른고딕" panose="020B0603020101020101" pitchFamily="50" charset="-127"/>
+                <a:ea typeface="나눔바른고딕" panose="020B0603020101020101" pitchFamily="50" charset="-127"/>
+              </a:rPr>
+              <a:t>, </a:t>
+            </a:r>
+            <a:r>
+              <a:rPr lang="ko-KR" altLang="en-US" sz="1200" b="1" dirty="0" smtClean="0">
+                <a:ln>
+                  <a:solidFill>
+                    <a:schemeClr val="tx1">
+                      <a:alpha val="0"/>
+                    </a:schemeClr>
+                  </a:solidFill>
+                </a:ln>
+                <a:latin typeface="나눔바른고딕" panose="020B0603020101020101" pitchFamily="50" charset="-127"/>
+                <a:ea typeface="나눔바른고딕" panose="020B0603020101020101" pitchFamily="50" charset="-127"/>
+              </a:rPr>
+              <a:t>합성이미지</a:t>
+            </a:r>
+            <a:r>
+              <a:rPr lang="ko-KR" altLang="en-US" sz="1200" dirty="0" smtClean="0">
+                <a:ln>
+                  <a:solidFill>
+                    <a:schemeClr val="tx1">
+                      <a:alpha val="0"/>
+                    </a:schemeClr>
+                  </a:solidFill>
+                </a:ln>
+                <a:latin typeface="나눔바른고딕" panose="020B0603020101020101" pitchFamily="50" charset="-127"/>
+                <a:ea typeface="나눔바른고딕" panose="020B0603020101020101" pitchFamily="50" charset="-127"/>
+              </a:rPr>
+              <a:t>를 허용하지 </a:t>
+            </a:r>
+            <a:r>
+              <a:rPr lang="ko-KR" altLang="en-US" sz="1200" b="1" dirty="0" smtClean="0">
+                <a:ln>
+                  <a:solidFill>
+                    <a:schemeClr val="tx1">
+                      <a:alpha val="0"/>
+                    </a:schemeClr>
+                  </a:solidFill>
+                </a:ln>
+                <a:latin typeface="나눔바른고딕" panose="020B0603020101020101" pitchFamily="50" charset="-127"/>
+                <a:ea typeface="나눔바른고딕" panose="020B0603020101020101" pitchFamily="50" charset="-127"/>
+              </a:rPr>
+              <a:t>않습니다</a:t>
+            </a:r>
+            <a:r>
+              <a:rPr lang="en-US" altLang="ko-KR" sz="1200" dirty="0" smtClean="0">
+                <a:ln>
+                  <a:solidFill>
+                    <a:schemeClr val="tx1">
+                      <a:alpha val="0"/>
+                    </a:schemeClr>
+                  </a:solidFill>
+                </a:ln>
+                <a:latin typeface="나눔바른고딕" panose="020B0603020101020101" pitchFamily="50" charset="-127"/>
+                <a:ea typeface="나눔바른고딕" panose="020B0603020101020101" pitchFamily="50" charset="-127"/>
+              </a:rPr>
+              <a:t>. </a:t>
+            </a:r>
+            <a:r>
+              <a:rPr lang="ko-KR" altLang="en-US" sz="1200" dirty="0" smtClean="0">
+                <a:ln>
+                  <a:solidFill>
+                    <a:schemeClr val="tx1">
+                      <a:alpha val="0"/>
+                    </a:schemeClr>
+                  </a:solidFill>
+                </a:ln>
+                <a:latin typeface="나눔바른고딕" panose="020B0603020101020101" pitchFamily="50" charset="-127"/>
+                <a:ea typeface="나눔바른고딕" panose="020B0603020101020101" pitchFamily="50" charset="-127"/>
+              </a:rPr>
+              <a:t>또한 광고 소재 업로드 시 심사 절차를 거치는데 사람이 직접 심사를 하는 방식입니다</a:t>
+            </a:r>
+            <a:r>
+              <a:rPr lang="en-US" altLang="ko-KR" sz="1200" dirty="0" smtClean="0">
+                <a:ln>
+                  <a:solidFill>
+                    <a:schemeClr val="tx1">
+                      <a:alpha val="0"/>
+                    </a:schemeClr>
+                  </a:solidFill>
+                </a:ln>
+                <a:latin typeface="나눔바른고딕" panose="020B0603020101020101" pitchFamily="50" charset="-127"/>
+                <a:ea typeface="나눔바른고딕" panose="020B0603020101020101" pitchFamily="50" charset="-127"/>
+              </a:rPr>
+              <a:t>. </a:t>
+            </a:r>
+          </a:p>
+          <a:p>
+            <a:pPr marL="628650" lvl="1" indent="-171450">
+              <a:buFontTx/>
+              <a:buChar char="-"/>
+            </a:pPr>
+            <a:endParaRPr lang="en-US" altLang="ko-KR" sz="1200" dirty="0" smtClean="0">
+              <a:ln>
+                <a:solidFill>
+                  <a:schemeClr val="tx1">
+                    <a:alpha val="0"/>
+                  </a:schemeClr>
+                </a:solidFill>
+              </a:ln>
+              <a:latin typeface="나눔바른고딕" panose="020B0603020101020101" pitchFamily="50" charset="-127"/>
+              <a:ea typeface="나눔바른고딕" panose="020B0603020101020101" pitchFamily="50" charset="-127"/>
+            </a:endParaRPr>
+          </a:p>
+          <a:p>
+            <a:pPr marL="628650" lvl="1" indent="-171450">
+              <a:buFontTx/>
+              <a:buChar char="-"/>
+            </a:pPr>
+            <a:r>
+              <a:rPr lang="ko-KR" altLang="en-US" sz="1200" dirty="0" err="1" smtClean="0">
+                <a:ln>
+                  <a:solidFill>
+                    <a:schemeClr val="tx1">
+                      <a:alpha val="0"/>
+                    </a:schemeClr>
+                  </a:solidFill>
+                </a:ln>
+                <a:latin typeface="나눔바른고딕" panose="020B0603020101020101" pitchFamily="50" charset="-127"/>
+                <a:ea typeface="나눔바른고딕" panose="020B0603020101020101" pitchFamily="50" charset="-127"/>
+              </a:rPr>
+              <a:t>심사자에</a:t>
+            </a:r>
+            <a:r>
+              <a:rPr lang="ko-KR" altLang="en-US" sz="1200" dirty="0" smtClean="0">
+                <a:ln>
+                  <a:solidFill>
+                    <a:schemeClr val="tx1">
+                      <a:alpha val="0"/>
+                    </a:schemeClr>
+                  </a:solidFill>
+                </a:ln>
+                <a:latin typeface="나눔바른고딕" panose="020B0603020101020101" pitchFamily="50" charset="-127"/>
+                <a:ea typeface="나눔바른고딕" panose="020B0603020101020101" pitchFamily="50" charset="-127"/>
+              </a:rPr>
+              <a:t> 따라 다르기 때문에 이 전에 만든 </a:t>
+            </a:r>
+            <a:r>
+              <a:rPr lang="ko-KR" altLang="en-US" sz="1200" dirty="0" err="1" smtClean="0">
+                <a:ln>
+                  <a:solidFill>
+                    <a:schemeClr val="tx1">
+                      <a:alpha val="0"/>
+                    </a:schemeClr>
+                  </a:solidFill>
+                </a:ln>
+                <a:latin typeface="나눔바른고딕" panose="020B0603020101020101" pitchFamily="50" charset="-127"/>
+                <a:ea typeface="나눔바른고딕" panose="020B0603020101020101" pitchFamily="50" charset="-127"/>
+              </a:rPr>
+              <a:t>데스크탑</a:t>
+            </a:r>
+            <a:r>
+              <a:rPr lang="ko-KR" altLang="en-US" sz="1200" dirty="0" smtClean="0">
+                <a:ln>
+                  <a:solidFill>
+                    <a:schemeClr val="tx1">
+                      <a:alpha val="0"/>
+                    </a:schemeClr>
+                  </a:solidFill>
+                </a:ln>
+                <a:latin typeface="나눔바른고딕" panose="020B0603020101020101" pitchFamily="50" charset="-127"/>
+                <a:ea typeface="나눔바른고딕" panose="020B0603020101020101" pitchFamily="50" charset="-127"/>
+              </a:rPr>
+              <a:t> 광고 </a:t>
+            </a:r>
+            <a:r>
+              <a:rPr lang="ko-KR" altLang="en-US" sz="1200" dirty="0" err="1" smtClean="0">
+                <a:ln>
+                  <a:solidFill>
+                    <a:schemeClr val="tx1">
+                      <a:alpha val="0"/>
+                    </a:schemeClr>
+                  </a:solidFill>
+                </a:ln>
+                <a:latin typeface="나눔바른고딕" panose="020B0603020101020101" pitchFamily="50" charset="-127"/>
+                <a:ea typeface="나눔바른고딕" panose="020B0603020101020101" pitchFamily="50" charset="-127"/>
+              </a:rPr>
+              <a:t>썸네일은</a:t>
+            </a:r>
+            <a:r>
+              <a:rPr lang="ko-KR" altLang="en-US" sz="1200" dirty="0" smtClean="0">
+                <a:ln>
+                  <a:solidFill>
+                    <a:schemeClr val="tx1">
+                      <a:alpha val="0"/>
+                    </a:schemeClr>
+                  </a:solidFill>
+                </a:ln>
+                <a:latin typeface="나눔바른고딕" panose="020B0603020101020101" pitchFamily="50" charset="-127"/>
+                <a:ea typeface="나눔바른고딕" panose="020B0603020101020101" pitchFamily="50" charset="-127"/>
+              </a:rPr>
+              <a:t> 심사를 통과했으나</a:t>
+            </a:r>
+            <a:r>
+              <a:rPr lang="en-US" altLang="ko-KR" sz="1200" dirty="0" smtClean="0">
+                <a:ln>
+                  <a:solidFill>
+                    <a:schemeClr val="tx1">
+                      <a:alpha val="0"/>
+                    </a:schemeClr>
+                  </a:solidFill>
+                </a:ln>
+                <a:latin typeface="나눔바른고딕" panose="020B0603020101020101" pitchFamily="50" charset="-127"/>
+                <a:ea typeface="나눔바른고딕" panose="020B0603020101020101" pitchFamily="50" charset="-127"/>
+              </a:rPr>
+              <a:t>, </a:t>
+            </a:r>
+            <a:r>
+              <a:rPr lang="ko-KR" altLang="en-US" sz="1200" dirty="0" smtClean="0">
+                <a:ln>
+                  <a:solidFill>
+                    <a:schemeClr val="tx1">
+                      <a:alpha val="0"/>
+                    </a:schemeClr>
+                  </a:solidFill>
+                </a:ln>
+                <a:latin typeface="나눔바른고딕" panose="020B0603020101020101" pitchFamily="50" charset="-127"/>
+                <a:ea typeface="나눔바른고딕" panose="020B0603020101020101" pitchFamily="50" charset="-127"/>
+              </a:rPr>
+              <a:t>이번 </a:t>
+            </a:r>
+            <a:r>
+              <a:rPr lang="ko-KR" altLang="en-US" sz="1200" b="1" dirty="0" smtClean="0">
+                <a:ln>
+                  <a:solidFill>
+                    <a:schemeClr val="tx1">
+                      <a:alpha val="0"/>
+                    </a:schemeClr>
+                  </a:solidFill>
+                </a:ln>
+                <a:latin typeface="나눔바른고딕" panose="020B0603020101020101" pitchFamily="50" charset="-127"/>
+                <a:ea typeface="나눔바른고딕" panose="020B0603020101020101" pitchFamily="50" charset="-127"/>
+              </a:rPr>
+              <a:t>모바일 광고에서는 반려</a:t>
+            </a:r>
+            <a:r>
+              <a:rPr lang="ko-KR" altLang="en-US" sz="1200" dirty="0" smtClean="0">
+                <a:ln>
+                  <a:solidFill>
+                    <a:schemeClr val="tx1">
+                      <a:alpha val="0"/>
+                    </a:schemeClr>
+                  </a:solidFill>
+                </a:ln>
+                <a:latin typeface="나눔바른고딕" panose="020B0603020101020101" pitchFamily="50" charset="-127"/>
+                <a:ea typeface="나눔바른고딕" panose="020B0603020101020101" pitchFamily="50" charset="-127"/>
+              </a:rPr>
+              <a:t>되었습니다</a:t>
+            </a:r>
+            <a:r>
+              <a:rPr lang="en-US" altLang="ko-KR" sz="1200" dirty="0" smtClean="0">
+                <a:ln>
+                  <a:solidFill>
+                    <a:schemeClr val="tx1">
+                      <a:alpha val="0"/>
+                    </a:schemeClr>
+                  </a:solidFill>
+                </a:ln>
+                <a:latin typeface="나눔바른고딕" panose="020B0603020101020101" pitchFamily="50" charset="-127"/>
+                <a:ea typeface="나눔바른고딕" panose="020B0603020101020101" pitchFamily="50" charset="-127"/>
+              </a:rPr>
+              <a:t>.</a:t>
+            </a:r>
+          </a:p>
+          <a:p>
+            <a:pPr marL="628650" lvl="1" indent="-171450">
+              <a:buFontTx/>
+              <a:buChar char="-"/>
+            </a:pPr>
+            <a:endParaRPr lang="en-US" altLang="ko-KR" sz="1200" dirty="0" smtClean="0">
+              <a:ln>
+                <a:solidFill>
+                  <a:schemeClr val="tx1">
+                    <a:alpha val="0"/>
+                  </a:schemeClr>
+                </a:solidFill>
+              </a:ln>
+              <a:latin typeface="나눔바른고딕" panose="020B0603020101020101" pitchFamily="50" charset="-127"/>
+              <a:ea typeface="나눔바른고딕" panose="020B0603020101020101" pitchFamily="50" charset="-127"/>
+            </a:endParaRPr>
+          </a:p>
+          <a:p>
+            <a:pPr marL="628650" lvl="1" indent="-171450">
+              <a:buFontTx/>
+              <a:buChar char="-"/>
+            </a:pPr>
+            <a:r>
+              <a:rPr lang="en-US" altLang="ko-KR" sz="1200" dirty="0" smtClean="0">
+                <a:ln>
+                  <a:solidFill>
+                    <a:schemeClr val="tx1">
+                      <a:alpha val="0"/>
+                    </a:schemeClr>
+                  </a:solidFill>
+                </a:ln>
+                <a:latin typeface="나눔바른고딕" panose="020B0603020101020101" pitchFamily="50" charset="-127"/>
+                <a:ea typeface="나눔바른고딕" panose="020B0603020101020101" pitchFamily="50" charset="-127"/>
+              </a:rPr>
+              <a:t> </a:t>
+            </a:r>
+            <a:r>
+              <a:rPr lang="ko-KR" altLang="en-US" sz="1200" dirty="0" smtClean="0">
+                <a:ln>
+                  <a:solidFill>
+                    <a:schemeClr val="tx1">
+                      <a:alpha val="0"/>
+                    </a:schemeClr>
+                  </a:solidFill>
+                </a:ln>
+                <a:latin typeface="나눔바른고딕" panose="020B0603020101020101" pitchFamily="50" charset="-127"/>
+                <a:ea typeface="나눔바른고딕" panose="020B0603020101020101" pitchFamily="50" charset="-127"/>
+              </a:rPr>
+              <a:t>교재 </a:t>
+            </a:r>
+            <a:r>
+              <a:rPr lang="ko-KR" altLang="en-US" sz="1200" dirty="0" err="1" smtClean="0">
+                <a:ln>
+                  <a:solidFill>
+                    <a:schemeClr val="tx1">
+                      <a:alpha val="0"/>
+                    </a:schemeClr>
+                  </a:solidFill>
+                </a:ln>
+                <a:latin typeface="나눔바른고딕" panose="020B0603020101020101" pitchFamily="50" charset="-127"/>
+                <a:ea typeface="나눔바른고딕" panose="020B0603020101020101" pitchFamily="50" charset="-127"/>
+              </a:rPr>
+              <a:t>목업</a:t>
+            </a:r>
+            <a:r>
+              <a:rPr lang="ko-KR" altLang="en-US" sz="1200" dirty="0" smtClean="0">
+                <a:ln>
+                  <a:solidFill>
+                    <a:schemeClr val="tx1">
+                      <a:alpha val="0"/>
+                    </a:schemeClr>
+                  </a:solidFill>
+                </a:ln>
+                <a:latin typeface="나눔바른고딕" panose="020B0603020101020101" pitchFamily="50" charset="-127"/>
+                <a:ea typeface="나눔바른고딕" panose="020B0603020101020101" pitchFamily="50" charset="-127"/>
+              </a:rPr>
+              <a:t> 이미지를 만들어 심사를 통과하긴 하였으나</a:t>
+            </a:r>
+            <a:r>
+              <a:rPr lang="en-US" altLang="ko-KR" sz="1200" dirty="0" smtClean="0">
+                <a:ln>
+                  <a:solidFill>
+                    <a:schemeClr val="tx1">
+                      <a:alpha val="0"/>
+                    </a:schemeClr>
+                  </a:solidFill>
+                </a:ln>
+                <a:latin typeface="나눔바른고딕" panose="020B0603020101020101" pitchFamily="50" charset="-127"/>
+                <a:ea typeface="나눔바른고딕" panose="020B0603020101020101" pitchFamily="50" charset="-127"/>
+              </a:rPr>
+              <a:t>, </a:t>
+            </a:r>
+            <a:r>
+              <a:rPr lang="ko-KR" altLang="en-US" sz="1200" dirty="0" smtClean="0">
+                <a:ln>
+                  <a:solidFill>
+                    <a:schemeClr val="tx1">
+                      <a:alpha val="0"/>
+                    </a:schemeClr>
+                  </a:solidFill>
+                </a:ln>
+                <a:latin typeface="나눔바른고딕" panose="020B0603020101020101" pitchFamily="50" charset="-127"/>
+                <a:ea typeface="나눔바른고딕" panose="020B0603020101020101" pitchFamily="50" charset="-127"/>
+              </a:rPr>
+              <a:t>장기적인 관점에서</a:t>
+            </a:r>
+            <a:r>
+              <a:rPr lang="ko-KR" altLang="en-US" sz="1200" b="1" dirty="0" smtClean="0">
+                <a:ln>
+                  <a:solidFill>
+                    <a:schemeClr val="tx1">
+                      <a:alpha val="0"/>
+                    </a:schemeClr>
+                  </a:solidFill>
+                </a:ln>
+                <a:latin typeface="나눔바른고딕" panose="020B0603020101020101" pitchFamily="50" charset="-127"/>
+                <a:ea typeface="나눔바른고딕" panose="020B0603020101020101" pitchFamily="50" charset="-127"/>
+              </a:rPr>
+              <a:t> </a:t>
+            </a:r>
+            <a:r>
+              <a:rPr lang="en-US" altLang="ko-KR" sz="1200" b="1" dirty="0" smtClean="0">
+                <a:ln>
+                  <a:solidFill>
+                    <a:schemeClr val="tx1">
+                      <a:alpha val="0"/>
+                    </a:schemeClr>
+                  </a:solidFill>
+                </a:ln>
+                <a:latin typeface="나눔바른고딕" panose="020B0603020101020101" pitchFamily="50" charset="-127"/>
+                <a:ea typeface="나눔바른고딕" panose="020B0603020101020101" pitchFamily="50" charset="-127"/>
+              </a:rPr>
+              <a:t>‘</a:t>
+            </a:r>
+            <a:r>
+              <a:rPr lang="ko-KR" altLang="en-US" sz="1200" b="1" dirty="0" smtClean="0">
+                <a:ln>
+                  <a:solidFill>
+                    <a:schemeClr val="tx1">
+                      <a:alpha val="0"/>
+                    </a:schemeClr>
+                  </a:solidFill>
+                </a:ln>
+                <a:latin typeface="나눔바른고딕" panose="020B0603020101020101" pitchFamily="50" charset="-127"/>
+                <a:ea typeface="나눔바른고딕" panose="020B0603020101020101" pitchFamily="50" charset="-127"/>
+              </a:rPr>
+              <a:t>모델을 활용한 광고 이미지</a:t>
+            </a:r>
+            <a:r>
+              <a:rPr lang="en-US" altLang="ko-KR" sz="1200" b="1" dirty="0" smtClean="0">
+                <a:ln>
+                  <a:solidFill>
+                    <a:schemeClr val="tx1">
+                      <a:alpha val="0"/>
+                    </a:schemeClr>
+                  </a:solidFill>
+                </a:ln>
+                <a:latin typeface="나눔바른고딕" panose="020B0603020101020101" pitchFamily="50" charset="-127"/>
+                <a:ea typeface="나눔바른고딕" panose="020B0603020101020101" pitchFamily="50" charset="-127"/>
+              </a:rPr>
+              <a:t>’ </a:t>
+            </a:r>
+            <a:r>
+              <a:rPr lang="ko-KR" altLang="en-US" sz="1200" dirty="0" smtClean="0">
+                <a:ln>
+                  <a:solidFill>
+                    <a:schemeClr val="tx1">
+                      <a:alpha val="0"/>
+                    </a:schemeClr>
+                  </a:solidFill>
+                </a:ln>
+                <a:latin typeface="나눔바른고딕" panose="020B0603020101020101" pitchFamily="50" charset="-127"/>
+                <a:ea typeface="나눔바른고딕" panose="020B0603020101020101" pitchFamily="50" charset="-127"/>
+              </a:rPr>
+              <a:t>가 필요 할 것 같습니다</a:t>
+            </a:r>
+            <a:r>
+              <a:rPr lang="en-US" altLang="ko-KR" sz="1200" dirty="0" smtClean="0">
+                <a:ln>
+                  <a:solidFill>
+                    <a:schemeClr val="tx1">
+                      <a:alpha val="0"/>
+                    </a:schemeClr>
+                  </a:solidFill>
+                </a:ln>
+                <a:latin typeface="나눔바른고딕" panose="020B0603020101020101" pitchFamily="50" charset="-127"/>
+                <a:ea typeface="나눔바른고딕" panose="020B0603020101020101" pitchFamily="50" charset="-127"/>
+              </a:rPr>
+              <a:t>. </a:t>
+            </a:r>
+          </a:p>
+          <a:p>
+            <a:pPr marL="628650" lvl="1" indent="-171450">
+              <a:buFontTx/>
+              <a:buChar char="-"/>
+            </a:pPr>
+            <a:endParaRPr lang="en-US" altLang="ko-KR" sz="1200" dirty="0" smtClean="0">
+              <a:ln>
+                <a:solidFill>
+                  <a:schemeClr val="tx1">
+                    <a:alpha val="0"/>
+                  </a:schemeClr>
+                </a:solidFill>
+              </a:ln>
+              <a:latin typeface="나눔바른고딕" panose="020B0603020101020101" pitchFamily="50" charset="-127"/>
+              <a:ea typeface="나눔바른고딕" panose="020B0603020101020101" pitchFamily="50" charset="-127"/>
+            </a:endParaRPr>
+          </a:p>
+          <a:p>
+            <a:pPr marL="628650" lvl="1" indent="-171450">
+              <a:buFontTx/>
+              <a:buChar char="-"/>
+            </a:pPr>
+            <a:endParaRPr lang="en-US" altLang="ko-KR" sz="1200" dirty="0">
+              <a:ln>
+                <a:solidFill>
+                  <a:schemeClr val="tx1">
+                    <a:alpha val="0"/>
+                  </a:schemeClr>
+                </a:solidFill>
+              </a:ln>
+              <a:latin typeface="나눔바른고딕" panose="020B0603020101020101" pitchFamily="50" charset="-127"/>
+              <a:ea typeface="나눔바른고딕" panose="020B0603020101020101" pitchFamily="50" charset="-127"/>
+            </a:endParaRPr>
+          </a:p>
+          <a:p>
+            <a:pPr marL="628650" lvl="1" indent="-171450">
+              <a:buFontTx/>
+              <a:buChar char="-"/>
+            </a:pPr>
+            <a:endParaRPr lang="en-US" altLang="ko-KR" sz="1200" dirty="0" smtClean="0">
+              <a:ln>
+                <a:solidFill>
+                  <a:schemeClr val="tx1">
+                    <a:alpha val="0"/>
+                  </a:schemeClr>
+                </a:solidFill>
+              </a:ln>
+              <a:latin typeface="나눔바른고딕" panose="020B0603020101020101" pitchFamily="50" charset="-127"/>
+              <a:ea typeface="나눔바른고딕" panose="020B0603020101020101" pitchFamily="50" charset="-127"/>
+            </a:endParaRPr>
+          </a:p>
+          <a:p>
+            <a:pPr lvl="1"/>
+            <a:endParaRPr lang="en-US" altLang="ko-KR" sz="1200" dirty="0" smtClean="0">
+              <a:ln>
+                <a:solidFill>
+                  <a:schemeClr val="tx1">
+                    <a:alpha val="0"/>
+                  </a:schemeClr>
+                </a:solidFill>
+              </a:ln>
+              <a:latin typeface="나눔바른고딕" panose="020B0603020101020101" pitchFamily="50" charset="-127"/>
+              <a:ea typeface="나눔바른고딕" panose="020B0603020101020101" pitchFamily="50" charset="-127"/>
+            </a:endParaRPr>
+          </a:p>
+          <a:p>
+            <a:pPr marL="628650" lvl="1" indent="-171450">
+              <a:buFontTx/>
+              <a:buChar char="-"/>
+            </a:pPr>
+            <a:endParaRPr lang="en-US" altLang="ko-KR" sz="1200" dirty="0" smtClean="0">
+              <a:ln>
+                <a:solidFill>
+                  <a:schemeClr val="tx1">
+                    <a:alpha val="0"/>
+                  </a:schemeClr>
+                </a:solidFill>
+              </a:ln>
+              <a:latin typeface="나눔바른고딕" panose="020B0603020101020101" pitchFamily="50" charset="-127"/>
+              <a:ea typeface="나눔바른고딕" panose="020B0603020101020101" pitchFamily="50" charset="-127"/>
+            </a:endParaRPr>
+          </a:p>
+          <a:p>
+            <a:r>
+              <a:rPr lang="en-US" altLang="ko-KR" sz="1200" b="1" dirty="0" smtClean="0">
+                <a:ln>
+                  <a:solidFill>
+                    <a:schemeClr val="tx1">
+                      <a:alpha val="0"/>
+                    </a:schemeClr>
+                  </a:solidFill>
+                </a:ln>
+                <a:latin typeface="나눔바른고딕" panose="020B0603020101020101" pitchFamily="50" charset="-127"/>
+                <a:ea typeface="나눔바른고딕" panose="020B0603020101020101" pitchFamily="50" charset="-127"/>
+              </a:rPr>
+              <a:t>GDN </a:t>
+            </a:r>
+            <a:r>
+              <a:rPr lang="ko-KR" altLang="en-US" sz="1200" b="1" dirty="0" smtClean="0">
+                <a:ln>
+                  <a:solidFill>
+                    <a:schemeClr val="tx1">
+                      <a:alpha val="0"/>
+                    </a:schemeClr>
+                  </a:solidFill>
+                </a:ln>
+                <a:latin typeface="나눔바른고딕" panose="020B0603020101020101" pitchFamily="50" charset="-127"/>
+                <a:ea typeface="나눔바른고딕" panose="020B0603020101020101" pitchFamily="50" charset="-127"/>
+              </a:rPr>
+              <a:t>테스트 과정에서 광고 이미지 소재 부족</a:t>
+            </a:r>
+            <a:endParaRPr lang="en-US" altLang="ko-KR" sz="1200" b="1" dirty="0" smtClean="0">
+              <a:ln>
+                <a:solidFill>
+                  <a:schemeClr val="tx1">
+                    <a:alpha val="0"/>
+                  </a:schemeClr>
+                </a:solidFill>
+              </a:ln>
+              <a:latin typeface="나눔바른고딕" panose="020B0603020101020101" pitchFamily="50" charset="-127"/>
+              <a:ea typeface="나눔바른고딕" panose="020B0603020101020101" pitchFamily="50" charset="-127"/>
+            </a:endParaRPr>
+          </a:p>
+          <a:p>
+            <a:pPr marL="228600" indent="-228600">
+              <a:buAutoNum type="arabicPeriod"/>
+            </a:pPr>
+            <a:endParaRPr lang="en-US" altLang="ko-KR" sz="1200" dirty="0">
+              <a:ln>
+                <a:solidFill>
+                  <a:schemeClr val="tx1">
+                    <a:alpha val="0"/>
+                  </a:schemeClr>
+                </a:solidFill>
+              </a:ln>
+              <a:latin typeface="나눔바른고딕" panose="020B0603020101020101" pitchFamily="50" charset="-127"/>
+              <a:ea typeface="나눔바른고딕" panose="020B0603020101020101" pitchFamily="50" charset="-127"/>
+            </a:endParaRPr>
+          </a:p>
+          <a:p>
+            <a:pPr marL="628650" lvl="1" indent="-171450">
+              <a:buFontTx/>
+              <a:buChar char="-"/>
+            </a:pPr>
+            <a:r>
+              <a:rPr lang="ko-KR" altLang="en-US" sz="1200" dirty="0" smtClean="0">
+                <a:ln>
+                  <a:solidFill>
+                    <a:schemeClr val="tx1">
+                      <a:alpha val="0"/>
+                    </a:schemeClr>
+                  </a:solidFill>
+                </a:ln>
+                <a:latin typeface="나눔바른고딕" panose="020B0603020101020101" pitchFamily="50" charset="-127"/>
+                <a:ea typeface="나눔바른고딕" panose="020B0603020101020101" pitchFamily="50" charset="-127"/>
+              </a:rPr>
+              <a:t>상기와 비슷한 이유에서 발생한 문제</a:t>
+            </a:r>
+            <a:endParaRPr lang="en-US" altLang="ko-KR" sz="1200" dirty="0" smtClean="0">
+              <a:ln>
+                <a:solidFill>
+                  <a:schemeClr val="tx1">
+                    <a:alpha val="0"/>
+                  </a:schemeClr>
+                </a:solidFill>
+              </a:ln>
+              <a:latin typeface="나눔바른고딕" panose="020B0603020101020101" pitchFamily="50" charset="-127"/>
+              <a:ea typeface="나눔바른고딕" panose="020B0603020101020101" pitchFamily="50" charset="-127"/>
+            </a:endParaRPr>
+          </a:p>
+          <a:p>
+            <a:pPr marL="628650" lvl="1" indent="-171450">
+              <a:buFontTx/>
+              <a:buChar char="-"/>
+            </a:pPr>
+            <a:endParaRPr lang="en-US" altLang="ko-KR" sz="1200" dirty="0">
+              <a:ln>
+                <a:solidFill>
+                  <a:schemeClr val="tx1">
+                    <a:alpha val="0"/>
+                  </a:schemeClr>
+                </a:solidFill>
+              </a:ln>
+              <a:latin typeface="나눔바른고딕" panose="020B0603020101020101" pitchFamily="50" charset="-127"/>
+              <a:ea typeface="나눔바른고딕" panose="020B0603020101020101" pitchFamily="50" charset="-127"/>
+            </a:endParaRPr>
+          </a:p>
+          <a:p>
+            <a:pPr marL="628650" lvl="1" indent="-171450">
+              <a:buFontTx/>
+              <a:buChar char="-"/>
+            </a:pPr>
+            <a:r>
+              <a:rPr lang="ko-KR" altLang="en-US" sz="1200" dirty="0" err="1" smtClean="0">
+                <a:ln>
+                  <a:solidFill>
+                    <a:schemeClr val="tx1">
+                      <a:alpha val="0"/>
+                    </a:schemeClr>
+                  </a:solidFill>
+                </a:ln>
+                <a:latin typeface="나눔바른고딕" panose="020B0603020101020101" pitchFamily="50" charset="-127"/>
+                <a:ea typeface="나눔바른고딕" panose="020B0603020101020101" pitchFamily="50" charset="-127"/>
+              </a:rPr>
+              <a:t>광고소재</a:t>
+            </a:r>
+            <a:r>
+              <a:rPr lang="ko-KR" altLang="en-US" sz="1200" dirty="0" smtClean="0">
+                <a:ln>
+                  <a:solidFill>
+                    <a:schemeClr val="tx1">
+                      <a:alpha val="0"/>
+                    </a:schemeClr>
+                  </a:solidFill>
+                </a:ln>
+                <a:latin typeface="나눔바른고딕" panose="020B0603020101020101" pitchFamily="50" charset="-127"/>
+                <a:ea typeface="나눔바른고딕" panose="020B0603020101020101" pitchFamily="50" charset="-127"/>
+              </a:rPr>
+              <a:t> 테스트 시 많은 콘텐츠를 만들어 반응이 높은 </a:t>
+            </a:r>
+            <a:r>
+              <a:rPr lang="ko-KR" altLang="en-US" sz="1200" dirty="0" err="1" smtClean="0">
+                <a:ln>
+                  <a:solidFill>
+                    <a:schemeClr val="tx1">
+                      <a:alpha val="0"/>
+                    </a:schemeClr>
+                  </a:solidFill>
+                </a:ln>
+                <a:latin typeface="나눔바른고딕" panose="020B0603020101020101" pitchFamily="50" charset="-127"/>
+                <a:ea typeface="나눔바른고딕" panose="020B0603020101020101" pitchFamily="50" charset="-127"/>
+              </a:rPr>
+              <a:t>대장소재를</a:t>
+            </a:r>
+            <a:r>
+              <a:rPr lang="ko-KR" altLang="en-US" sz="1200" dirty="0" smtClean="0">
+                <a:ln>
+                  <a:solidFill>
+                    <a:schemeClr val="tx1">
+                      <a:alpha val="0"/>
+                    </a:schemeClr>
+                  </a:solidFill>
+                </a:ln>
+                <a:latin typeface="나눔바른고딕" panose="020B0603020101020101" pitchFamily="50" charset="-127"/>
+                <a:ea typeface="나눔바른고딕" panose="020B0603020101020101" pitchFamily="50" charset="-127"/>
+              </a:rPr>
+              <a:t> 찾아야 </a:t>
+            </a:r>
+            <a:r>
+              <a:rPr lang="ko-KR" altLang="en-US" sz="1200" dirty="0" err="1" smtClean="0">
+                <a:ln>
+                  <a:solidFill>
+                    <a:schemeClr val="tx1">
+                      <a:alpha val="0"/>
+                    </a:schemeClr>
+                  </a:solidFill>
+                </a:ln>
+                <a:latin typeface="나눔바른고딕" panose="020B0603020101020101" pitchFamily="50" charset="-127"/>
+                <a:ea typeface="나눔바른고딕" panose="020B0603020101020101" pitchFamily="50" charset="-127"/>
+              </a:rPr>
+              <a:t>광고효율이</a:t>
+            </a:r>
+            <a:r>
+              <a:rPr lang="ko-KR" altLang="en-US" sz="1200" dirty="0" smtClean="0">
+                <a:ln>
+                  <a:solidFill>
+                    <a:schemeClr val="tx1">
+                      <a:alpha val="0"/>
+                    </a:schemeClr>
+                  </a:solidFill>
+                </a:ln>
+                <a:latin typeface="나눔바른고딕" panose="020B0603020101020101" pitchFamily="50" charset="-127"/>
+                <a:ea typeface="나눔바른고딕" panose="020B0603020101020101" pitchFamily="50" charset="-127"/>
+              </a:rPr>
+              <a:t> 높게 나타납니다</a:t>
+            </a:r>
+            <a:r>
+              <a:rPr lang="en-US" altLang="ko-KR" sz="1200" dirty="0" smtClean="0">
+                <a:ln>
+                  <a:solidFill>
+                    <a:schemeClr val="tx1">
+                      <a:alpha val="0"/>
+                    </a:schemeClr>
+                  </a:solidFill>
+                </a:ln>
+                <a:latin typeface="나눔바른고딕" panose="020B0603020101020101" pitchFamily="50" charset="-127"/>
+                <a:ea typeface="나눔바른고딕" panose="020B0603020101020101" pitchFamily="50" charset="-127"/>
+              </a:rPr>
+              <a:t>.</a:t>
+            </a:r>
+          </a:p>
+          <a:p>
+            <a:pPr marL="628650" lvl="1" indent="-171450">
+              <a:buFontTx/>
+              <a:buChar char="-"/>
+            </a:pPr>
+            <a:endParaRPr lang="en-US" altLang="ko-KR" sz="1200" dirty="0" smtClean="0">
+              <a:ln>
+                <a:solidFill>
+                  <a:schemeClr val="tx1">
+                    <a:alpha val="0"/>
+                  </a:schemeClr>
+                </a:solidFill>
+              </a:ln>
+              <a:latin typeface="나눔바른고딕" panose="020B0603020101020101" pitchFamily="50" charset="-127"/>
+              <a:ea typeface="나눔바른고딕" panose="020B0603020101020101" pitchFamily="50" charset="-127"/>
+            </a:endParaRPr>
+          </a:p>
+          <a:p>
+            <a:pPr marL="628650" lvl="1" indent="-171450">
+              <a:buFontTx/>
+              <a:buChar char="-"/>
+            </a:pPr>
+            <a:r>
+              <a:rPr lang="ko-KR" altLang="en-US" sz="1200" dirty="0" smtClean="0">
+                <a:ln>
+                  <a:solidFill>
+                    <a:schemeClr val="tx1">
+                      <a:alpha val="0"/>
+                    </a:schemeClr>
+                  </a:solidFill>
+                </a:ln>
+                <a:latin typeface="나눔바른고딕" panose="020B0603020101020101" pitchFamily="50" charset="-127"/>
+                <a:ea typeface="나눔바른고딕" panose="020B0603020101020101" pitchFamily="50" charset="-127"/>
+              </a:rPr>
+              <a:t>저희의 경우 활용 가능한 </a:t>
+            </a:r>
+            <a:r>
+              <a:rPr lang="ko-KR" altLang="en-US" sz="1200" b="1" dirty="0" smtClean="0">
+                <a:ln>
+                  <a:solidFill>
+                    <a:schemeClr val="tx1">
+                      <a:alpha val="0"/>
+                    </a:schemeClr>
+                  </a:solidFill>
+                </a:ln>
+                <a:latin typeface="나눔바른고딕" panose="020B0603020101020101" pitchFamily="50" charset="-127"/>
+                <a:ea typeface="나눔바른고딕" panose="020B0603020101020101" pitchFamily="50" charset="-127"/>
+              </a:rPr>
+              <a:t>이미지 소재 자체가 아예 없는 상황</a:t>
+            </a:r>
+            <a:r>
+              <a:rPr lang="ko-KR" altLang="en-US" sz="1200" dirty="0" smtClean="0">
+                <a:ln>
+                  <a:solidFill>
+                    <a:schemeClr val="tx1">
+                      <a:alpha val="0"/>
+                    </a:schemeClr>
+                  </a:solidFill>
+                </a:ln>
+                <a:latin typeface="나눔바른고딕" panose="020B0603020101020101" pitchFamily="50" charset="-127"/>
+                <a:ea typeface="나눔바른고딕" panose="020B0603020101020101" pitchFamily="50" charset="-127"/>
+              </a:rPr>
+              <a:t>입니다</a:t>
+            </a:r>
+            <a:r>
+              <a:rPr lang="en-US" altLang="ko-KR" sz="1200" dirty="0" smtClean="0">
+                <a:ln>
+                  <a:solidFill>
+                    <a:schemeClr val="tx1">
+                      <a:alpha val="0"/>
+                    </a:schemeClr>
+                  </a:solidFill>
+                </a:ln>
+                <a:latin typeface="나눔바른고딕" panose="020B0603020101020101" pitchFamily="50" charset="-127"/>
+                <a:ea typeface="나눔바른고딕" panose="020B0603020101020101" pitchFamily="50" charset="-127"/>
+              </a:rPr>
+              <a:t>. (</a:t>
+            </a:r>
+            <a:r>
+              <a:rPr lang="ko-KR" altLang="en-US" sz="1200" dirty="0" err="1" smtClean="0">
+                <a:ln>
+                  <a:solidFill>
+                    <a:schemeClr val="tx1">
+                      <a:alpha val="0"/>
+                    </a:schemeClr>
+                  </a:solidFill>
+                </a:ln>
+                <a:latin typeface="나눔바른고딕" panose="020B0603020101020101" pitchFamily="50" charset="-127"/>
+                <a:ea typeface="나눔바른고딕" panose="020B0603020101020101" pitchFamily="50" charset="-127"/>
+              </a:rPr>
+              <a:t>모델컷</a:t>
+            </a:r>
+            <a:r>
+              <a:rPr lang="en-US" altLang="ko-KR" sz="1200" dirty="0" smtClean="0">
+                <a:ln>
+                  <a:solidFill>
+                    <a:schemeClr val="tx1">
+                      <a:alpha val="0"/>
+                    </a:schemeClr>
+                  </a:solidFill>
+                </a:ln>
+                <a:latin typeface="나눔바른고딕" panose="020B0603020101020101" pitchFamily="50" charset="-127"/>
+                <a:ea typeface="나눔바른고딕" panose="020B0603020101020101" pitchFamily="50" charset="-127"/>
+              </a:rPr>
+              <a:t>, </a:t>
+            </a:r>
+            <a:r>
+              <a:rPr lang="ko-KR" altLang="en-US" sz="1200" dirty="0" err="1" smtClean="0">
+                <a:ln>
+                  <a:solidFill>
+                    <a:schemeClr val="tx1">
+                      <a:alpha val="0"/>
+                    </a:schemeClr>
+                  </a:solidFill>
+                </a:ln>
+                <a:latin typeface="나눔바른고딕" panose="020B0603020101020101" pitchFamily="50" charset="-127"/>
+                <a:ea typeface="나눔바른고딕" panose="020B0603020101020101" pitchFamily="50" charset="-127"/>
+              </a:rPr>
+              <a:t>활용컷</a:t>
+            </a:r>
+            <a:r>
+              <a:rPr lang="en-US" altLang="ko-KR" sz="1200" dirty="0" smtClean="0">
+                <a:ln>
+                  <a:solidFill>
+                    <a:schemeClr val="tx1">
+                      <a:alpha val="0"/>
+                    </a:schemeClr>
+                  </a:solidFill>
+                </a:ln>
+                <a:latin typeface="나눔바른고딕" panose="020B0603020101020101" pitchFamily="50" charset="-127"/>
+                <a:ea typeface="나눔바른고딕" panose="020B0603020101020101" pitchFamily="50" charset="-127"/>
+              </a:rPr>
+              <a:t>, </a:t>
+            </a:r>
+            <a:r>
+              <a:rPr lang="ko-KR" altLang="en-US" sz="1200" dirty="0" smtClean="0">
+                <a:ln>
+                  <a:solidFill>
+                    <a:schemeClr val="tx1">
+                      <a:alpha val="0"/>
+                    </a:schemeClr>
+                  </a:solidFill>
+                </a:ln>
+                <a:latin typeface="나눔바른고딕" panose="020B0603020101020101" pitchFamily="50" charset="-127"/>
+                <a:ea typeface="나눔바른고딕" panose="020B0603020101020101" pitchFamily="50" charset="-127"/>
+              </a:rPr>
+              <a:t>강의 분위기를 드러낼 수 있는 소재</a:t>
+            </a:r>
+            <a:r>
+              <a:rPr lang="en-US" altLang="ko-KR" sz="1200" dirty="0" smtClean="0">
+                <a:ln>
+                  <a:solidFill>
+                    <a:schemeClr val="tx1">
+                      <a:alpha val="0"/>
+                    </a:schemeClr>
+                  </a:solidFill>
+                </a:ln>
+                <a:latin typeface="나눔바른고딕" panose="020B0603020101020101" pitchFamily="50" charset="-127"/>
+                <a:ea typeface="나눔바른고딕" panose="020B0603020101020101" pitchFamily="50" charset="-127"/>
+              </a:rPr>
+              <a:t>, </a:t>
+            </a:r>
+            <a:r>
+              <a:rPr lang="ko-KR" altLang="en-US" sz="1200" dirty="0" smtClean="0">
+                <a:ln>
+                  <a:solidFill>
+                    <a:schemeClr val="tx1">
+                      <a:alpha val="0"/>
+                    </a:schemeClr>
+                  </a:solidFill>
+                </a:ln>
+                <a:latin typeface="나눔바른고딕" panose="020B0603020101020101" pitchFamily="50" charset="-127"/>
+                <a:ea typeface="나눔바른고딕" panose="020B0603020101020101" pitchFamily="50" charset="-127"/>
+              </a:rPr>
+              <a:t>제품의 </a:t>
+            </a:r>
+            <a:r>
+              <a:rPr lang="ko-KR" altLang="en-US" sz="1200" dirty="0" err="1" smtClean="0">
+                <a:ln>
+                  <a:solidFill>
+                    <a:schemeClr val="tx1">
+                      <a:alpha val="0"/>
+                    </a:schemeClr>
+                  </a:solidFill>
+                </a:ln>
+                <a:latin typeface="나눔바른고딕" panose="020B0603020101020101" pitchFamily="50" charset="-127"/>
+                <a:ea typeface="나눔바른고딕" panose="020B0603020101020101" pitchFamily="50" charset="-127"/>
+              </a:rPr>
+              <a:t>소구점</a:t>
+            </a:r>
+            <a:r>
+              <a:rPr lang="ko-KR" altLang="en-US" sz="1200" dirty="0" smtClean="0">
+                <a:ln>
+                  <a:solidFill>
+                    <a:schemeClr val="tx1">
+                      <a:alpha val="0"/>
+                    </a:schemeClr>
+                  </a:solidFill>
+                </a:ln>
+                <a:latin typeface="나눔바른고딕" panose="020B0603020101020101" pitchFamily="50" charset="-127"/>
+                <a:ea typeface="나눔바른고딕" panose="020B0603020101020101" pitchFamily="50" charset="-127"/>
+              </a:rPr>
+              <a:t> 등</a:t>
+            </a:r>
+            <a:r>
+              <a:rPr lang="en-US" altLang="ko-KR" sz="1200" dirty="0" smtClean="0">
+                <a:ln>
+                  <a:solidFill>
+                    <a:schemeClr val="tx1">
+                      <a:alpha val="0"/>
+                    </a:schemeClr>
+                  </a:solidFill>
+                </a:ln>
+                <a:latin typeface="나눔바른고딕" panose="020B0603020101020101" pitchFamily="50" charset="-127"/>
+                <a:ea typeface="나눔바른고딕" panose="020B0603020101020101" pitchFamily="50" charset="-127"/>
+              </a:rPr>
+              <a:t>)</a:t>
+            </a:r>
+          </a:p>
+        </p:txBody>
+      </p:sp>
+      <p:sp>
+        <p:nvSpPr>
+          <p:cNvPr id="3" name="직사각형 2"/>
+          <p:cNvSpPr/>
+          <p:nvPr/>
+        </p:nvSpPr>
+        <p:spPr>
+          <a:xfrm>
+            <a:off x="597058" y="693898"/>
+            <a:ext cx="1207382" cy="276999"/>
+          </a:xfrm>
+          <a:prstGeom prst="rect">
+            <a:avLst/>
+          </a:prstGeom>
+          <a:solidFill>
+            <a:schemeClr val="tx1">
+              <a:lumMod val="65000"/>
+              <a:lumOff val="35000"/>
+            </a:schemeClr>
+          </a:solidFill>
+        </p:spPr>
+        <p:txBody>
+          <a:bodyPr wrap="none">
+            <a:spAutoFit/>
+          </a:bodyPr>
+          <a:lstStyle/>
+          <a:p>
+            <a:r>
+              <a:rPr lang="ko-KR" altLang="en-US" sz="1200" dirty="0" smtClean="0">
+                <a:ln>
+                  <a:solidFill>
+                    <a:schemeClr val="bg2">
+                      <a:alpha val="0"/>
+                    </a:schemeClr>
+                  </a:solidFill>
+                </a:ln>
+                <a:solidFill>
+                  <a:schemeClr val="bg1"/>
+                </a:solidFill>
+                <a:latin typeface="나눔바른고딕" panose="020B0603020101020101" pitchFamily="50" charset="-127"/>
+                <a:ea typeface="나눔바른고딕" panose="020B0603020101020101" pitchFamily="50" charset="-127"/>
+              </a:rPr>
+              <a:t>금주 발생 문제 </a:t>
+            </a:r>
+            <a:r>
+              <a:rPr lang="en-US" altLang="ko-KR" sz="1200" dirty="0" smtClean="0">
+                <a:ln>
+                  <a:solidFill>
+                    <a:schemeClr val="bg2">
+                      <a:alpha val="0"/>
+                    </a:schemeClr>
+                  </a:solidFill>
+                </a:ln>
+                <a:solidFill>
+                  <a:schemeClr val="bg1"/>
+                </a:solidFill>
+                <a:latin typeface="나눔바른고딕" panose="020B0603020101020101" pitchFamily="50" charset="-127"/>
+                <a:ea typeface="나눔바른고딕" panose="020B0603020101020101" pitchFamily="50" charset="-127"/>
+              </a:rPr>
+              <a:t>1</a:t>
+            </a:r>
+            <a:endParaRPr lang="ko-KR" altLang="en-US" sz="1200" dirty="0">
+              <a:ln>
+                <a:solidFill>
+                  <a:schemeClr val="bg2">
+                    <a:alpha val="0"/>
+                  </a:schemeClr>
+                </a:solidFill>
+              </a:ln>
+              <a:solidFill>
+                <a:schemeClr val="bg1"/>
+              </a:solidFill>
+            </a:endParaRPr>
+          </a:p>
+        </p:txBody>
+      </p:sp>
+      <p:sp>
+        <p:nvSpPr>
+          <p:cNvPr id="4" name="직사각형 3"/>
+          <p:cNvSpPr/>
+          <p:nvPr/>
+        </p:nvSpPr>
+        <p:spPr>
+          <a:xfrm>
+            <a:off x="5425236" y="3986235"/>
+            <a:ext cx="1047082" cy="276999"/>
+          </a:xfrm>
+          <a:prstGeom prst="rect">
+            <a:avLst/>
+          </a:prstGeom>
+          <a:solidFill>
+            <a:schemeClr val="tx1">
+              <a:lumMod val="65000"/>
+              <a:lumOff val="35000"/>
+            </a:schemeClr>
+          </a:solidFill>
+        </p:spPr>
+        <p:txBody>
+          <a:bodyPr wrap="none">
+            <a:spAutoFit/>
+          </a:bodyPr>
+          <a:lstStyle/>
+          <a:p>
+            <a:r>
+              <a:rPr lang="ko-KR" altLang="en-US" sz="1200" dirty="0" smtClean="0">
+                <a:ln>
+                  <a:solidFill>
+                    <a:schemeClr val="bg2">
+                      <a:alpha val="0"/>
+                    </a:schemeClr>
+                  </a:solidFill>
+                </a:ln>
+                <a:solidFill>
+                  <a:schemeClr val="bg1"/>
+                </a:solidFill>
+                <a:latin typeface="나눔바른고딕" panose="020B0603020101020101" pitchFamily="50" charset="-127"/>
+                <a:ea typeface="나눔바른고딕" panose="020B0603020101020101" pitchFamily="50" charset="-127"/>
+              </a:rPr>
+              <a:t>관련 제안사항</a:t>
+            </a:r>
+            <a:endParaRPr lang="ko-KR" altLang="en-US" sz="1200" dirty="0">
+              <a:ln>
+                <a:solidFill>
+                  <a:schemeClr val="bg2">
+                    <a:alpha val="0"/>
+                  </a:schemeClr>
+                </a:solidFill>
+              </a:ln>
+              <a:solidFill>
+                <a:schemeClr val="bg1"/>
+              </a:solidFill>
+            </a:endParaRPr>
+          </a:p>
+        </p:txBody>
+      </p:sp>
+      <p:pic>
+        <p:nvPicPr>
+          <p:cNvPr id="5" name="그림 4"/>
+          <p:cNvPicPr>
+            <a:picLocks noChangeAspect="1"/>
+          </p:cNvPicPr>
+          <p:nvPr/>
+        </p:nvPicPr>
+        <p:blipFill>
+          <a:blip r:embed="rId2"/>
+          <a:stretch>
+            <a:fillRect/>
+          </a:stretch>
+        </p:blipFill>
+        <p:spPr>
+          <a:xfrm>
+            <a:off x="5476095" y="1363349"/>
+            <a:ext cx="3002887" cy="611597"/>
+          </a:xfrm>
+          <a:prstGeom prst="rect">
+            <a:avLst/>
+          </a:prstGeom>
+        </p:spPr>
+      </p:pic>
+      <p:pic>
+        <p:nvPicPr>
+          <p:cNvPr id="6" name="그림 5"/>
+          <p:cNvPicPr>
+            <a:picLocks noChangeAspect="1"/>
+          </p:cNvPicPr>
+          <p:nvPr/>
+        </p:nvPicPr>
+        <p:blipFill>
+          <a:blip r:embed="rId3"/>
+          <a:stretch>
+            <a:fillRect/>
+          </a:stretch>
+        </p:blipFill>
+        <p:spPr>
+          <a:xfrm>
+            <a:off x="5425236" y="5045974"/>
+            <a:ext cx="3063013" cy="1094336"/>
+          </a:xfrm>
+          <a:prstGeom prst="rect">
+            <a:avLst/>
+          </a:prstGeom>
+        </p:spPr>
+      </p:pic>
+      <p:pic>
+        <p:nvPicPr>
+          <p:cNvPr id="7" name="그림 6"/>
+          <p:cNvPicPr>
+            <a:picLocks noChangeAspect="1"/>
+          </p:cNvPicPr>
+          <p:nvPr/>
+        </p:nvPicPr>
+        <p:blipFill>
+          <a:blip r:embed="rId4"/>
+          <a:stretch>
+            <a:fillRect/>
+          </a:stretch>
+        </p:blipFill>
+        <p:spPr>
+          <a:xfrm>
+            <a:off x="5425236" y="2284459"/>
+            <a:ext cx="2404370" cy="1061129"/>
+          </a:xfrm>
+          <a:prstGeom prst="rect">
+            <a:avLst/>
+          </a:prstGeom>
+        </p:spPr>
+      </p:pic>
+      <p:sp>
+        <p:nvSpPr>
+          <p:cNvPr id="8" name="직사각형 7"/>
+          <p:cNvSpPr/>
+          <p:nvPr/>
+        </p:nvSpPr>
+        <p:spPr>
+          <a:xfrm>
+            <a:off x="5425236" y="1101739"/>
+            <a:ext cx="774541" cy="261610"/>
+          </a:xfrm>
+          <a:prstGeom prst="rect">
+            <a:avLst/>
+          </a:prstGeom>
+        </p:spPr>
+        <p:txBody>
+          <a:bodyPr wrap="square">
+            <a:spAutoFit/>
+          </a:bodyPr>
+          <a:lstStyle/>
+          <a:p>
+            <a:r>
+              <a:rPr lang="ko-KR" altLang="en-US" sz="1050" smtClean="0">
+                <a:ln>
+                  <a:solidFill>
+                    <a:schemeClr val="tx1">
+                      <a:alpha val="0"/>
+                    </a:schemeClr>
+                  </a:solidFill>
+                </a:ln>
+                <a:latin typeface="나눔바른고딕" panose="020B0603020101020101" pitchFamily="50" charset="-127"/>
+                <a:ea typeface="나눔바른고딕" panose="020B0603020101020101" pitchFamily="50" charset="-127"/>
+              </a:rPr>
+              <a:t>데스크탑</a:t>
+            </a:r>
+            <a:endParaRPr lang="en-US" altLang="ko-KR" sz="1050" dirty="0" smtClean="0">
+              <a:ln>
+                <a:solidFill>
+                  <a:schemeClr val="tx1">
+                    <a:alpha val="0"/>
+                  </a:schemeClr>
+                </a:solidFill>
+              </a:ln>
+              <a:latin typeface="나눔바른고딕" panose="020B0603020101020101" pitchFamily="50" charset="-127"/>
+              <a:ea typeface="나눔바른고딕" panose="020B0603020101020101" pitchFamily="50" charset="-127"/>
+            </a:endParaRPr>
+          </a:p>
+        </p:txBody>
+      </p:sp>
+      <p:sp>
+        <p:nvSpPr>
+          <p:cNvPr id="9" name="직사각형 8"/>
+          <p:cNvSpPr/>
+          <p:nvPr/>
+        </p:nvSpPr>
+        <p:spPr>
+          <a:xfrm>
+            <a:off x="5425236" y="2022849"/>
+            <a:ext cx="774541" cy="261610"/>
+          </a:xfrm>
+          <a:prstGeom prst="rect">
+            <a:avLst/>
+          </a:prstGeom>
+        </p:spPr>
+        <p:txBody>
+          <a:bodyPr wrap="square">
+            <a:spAutoFit/>
+          </a:bodyPr>
+          <a:lstStyle/>
+          <a:p>
+            <a:r>
+              <a:rPr lang="ko-KR" altLang="en-US" sz="1050" dirty="0" smtClean="0">
+                <a:ln>
+                  <a:solidFill>
+                    <a:schemeClr val="tx1">
+                      <a:alpha val="0"/>
+                    </a:schemeClr>
+                  </a:solidFill>
+                </a:ln>
+                <a:latin typeface="나눔바른고딕" panose="020B0603020101020101" pitchFamily="50" charset="-127"/>
+                <a:ea typeface="나눔바른고딕" panose="020B0603020101020101" pitchFamily="50" charset="-127"/>
+              </a:rPr>
+              <a:t>모바일</a:t>
+            </a:r>
+            <a:endParaRPr lang="en-US" altLang="ko-KR" sz="1050" dirty="0" smtClean="0">
+              <a:ln>
+                <a:solidFill>
+                  <a:schemeClr val="tx1">
+                    <a:alpha val="0"/>
+                  </a:schemeClr>
+                </a:solidFill>
+              </a:ln>
+              <a:latin typeface="나눔바른고딕" panose="020B0603020101020101" pitchFamily="50" charset="-127"/>
+              <a:ea typeface="나눔바른고딕" panose="020B0603020101020101" pitchFamily="50" charset="-127"/>
+            </a:endParaRPr>
+          </a:p>
+        </p:txBody>
+      </p:sp>
       <p:cxnSp>
         <p:nvCxnSpPr>
-          <p:cNvPr id="3" name="직선 연결선 2"/>
+          <p:cNvPr id="11" name="직선 연결선 10"/>
+          <p:cNvCxnSpPr/>
+          <p:nvPr/>
+        </p:nvCxnSpPr>
+        <p:spPr>
+          <a:xfrm>
+            <a:off x="365760" y="3773976"/>
+            <a:ext cx="8454044" cy="0"/>
+          </a:xfrm>
+          <a:prstGeom prst="line">
+            <a:avLst/>
+          </a:prstGeom>
+          <a:ln>
+            <a:solidFill>
+              <a:schemeClr val="bg1">
+                <a:lumMod val="75000"/>
+              </a:schemeClr>
+            </a:solidFill>
+          </a:ln>
+        </p:spPr>
+        <p:style>
+          <a:lnRef idx="1">
+            <a:schemeClr val="accent1"/>
+          </a:lnRef>
+          <a:fillRef idx="0">
+            <a:schemeClr val="accent1"/>
+          </a:fillRef>
+          <a:effectRef idx="0">
+            <a:schemeClr val="accent1"/>
+          </a:effectRef>
+          <a:fontRef idx="minor">
+            <a:schemeClr val="tx1"/>
+          </a:fontRef>
+        </p:style>
+      </p:cxnSp>
+      <p:sp>
+        <p:nvSpPr>
+          <p:cNvPr id="12" name="직사각형 11"/>
+          <p:cNvSpPr/>
+          <p:nvPr/>
+        </p:nvSpPr>
+        <p:spPr>
+          <a:xfrm>
+            <a:off x="136868" y="98606"/>
+            <a:ext cx="4572000" cy="253916"/>
+          </a:xfrm>
+          <a:prstGeom prst="rect">
+            <a:avLst/>
+          </a:prstGeom>
+        </p:spPr>
+        <p:txBody>
+          <a:bodyPr>
+            <a:spAutoFit/>
+          </a:bodyPr>
+          <a:lstStyle/>
+          <a:p>
+            <a:r>
+              <a:rPr lang="ko-KR" altLang="en-US" sz="1050" b="1" dirty="0" smtClean="0">
+                <a:ln>
+                  <a:solidFill>
+                    <a:schemeClr val="tx1">
+                      <a:alpha val="0"/>
+                    </a:schemeClr>
+                  </a:solidFill>
+                </a:ln>
+                <a:latin typeface="나눔바른고딕" panose="020B0603020101020101" pitchFamily="50" charset="-127"/>
+                <a:ea typeface="나눔바른고딕" panose="020B0603020101020101" pitchFamily="50" charset="-127"/>
+              </a:rPr>
+              <a:t>문제 및 제안</a:t>
+            </a:r>
+            <a:endParaRPr lang="ko-KR" altLang="en-US" sz="1050" b="1" dirty="0">
+              <a:ln>
+                <a:solidFill>
+                  <a:schemeClr val="tx1">
+                    <a:alpha val="0"/>
+                  </a:schemeClr>
+                </a:solidFill>
+              </a:ln>
+              <a:latin typeface="나눔바른고딕" panose="020B0603020101020101" pitchFamily="50" charset="-127"/>
+              <a:ea typeface="나눔바른고딕" panose="020B0603020101020101" pitchFamily="50" charset="-127"/>
+            </a:endParaRPr>
+          </a:p>
+        </p:txBody>
+      </p:sp>
+      <p:cxnSp>
+        <p:nvCxnSpPr>
+          <p:cNvPr id="13" name="직선 연결선 12"/>
           <p:cNvCxnSpPr/>
           <p:nvPr/>
         </p:nvCxnSpPr>
@@ -4824,10 +8391,225 @@
           </a:fontRef>
         </p:style>
       </p:cxnSp>
+      <p:sp>
+        <p:nvSpPr>
+          <p:cNvPr id="14" name="직사각형 13"/>
+          <p:cNvSpPr/>
+          <p:nvPr/>
+        </p:nvSpPr>
+        <p:spPr>
+          <a:xfrm>
+            <a:off x="5364168" y="4441207"/>
+            <a:ext cx="2690866" cy="615553"/>
+          </a:xfrm>
+          <a:prstGeom prst="rect">
+            <a:avLst/>
+          </a:prstGeom>
+        </p:spPr>
+        <p:txBody>
+          <a:bodyPr wrap="square">
+            <a:spAutoFit/>
+          </a:bodyPr>
+          <a:lstStyle/>
+          <a:p>
+            <a:r>
+              <a:rPr lang="ko-KR" altLang="en-US" sz="1200" dirty="0" smtClean="0">
+                <a:ln>
+                  <a:solidFill>
+                    <a:schemeClr val="tx1">
+                      <a:alpha val="0"/>
+                    </a:schemeClr>
+                  </a:solidFill>
+                </a:ln>
+                <a:latin typeface="나눔바른고딕" panose="020B0603020101020101" pitchFamily="50" charset="-127"/>
+                <a:ea typeface="나눔바른고딕" panose="020B0603020101020101" pitchFamily="50" charset="-127"/>
+              </a:rPr>
+              <a:t>장기적인 활용을 위한 광고 이미지 촬영</a:t>
+            </a:r>
+            <a:endParaRPr lang="en-US" altLang="ko-KR" sz="1200" dirty="0" smtClean="0">
+              <a:ln>
+                <a:solidFill>
+                  <a:schemeClr val="tx1">
+                    <a:alpha val="0"/>
+                  </a:schemeClr>
+                </a:solidFill>
+              </a:ln>
+              <a:latin typeface="나눔바른고딕" panose="020B0603020101020101" pitchFamily="50" charset="-127"/>
+              <a:ea typeface="나눔바른고딕" panose="020B0603020101020101" pitchFamily="50" charset="-127"/>
+            </a:endParaRPr>
+          </a:p>
+          <a:p>
+            <a:endParaRPr lang="en-US" altLang="ko-KR" sz="1200" dirty="0">
+              <a:ln>
+                <a:solidFill>
+                  <a:schemeClr val="tx1">
+                    <a:alpha val="0"/>
+                  </a:schemeClr>
+                </a:solidFill>
+              </a:ln>
+              <a:latin typeface="나눔바른고딕" panose="020B0603020101020101" pitchFamily="50" charset="-127"/>
+              <a:ea typeface="나눔바른고딕" panose="020B0603020101020101" pitchFamily="50" charset="-127"/>
+            </a:endParaRPr>
+          </a:p>
+          <a:p>
+            <a:r>
+              <a:rPr lang="en-US" altLang="ko-KR" sz="1000" dirty="0" smtClean="0">
+                <a:ln>
+                  <a:solidFill>
+                    <a:schemeClr val="tx1">
+                      <a:alpha val="0"/>
+                    </a:schemeClr>
+                  </a:solidFill>
+                </a:ln>
+                <a:latin typeface="나눔바른고딕" panose="020B0603020101020101" pitchFamily="50" charset="-127"/>
+                <a:ea typeface="나눔바른고딕" panose="020B0603020101020101" pitchFamily="50" charset="-127"/>
+              </a:rPr>
+              <a:t>Ref. </a:t>
+            </a:r>
+          </a:p>
+        </p:txBody>
+      </p:sp>
+      <p:pic>
+        <p:nvPicPr>
+          <p:cNvPr id="15" name="그림 14"/>
+          <p:cNvPicPr>
+            <a:picLocks noChangeAspect="1"/>
+          </p:cNvPicPr>
+          <p:nvPr/>
+        </p:nvPicPr>
+        <p:blipFill>
+          <a:blip r:embed="rId5"/>
+          <a:stretch>
+            <a:fillRect/>
+          </a:stretch>
+        </p:blipFill>
+        <p:spPr>
+          <a:xfrm>
+            <a:off x="7788802" y="5045974"/>
+            <a:ext cx="532464" cy="1187333"/>
+          </a:xfrm>
+          <a:prstGeom prst="rect">
+            <a:avLst/>
+          </a:prstGeom>
+        </p:spPr>
+      </p:pic>
+      <p:cxnSp>
+        <p:nvCxnSpPr>
+          <p:cNvPr id="18" name="직선 연결선 17"/>
+          <p:cNvCxnSpPr/>
+          <p:nvPr/>
+        </p:nvCxnSpPr>
+        <p:spPr>
+          <a:xfrm>
+            <a:off x="5020887" y="3773976"/>
+            <a:ext cx="0" cy="2651760"/>
+          </a:xfrm>
+          <a:prstGeom prst="line">
+            <a:avLst/>
+          </a:prstGeom>
+          <a:ln>
+            <a:solidFill>
+              <a:schemeClr val="bg1">
+                <a:lumMod val="75000"/>
+              </a:schemeClr>
+            </a:solidFill>
+          </a:ln>
+        </p:spPr>
+        <p:style>
+          <a:lnRef idx="1">
+            <a:schemeClr val="accent1"/>
+          </a:lnRef>
+          <a:fillRef idx="0">
+            <a:schemeClr val="accent1"/>
+          </a:fillRef>
+          <a:effectRef idx="0">
+            <a:schemeClr val="accent1"/>
+          </a:effectRef>
+          <a:fontRef idx="minor">
+            <a:schemeClr val="tx1"/>
+          </a:fontRef>
+        </p:style>
+      </p:cxnSp>
+      <p:sp>
+        <p:nvSpPr>
+          <p:cNvPr id="19" name="직사각형 18"/>
+          <p:cNvSpPr/>
+          <p:nvPr/>
+        </p:nvSpPr>
+        <p:spPr>
+          <a:xfrm>
+            <a:off x="597058" y="3994477"/>
+            <a:ext cx="1207382" cy="276999"/>
+          </a:xfrm>
+          <a:prstGeom prst="rect">
+            <a:avLst/>
+          </a:prstGeom>
+          <a:solidFill>
+            <a:schemeClr val="tx1">
+              <a:lumMod val="65000"/>
+              <a:lumOff val="35000"/>
+            </a:schemeClr>
+          </a:solidFill>
+        </p:spPr>
+        <p:txBody>
+          <a:bodyPr wrap="none">
+            <a:spAutoFit/>
+          </a:bodyPr>
+          <a:lstStyle/>
+          <a:p>
+            <a:r>
+              <a:rPr lang="ko-KR" altLang="en-US" sz="1200" dirty="0" smtClean="0">
+                <a:ln>
+                  <a:solidFill>
+                    <a:schemeClr val="bg2">
+                      <a:alpha val="0"/>
+                    </a:schemeClr>
+                  </a:solidFill>
+                </a:ln>
+                <a:solidFill>
+                  <a:schemeClr val="bg1"/>
+                </a:solidFill>
+                <a:latin typeface="나눔바른고딕" panose="020B0603020101020101" pitchFamily="50" charset="-127"/>
+                <a:ea typeface="나눔바른고딕" panose="020B0603020101020101" pitchFamily="50" charset="-127"/>
+              </a:rPr>
+              <a:t>금주 발생 문제 </a:t>
+            </a:r>
+            <a:r>
+              <a:rPr lang="en-US" altLang="ko-KR" sz="1200" dirty="0">
+                <a:ln>
+                  <a:solidFill>
+                    <a:schemeClr val="bg2">
+                      <a:alpha val="0"/>
+                    </a:schemeClr>
+                  </a:solidFill>
+                </a:ln>
+                <a:solidFill>
+                  <a:schemeClr val="bg1"/>
+                </a:solidFill>
+                <a:latin typeface="나눔바른고딕" panose="020B0603020101020101" pitchFamily="50" charset="-127"/>
+                <a:ea typeface="나눔바른고딕" panose="020B0603020101020101" pitchFamily="50" charset="-127"/>
+              </a:rPr>
+              <a:t>2</a:t>
+            </a:r>
+            <a:endParaRPr lang="ko-KR" altLang="en-US" sz="1200" dirty="0">
+              <a:ln>
+                <a:solidFill>
+                  <a:schemeClr val="bg2">
+                    <a:alpha val="0"/>
+                  </a:schemeClr>
+                </a:solidFill>
+              </a:ln>
+              <a:solidFill>
+                <a:schemeClr val="bg1"/>
+              </a:solidFill>
+            </a:endParaRPr>
+          </a:p>
+        </p:txBody>
+      </p:sp>
     </p:spTree>
     <p:extLst>
       <p:ext uri="{BB962C8B-B14F-4D97-AF65-F5344CB8AC3E}">
-        <p14:creationId xmlns:p14="http://schemas.microsoft.com/office/powerpoint/2010/main" val="2222626732"/>
+        <p14:creationId xmlns:p14="http://schemas.microsoft.com/office/powerpoint/2010/main" val="1918906952"/>
       </p:ext>
     </p:extLst>
   </p:cSld>
@@ -4837,7 +8619,7 @@
 </p:sld>
 </file>
 
-<file path=ppt/slides/slide4.xml><?xml version="1.0" encoding="utf-8"?>
+<file path=ppt/slides/slide5.xml><?xml version="1.0" encoding="utf-8"?>
 <p:sld xmlns:a="http://schemas.openxmlformats.org/drawingml/2006/main" xmlns:r="http://schemas.openxmlformats.org/officeDocument/2006/relationships" xmlns:p="http://schemas.openxmlformats.org/presentationml/2006/main">
   <p:cSld>
     <p:spTree>
@@ -4952,16 +8734,40 @@
           </a:fontRef>
         </p:style>
       </p:cxnSp>
+      <p:pic>
+        <p:nvPicPr>
+          <p:cNvPr id="13" name="그림 12"/>
+          <p:cNvPicPr>
+            <a:picLocks noChangeAspect="1"/>
+          </p:cNvPicPr>
+          <p:nvPr/>
+        </p:nvPicPr>
+        <p:blipFill>
+          <a:blip r:embed="rId2"/>
+          <a:stretch>
+            <a:fillRect/>
+          </a:stretch>
+        </p:blipFill>
+        <p:spPr>
+          <a:xfrm>
+            <a:off x="630266" y="1188113"/>
+            <a:ext cx="3468183" cy="3950040"/>
+          </a:xfrm>
+          <a:prstGeom prst="rect">
+            <a:avLst/>
+          </a:prstGeom>
+        </p:spPr>
+      </p:pic>
       <p:sp>
         <p:nvSpPr>
-          <p:cNvPr id="12" name="직사각형 11"/>
+          <p:cNvPr id="7" name="직사각형 6"/>
           <p:cNvSpPr/>
           <p:nvPr/>
         </p:nvSpPr>
         <p:spPr>
           <a:xfrm>
-            <a:off x="4787900" y="5930167"/>
-            <a:ext cx="4077145" cy="276999"/>
+            <a:off x="136868" y="5930167"/>
+            <a:ext cx="8867351" cy="646331"/>
           </a:xfrm>
           <a:prstGeom prst="rect">
             <a:avLst/>
@@ -4984,7 +8790,91 @@
           </a:bodyPr>
           <a:lstStyle/>
           <a:p>
-            <a:pPr algn="r"/>
+            <a:pPr algn="ctr"/>
+            <a:r>
+              <a:rPr lang="ko-KR" altLang="en-US" sz="1200" dirty="0">
+                <a:ln>
+                  <a:solidFill>
+                    <a:schemeClr val="tx1">
+                      <a:alpha val="0"/>
+                    </a:schemeClr>
+                  </a:solidFill>
+                </a:ln>
+                <a:latin typeface="나눔바른고딕" panose="020B0603020101020101" pitchFamily="50" charset="-127"/>
+                <a:ea typeface="나눔바른고딕" panose="020B0603020101020101" pitchFamily="50" charset="-127"/>
+              </a:rPr>
+              <a:t>외주 </a:t>
+            </a:r>
+            <a:r>
+              <a:rPr lang="ko-KR" altLang="en-US" sz="1200" dirty="0" smtClean="0">
+                <a:ln>
+                  <a:solidFill>
+                    <a:schemeClr val="tx1">
+                      <a:alpha val="0"/>
+                    </a:schemeClr>
+                  </a:solidFill>
+                </a:ln>
+                <a:latin typeface="나눔바른고딕" panose="020B0603020101020101" pitchFamily="50" charset="-127"/>
+                <a:ea typeface="나눔바른고딕" panose="020B0603020101020101" pitchFamily="50" charset="-127"/>
+              </a:rPr>
+              <a:t>전 일 </a:t>
+            </a:r>
+            <a:r>
+              <a:rPr lang="ko-KR" altLang="en-US" sz="1200" dirty="0" err="1">
+                <a:ln>
+                  <a:solidFill>
+                    <a:schemeClr val="tx1">
+                      <a:alpha val="0"/>
+                    </a:schemeClr>
+                  </a:solidFill>
+                </a:ln>
+                <a:latin typeface="나눔바른고딕" panose="020B0603020101020101" pitchFamily="50" charset="-127"/>
+                <a:ea typeface="나눔바른고딕" panose="020B0603020101020101" pitchFamily="50" charset="-127"/>
+              </a:rPr>
+              <a:t>집행금액</a:t>
+            </a:r>
+            <a:r>
+              <a:rPr lang="ko-KR" altLang="en-US" sz="1200" dirty="0">
+                <a:ln>
+                  <a:solidFill>
+                    <a:schemeClr val="tx1">
+                      <a:alpha val="0"/>
+                    </a:schemeClr>
+                  </a:solidFill>
+                </a:ln>
+                <a:latin typeface="나눔바른고딕" panose="020B0603020101020101" pitchFamily="50" charset="-127"/>
+                <a:ea typeface="나눔바른고딕" panose="020B0603020101020101" pitchFamily="50" charset="-127"/>
+              </a:rPr>
+              <a:t> </a:t>
+            </a:r>
+            <a:r>
+              <a:rPr lang="en-US" altLang="ko-KR" sz="1200" dirty="0">
+                <a:ln>
+                  <a:solidFill>
+                    <a:schemeClr val="tx1">
+                      <a:alpha val="0"/>
+                    </a:schemeClr>
+                  </a:solidFill>
+                </a:ln>
+                <a:latin typeface="나눔바른고딕" panose="020B0603020101020101" pitchFamily="50" charset="-127"/>
+                <a:ea typeface="나눔바른고딕" panose="020B0603020101020101" pitchFamily="50" charset="-127"/>
+              </a:rPr>
+              <a:t>3,000</a:t>
+            </a:r>
+            <a:r>
+              <a:rPr lang="ko-KR" altLang="en-US" sz="1200" dirty="0">
+                <a:ln>
+                  <a:solidFill>
+                    <a:schemeClr val="tx1">
+                      <a:alpha val="0"/>
+                    </a:schemeClr>
+                  </a:solidFill>
+                </a:ln>
+                <a:latin typeface="나눔바른고딕" panose="020B0603020101020101" pitchFamily="50" charset="-127"/>
+                <a:ea typeface="나눔바른고딕" panose="020B0603020101020101" pitchFamily="50" charset="-127"/>
+              </a:rPr>
+              <a:t>원으로 </a:t>
+            </a:r>
             <a:r>
               <a:rPr lang="ko-KR" altLang="en-US" sz="1200" b="1" dirty="0" smtClean="0">
                 <a:ln>
@@ -4997,9 +8887,37 @@
                 <a:latin typeface="나눔바른고딕" panose="020B0603020101020101" pitchFamily="50" charset="-127"/>
                 <a:ea typeface="나눔바른고딕" panose="020B0603020101020101" pitchFamily="50" charset="-127"/>
               </a:rPr>
-              <a:t>집행 시 외주 필요</a:t>
-            </a:r>
-            <a:endParaRPr lang="en-US" altLang="ko-KR" sz="1200" dirty="0">
+              <a:t>소재 </a:t>
+            </a:r>
+            <a:r>
+              <a:rPr lang="ko-KR" altLang="en-US" sz="1200" b="1" dirty="0" err="1" smtClean="0">
+                <a:ln>
+                  <a:solidFill>
+                    <a:schemeClr val="tx1">
+                      <a:alpha val="0"/>
+                    </a:schemeClr>
+                  </a:solidFill>
+                </a:ln>
+                <a:latin typeface="나눔바른고딕" panose="020B0603020101020101" pitchFamily="50" charset="-127"/>
+                <a:ea typeface="나눔바른고딕" panose="020B0603020101020101" pitchFamily="50" charset="-127"/>
+              </a:rPr>
+              <a:t>테스팅</a:t>
+            </a:r>
+            <a:r>
+              <a:rPr lang="ko-KR" altLang="en-US" sz="1200" b="1" dirty="0" smtClean="0">
+                <a:ln>
+                  <a:solidFill>
+                    <a:schemeClr val="tx1">
+                      <a:alpha val="0"/>
+                    </a:schemeClr>
+                  </a:solidFill>
+                </a:ln>
+                <a:latin typeface="나눔바른고딕" panose="020B0603020101020101" pitchFamily="50" charset="-127"/>
+                <a:ea typeface="나눔바른고딕" panose="020B0603020101020101" pitchFamily="50" charset="-127"/>
+              </a:rPr>
+              <a:t> 진행 중</a:t>
+            </a:r>
+            <a:endParaRPr lang="en-US" altLang="ko-KR" sz="1200" b="1" dirty="0" smtClean="0">
               <a:ln>
                 <a:solidFill>
                   <a:schemeClr val="tx1">
@@ -5007,9 +8925,104 @@
                   </a:schemeClr>
                 </a:solidFill>
               </a:ln>
-              <a:solidFill>
-                <a:srgbClr val="FF0000"/>
-              </a:solidFill>
+              <a:latin typeface="나눔바른고딕" panose="020B0603020101020101" pitchFamily="50" charset="-127"/>
+              <a:ea typeface="나눔바른고딕" panose="020B0603020101020101" pitchFamily="50" charset="-127"/>
+            </a:endParaRPr>
+          </a:p>
+          <a:p>
+            <a:pPr algn="ctr"/>
+            <a:r>
+              <a:rPr lang="en-US" altLang="ko-KR" sz="1200" b="1" dirty="0" smtClean="0">
+                <a:ln>
+                  <a:solidFill>
+                    <a:schemeClr val="tx1">
+                      <a:alpha val="0"/>
+                    </a:schemeClr>
+                  </a:solidFill>
+                </a:ln>
+                <a:latin typeface="나눔바른고딕" panose="020B0603020101020101" pitchFamily="50" charset="-127"/>
+                <a:ea typeface="나눔바른고딕" panose="020B0603020101020101" pitchFamily="50" charset="-127"/>
+              </a:rPr>
+              <a:t>2</a:t>
+            </a:r>
+            <a:r>
+              <a:rPr lang="ko-KR" altLang="en-US" sz="1200" b="1" dirty="0" smtClean="0">
+                <a:ln>
+                  <a:solidFill>
+                    <a:schemeClr val="tx1">
+                      <a:alpha val="0"/>
+                    </a:schemeClr>
+                  </a:solidFill>
+                </a:ln>
+                <a:latin typeface="나눔바른고딕" panose="020B0603020101020101" pitchFamily="50" charset="-127"/>
+                <a:ea typeface="나눔바른고딕" panose="020B0603020101020101" pitchFamily="50" charset="-127"/>
+              </a:rPr>
+              <a:t>주 소요 예정 </a:t>
+            </a:r>
+            <a:endParaRPr lang="en-US" altLang="ko-KR" sz="1200" b="1" dirty="0" smtClean="0">
+              <a:ln>
+                <a:solidFill>
+                  <a:schemeClr val="tx1">
+                    <a:alpha val="0"/>
+                  </a:schemeClr>
+                </a:solidFill>
+              </a:ln>
+              <a:latin typeface="나눔바른고딕" panose="020B0603020101020101" pitchFamily="50" charset="-127"/>
+              <a:ea typeface="나눔바른고딕" panose="020B0603020101020101" pitchFamily="50" charset="-127"/>
+            </a:endParaRPr>
+          </a:p>
+          <a:p>
+            <a:pPr algn="ctr"/>
+            <a:r>
+              <a:rPr lang="ko-KR" altLang="en-US" sz="1200" dirty="0" smtClean="0">
+                <a:ln>
+                  <a:solidFill>
+                    <a:schemeClr val="tx1">
+                      <a:alpha val="0"/>
+                    </a:schemeClr>
+                  </a:solidFill>
+                </a:ln>
+                <a:latin typeface="나눔바른고딕" panose="020B0603020101020101" pitchFamily="50" charset="-127"/>
+                <a:ea typeface="나눔바른고딕" panose="020B0603020101020101" pitchFamily="50" charset="-127"/>
+              </a:rPr>
+              <a:t>테스트 이후 </a:t>
+            </a:r>
+            <a:r>
+              <a:rPr lang="ko-KR" altLang="en-US" sz="1200" dirty="0" err="1" smtClean="0">
+                <a:ln>
+                  <a:solidFill>
+                    <a:schemeClr val="tx1">
+                      <a:alpha val="0"/>
+                    </a:schemeClr>
+                  </a:solidFill>
+                </a:ln>
+                <a:latin typeface="나눔바른고딕" panose="020B0603020101020101" pitchFamily="50" charset="-127"/>
+                <a:ea typeface="나눔바른고딕" panose="020B0603020101020101" pitchFamily="50" charset="-127"/>
+              </a:rPr>
+              <a:t>대장소재는</a:t>
+            </a:r>
+            <a:r>
+              <a:rPr lang="ko-KR" altLang="en-US" sz="1200" dirty="0" smtClean="0">
+                <a:ln>
+                  <a:solidFill>
+                    <a:schemeClr val="tx1">
+                      <a:alpha val="0"/>
+                    </a:schemeClr>
+                  </a:solidFill>
+                </a:ln>
+                <a:latin typeface="나눔바른고딕" panose="020B0603020101020101" pitchFamily="50" charset="-127"/>
+                <a:ea typeface="나눔바른고딕" panose="020B0603020101020101" pitchFamily="50" charset="-127"/>
+              </a:rPr>
+              <a:t> 외주를 통해 이미지배너로 제작 예정</a:t>
+            </a:r>
+            <a:endParaRPr lang="ko-KR" altLang="en-US" sz="1200" dirty="0">
+              <a:ln>
+                <a:solidFill>
+                  <a:schemeClr val="tx1">
+                    <a:alpha val="0"/>
+                  </a:schemeClr>
+                </a:solidFill>
+              </a:ln>
               <a:latin typeface="나눔바른고딕" panose="020B0603020101020101" pitchFamily="50" charset="-127"/>
               <a:ea typeface="나눔바른고딕" panose="020B0603020101020101" pitchFamily="50" charset="-127"/>
             </a:endParaRPr>
@@ -5018,18 +9031,24 @@
       </p:sp>
       <p:sp>
         <p:nvSpPr>
-          <p:cNvPr id="11" name="직사각형 10"/>
+          <p:cNvPr id="8" name="직사각형 7"/>
           <p:cNvSpPr/>
           <p:nvPr/>
         </p:nvSpPr>
         <p:spPr>
           <a:xfrm>
-            <a:off x="4570543" y="2063927"/>
-            <a:ext cx="4382931" cy="923330"/>
+            <a:off x="630266" y="810278"/>
+            <a:ext cx="1531188" cy="276999"/>
           </a:xfrm>
           <a:prstGeom prst="rect">
             <a:avLst/>
           </a:prstGeom>
+          <a:solidFill>
+            <a:schemeClr val="tx1">
+              <a:lumMod val="65000"/>
+              <a:lumOff val="35000"/>
+            </a:schemeClr>
+          </a:solidFill>
         </p:spPr>
         <p:txBody>
           <a:bodyPr wrap="none">
@@ -5038,207 +9057,157 @@
           <a:lstStyle/>
           <a:p>
             <a:r>
-              <a:rPr lang="ko-KR" altLang="en-US" dirty="0" smtClean="0">
-                <a:ln>
-                  <a:solidFill>
-                    <a:schemeClr val="tx1">
-                      <a:alpha val="0"/>
-                    </a:schemeClr>
-                  </a:solidFill>
-                </a:ln>
-                <a:latin typeface="나눔바른고딕" panose="020B0603020101020101" pitchFamily="50" charset="-127"/>
-                <a:ea typeface="나눔바른고딕" panose="020B0603020101020101" pitchFamily="50" charset="-127"/>
-              </a:rPr>
-              <a:t>외주 전</a:t>
-            </a:r>
-            <a:endParaRPr lang="en-US" altLang="ko-KR" dirty="0" smtClean="0">
+              <a:rPr lang="ko-KR" altLang="en-US" sz="1200" dirty="0" smtClean="0">
+                <a:ln>
+                  <a:solidFill>
+                    <a:schemeClr val="bg2">
+                      <a:alpha val="0"/>
+                    </a:schemeClr>
+                  </a:solidFill>
+                </a:ln>
+                <a:solidFill>
+                  <a:schemeClr val="bg1"/>
+                </a:solidFill>
+                <a:latin typeface="나눔바른고딕" panose="020B0603020101020101" pitchFamily="50" charset="-127"/>
+                <a:ea typeface="나눔바른고딕" panose="020B0603020101020101" pitchFamily="50" charset="-127"/>
+              </a:rPr>
+              <a:t>광고 소재 텍스트 목록</a:t>
+            </a:r>
+            <a:endParaRPr lang="ko-KR" altLang="en-US" sz="1200" dirty="0">
               <a:ln>
                 <a:solidFill>
-                  <a:schemeClr val="tx1">
+                  <a:schemeClr val="bg2">
                     <a:alpha val="0"/>
                   </a:schemeClr>
                 </a:solidFill>
               </a:ln>
-              <a:latin typeface="나눔바른고딕" panose="020B0603020101020101" pitchFamily="50" charset="-127"/>
-              <a:ea typeface="나눔바른고딕" panose="020B0603020101020101" pitchFamily="50" charset="-127"/>
+              <a:solidFill>
+                <a:schemeClr val="bg1"/>
+              </a:solidFill>
             </a:endParaRPr>
-          </a:p>
-          <a:p>
-            <a:r>
-              <a:rPr lang="ko-KR" altLang="en-US" dirty="0" smtClean="0">
-                <a:ln>
-                  <a:solidFill>
-                    <a:schemeClr val="tx1">
-                      <a:alpha val="0"/>
-                    </a:schemeClr>
-                  </a:solidFill>
-                </a:ln>
-                <a:latin typeface="나눔바른고딕" panose="020B0603020101020101" pitchFamily="50" charset="-127"/>
-                <a:ea typeface="나눔바른고딕" panose="020B0603020101020101" pitchFamily="50" charset="-127"/>
-              </a:rPr>
-              <a:t>일 </a:t>
-            </a:r>
-            <a:r>
-              <a:rPr lang="ko-KR" altLang="en-US" dirty="0" err="1" smtClean="0">
-                <a:ln>
-                  <a:solidFill>
-                    <a:schemeClr val="tx1">
-                      <a:alpha val="0"/>
-                    </a:schemeClr>
-                  </a:solidFill>
-                </a:ln>
-                <a:latin typeface="나눔바른고딕" panose="020B0603020101020101" pitchFamily="50" charset="-127"/>
-                <a:ea typeface="나눔바른고딕" panose="020B0603020101020101" pitchFamily="50" charset="-127"/>
-              </a:rPr>
-              <a:t>집행금액</a:t>
-            </a:r>
-            <a:r>
-              <a:rPr lang="ko-KR" altLang="en-US" dirty="0" smtClean="0">
-                <a:ln>
-                  <a:solidFill>
-                    <a:schemeClr val="tx1">
-                      <a:alpha val="0"/>
-                    </a:schemeClr>
-                  </a:solidFill>
-                </a:ln>
-                <a:latin typeface="나눔바른고딕" panose="020B0603020101020101" pitchFamily="50" charset="-127"/>
-                <a:ea typeface="나눔바른고딕" panose="020B0603020101020101" pitchFamily="50" charset="-127"/>
-              </a:rPr>
-              <a:t> </a:t>
-            </a:r>
-            <a:r>
-              <a:rPr lang="en-US" altLang="ko-KR" dirty="0" smtClean="0">
-                <a:ln>
-                  <a:solidFill>
-                    <a:schemeClr val="tx1">
-                      <a:alpha val="0"/>
-                    </a:schemeClr>
-                  </a:solidFill>
-                </a:ln>
-                <a:latin typeface="나눔바른고딕" panose="020B0603020101020101" pitchFamily="50" charset="-127"/>
-                <a:ea typeface="나눔바른고딕" panose="020B0603020101020101" pitchFamily="50" charset="-127"/>
-              </a:rPr>
-              <a:t>3,000</a:t>
-            </a:r>
-            <a:r>
-              <a:rPr lang="ko-KR" altLang="en-US" dirty="0" smtClean="0">
-                <a:ln>
-                  <a:solidFill>
-                    <a:schemeClr val="tx1">
-                      <a:alpha val="0"/>
-                    </a:schemeClr>
-                  </a:solidFill>
-                </a:ln>
-                <a:latin typeface="나눔바른고딕" panose="020B0603020101020101" pitchFamily="50" charset="-127"/>
-                <a:ea typeface="나눔바른고딕" panose="020B0603020101020101" pitchFamily="50" charset="-127"/>
-              </a:rPr>
-              <a:t>원으로 </a:t>
-            </a:r>
-            <a:r>
-              <a:rPr lang="ko-KR" altLang="en-US" dirty="0">
-                <a:ln>
-                  <a:solidFill>
-                    <a:schemeClr val="tx1">
-                      <a:alpha val="0"/>
-                    </a:schemeClr>
-                  </a:solidFill>
-                </a:ln>
-                <a:latin typeface="나눔바른고딕" panose="020B0603020101020101" pitchFamily="50" charset="-127"/>
-                <a:ea typeface="나눔바른고딕" panose="020B0603020101020101" pitchFamily="50" charset="-127"/>
-              </a:rPr>
-              <a:t>소재 </a:t>
-            </a:r>
-            <a:r>
-              <a:rPr lang="ko-KR" altLang="en-US" dirty="0" err="1">
-                <a:ln>
-                  <a:solidFill>
-                    <a:schemeClr val="tx1">
-                      <a:alpha val="0"/>
-                    </a:schemeClr>
-                  </a:solidFill>
-                </a:ln>
-                <a:latin typeface="나눔바른고딕" panose="020B0603020101020101" pitchFamily="50" charset="-127"/>
-                <a:ea typeface="나눔바른고딕" panose="020B0603020101020101" pitchFamily="50" charset="-127"/>
-              </a:rPr>
-              <a:t>테스팅</a:t>
-            </a:r>
-            <a:r>
-              <a:rPr lang="ko-KR" altLang="en-US" dirty="0">
-                <a:ln>
-                  <a:solidFill>
-                    <a:schemeClr val="tx1">
-                      <a:alpha val="0"/>
-                    </a:schemeClr>
-                  </a:solidFill>
-                </a:ln>
-                <a:latin typeface="나눔바른고딕" panose="020B0603020101020101" pitchFamily="50" charset="-127"/>
-                <a:ea typeface="나눔바른고딕" panose="020B0603020101020101" pitchFamily="50" charset="-127"/>
-              </a:rPr>
-              <a:t> 진행 </a:t>
-            </a:r>
-            <a:r>
-              <a:rPr lang="ko-KR" altLang="en-US" dirty="0" smtClean="0">
-                <a:ln>
-                  <a:solidFill>
-                    <a:schemeClr val="tx1">
-                      <a:alpha val="0"/>
-                    </a:schemeClr>
-                  </a:solidFill>
-                </a:ln>
-                <a:latin typeface="나눔바른고딕" panose="020B0603020101020101" pitchFamily="50" charset="-127"/>
-                <a:ea typeface="나눔바른고딕" panose="020B0603020101020101" pitchFamily="50" charset="-127"/>
-              </a:rPr>
-              <a:t>중</a:t>
-            </a:r>
-            <a:endParaRPr lang="en-US" altLang="ko-KR" dirty="0" smtClean="0">
-              <a:ln>
-                <a:solidFill>
-                  <a:schemeClr val="tx1">
-                    <a:alpha val="0"/>
-                  </a:schemeClr>
-                </a:solidFill>
-              </a:ln>
-              <a:latin typeface="나눔바른고딕" panose="020B0603020101020101" pitchFamily="50" charset="-127"/>
-              <a:ea typeface="나눔바른고딕" panose="020B0603020101020101" pitchFamily="50" charset="-127"/>
-            </a:endParaRPr>
-          </a:p>
-          <a:p>
-            <a:r>
-              <a:rPr lang="en-US" altLang="ko-KR" dirty="0" smtClean="0"/>
-              <a:t>2</a:t>
-            </a:r>
-            <a:r>
-              <a:rPr lang="ko-KR" altLang="en-US" dirty="0" smtClean="0"/>
-              <a:t>주 소요 예정 </a:t>
-            </a:r>
-            <a:endParaRPr lang="ko-KR" altLang="en-US" dirty="0"/>
           </a:p>
         </p:txBody>
       </p:sp>
       <p:pic>
         <p:nvPicPr>
-          <p:cNvPr id="13" name="그림 12"/>
+          <p:cNvPr id="14" name="그림 13"/>
           <p:cNvPicPr>
             <a:picLocks noChangeAspect="1"/>
           </p:cNvPicPr>
           <p:nvPr/>
         </p:nvPicPr>
         <p:blipFill>
-          <a:blip r:embed="rId2"/>
+          <a:blip r:embed="rId3"/>
           <a:stretch>
             <a:fillRect/>
           </a:stretch>
         </p:blipFill>
         <p:spPr>
           <a:xfrm>
-            <a:off x="451934" y="748146"/>
-            <a:ext cx="3468183" cy="3950040"/>
+            <a:off x="5334866" y="1221365"/>
+            <a:ext cx="3295650" cy="2743200"/>
           </a:xfrm>
           <a:prstGeom prst="rect">
             <a:avLst/>
           </a:prstGeom>
         </p:spPr>
       </p:pic>
+      <p:sp>
+        <p:nvSpPr>
+          <p:cNvPr id="15" name="직사각형 14"/>
+          <p:cNvSpPr/>
+          <p:nvPr/>
+        </p:nvSpPr>
+        <p:spPr>
+          <a:xfrm>
+            <a:off x="5443190" y="810278"/>
+            <a:ext cx="1220206" cy="276999"/>
+          </a:xfrm>
+          <a:prstGeom prst="rect">
+            <a:avLst/>
+          </a:prstGeom>
+          <a:solidFill>
+            <a:schemeClr val="tx1">
+              <a:lumMod val="65000"/>
+              <a:lumOff val="35000"/>
+            </a:schemeClr>
+          </a:solidFill>
+        </p:spPr>
+        <p:txBody>
+          <a:bodyPr wrap="none">
+            <a:spAutoFit/>
+          </a:bodyPr>
+          <a:lstStyle/>
+          <a:p>
+            <a:r>
+              <a:rPr lang="ko-KR" altLang="en-US" sz="1200" dirty="0" smtClean="0">
+                <a:ln>
+                  <a:solidFill>
+                    <a:schemeClr val="bg2">
+                      <a:alpha val="0"/>
+                    </a:schemeClr>
+                  </a:solidFill>
+                </a:ln>
+                <a:solidFill>
+                  <a:schemeClr val="bg1"/>
+                </a:solidFill>
+                <a:latin typeface="나눔바른고딕" panose="020B0603020101020101" pitchFamily="50" charset="-127"/>
+                <a:ea typeface="나눔바른고딕" panose="020B0603020101020101" pitchFamily="50" charset="-127"/>
+              </a:rPr>
+              <a:t>이미지 소재 예시</a:t>
+            </a:r>
+            <a:endParaRPr lang="ko-KR" altLang="en-US" sz="1200" dirty="0">
+              <a:ln>
+                <a:solidFill>
+                  <a:schemeClr val="bg2">
+                    <a:alpha val="0"/>
+                  </a:schemeClr>
+                </a:solidFill>
+              </a:ln>
+              <a:solidFill>
+                <a:schemeClr val="bg1"/>
+              </a:solidFill>
+            </a:endParaRPr>
+          </a:p>
+        </p:txBody>
+      </p:sp>
+      <p:cxnSp>
+        <p:nvCxnSpPr>
+          <p:cNvPr id="16" name="직선 연결선 15"/>
+          <p:cNvCxnSpPr/>
+          <p:nvPr/>
+        </p:nvCxnSpPr>
+        <p:spPr>
+          <a:xfrm>
+            <a:off x="4717180" y="731520"/>
+            <a:ext cx="0" cy="4713314"/>
+          </a:xfrm>
+          <a:prstGeom prst="line">
+            <a:avLst/>
+          </a:prstGeom>
+          <a:ln>
+            <a:solidFill>
+              <a:schemeClr val="bg1">
+                <a:lumMod val="75000"/>
+              </a:schemeClr>
+            </a:solidFill>
+          </a:ln>
+        </p:spPr>
+        <p:style>
+          <a:lnRef idx="1">
+            <a:schemeClr val="accent1"/>
+          </a:lnRef>
+          <a:fillRef idx="0">
+            <a:schemeClr val="accent1"/>
+          </a:fillRef>
+          <a:effectRef idx="0">
+            <a:schemeClr val="accent1"/>
+          </a:effectRef>
+          <a:fontRef idx="minor">
+            <a:schemeClr val="tx1"/>
+          </a:fontRef>
+        </p:style>
+      </p:cxnSp>
     </p:spTree>
     <p:extLst>
       <p:ext uri="{BB962C8B-B14F-4D97-AF65-F5344CB8AC3E}">
@@ -5252,7 +9221,7 @@
 </p:sld>
 </file>
 
-<file path=ppt/slides/slide5.xml><?xml version="1.0" encoding="utf-8"?>
+<file path=ppt/slides/slide6.xml><?xml version="1.0" encoding="utf-8"?>
 <p:sld xmlns:a="http://schemas.openxmlformats.org/drawingml/2006/main" xmlns:r="http://schemas.openxmlformats.org/officeDocument/2006/relationships" xmlns:p="http://schemas.openxmlformats.org/presentationml/2006/main">
   <p:cSld>
     <p:spTree>
@@ -5316,21 +9285,7 @@
                 <a:latin typeface="나눔바른고딕" panose="020B0603020101020101" pitchFamily="50" charset="-127"/>
                 <a:ea typeface="나눔바른고딕" panose="020B0603020101020101" pitchFamily="50" charset="-127"/>
               </a:rPr>
-              <a:t>금주 </a:t>
-            </a:r>
-            <a:r>
-              <a:rPr lang="ko-KR" altLang="en-US" sz="1050" b="1" dirty="0" smtClean="0">
-                <a:ln>
-                  <a:solidFill>
-                    <a:schemeClr val="tx1">
-                      <a:alpha val="0"/>
-                    </a:schemeClr>
-                  </a:solidFill>
-                </a:ln>
-                <a:latin typeface="나눔바른고딕" panose="020B0603020101020101" pitchFamily="50" charset="-127"/>
-                <a:ea typeface="나눔바른고딕" panose="020B0603020101020101" pitchFamily="50" charset="-127"/>
-              </a:rPr>
-              <a:t>키워드광고 내역</a:t>
+              <a:t>금주 키워드광고 내역</a:t>
             </a:r>
             <a:endParaRPr lang="ko-KR" altLang="en-US" sz="1050" b="1" dirty="0">
               <a:ln>
@@ -5389,8 +9344,8 @@
         </p:nvSpPr>
         <p:spPr>
           <a:xfrm>
-            <a:off x="5977595" y="451219"/>
-            <a:ext cx="3026624" cy="261610"/>
+            <a:off x="6833063" y="451219"/>
+            <a:ext cx="2171156" cy="430887"/>
           </a:xfrm>
           <a:prstGeom prst="rect">
             <a:avLst/>
@@ -5410,7 +9365,120 @@
           </a:bodyPr>
           <a:lstStyle/>
           <a:p>
-            <a:pPr algn="ctr"/>
+            <a:r>
+              <a:rPr lang="ko-KR" altLang="en-US" sz="1100" dirty="0" smtClean="0">
+                <a:ln>
+                  <a:solidFill>
+                    <a:schemeClr val="tx1">
+                      <a:alpha val="0"/>
+                    </a:schemeClr>
+                  </a:solidFill>
+                </a:ln>
+                <a:latin typeface="나눔바른고딕" panose="020B0603020101020101" pitchFamily="50" charset="-127"/>
+                <a:ea typeface="나눔바른고딕" panose="020B0603020101020101" pitchFamily="50" charset="-127"/>
+              </a:rPr>
+              <a:t>지출금액 </a:t>
+            </a:r>
+            <a:r>
+              <a:rPr lang="en-US" altLang="ko-KR" sz="1100" dirty="0" smtClean="0">
+                <a:ln>
+                  <a:solidFill>
+                    <a:schemeClr val="tx1">
+                      <a:alpha val="0"/>
+                    </a:schemeClr>
+                  </a:solidFill>
+                </a:ln>
+                <a:latin typeface="나눔바른고딕" panose="020B0603020101020101" pitchFamily="50" charset="-127"/>
+                <a:ea typeface="나눔바른고딕" panose="020B0603020101020101" pitchFamily="50" charset="-127"/>
+              </a:rPr>
+              <a:t>: </a:t>
+            </a:r>
+            <a:r>
+              <a:rPr lang="en-US" altLang="ko-KR" sz="1100" dirty="0" smtClean="0">
+                <a:ln>
+                  <a:solidFill>
+                    <a:schemeClr val="tx1">
+                      <a:alpha val="0"/>
+                    </a:schemeClr>
+                  </a:solidFill>
+                </a:ln>
+                <a:latin typeface="나눔바른고딕" panose="020B0603020101020101" pitchFamily="50" charset="-127"/>
+                <a:ea typeface="나눔바른고딕" panose="020B0603020101020101" pitchFamily="50" charset="-127"/>
+              </a:rPr>
+              <a:t>-</a:t>
+            </a:r>
+            <a:r>
+              <a:rPr lang="en-US" altLang="ko-KR" sz="1100" dirty="0" smtClean="0">
+                <a:ln>
+                  <a:solidFill>
+                    <a:schemeClr val="tx1">
+                      <a:alpha val="0"/>
+                    </a:schemeClr>
+                  </a:solidFill>
+                </a:ln>
+                <a:latin typeface="나눔바른고딕" panose="020B0603020101020101" pitchFamily="50" charset="-127"/>
+                <a:ea typeface="나눔바른고딕" panose="020B0603020101020101" pitchFamily="50" charset="-127"/>
+              </a:rPr>
+              <a:t>37,103</a:t>
+            </a:r>
+            <a:r>
+              <a:rPr lang="ko-KR" altLang="en-US" sz="1100" dirty="0" smtClean="0">
+                <a:ln>
+                  <a:solidFill>
+                    <a:schemeClr val="tx1">
+                      <a:alpha val="0"/>
+                    </a:schemeClr>
+                  </a:solidFill>
+                </a:ln>
+                <a:latin typeface="나눔바른고딕" panose="020B0603020101020101" pitchFamily="50" charset="-127"/>
+                <a:ea typeface="나눔바른고딕" panose="020B0603020101020101" pitchFamily="50" charset="-127"/>
+              </a:rPr>
+              <a:t>원 </a:t>
+            </a:r>
+            <a:r>
+              <a:rPr lang="en-US" altLang="ko-KR" sz="1100" dirty="0" smtClean="0">
+                <a:ln>
+                  <a:solidFill>
+                    <a:schemeClr val="tx1">
+                      <a:alpha val="0"/>
+                    </a:schemeClr>
+                  </a:solidFill>
+                </a:ln>
+                <a:latin typeface="나눔바른고딕" panose="020B0603020101020101" pitchFamily="50" charset="-127"/>
+                <a:ea typeface="나눔바른고딕" panose="020B0603020101020101" pitchFamily="50" charset="-127"/>
+              </a:rPr>
+              <a:t>(VAT</a:t>
+            </a:r>
+            <a:r>
+              <a:rPr lang="ko-KR" altLang="en-US" sz="1100" dirty="0" smtClean="0">
+                <a:ln>
+                  <a:solidFill>
+                    <a:schemeClr val="tx1">
+                      <a:alpha val="0"/>
+                    </a:schemeClr>
+                  </a:solidFill>
+                </a:ln>
+                <a:latin typeface="나눔바른고딕" panose="020B0603020101020101" pitchFamily="50" charset="-127"/>
+                <a:ea typeface="나눔바른고딕" panose="020B0603020101020101" pitchFamily="50" charset="-127"/>
+              </a:rPr>
+              <a:t>포함</a:t>
+            </a:r>
+            <a:r>
+              <a:rPr lang="en-US" altLang="ko-KR" sz="1100" dirty="0" smtClean="0">
+                <a:ln>
+                  <a:solidFill>
+                    <a:schemeClr val="tx1">
+                      <a:alpha val="0"/>
+                    </a:schemeClr>
+                  </a:solidFill>
+                </a:ln>
+                <a:latin typeface="나눔바른고딕" panose="020B0603020101020101" pitchFamily="50" charset="-127"/>
+                <a:ea typeface="나눔바른고딕" panose="020B0603020101020101" pitchFamily="50" charset="-127"/>
+              </a:rPr>
+              <a:t>)</a:t>
+            </a:r>
+          </a:p>
+          <a:p>
             <a:r>
               <a:rPr lang="ko-KR" altLang="en-US" sz="1100" dirty="0" err="1" smtClean="0">
                 <a:ln>
@@ -5423,7 +9491,35 @@
                 <a:latin typeface="나눔바른고딕" panose="020B0603020101020101" pitchFamily="50" charset="-127"/>
                 <a:ea typeface="나눔바른고딕" panose="020B0603020101020101" pitchFamily="50" charset="-127"/>
               </a:rPr>
-              <a:t>지출비용</a:t>
+              <a:t>전</a:t>
+            </a:r>
+            <a:r>
+              <a:rPr lang="ko-KR" altLang="en-US" sz="1100" dirty="0" err="1" smtClean="0">
+                <a:ln>
+                  <a:solidFill>
+                    <a:schemeClr val="tx1">
+                      <a:alpha val="0"/>
+                    </a:schemeClr>
+                  </a:solidFill>
+                </a:ln>
+                <a:latin typeface="나눔바른고딕" panose="020B0603020101020101" pitchFamily="50" charset="-127"/>
+                <a:ea typeface="나눔바른고딕" panose="020B0603020101020101" pitchFamily="50" charset="-127"/>
+              </a:rPr>
+              <a:t>환</a:t>
+            </a:r>
+            <a:r>
+              <a:rPr lang="ko-KR" altLang="en-US" sz="1100" dirty="0" err="1" smtClean="0">
+                <a:ln>
+                  <a:solidFill>
+                    <a:schemeClr val="tx1">
+                      <a:alpha val="0"/>
+                    </a:schemeClr>
+                  </a:solidFill>
+                </a:ln>
+                <a:latin typeface="나눔바른고딕" panose="020B0603020101020101" pitchFamily="50" charset="-127"/>
+                <a:ea typeface="나눔바른고딕" panose="020B0603020101020101" pitchFamily="50" charset="-127"/>
+              </a:rPr>
+              <a:t>금액</a:t>
             </a:r>
             <a:r>
               <a:rPr lang="ko-KR" altLang="en-US" sz="1100" dirty="0" smtClean="0">
@@ -5451,7 +9547,7 @@
                 <a:latin typeface="나눔바른고딕" panose="020B0603020101020101" pitchFamily="50" charset="-127"/>
                 <a:ea typeface="나눔바른고딕" panose="020B0603020101020101" pitchFamily="50" charset="-127"/>
               </a:rPr>
-              <a:t>: 40,194</a:t>
+              <a:t>: +480,000</a:t>
             </a:r>
             <a:r>
               <a:rPr lang="ko-KR" altLang="en-US" sz="1100" dirty="0" smtClean="0">
@@ -5465,7 +9561,7 @@
                 <a:latin typeface="나눔바른고딕" panose="020B0603020101020101" pitchFamily="50" charset="-127"/>
                 <a:ea typeface="나눔바른고딕" panose="020B0603020101020101" pitchFamily="50" charset="-127"/>
               </a:rPr>
-              <a:t>원 </a:t>
+              <a:t>원</a:t>
             </a:r>
             <a:r>
               <a:rPr lang="en-US" altLang="ko-KR" sz="1100" dirty="0" smtClean="0">
@@ -5479,35 +9575,7 @@
                 <a:latin typeface="나눔바른고딕" panose="020B0603020101020101" pitchFamily="50" charset="-127"/>
                 <a:ea typeface="나눔바른고딕" panose="020B0603020101020101" pitchFamily="50" charset="-127"/>
               </a:rPr>
-              <a:t>(VAT</a:t>
-            </a:r>
-            <a:r>
-              <a:rPr lang="ko-KR" altLang="en-US" sz="1100" dirty="0" smtClean="0">
-                <a:ln>
-                  <a:solidFill>
-                    <a:schemeClr val="tx1">
-                      <a:alpha val="0"/>
-                    </a:schemeClr>
-                  </a:solidFill>
-                </a:ln>
-                <a:latin typeface="나눔바른고딕" panose="020B0603020101020101" pitchFamily="50" charset="-127"/>
-                <a:ea typeface="나눔바른고딕" panose="020B0603020101020101" pitchFamily="50" charset="-127"/>
-              </a:rPr>
-              <a:t>포함</a:t>
-            </a:r>
-            <a:r>
-              <a:rPr lang="en-US" altLang="ko-KR" sz="1100" dirty="0" smtClean="0">
-                <a:ln>
-                  <a:solidFill>
-                    <a:schemeClr val="tx1">
-                      <a:alpha val="0"/>
-                    </a:schemeClr>
-                  </a:solidFill>
-                </a:ln>
-                <a:latin typeface="나눔바른고딕" panose="020B0603020101020101" pitchFamily="50" charset="-127"/>
-                <a:ea typeface="나눔바른고딕" panose="020B0603020101020101" pitchFamily="50" charset="-127"/>
-              </a:rPr>
-              <a:t>)</a:t>
+              <a:t> </a:t>
             </a:r>
             <a:endParaRPr lang="en-US" altLang="ko-KR" sz="1100" dirty="0">
               <a:ln>
@@ -5519,167 +9587,6 @@
               </a:ln>
               <a:latin typeface="나눔바른고딕" panose="020B0603020101020101" pitchFamily="50" charset="-127"/>
               <a:ea typeface="나눔바른고딕" panose="020B0603020101020101" pitchFamily="50" charset="-127"/>
-            </a:endParaRPr>
-          </a:p>
-        </p:txBody>
-      </p:sp>
-      <p:sp>
-        <p:nvSpPr>
-          <p:cNvPr id="5" name="직사각형 4"/>
-          <p:cNvSpPr/>
-          <p:nvPr/>
-        </p:nvSpPr>
-        <p:spPr>
-          <a:xfrm>
-            <a:off x="424380" y="5930167"/>
-            <a:ext cx="2130082" cy="430887"/>
-          </a:xfrm>
-          <a:prstGeom prst="rect">
-            <a:avLst/>
-          </a:prstGeom>
-          <a:solidFill>
-            <a:schemeClr val="bg2"/>
-          </a:solidFill>
-          <a:ln>
-            <a:solidFill>
-              <a:srgbClr val="0070C0"/>
-            </a:solidFill>
-          </a:ln>
-        </p:spPr>
-        <p:txBody>
-          <a:bodyPr wrap="square">
-            <a:spAutoFit/>
-          </a:bodyPr>
-          <a:lstStyle/>
-          <a:p>
-            <a:pPr algn="ctr"/>
-            <a:r>
-              <a:rPr lang="en-US" altLang="ko-KR" sz="1100" b="1" dirty="0" smtClean="0">
-                <a:ln>
-                  <a:solidFill>
-                    <a:schemeClr val="tx1">
-                      <a:alpha val="0"/>
-                    </a:schemeClr>
-                  </a:solidFill>
-                </a:ln>
-                <a:latin typeface="나눔바른고딕" panose="020B0603020101020101" pitchFamily="50" charset="-127"/>
-                <a:ea typeface="나눔바른고딕" panose="020B0603020101020101" pitchFamily="50" charset="-127"/>
-              </a:rPr>
-              <a:t>1. </a:t>
-            </a:r>
-            <a:r>
-              <a:rPr lang="ko-KR" altLang="en-US" sz="1100" b="1" dirty="0" err="1" smtClean="0">
-                <a:ln>
-                  <a:solidFill>
-                    <a:schemeClr val="tx1">
-                      <a:alpha val="0"/>
-                    </a:schemeClr>
-                  </a:solidFill>
-                </a:ln>
-                <a:latin typeface="나눔바른고딕" panose="020B0603020101020101" pitchFamily="50" charset="-127"/>
-                <a:ea typeface="나눔바른고딕" panose="020B0603020101020101" pitchFamily="50" charset="-127"/>
-              </a:rPr>
-              <a:t>노출수</a:t>
-            </a:r>
-            <a:r>
-              <a:rPr lang="ko-KR" altLang="en-US" sz="1100" b="1" dirty="0" smtClean="0">
-                <a:ln>
-                  <a:solidFill>
-                    <a:schemeClr val="tx1">
-                      <a:alpha val="0"/>
-                    </a:schemeClr>
-                  </a:solidFill>
-                </a:ln>
-                <a:latin typeface="나눔바른고딕" panose="020B0603020101020101" pitchFamily="50" charset="-127"/>
-                <a:ea typeface="나눔바른고딕" panose="020B0603020101020101" pitchFamily="50" charset="-127"/>
-              </a:rPr>
-              <a:t> 감소로 인한 현상 </a:t>
-            </a:r>
-            <a:endParaRPr lang="en-US" altLang="ko-KR" sz="1100" b="1" dirty="0" smtClean="0">
-              <a:ln>
-                <a:solidFill>
-                  <a:schemeClr val="tx1">
-                    <a:alpha val="0"/>
-                  </a:schemeClr>
-                </a:solidFill>
-              </a:ln>
-              <a:latin typeface="나눔바른고딕" panose="020B0603020101020101" pitchFamily="50" charset="-127"/>
-              <a:ea typeface="나눔바른고딕" panose="020B0603020101020101" pitchFamily="50" charset="-127"/>
-            </a:endParaRPr>
-          </a:p>
-          <a:p>
-            <a:pPr algn="ctr"/>
-            <a:r>
-              <a:rPr lang="en-US" altLang="ko-KR" sz="1100" b="1" dirty="0" smtClean="0">
-                <a:ln>
-                  <a:solidFill>
-                    <a:schemeClr val="tx1">
-                      <a:alpha val="0"/>
-                    </a:schemeClr>
-                  </a:solidFill>
-                </a:ln>
-                <a:latin typeface="나눔바른고딕" panose="020B0603020101020101" pitchFamily="50" charset="-127"/>
-                <a:ea typeface="나눔바른고딕" panose="020B0603020101020101" pitchFamily="50" charset="-127"/>
-                <a:sym typeface="Wingdings" panose="05000000000000000000" pitchFamily="2" charset="2"/>
-              </a:rPr>
-              <a:t>2</a:t>
-            </a:r>
-            <a:r>
-              <a:rPr lang="en-US" altLang="ko-KR" sz="1100" b="1" dirty="0">
-                <a:ln>
-                  <a:solidFill>
-                    <a:schemeClr val="tx1">
-                      <a:alpha val="0"/>
-                    </a:schemeClr>
-                  </a:solidFill>
-                </a:ln>
-                <a:latin typeface="나눔바른고딕" panose="020B0603020101020101" pitchFamily="50" charset="-127"/>
-                <a:ea typeface="나눔바른고딕" panose="020B0603020101020101" pitchFamily="50" charset="-127"/>
-                <a:sym typeface="Wingdings" panose="05000000000000000000" pitchFamily="2" charset="2"/>
-              </a:rPr>
-              <a:t>. </a:t>
-            </a:r>
-            <a:r>
-              <a:rPr lang="ko-KR" altLang="en-US" sz="1100" b="1" dirty="0" err="1">
-                <a:ln>
-                  <a:solidFill>
-                    <a:schemeClr val="tx1">
-                      <a:alpha val="0"/>
-                    </a:schemeClr>
-                  </a:solidFill>
-                </a:ln>
-                <a:latin typeface="나눔바른고딕" panose="020B0603020101020101" pitchFamily="50" charset="-127"/>
-                <a:ea typeface="나눔바른고딕" panose="020B0603020101020101" pitchFamily="50" charset="-127"/>
-                <a:sym typeface="Wingdings" panose="05000000000000000000" pitchFamily="2" charset="2"/>
-              </a:rPr>
-              <a:t>쿼리수</a:t>
-            </a:r>
-            <a:r>
-              <a:rPr lang="ko-KR" altLang="en-US" sz="1100" b="1" dirty="0">
-                <a:ln>
-                  <a:solidFill>
-                    <a:schemeClr val="tx1">
-                      <a:alpha val="0"/>
-                    </a:schemeClr>
-                  </a:solidFill>
-                </a:ln>
-                <a:latin typeface="나눔바른고딕" panose="020B0603020101020101" pitchFamily="50" charset="-127"/>
-                <a:ea typeface="나눔바른고딕" panose="020B0603020101020101" pitchFamily="50" charset="-127"/>
-                <a:sym typeface="Wingdings" panose="05000000000000000000" pitchFamily="2" charset="2"/>
-              </a:rPr>
-              <a:t> 자체 감소</a:t>
-            </a:r>
-            <a:endParaRPr lang="en-US" altLang="ko-KR" sz="1100" b="1" dirty="0">
-              <a:ln>
-                <a:solidFill>
-                  <a:schemeClr val="tx1">
-                    <a:alpha val="0"/>
-                  </a:schemeClr>
-                </a:solidFill>
-              </a:ln>
-              <a:latin typeface="나눔바른고딕" panose="020B0603020101020101" pitchFamily="50" charset="-127"/>
-              <a:ea typeface="나눔바른고딕" panose="020B0603020101020101" pitchFamily="50" charset="-127"/>
-              <a:sym typeface="Wingdings" panose="05000000000000000000" pitchFamily="2" charset="2"/>
             </a:endParaRPr>
           </a:p>
         </p:txBody>
@@ -5692,8 +9599,8 @@
         </p:nvSpPr>
         <p:spPr>
           <a:xfrm>
-            <a:off x="4787900" y="5930167"/>
-            <a:ext cx="4077145" cy="461665"/>
+            <a:off x="136868" y="5930167"/>
+            <a:ext cx="8867351" cy="461665"/>
           </a:xfrm>
           <a:prstGeom prst="rect">
             <a:avLst/>
@@ -5716,7 +9623,35 @@
           </a:bodyPr>
           <a:lstStyle/>
           <a:p>
-            <a:pPr algn="r"/>
+            <a:pPr algn="ctr"/>
+            <a:r>
+              <a:rPr lang="ko-KR" altLang="en-US" sz="1200" b="1" dirty="0" smtClean="0">
+                <a:ln>
+                  <a:solidFill>
+                    <a:schemeClr val="tx1">
+                      <a:alpha val="0"/>
+                    </a:schemeClr>
+                  </a:solidFill>
+                </a:ln>
+                <a:latin typeface="나눔바른고딕" panose="020B0603020101020101" pitchFamily="50" charset="-127"/>
+                <a:ea typeface="나눔바른고딕" panose="020B0603020101020101" pitchFamily="50" charset="-127"/>
+              </a:rPr>
+              <a:t>모바일 노출 </a:t>
+            </a:r>
+            <a:r>
+              <a:rPr lang="ko-KR" altLang="en-US" sz="1200" dirty="0" smtClean="0">
+                <a:ln>
+                  <a:solidFill>
+                    <a:schemeClr val="tx1">
+                      <a:alpha val="0"/>
+                    </a:schemeClr>
+                  </a:solidFill>
+                </a:ln>
+                <a:latin typeface="나눔바른고딕" panose="020B0603020101020101" pitchFamily="50" charset="-127"/>
+                <a:ea typeface="나눔바른고딕" panose="020B0603020101020101" pitchFamily="50" charset="-127"/>
+              </a:rPr>
+              <a:t>비중이 </a:t>
+            </a:r>
             <a:r>
               <a:rPr lang="en-US" altLang="ko-KR" sz="1200" dirty="0" smtClean="0">
                 <a:ln>
@@ -5726,13 +9661,10 @@
                     </a:schemeClr>
                   </a:solidFill>
                 </a:ln>
-                <a:solidFill>
-                  <a:srgbClr val="FF0000"/>
-                </a:solidFill>
-                <a:latin typeface="나눔바른고딕" panose="020B0603020101020101" pitchFamily="50" charset="-127"/>
-                <a:ea typeface="나눔바른고딕" panose="020B0603020101020101" pitchFamily="50" charset="-127"/>
-              </a:rPr>
-              <a:t>KMO, </a:t>
+                <a:latin typeface="나눔바른고딕" panose="020B0603020101020101" pitchFamily="50" charset="-127"/>
+                <a:ea typeface="나눔바른고딕" panose="020B0603020101020101" pitchFamily="50" charset="-127"/>
+              </a:rPr>
+              <a:t>PC</a:t>
             </a:r>
             <a:r>
               <a:rPr lang="ko-KR" altLang="en-US" sz="1200" dirty="0" smtClean="0">
@@ -5743,13 +9675,52 @@
                     </a:schemeClr>
                   </a:solidFill>
                 </a:ln>
-                <a:solidFill>
-                  <a:srgbClr val="FF0000"/>
-                </a:solidFill>
-                <a:latin typeface="나눔바른고딕" panose="020B0603020101020101" pitchFamily="50" charset="-127"/>
-                <a:ea typeface="나눔바른고딕" panose="020B0603020101020101" pitchFamily="50" charset="-127"/>
-              </a:rPr>
-              <a:t>영재학교 키워드 모바일 노출 순위 조정</a:t>
+                <a:latin typeface="나눔바른고딕" panose="020B0603020101020101" pitchFamily="50" charset="-127"/>
+                <a:ea typeface="나눔바른고딕" panose="020B0603020101020101" pitchFamily="50" charset="-127"/>
+              </a:rPr>
+              <a:t>보다 더 높아 평균 </a:t>
+            </a:r>
+            <a:r>
+              <a:rPr lang="ko-KR" altLang="en-US" sz="1200" b="1" dirty="0" err="1" smtClean="0">
+                <a:ln>
+                  <a:solidFill>
+                    <a:schemeClr val="tx1">
+                      <a:alpha val="0"/>
+                    </a:schemeClr>
+                  </a:solidFill>
+                </a:ln>
+                <a:latin typeface="나눔바른고딕" panose="020B0603020101020101" pitchFamily="50" charset="-127"/>
+                <a:ea typeface="나눔바른고딕" panose="020B0603020101020101" pitchFamily="50" charset="-127"/>
+              </a:rPr>
+              <a:t>클릭비용</a:t>
+            </a:r>
+            <a:r>
+              <a:rPr lang="ko-KR" altLang="en-US" sz="1200" b="1" dirty="0" smtClean="0">
+                <a:ln>
+                  <a:solidFill>
+                    <a:schemeClr val="tx1">
+                      <a:alpha val="0"/>
+                    </a:schemeClr>
+                  </a:solidFill>
+                </a:ln>
+                <a:latin typeface="나눔바른고딕" panose="020B0603020101020101" pitchFamily="50" charset="-127"/>
+                <a:ea typeface="나눔바른고딕" panose="020B0603020101020101" pitchFamily="50" charset="-127"/>
+              </a:rPr>
+              <a:t> 가중치를 더 높게 </a:t>
+            </a:r>
+            <a:r>
+              <a:rPr lang="ko-KR" altLang="en-US" sz="1200" dirty="0" smtClean="0">
+                <a:ln>
+                  <a:solidFill>
+                    <a:schemeClr val="tx1">
+                      <a:alpha val="0"/>
+                    </a:schemeClr>
+                  </a:solidFill>
+                </a:ln>
+                <a:latin typeface="나눔바른고딕" panose="020B0603020101020101" pitchFamily="50" charset="-127"/>
+                <a:ea typeface="나눔바른고딕" panose="020B0603020101020101" pitchFamily="50" charset="-127"/>
+              </a:rPr>
+              <a:t>부여</a:t>
             </a:r>
             <a:endParaRPr lang="en-US" altLang="ko-KR" sz="1200" dirty="0" smtClean="0">
               <a:ln>
@@ -5759,48 +9730,25 @@
                   </a:schemeClr>
                 </a:solidFill>
               </a:ln>
-              <a:solidFill>
-                <a:srgbClr val="FF0000"/>
-              </a:solidFill>
               <a:latin typeface="나눔바른고딕" panose="020B0603020101020101" pitchFamily="50" charset="-127"/>
               <a:ea typeface="나눔바른고딕" panose="020B0603020101020101" pitchFamily="50" charset="-127"/>
             </a:endParaRPr>
           </a:p>
           <a:p>
-            <a:pPr algn="r"/>
-            <a:r>
-              <a:rPr lang="ko-KR" altLang="en-US" sz="1200" dirty="0" err="1" smtClean="0">
-                <a:ln>
-                  <a:solidFill>
-                    <a:schemeClr val="tx1">
-                      <a:alpha val="0"/>
-                    </a:schemeClr>
-                  </a:solidFill>
-                </a:ln>
-                <a:solidFill>
-                  <a:srgbClr val="FF0000"/>
-                </a:solidFill>
-                <a:latin typeface="나눔바른고딕" panose="020B0603020101020101" pitchFamily="50" charset="-127"/>
-                <a:ea typeface="나눔바른고딕" panose="020B0603020101020101" pitchFamily="50" charset="-127"/>
-              </a:rPr>
-              <a:t>데스크탑</a:t>
-            </a:r>
-            <a:r>
-              <a:rPr lang="en-US" altLang="ko-KR" sz="1200" dirty="0" smtClean="0">
-                <a:ln>
-                  <a:solidFill>
-                    <a:schemeClr val="tx1">
-                      <a:alpha val="0"/>
-                    </a:schemeClr>
-                  </a:solidFill>
-                </a:ln>
-                <a:solidFill>
-                  <a:srgbClr val="FF0000"/>
-                </a:solidFill>
-                <a:latin typeface="나눔바른고딕" panose="020B0603020101020101" pitchFamily="50" charset="-127"/>
-                <a:ea typeface="나눔바른고딕" panose="020B0603020101020101" pitchFamily="50" charset="-127"/>
-              </a:rPr>
-              <a:t>, </a:t>
+            <a:pPr algn="ctr"/>
+            <a:r>
+              <a:rPr lang="ko-KR" altLang="en-US" sz="1200" b="1" dirty="0" smtClean="0">
+                <a:ln>
+                  <a:solidFill>
+                    <a:schemeClr val="tx1">
+                      <a:alpha val="0"/>
+                    </a:schemeClr>
+                  </a:solidFill>
+                </a:ln>
+                <a:latin typeface="나눔바른고딕" panose="020B0603020101020101" pitchFamily="50" charset="-127"/>
+                <a:ea typeface="나눔바른고딕" panose="020B0603020101020101" pitchFamily="50" charset="-127"/>
+              </a:rPr>
+              <a:t>광고로 유입되는 회원 </a:t>
             </a:r>
             <a:r>
               <a:rPr lang="ko-KR" altLang="en-US" sz="1200" dirty="0" smtClean="0">
@@ -5811,30 +9759,52 @@
                     </a:schemeClr>
                   </a:solidFill>
                 </a:ln>
-                <a:solidFill>
-                  <a:srgbClr val="FF0000"/>
-                </a:solidFill>
-                <a:latin typeface="나눔바른고딕" panose="020B0603020101020101" pitchFamily="50" charset="-127"/>
-                <a:ea typeface="나눔바른고딕" panose="020B0603020101020101" pitchFamily="50" charset="-127"/>
-              </a:rPr>
-              <a:t>모바일 캠페인 분리 진행 중</a:t>
-            </a:r>
-            <a:r>
-              <a:rPr lang="en-US" altLang="ko-KR" sz="1200" dirty="0" smtClean="0">
-                <a:ln>
-                  <a:solidFill>
-                    <a:schemeClr val="tx1">
-                      <a:alpha val="0"/>
-                    </a:schemeClr>
-                  </a:solidFill>
-                </a:ln>
-                <a:solidFill>
-                  <a:srgbClr val="FF0000"/>
-                </a:solidFill>
-                <a:latin typeface="나눔바른고딕" panose="020B0603020101020101" pitchFamily="50" charset="-127"/>
-                <a:ea typeface="나눔바른고딕" panose="020B0603020101020101" pitchFamily="50" charset="-127"/>
-              </a:rPr>
-              <a:t>(</a:t>
+                <a:latin typeface="나눔바른고딕" panose="020B0603020101020101" pitchFamily="50" charset="-127"/>
+                <a:ea typeface="나눔바른고딕" panose="020B0603020101020101" pitchFamily="50" charset="-127"/>
+              </a:rPr>
+              <a:t>수는 </a:t>
+            </a:r>
+            <a:r>
+              <a:rPr lang="ko-KR" altLang="en-US" sz="1200" b="1" dirty="0" smtClean="0">
+                <a:ln>
+                  <a:solidFill>
+                    <a:schemeClr val="tx1">
+                      <a:alpha val="0"/>
+                    </a:schemeClr>
+                  </a:solidFill>
+                </a:ln>
+                <a:latin typeface="나눔바른고딕" panose="020B0603020101020101" pitchFamily="50" charset="-127"/>
+                <a:ea typeface="나눔바른고딕" panose="020B0603020101020101" pitchFamily="50" charset="-127"/>
+              </a:rPr>
+              <a:t>주 당 </a:t>
+            </a:r>
+            <a:r>
+              <a:rPr lang="en-US" altLang="ko-KR" sz="1200" b="1" dirty="0" smtClean="0">
+                <a:ln>
+                  <a:solidFill>
+                    <a:schemeClr val="tx1">
+                      <a:alpha val="0"/>
+                    </a:schemeClr>
+                  </a:solidFill>
+                </a:ln>
+                <a:latin typeface="나눔바른고딕" panose="020B0603020101020101" pitchFamily="50" charset="-127"/>
+                <a:ea typeface="나눔바른고딕" panose="020B0603020101020101" pitchFamily="50" charset="-127"/>
+              </a:rPr>
+              <a:t>3</a:t>
+            </a:r>
+            <a:r>
+              <a:rPr lang="ko-KR" altLang="en-US" sz="1200" b="1" dirty="0" smtClean="0">
+                <a:ln>
+                  <a:solidFill>
+                    <a:schemeClr val="tx1">
+                      <a:alpha val="0"/>
+                    </a:schemeClr>
+                  </a:solidFill>
+                </a:ln>
+                <a:latin typeface="나눔바른고딕" panose="020B0603020101020101" pitchFamily="50" charset="-127"/>
+                <a:ea typeface="나눔바른고딕" panose="020B0603020101020101" pitchFamily="50" charset="-127"/>
+              </a:rPr>
+              <a:t>명 </a:t>
             </a:r>
             <a:r>
               <a:rPr lang="ko-KR" altLang="en-US" sz="1200" dirty="0" smtClean="0">
@@ -5845,47 +9815,10 @@
                     </a:schemeClr>
                   </a:solidFill>
                 </a:ln>
-                <a:solidFill>
-                  <a:srgbClr val="FF0000"/>
-                </a:solidFill>
-                <a:latin typeface="나눔바른고딕" panose="020B0603020101020101" pitchFamily="50" charset="-127"/>
-                <a:ea typeface="나눔바른고딕" panose="020B0603020101020101" pitchFamily="50" charset="-127"/>
-              </a:rPr>
-              <a:t>광고비용 변동 예상</a:t>
-            </a:r>
-            <a:r>
-              <a:rPr lang="en-US" altLang="ko-KR" sz="1200" dirty="0" smtClean="0">
-                <a:ln>
-                  <a:solidFill>
-                    <a:schemeClr val="tx1">
-                      <a:alpha val="0"/>
-                    </a:schemeClr>
-                  </a:solidFill>
-                </a:ln>
-                <a:solidFill>
-                  <a:srgbClr val="FF0000"/>
-                </a:solidFill>
-                <a:latin typeface="나눔바른고딕" panose="020B0603020101020101" pitchFamily="50" charset="-127"/>
-                <a:ea typeface="나눔바른고딕" panose="020B0603020101020101" pitchFamily="50" charset="-127"/>
-              </a:rPr>
-              <a:t>)</a:t>
-            </a:r>
-            <a:r>
-              <a:rPr lang="ko-KR" altLang="en-US" sz="1200" dirty="0" smtClean="0">
-                <a:ln>
-                  <a:solidFill>
-                    <a:schemeClr val="tx1">
-                      <a:alpha val="0"/>
-                    </a:schemeClr>
-                  </a:solidFill>
-                </a:ln>
-                <a:solidFill>
-                  <a:srgbClr val="FF0000"/>
-                </a:solidFill>
-                <a:latin typeface="나눔바른고딕" panose="020B0603020101020101" pitchFamily="50" charset="-127"/>
-                <a:ea typeface="나눔바른고딕" panose="020B0603020101020101" pitchFamily="50" charset="-127"/>
-              </a:rPr>
-              <a:t> </a:t>
+                <a:latin typeface="나눔바른고딕" panose="020B0603020101020101" pitchFamily="50" charset="-127"/>
+                <a:ea typeface="나눔바른고딕" panose="020B0603020101020101" pitchFamily="50" charset="-127"/>
+              </a:rPr>
+              <a:t>전후로 예상</a:t>
             </a:r>
             <a:endParaRPr lang="en-US" altLang="ko-KR" sz="1200" dirty="0">
               <a:ln>
@@ -5895,9 +9828,6 @@
                   </a:schemeClr>
                 </a:solidFill>
               </a:ln>
-              <a:solidFill>
-                <a:srgbClr val="FF0000"/>
-              </a:solidFill>
               <a:latin typeface="나눔바른고딕" panose="020B0603020101020101" pitchFamily="50" charset="-127"/>
               <a:ea typeface="나눔바른고딕" panose="020B0603020101020101" pitchFamily="50" charset="-127"/>
             </a:endParaRPr>
@@ -5912,12 +9842,18 @@
         </p:nvSpPr>
         <p:spPr>
           <a:xfrm>
-            <a:off x="343366" y="712829"/>
-            <a:ext cx="2920992" cy="369332"/>
+            <a:off x="317244" y="708063"/>
+            <a:ext cx="2026517" cy="276999"/>
           </a:xfrm>
           <a:prstGeom prst="rect">
             <a:avLst/>
           </a:prstGeom>
+          <a:solidFill>
+            <a:schemeClr val="tx1">
+              <a:lumMod val="65000"/>
+              <a:lumOff val="35000"/>
+            </a:schemeClr>
+          </a:solidFill>
         </p:spPr>
         <p:txBody>
           <a:bodyPr wrap="none">
@@ -5925,17 +9861,18 @@
           </a:bodyPr>
           <a:lstStyle/>
           <a:p>
-            <a:r>
-              <a:rPr lang="ko-KR" altLang="en-US" dirty="0" err="1">
-                <a:ln>
-                  <a:solidFill>
-                    <a:schemeClr val="tx1">
-                      <a:alpha val="0"/>
-                    </a:schemeClr>
-                  </a:solidFill>
-                </a:ln>
-                <a:solidFill>
-                  <a:srgbClr val="FF0000"/>
+            <a:pPr algn="ctr"/>
+            <a:r>
+              <a:rPr lang="ko-KR" altLang="en-US" sz="1200" dirty="0" err="1">
+                <a:ln>
+                  <a:solidFill>
+                    <a:schemeClr val="bg2">
+                      <a:alpha val="0"/>
+                    </a:schemeClr>
+                  </a:solidFill>
+                </a:ln>
+                <a:solidFill>
+                  <a:schemeClr val="bg1"/>
                 </a:solidFill>
                 <a:latin typeface="나눔바른고딕" panose="020B0603020101020101" pitchFamily="50" charset="-127"/>
                 <a:ea typeface="나눔바른고딕" panose="020B0603020101020101" pitchFamily="50" charset="-127"/>
@@ -5943,16 +9880,16 @@
               <a:t>데스크탑</a:t>
             </a:r>
             <a:r>
-              <a:rPr lang="en-US" altLang="ko-KR" dirty="0">
-                <a:ln>
-                  <a:solidFill>
-                    <a:schemeClr val="tx1">
-                      <a:alpha val="0"/>
-                    </a:schemeClr>
-                  </a:solidFill>
-                </a:ln>
-                <a:solidFill>
-                  <a:srgbClr val="FF0000"/>
+              <a:rPr lang="en-US" altLang="ko-KR" sz="1200" dirty="0">
+                <a:ln>
+                  <a:solidFill>
+                    <a:schemeClr val="bg2">
+                      <a:alpha val="0"/>
+                    </a:schemeClr>
+                  </a:solidFill>
+                </a:ln>
+                <a:solidFill>
+                  <a:schemeClr val="bg1"/>
                 </a:solidFill>
                 <a:latin typeface="나눔바른고딕" panose="020B0603020101020101" pitchFamily="50" charset="-127"/>
                 <a:ea typeface="나눔바른고딕" panose="020B0603020101020101" pitchFamily="50" charset="-127"/>
@@ -5960,43 +9897,71 @@
               <a:t>, </a:t>
             </a:r>
             <a:r>
-              <a:rPr lang="ko-KR" altLang="en-US" dirty="0">
-                <a:ln>
-                  <a:solidFill>
-                    <a:schemeClr val="tx1">
-                      <a:alpha val="0"/>
-                    </a:schemeClr>
-                  </a:solidFill>
-                </a:ln>
-                <a:solidFill>
-                  <a:srgbClr val="FF0000"/>
-                </a:solidFill>
-                <a:latin typeface="나눔바른고딕" panose="020B0603020101020101" pitchFamily="50" charset="-127"/>
-                <a:ea typeface="나눔바른고딕" panose="020B0603020101020101" pitchFamily="50" charset="-127"/>
-              </a:rPr>
-              <a:t>모바일 캠페인 분리 </a:t>
-            </a:r>
-            <a:endParaRPr lang="ko-KR" altLang="en-US" dirty="0"/>
+              <a:rPr lang="ko-KR" altLang="en-US" sz="1200" dirty="0">
+                <a:ln>
+                  <a:solidFill>
+                    <a:schemeClr val="bg2">
+                      <a:alpha val="0"/>
+                    </a:schemeClr>
+                  </a:solidFill>
+                </a:ln>
+                <a:solidFill>
+                  <a:schemeClr val="bg1"/>
+                </a:solidFill>
+                <a:latin typeface="나눔바른고딕" panose="020B0603020101020101" pitchFamily="50" charset="-127"/>
+                <a:ea typeface="나눔바른고딕" panose="020B0603020101020101" pitchFamily="50" charset="-127"/>
+              </a:rPr>
+              <a:t>모바일 캠페인 </a:t>
+            </a:r>
+            <a:r>
+              <a:rPr lang="ko-KR" altLang="en-US" sz="1200" dirty="0" smtClean="0">
+                <a:ln>
+                  <a:solidFill>
+                    <a:schemeClr val="bg2">
+                      <a:alpha val="0"/>
+                    </a:schemeClr>
+                  </a:solidFill>
+                </a:ln>
+                <a:solidFill>
+                  <a:schemeClr val="bg1"/>
+                </a:solidFill>
+                <a:latin typeface="나눔바른고딕" panose="020B0603020101020101" pitchFamily="50" charset="-127"/>
+                <a:ea typeface="나눔바른고딕" panose="020B0603020101020101" pitchFamily="50" charset="-127"/>
+              </a:rPr>
+              <a:t>분리</a:t>
+            </a:r>
+            <a:endParaRPr lang="ko-KR" altLang="en-US" sz="1200" dirty="0">
+              <a:ln>
+                <a:solidFill>
+                  <a:schemeClr val="bg2">
+                    <a:alpha val="0"/>
+                  </a:schemeClr>
+                </a:solidFill>
+              </a:ln>
+              <a:solidFill>
+                <a:schemeClr val="bg1"/>
+              </a:solidFill>
+            </a:endParaRPr>
           </a:p>
         </p:txBody>
       </p:sp>
       <p:grpSp>
         <p:nvGrpSpPr>
-          <p:cNvPr id="18" name="그룹 17"/>
+          <p:cNvPr id="16" name="그룹 15"/>
           <p:cNvGrpSpPr/>
           <p:nvPr/>
         </p:nvGrpSpPr>
         <p:grpSpPr>
           <a:xfrm>
-            <a:off x="343366" y="1506824"/>
-            <a:ext cx="4746140" cy="1535875"/>
-            <a:chOff x="324624" y="1839333"/>
-            <a:chExt cx="7862631" cy="2544387"/>
+            <a:off x="317244" y="3385643"/>
+            <a:ext cx="6784140" cy="1266826"/>
+            <a:chOff x="643283" y="3831128"/>
+            <a:chExt cx="6784140" cy="1266826"/>
           </a:xfrm>
         </p:grpSpPr>
         <p:pic>
           <p:nvPicPr>
-            <p:cNvPr id="12" name="그림 11"/>
+            <p:cNvPr id="20" name="그림 19"/>
             <p:cNvPicPr>
               <a:picLocks noChangeAspect="1"/>
             </p:cNvPicPr>
@@ -6004,1098 +9969,6 @@
           </p:nvPicPr>
           <p:blipFill>
             <a:blip r:embed="rId2"/>
-            <a:stretch>
-              <a:fillRect/>
-            </a:stretch>
-          </p:blipFill>
-          <p:spPr>
-            <a:xfrm>
-              <a:off x="324624" y="2346582"/>
-              <a:ext cx="2419350" cy="2028825"/>
-            </a:xfrm>
-            <a:prstGeom prst="rect">
-              <a:avLst/>
-            </a:prstGeom>
-          </p:spPr>
-        </p:pic>
-        <p:pic>
-          <p:nvPicPr>
-            <p:cNvPr id="13" name="그림 12"/>
-            <p:cNvPicPr>
-              <a:picLocks noChangeAspect="1"/>
-            </p:cNvPicPr>
-            <p:nvPr/>
-          </p:nvPicPr>
-          <p:blipFill>
-            <a:blip r:embed="rId3"/>
-            <a:stretch>
-              <a:fillRect/>
-            </a:stretch>
-          </p:blipFill>
-          <p:spPr>
-            <a:xfrm>
-              <a:off x="2843730" y="2354895"/>
-              <a:ext cx="5343525" cy="2028825"/>
-            </a:xfrm>
-            <a:prstGeom prst="rect">
-              <a:avLst/>
-            </a:prstGeom>
-          </p:spPr>
-        </p:pic>
-        <p:pic>
-          <p:nvPicPr>
-            <p:cNvPr id="14" name="그림 13"/>
-            <p:cNvPicPr>
-              <a:picLocks noChangeAspect="1"/>
-            </p:cNvPicPr>
-            <p:nvPr/>
-          </p:nvPicPr>
-          <p:blipFill>
-            <a:blip r:embed="rId4"/>
-            <a:stretch>
-              <a:fillRect/>
-            </a:stretch>
-          </p:blipFill>
-          <p:spPr>
-            <a:xfrm>
-              <a:off x="2843730" y="1839333"/>
-              <a:ext cx="5324475" cy="523875"/>
-            </a:xfrm>
-            <a:prstGeom prst="rect">
-              <a:avLst/>
-            </a:prstGeom>
-          </p:spPr>
-        </p:pic>
-        <p:pic>
-          <p:nvPicPr>
-            <p:cNvPr id="15" name="그림 14"/>
-            <p:cNvPicPr>
-              <a:picLocks noChangeAspect="1"/>
-            </p:cNvPicPr>
-            <p:nvPr/>
-          </p:nvPicPr>
-          <p:blipFill>
-            <a:blip r:embed="rId5"/>
-            <a:stretch>
-              <a:fillRect/>
-            </a:stretch>
-          </p:blipFill>
-          <p:spPr>
-            <a:xfrm>
-              <a:off x="335878" y="1839333"/>
-              <a:ext cx="2514600" cy="533400"/>
-            </a:xfrm>
-            <a:prstGeom prst="rect">
-              <a:avLst/>
-            </a:prstGeom>
-          </p:spPr>
-        </p:pic>
-        <p:cxnSp>
-          <p:nvCxnSpPr>
-            <p:cNvPr id="17" name="직선 연결선 16"/>
-            <p:cNvCxnSpPr/>
-            <p:nvPr/>
-          </p:nvCxnSpPr>
-          <p:spPr>
-            <a:xfrm>
-              <a:off x="2843730" y="1839333"/>
-              <a:ext cx="0" cy="2536074"/>
-            </a:xfrm>
-            <a:prstGeom prst="line">
-              <a:avLst/>
-            </a:prstGeom>
-            <a:ln w="12700">
-              <a:solidFill>
-                <a:schemeClr val="bg1">
-                  <a:lumMod val="85000"/>
-                </a:schemeClr>
-              </a:solidFill>
-            </a:ln>
-          </p:spPr>
-          <p:style>
-            <a:lnRef idx="1">
-              <a:schemeClr val="accent1"/>
-            </a:lnRef>
-            <a:fillRef idx="0">
-              <a:schemeClr val="accent1"/>
-            </a:fillRef>
-            <a:effectRef idx="0">
-              <a:schemeClr val="accent1"/>
-            </a:effectRef>
-            <a:fontRef idx="minor">
-              <a:schemeClr val="tx1"/>
-            </a:fontRef>
-          </p:style>
-        </p:cxnSp>
-      </p:grpSp>
-      <p:sp>
-        <p:nvSpPr>
-          <p:cNvPr id="19" name="직사각형 18"/>
-          <p:cNvSpPr/>
-          <p:nvPr/>
-        </p:nvSpPr>
-        <p:spPr>
-          <a:xfrm>
-            <a:off x="343367" y="1493761"/>
-            <a:ext cx="4746140" cy="1543920"/>
-          </a:xfrm>
-          <a:prstGeom prst="rect">
-            <a:avLst/>
-          </a:prstGeom>
-          <a:noFill/>
-          <a:ln w="44450">
-            <a:solidFill>
-              <a:schemeClr val="tx1">
-                <a:lumMod val="50000"/>
-                <a:lumOff val="50000"/>
-              </a:schemeClr>
-            </a:solidFill>
-          </a:ln>
-        </p:spPr>
-        <p:style>
-          <a:lnRef idx="2">
-            <a:schemeClr val="accent1">
-              <a:shade val="50000"/>
-            </a:schemeClr>
-          </a:lnRef>
-          <a:fillRef idx="1">
-            <a:schemeClr val="accent1"/>
-          </a:fillRef>
-          <a:effectRef idx="0">
-            <a:schemeClr val="accent1"/>
-          </a:effectRef>
-          <a:fontRef idx="minor">
-            <a:schemeClr val="lt1"/>
-          </a:fontRef>
-        </p:style>
-        <p:txBody>
-          <a:bodyPr rtlCol="0" anchor="ctr"/>
-          <a:lstStyle/>
-          <a:p>
-            <a:pPr algn="ctr"/>
-            <a:endParaRPr lang="ko-KR" altLang="en-US"/>
-          </a:p>
-        </p:txBody>
-      </p:sp>
-    </p:spTree>
-    <p:extLst>
-      <p:ext uri="{BB962C8B-B14F-4D97-AF65-F5344CB8AC3E}">
-        <p14:creationId xmlns:p14="http://schemas.microsoft.com/office/powerpoint/2010/main" val="3479564396"/>
-      </p:ext>
-    </p:extLst>
-  </p:cSld>
-  <p:clrMapOvr>
-    <a:masterClrMapping/>
-  </p:clrMapOvr>
-</p:sld>
-</file>
-
-<file path=ppt/slides/slide6.xml><?xml version="1.0" encoding="utf-8"?>
-<p:sld xmlns:a="http://schemas.openxmlformats.org/drawingml/2006/main" xmlns:r="http://schemas.openxmlformats.org/officeDocument/2006/relationships" xmlns:p="http://schemas.openxmlformats.org/presentationml/2006/main">
-  <p:cSld>
-    <p:spTree>
-      <p:nvGrpSpPr>
-        <p:cNvPr id="1" name=""/>
-        <p:cNvGrpSpPr/>
-        <p:nvPr/>
-      </p:nvGrpSpPr>
-      <p:grpSpPr>
-        <a:xfrm>
-          <a:off x="0" y="0"/>
-          <a:ext cx="0" cy="0"/>
-          <a:chOff x="0" y="0"/>
-          <a:chExt cx="0" cy="0"/>
-        </a:xfrm>
-      </p:grpSpPr>
-      <p:sp>
-        <p:nvSpPr>
-          <p:cNvPr id="2" name="TextBox 1"/>
-          <p:cNvSpPr txBox="1"/>
-          <p:nvPr/>
-        </p:nvSpPr>
-        <p:spPr>
-          <a:xfrm>
-            <a:off x="888463" y="3099985"/>
-            <a:ext cx="1433406" cy="261610"/>
-          </a:xfrm>
-          <a:prstGeom prst="rect">
-            <a:avLst/>
-          </a:prstGeom>
-          <a:noFill/>
-        </p:spPr>
-        <p:txBody>
-          <a:bodyPr wrap="none" rtlCol="0">
-            <a:spAutoFit/>
-          </a:bodyPr>
-          <a:lstStyle/>
-          <a:p>
-            <a:r>
-              <a:rPr lang="ko-KR" altLang="en-US" sz="1100" dirty="0" smtClean="0">
-                <a:ln>
-                  <a:solidFill>
-                    <a:schemeClr val="tx1">
-                      <a:alpha val="0"/>
-                    </a:schemeClr>
-                  </a:solidFill>
-                </a:ln>
-                <a:latin typeface="나눔바른고딕" panose="020B0603020101020101" pitchFamily="50" charset="-127"/>
-                <a:ea typeface="나눔바른고딕" panose="020B0603020101020101" pitchFamily="50" charset="-127"/>
-              </a:rPr>
-              <a:t>유입 </a:t>
-            </a:r>
-            <a:r>
-              <a:rPr lang="en-US" altLang="ko-KR" sz="1100" dirty="0" smtClean="0">
-                <a:ln>
-                  <a:solidFill>
-                    <a:schemeClr val="tx1">
-                      <a:alpha val="0"/>
-                    </a:schemeClr>
-                  </a:solidFill>
-                </a:ln>
-                <a:latin typeface="나눔바른고딕" panose="020B0603020101020101" pitchFamily="50" charset="-127"/>
-                <a:ea typeface="나눔바른고딕" panose="020B0603020101020101" pitchFamily="50" charset="-127"/>
-              </a:rPr>
-              <a:t>48</a:t>
-            </a:r>
-            <a:r>
-              <a:rPr lang="ko-KR" altLang="en-US" sz="1100" dirty="0">
-                <a:ln>
-                  <a:solidFill>
-                    <a:schemeClr val="tx1">
-                      <a:alpha val="0"/>
-                    </a:schemeClr>
-                  </a:solidFill>
-                </a:ln>
-                <a:latin typeface="나눔바른고딕" panose="020B0603020101020101" pitchFamily="50" charset="-127"/>
-                <a:ea typeface="나눔바른고딕" panose="020B0603020101020101" pitchFamily="50" charset="-127"/>
-              </a:rPr>
-              <a:t>명 중 </a:t>
-            </a:r>
-            <a:r>
-              <a:rPr lang="en-US" altLang="ko-KR" sz="1100" dirty="0">
-                <a:ln>
-                  <a:solidFill>
-                    <a:schemeClr val="tx1">
-                      <a:alpha val="0"/>
-                    </a:schemeClr>
-                  </a:solidFill>
-                </a:ln>
-                <a:latin typeface="나눔바른고딕" panose="020B0603020101020101" pitchFamily="50" charset="-127"/>
-                <a:ea typeface="나눔바른고딕" panose="020B0603020101020101" pitchFamily="50" charset="-127"/>
-              </a:rPr>
-              <a:t>3</a:t>
-            </a:r>
-            <a:r>
-              <a:rPr lang="ko-KR" altLang="en-US" sz="1100" dirty="0">
-                <a:ln>
-                  <a:solidFill>
-                    <a:schemeClr val="tx1">
-                      <a:alpha val="0"/>
-                    </a:schemeClr>
-                  </a:solidFill>
-                </a:ln>
-                <a:latin typeface="나눔바른고딕" panose="020B0603020101020101" pitchFamily="50" charset="-127"/>
-                <a:ea typeface="나눔바른고딕" panose="020B0603020101020101" pitchFamily="50" charset="-127"/>
-              </a:rPr>
-              <a:t>명 전환</a:t>
-            </a:r>
-          </a:p>
-        </p:txBody>
-      </p:sp>
-      <p:sp>
-        <p:nvSpPr>
-          <p:cNvPr id="3" name="TextBox 2"/>
-          <p:cNvSpPr txBox="1"/>
-          <p:nvPr/>
-        </p:nvSpPr>
-        <p:spPr>
-          <a:xfrm>
-            <a:off x="3419783" y="3370254"/>
-            <a:ext cx="1124026" cy="261610"/>
-          </a:xfrm>
-          <a:prstGeom prst="rect">
-            <a:avLst/>
-          </a:prstGeom>
-          <a:noFill/>
-        </p:spPr>
-        <p:txBody>
-          <a:bodyPr wrap="none" rtlCol="0">
-            <a:spAutoFit/>
-          </a:bodyPr>
-          <a:lstStyle/>
-          <a:p>
-            <a:r>
-              <a:rPr lang="ko-KR" altLang="en-US" sz="1100" dirty="0" err="1" smtClean="0">
-                <a:ln>
-                  <a:solidFill>
-                    <a:schemeClr val="tx1">
-                      <a:alpha val="0"/>
-                    </a:schemeClr>
-                  </a:solidFill>
-                </a:ln>
-                <a:latin typeface="나눔바른고딕" panose="020B0603020101020101" pitchFamily="50" charset="-127"/>
-                <a:ea typeface="나눔바른고딕" panose="020B0603020101020101" pitchFamily="50" charset="-127"/>
-              </a:rPr>
-              <a:t>김현교</a:t>
-            </a:r>
-            <a:r>
-              <a:rPr lang="ko-KR" altLang="en-US" sz="1100" dirty="0" smtClean="0">
-                <a:ln>
-                  <a:solidFill>
-                    <a:schemeClr val="tx1">
-                      <a:alpha val="0"/>
-                    </a:schemeClr>
-                  </a:solidFill>
-                </a:ln>
-                <a:latin typeface="나눔바른고딕" panose="020B0603020101020101" pitchFamily="50" charset="-127"/>
-                <a:ea typeface="나눔바른고딕" panose="020B0603020101020101" pitchFamily="50" charset="-127"/>
-              </a:rPr>
-              <a:t> </a:t>
-            </a:r>
-            <a:r>
-              <a:rPr lang="en-US" altLang="ko-KR" sz="1100" dirty="0">
-                <a:ln>
-                  <a:solidFill>
-                    <a:schemeClr val="tx1">
-                      <a:alpha val="0"/>
-                    </a:schemeClr>
-                  </a:solidFill>
-                </a:ln>
-                <a:latin typeface="나눔바른고딕" panose="020B0603020101020101" pitchFamily="50" charset="-127"/>
-                <a:ea typeface="나눔바른고딕" panose="020B0603020101020101" pitchFamily="50" charset="-127"/>
-              </a:rPr>
-              <a:t>900,000</a:t>
-            </a:r>
-            <a:endParaRPr lang="ko-KR" altLang="en-US" sz="1100" dirty="0">
-              <a:ln>
-                <a:solidFill>
-                  <a:schemeClr val="tx1">
-                    <a:alpha val="0"/>
-                  </a:schemeClr>
-                </a:solidFill>
-              </a:ln>
-              <a:latin typeface="나눔바른고딕" panose="020B0603020101020101" pitchFamily="50" charset="-127"/>
-              <a:ea typeface="나눔바른고딕" panose="020B0603020101020101" pitchFamily="50" charset="-127"/>
-            </a:endParaRPr>
-          </a:p>
-        </p:txBody>
-      </p:sp>
-      <p:grpSp>
-        <p:nvGrpSpPr>
-          <p:cNvPr id="9" name="그룹 8"/>
-          <p:cNvGrpSpPr/>
-          <p:nvPr/>
-        </p:nvGrpSpPr>
-        <p:grpSpPr>
-          <a:xfrm>
-            <a:off x="643284" y="1181100"/>
-            <a:ext cx="6688889" cy="1270461"/>
-            <a:chOff x="1233487" y="3009900"/>
-            <a:chExt cx="6688889" cy="1270461"/>
-          </a:xfrm>
-        </p:grpSpPr>
-        <p:grpSp>
-          <p:nvGrpSpPr>
-            <p:cNvPr id="7" name="그룹 6"/>
-            <p:cNvGrpSpPr/>
-            <p:nvPr/>
-          </p:nvGrpSpPr>
-          <p:grpSpPr>
-            <a:xfrm>
-              <a:off x="1233487" y="3009900"/>
-              <a:ext cx="6688889" cy="1270461"/>
-              <a:chOff x="1233487" y="3009900"/>
-              <a:chExt cx="6688889" cy="1270461"/>
-            </a:xfrm>
-          </p:grpSpPr>
-          <p:pic>
-            <p:nvPicPr>
-              <p:cNvPr id="5" name="그림 4"/>
-              <p:cNvPicPr>
-                <a:picLocks noChangeAspect="1"/>
-              </p:cNvPicPr>
-              <p:nvPr/>
-            </p:nvPicPr>
-            <p:blipFill>
-              <a:blip r:embed="rId2"/>
-              <a:stretch>
-                <a:fillRect/>
-              </a:stretch>
-            </p:blipFill>
-            <p:spPr>
-              <a:xfrm>
-                <a:off x="1233487" y="3009900"/>
-                <a:ext cx="6677025" cy="838200"/>
-              </a:xfrm>
-              <a:prstGeom prst="rect">
-                <a:avLst/>
-              </a:prstGeom>
-            </p:spPr>
-          </p:pic>
-          <p:pic>
-            <p:nvPicPr>
-              <p:cNvPr id="6" name="그림 5"/>
-              <p:cNvPicPr>
-                <a:picLocks noChangeAspect="1"/>
-              </p:cNvPicPr>
-              <p:nvPr/>
-            </p:nvPicPr>
-            <p:blipFill>
-              <a:blip r:embed="rId3"/>
-              <a:stretch>
-                <a:fillRect/>
-              </a:stretch>
-            </p:blipFill>
-            <p:spPr>
-              <a:xfrm>
-                <a:off x="1254876" y="3823161"/>
-                <a:ext cx="6667500" cy="457200"/>
-              </a:xfrm>
-              <a:prstGeom prst="rect">
-                <a:avLst/>
-              </a:prstGeom>
-            </p:spPr>
-          </p:pic>
-        </p:grpSp>
-        <p:sp>
-          <p:nvSpPr>
-            <p:cNvPr id="8" name="직사각형 7"/>
-            <p:cNvSpPr/>
-            <p:nvPr/>
-          </p:nvSpPr>
-          <p:spPr>
-            <a:xfrm>
-              <a:off x="1233487" y="3009900"/>
-              <a:ext cx="6677025" cy="1270461"/>
-            </a:xfrm>
-            <a:prstGeom prst="rect">
-              <a:avLst/>
-            </a:prstGeom>
-            <a:noFill/>
-            <a:ln w="44450">
-              <a:solidFill>
-                <a:schemeClr val="tx1">
-                  <a:lumMod val="50000"/>
-                  <a:lumOff val="50000"/>
-                </a:schemeClr>
-              </a:solidFill>
-            </a:ln>
-          </p:spPr>
-          <p:style>
-            <a:lnRef idx="2">
-              <a:schemeClr val="accent1">
-                <a:shade val="50000"/>
-              </a:schemeClr>
-            </a:lnRef>
-            <a:fillRef idx="1">
-              <a:schemeClr val="accent1"/>
-            </a:fillRef>
-            <a:effectRef idx="0">
-              <a:schemeClr val="accent1"/>
-            </a:effectRef>
-            <a:fontRef idx="minor">
-              <a:schemeClr val="lt1"/>
-            </a:fontRef>
-          </p:style>
-          <p:txBody>
-            <a:bodyPr rtlCol="0" anchor="ctr"/>
-            <a:lstStyle/>
-            <a:p>
-              <a:pPr algn="ctr"/>
-              <a:endParaRPr lang="ko-KR" altLang="en-US"/>
-            </a:p>
-          </p:txBody>
-        </p:sp>
-      </p:grpSp>
-      <p:sp>
-        <p:nvSpPr>
-          <p:cNvPr id="10" name="직사각형 9"/>
-          <p:cNvSpPr/>
-          <p:nvPr/>
-        </p:nvSpPr>
-        <p:spPr>
-          <a:xfrm>
-            <a:off x="136868" y="98606"/>
-            <a:ext cx="4572000" cy="253916"/>
-          </a:xfrm>
-          <a:prstGeom prst="rect">
-            <a:avLst/>
-          </a:prstGeom>
-        </p:spPr>
-        <p:txBody>
-          <a:bodyPr>
-            <a:spAutoFit/>
-          </a:bodyPr>
-          <a:lstStyle/>
-          <a:p>
-            <a:r>
-              <a:rPr lang="en-US" altLang="ko-KR" sz="1050" b="1" dirty="0">
-                <a:ln>
-                  <a:solidFill>
-                    <a:schemeClr val="tx1">
-                      <a:alpha val="0"/>
-                    </a:schemeClr>
-                  </a:solidFill>
-                </a:ln>
-                <a:latin typeface="나눔바른고딕" panose="020B0603020101020101" pitchFamily="50" charset="-127"/>
-                <a:ea typeface="나눔바른고딕" panose="020B0603020101020101" pitchFamily="50" charset="-127"/>
-              </a:rPr>
-              <a:t>01.09-01.14 </a:t>
-            </a:r>
-            <a:r>
-              <a:rPr lang="ko-KR" altLang="en-US" sz="1050" b="1" dirty="0">
-                <a:ln>
-                  <a:solidFill>
-                    <a:schemeClr val="tx1">
-                      <a:alpha val="0"/>
-                    </a:schemeClr>
-                  </a:solidFill>
-                </a:ln>
-                <a:latin typeface="나눔바른고딕" panose="020B0603020101020101" pitchFamily="50" charset="-127"/>
-                <a:ea typeface="나눔바른고딕" panose="020B0603020101020101" pitchFamily="50" charset="-127"/>
-              </a:rPr>
-              <a:t>금주 키워드광고 </a:t>
-            </a:r>
-            <a:r>
-              <a:rPr lang="ko-KR" altLang="en-US" sz="1050" b="1" dirty="0" smtClean="0">
-                <a:ln>
-                  <a:solidFill>
-                    <a:schemeClr val="tx1">
-                      <a:alpha val="0"/>
-                    </a:schemeClr>
-                  </a:solidFill>
-                </a:ln>
-                <a:latin typeface="나눔바른고딕" panose="020B0603020101020101" pitchFamily="50" charset="-127"/>
-                <a:ea typeface="나눔바른고딕" panose="020B0603020101020101" pitchFamily="50" charset="-127"/>
-              </a:rPr>
-              <a:t>경로 가입 회원</a:t>
-            </a:r>
-            <a:endParaRPr lang="ko-KR" altLang="en-US" sz="1050" b="1" dirty="0">
-              <a:ln>
-                <a:solidFill>
-                  <a:schemeClr val="tx1">
-                    <a:alpha val="0"/>
-                  </a:schemeClr>
-                </a:solidFill>
-              </a:ln>
-              <a:latin typeface="나눔바른고딕" panose="020B0603020101020101" pitchFamily="50" charset="-127"/>
-              <a:ea typeface="나눔바른고딕" panose="020B0603020101020101" pitchFamily="50" charset="-127"/>
-            </a:endParaRPr>
-          </a:p>
-        </p:txBody>
-      </p:sp>
-      <p:cxnSp>
-        <p:nvCxnSpPr>
-          <p:cNvPr id="11" name="직선 연결선 10"/>
-          <p:cNvCxnSpPr/>
-          <p:nvPr/>
-        </p:nvCxnSpPr>
-        <p:spPr>
-          <a:xfrm>
-            <a:off x="136868" y="401870"/>
-            <a:ext cx="8867351" cy="0"/>
-          </a:xfrm>
-          <a:prstGeom prst="line">
-            <a:avLst/>
-          </a:prstGeom>
-          <a:ln>
-            <a:solidFill>
-              <a:schemeClr val="tx1"/>
-            </a:solidFill>
-          </a:ln>
-        </p:spPr>
-        <p:style>
-          <a:lnRef idx="1">
-            <a:schemeClr val="accent1"/>
-          </a:lnRef>
-          <a:fillRef idx="0">
-            <a:schemeClr val="accent1"/>
-          </a:fillRef>
-          <a:effectRef idx="0">
-            <a:schemeClr val="accent1"/>
-          </a:effectRef>
-          <a:fontRef idx="minor">
-            <a:schemeClr val="tx1"/>
-          </a:fontRef>
-        </p:style>
-      </p:cxnSp>
-      <p:sp>
-        <p:nvSpPr>
-          <p:cNvPr id="12" name="직사각형 11"/>
-          <p:cNvSpPr/>
-          <p:nvPr/>
-        </p:nvSpPr>
-        <p:spPr>
-          <a:xfrm>
-            <a:off x="4787900" y="5930167"/>
-            <a:ext cx="4077145" cy="461665"/>
-          </a:xfrm>
-          <a:prstGeom prst="rect">
-            <a:avLst/>
-          </a:prstGeom>
-          <a:solidFill>
-            <a:schemeClr val="accent4">
-              <a:lumMod val="20000"/>
-              <a:lumOff val="80000"/>
-            </a:schemeClr>
-          </a:solidFill>
-          <a:ln w="25400">
-            <a:solidFill>
-              <a:srgbClr val="C00000"/>
-            </a:solidFill>
-          </a:ln>
-        </p:spPr>
-        <p:txBody>
-          <a:bodyPr wrap="square">
-            <a:spAutoFit/>
-          </a:bodyPr>
-          <a:lstStyle/>
-          <a:p>
-            <a:pPr algn="r"/>
-            <a:r>
-              <a:rPr lang="ko-KR" altLang="en-US" sz="1200" b="1" dirty="0" smtClean="0">
-                <a:ln>
-                  <a:solidFill>
-                    <a:schemeClr val="tx1">
-                      <a:alpha val="0"/>
-                    </a:schemeClr>
-                  </a:solidFill>
-                </a:ln>
-                <a:latin typeface="나눔바른고딕" panose="020B0603020101020101" pitchFamily="50" charset="-127"/>
-                <a:ea typeface="나눔바른고딕" panose="020B0603020101020101" pitchFamily="50" charset="-127"/>
-              </a:rPr>
-              <a:t>지출 금액 </a:t>
-            </a:r>
-            <a:r>
-              <a:rPr lang="en-US" altLang="ko-KR" sz="1200" b="1" dirty="0" smtClean="0">
-                <a:ln>
-                  <a:solidFill>
-                    <a:schemeClr val="tx1">
-                      <a:alpha val="0"/>
-                    </a:schemeClr>
-                  </a:solidFill>
-                </a:ln>
-                <a:latin typeface="나눔바른고딕" panose="020B0603020101020101" pitchFamily="50" charset="-127"/>
-                <a:ea typeface="나눔바른고딕" panose="020B0603020101020101" pitchFamily="50" charset="-127"/>
-              </a:rPr>
-              <a:t>: - </a:t>
-            </a:r>
-            <a:r>
-              <a:rPr lang="en-US" altLang="ko-KR" sz="1200" dirty="0" smtClean="0">
-                <a:ln>
-                  <a:solidFill>
-                    <a:schemeClr val="tx1">
-                      <a:alpha val="0"/>
-                    </a:schemeClr>
-                  </a:solidFill>
-                </a:ln>
-                <a:latin typeface="나눔바른고딕" panose="020B0603020101020101" pitchFamily="50" charset="-127"/>
-                <a:ea typeface="나눔바른고딕" panose="020B0603020101020101" pitchFamily="50" charset="-127"/>
-              </a:rPr>
-              <a:t>40,194</a:t>
-            </a:r>
-            <a:r>
-              <a:rPr lang="ko-KR" altLang="en-US" sz="1200" dirty="0">
-                <a:ln>
-                  <a:solidFill>
-                    <a:schemeClr val="tx1">
-                      <a:alpha val="0"/>
-                    </a:schemeClr>
-                  </a:solidFill>
-                </a:ln>
-                <a:latin typeface="나눔바른고딕" panose="020B0603020101020101" pitchFamily="50" charset="-127"/>
-                <a:ea typeface="나눔바른고딕" panose="020B0603020101020101" pitchFamily="50" charset="-127"/>
-              </a:rPr>
-              <a:t>원 </a:t>
-            </a:r>
-            <a:endParaRPr lang="en-US" altLang="ko-KR" sz="1200" dirty="0" smtClean="0">
-              <a:ln>
-                <a:solidFill>
-                  <a:schemeClr val="tx1">
-                    <a:alpha val="0"/>
-                  </a:schemeClr>
-                </a:solidFill>
-              </a:ln>
-              <a:latin typeface="나눔바른고딕" panose="020B0603020101020101" pitchFamily="50" charset="-127"/>
-              <a:ea typeface="나눔바른고딕" panose="020B0603020101020101" pitchFamily="50" charset="-127"/>
-            </a:endParaRPr>
-          </a:p>
-          <a:p>
-            <a:pPr algn="r"/>
-            <a:r>
-              <a:rPr lang="ko-KR" altLang="en-US" sz="1200" b="1" dirty="0" smtClean="0">
-                <a:ln>
-                  <a:solidFill>
-                    <a:schemeClr val="tx1">
-                      <a:alpha val="0"/>
-                    </a:schemeClr>
-                  </a:solidFill>
-                </a:ln>
-                <a:latin typeface="나눔바른고딕" panose="020B0603020101020101" pitchFamily="50" charset="-127"/>
-                <a:ea typeface="나눔바른고딕" panose="020B0603020101020101" pitchFamily="50" charset="-127"/>
-              </a:rPr>
-              <a:t>전환 금액 </a:t>
-            </a:r>
-            <a:r>
-              <a:rPr lang="en-US" altLang="ko-KR" sz="1200" b="1" dirty="0">
-                <a:ln>
-                  <a:solidFill>
-                    <a:schemeClr val="tx1">
-                      <a:alpha val="0"/>
-                    </a:schemeClr>
-                  </a:solidFill>
-                </a:ln>
-                <a:latin typeface="나눔바른고딕" panose="020B0603020101020101" pitchFamily="50" charset="-127"/>
-                <a:ea typeface="나눔바른고딕" panose="020B0603020101020101" pitchFamily="50" charset="-127"/>
-              </a:rPr>
-              <a:t>: </a:t>
-            </a:r>
-            <a:r>
-              <a:rPr lang="en-US" altLang="ko-KR" sz="1200" b="1" dirty="0" smtClean="0">
-                <a:ln>
-                  <a:solidFill>
-                    <a:schemeClr val="tx1">
-                      <a:alpha val="0"/>
-                    </a:schemeClr>
-                  </a:solidFill>
-                </a:ln>
-                <a:latin typeface="나눔바른고딕" panose="020B0603020101020101" pitchFamily="50" charset="-127"/>
-                <a:ea typeface="나눔바른고딕" panose="020B0603020101020101" pitchFamily="50" charset="-127"/>
-              </a:rPr>
-              <a:t>+ </a:t>
-            </a:r>
-            <a:r>
-              <a:rPr lang="en-US" altLang="ko-KR" sz="1200" dirty="0" smtClean="0">
-                <a:ln>
-                  <a:solidFill>
-                    <a:schemeClr val="tx1">
-                      <a:alpha val="0"/>
-                    </a:schemeClr>
-                  </a:solidFill>
-                </a:ln>
-                <a:latin typeface="나눔바른고딕" panose="020B0603020101020101" pitchFamily="50" charset="-127"/>
-                <a:ea typeface="나눔바른고딕" panose="020B0603020101020101" pitchFamily="50" charset="-127"/>
-              </a:rPr>
-              <a:t>900,000</a:t>
-            </a:r>
-            <a:r>
-              <a:rPr lang="ko-KR" altLang="en-US" sz="1200" dirty="0" smtClean="0">
-                <a:ln>
-                  <a:solidFill>
-                    <a:schemeClr val="tx1">
-                      <a:alpha val="0"/>
-                    </a:schemeClr>
-                  </a:solidFill>
-                </a:ln>
-                <a:latin typeface="나눔바른고딕" panose="020B0603020101020101" pitchFamily="50" charset="-127"/>
-                <a:ea typeface="나눔바른고딕" panose="020B0603020101020101" pitchFamily="50" charset="-127"/>
-              </a:rPr>
-              <a:t>원 </a:t>
-            </a:r>
-            <a:r>
-              <a:rPr lang="ko-KR" altLang="en-US" sz="1200" dirty="0" smtClean="0">
-                <a:ln>
-                  <a:solidFill>
-                    <a:schemeClr val="tx1">
-                      <a:alpha val="0"/>
-                    </a:schemeClr>
-                  </a:solidFill>
-                </a:ln>
-                <a:solidFill>
-                  <a:srgbClr val="FF0000"/>
-                </a:solidFill>
-                <a:latin typeface="나눔바른고딕" panose="020B0603020101020101" pitchFamily="50" charset="-127"/>
-                <a:ea typeface="나눔바른고딕" panose="020B0603020101020101" pitchFamily="50" charset="-127"/>
-              </a:rPr>
-              <a:t> </a:t>
-            </a:r>
-            <a:endParaRPr lang="en-US" altLang="ko-KR" sz="1200" dirty="0">
-              <a:ln>
-                <a:solidFill>
-                  <a:schemeClr val="tx1">
-                    <a:alpha val="0"/>
-                  </a:schemeClr>
-                </a:solidFill>
-              </a:ln>
-              <a:solidFill>
-                <a:srgbClr val="FF0000"/>
-              </a:solidFill>
-              <a:latin typeface="나눔바른고딕" panose="020B0603020101020101" pitchFamily="50" charset="-127"/>
-              <a:ea typeface="나눔바른고딕" panose="020B0603020101020101" pitchFamily="50" charset="-127"/>
-            </a:endParaRPr>
-          </a:p>
-        </p:txBody>
-      </p:sp>
-      <p:sp>
-        <p:nvSpPr>
-          <p:cNvPr id="13" name="직사각형 12"/>
-          <p:cNvSpPr/>
-          <p:nvPr/>
-        </p:nvSpPr>
-        <p:spPr>
-          <a:xfrm>
-            <a:off x="664673" y="2798529"/>
-            <a:ext cx="1880986" cy="261610"/>
-          </a:xfrm>
-          <a:prstGeom prst="rect">
-            <a:avLst/>
-          </a:prstGeom>
-          <a:solidFill>
-            <a:schemeClr val="bg2"/>
-          </a:solidFill>
-          <a:ln>
-            <a:solidFill>
-              <a:srgbClr val="0070C0"/>
-            </a:solidFill>
-          </a:ln>
-        </p:spPr>
-        <p:txBody>
-          <a:bodyPr wrap="square">
-            <a:spAutoFit/>
-          </a:bodyPr>
-          <a:lstStyle/>
-          <a:p>
-            <a:pPr algn="ctr"/>
-            <a:r>
-              <a:rPr lang="ko-KR" altLang="en-US" sz="1100" dirty="0" smtClean="0">
-                <a:ln>
-                  <a:solidFill>
-                    <a:schemeClr val="tx1">
-                      <a:alpha val="0"/>
-                    </a:schemeClr>
-                  </a:solidFill>
-                </a:ln>
-                <a:latin typeface="나눔바른고딕" panose="020B0603020101020101" pitchFamily="50" charset="-127"/>
-                <a:ea typeface="나눔바른고딕" panose="020B0603020101020101" pitchFamily="50" charset="-127"/>
-              </a:rPr>
-              <a:t>가입 전환</a:t>
-            </a:r>
-            <a:endParaRPr lang="en-US" altLang="ko-KR" sz="1100" dirty="0">
-              <a:ln>
-                <a:solidFill>
-                  <a:schemeClr val="tx1">
-                    <a:alpha val="0"/>
-                  </a:schemeClr>
-                </a:solidFill>
-              </a:ln>
-              <a:latin typeface="나눔바른고딕" panose="020B0603020101020101" pitchFamily="50" charset="-127"/>
-              <a:ea typeface="나눔바른고딕" panose="020B0603020101020101" pitchFamily="50" charset="-127"/>
-            </a:endParaRPr>
-          </a:p>
-        </p:txBody>
-      </p:sp>
-      <p:sp>
-        <p:nvSpPr>
-          <p:cNvPr id="14" name="TextBox 13"/>
-          <p:cNvSpPr txBox="1"/>
-          <p:nvPr/>
-        </p:nvSpPr>
-        <p:spPr>
-          <a:xfrm>
-            <a:off x="3305970" y="3099985"/>
-            <a:ext cx="1351652" cy="261610"/>
-          </a:xfrm>
-          <a:prstGeom prst="rect">
-            <a:avLst/>
-          </a:prstGeom>
-          <a:noFill/>
-        </p:spPr>
-        <p:txBody>
-          <a:bodyPr wrap="none" rtlCol="0">
-            <a:spAutoFit/>
-          </a:bodyPr>
-          <a:lstStyle/>
-          <a:p>
-            <a:r>
-              <a:rPr lang="ko-KR" altLang="en-US" sz="1100" dirty="0" smtClean="0">
-                <a:ln>
-                  <a:solidFill>
-                    <a:schemeClr val="tx1">
-                      <a:alpha val="0"/>
-                    </a:schemeClr>
-                  </a:solidFill>
-                </a:ln>
-                <a:latin typeface="나눔바른고딕" panose="020B0603020101020101" pitchFamily="50" charset="-127"/>
-                <a:ea typeface="나눔바른고딕" panose="020B0603020101020101" pitchFamily="50" charset="-127"/>
-              </a:rPr>
-              <a:t>가입 </a:t>
-            </a:r>
-            <a:r>
-              <a:rPr lang="en-US" altLang="ko-KR" sz="1100" dirty="0" smtClean="0">
-                <a:ln>
-                  <a:solidFill>
-                    <a:schemeClr val="tx1">
-                      <a:alpha val="0"/>
-                    </a:schemeClr>
-                  </a:solidFill>
-                </a:ln>
-                <a:latin typeface="나눔바른고딕" panose="020B0603020101020101" pitchFamily="50" charset="-127"/>
-                <a:ea typeface="나눔바른고딕" panose="020B0603020101020101" pitchFamily="50" charset="-127"/>
-              </a:rPr>
-              <a:t>3</a:t>
-            </a:r>
-            <a:r>
-              <a:rPr lang="ko-KR" altLang="en-US" sz="1100" dirty="0" smtClean="0">
-                <a:ln>
-                  <a:solidFill>
-                    <a:schemeClr val="tx1">
-                      <a:alpha val="0"/>
-                    </a:schemeClr>
-                  </a:solidFill>
-                </a:ln>
-                <a:latin typeface="나눔바른고딕" panose="020B0603020101020101" pitchFamily="50" charset="-127"/>
-                <a:ea typeface="나눔바른고딕" panose="020B0603020101020101" pitchFamily="50" charset="-127"/>
-              </a:rPr>
-              <a:t>명 중 </a:t>
-            </a:r>
-            <a:r>
-              <a:rPr lang="en-US" altLang="ko-KR" sz="1100" dirty="0" smtClean="0">
-                <a:ln>
-                  <a:solidFill>
-                    <a:schemeClr val="tx1">
-                      <a:alpha val="0"/>
-                    </a:schemeClr>
-                  </a:solidFill>
-                </a:ln>
-                <a:latin typeface="나눔바른고딕" panose="020B0603020101020101" pitchFamily="50" charset="-127"/>
-                <a:ea typeface="나눔바른고딕" panose="020B0603020101020101" pitchFamily="50" charset="-127"/>
-              </a:rPr>
-              <a:t>1</a:t>
-            </a:r>
-            <a:r>
-              <a:rPr lang="ko-KR" altLang="en-US" sz="1100" dirty="0" smtClean="0">
-                <a:ln>
-                  <a:solidFill>
-                    <a:schemeClr val="tx1">
-                      <a:alpha val="0"/>
-                    </a:schemeClr>
-                  </a:solidFill>
-                </a:ln>
-                <a:latin typeface="나눔바른고딕" panose="020B0603020101020101" pitchFamily="50" charset="-127"/>
-                <a:ea typeface="나눔바른고딕" panose="020B0603020101020101" pitchFamily="50" charset="-127"/>
-              </a:rPr>
-              <a:t>명 전환</a:t>
-            </a:r>
-            <a:endParaRPr lang="ko-KR" altLang="en-US" sz="1100" dirty="0">
-              <a:ln>
-                <a:solidFill>
-                  <a:schemeClr val="tx1">
-                    <a:alpha val="0"/>
-                  </a:schemeClr>
-                </a:solidFill>
-              </a:ln>
-              <a:latin typeface="나눔바른고딕" panose="020B0603020101020101" pitchFamily="50" charset="-127"/>
-              <a:ea typeface="나눔바른고딕" panose="020B0603020101020101" pitchFamily="50" charset="-127"/>
-            </a:endParaRPr>
-          </a:p>
-        </p:txBody>
-      </p:sp>
-      <p:sp>
-        <p:nvSpPr>
-          <p:cNvPr id="15" name="직사각형 14"/>
-          <p:cNvSpPr/>
-          <p:nvPr/>
-        </p:nvSpPr>
-        <p:spPr>
-          <a:xfrm>
-            <a:off x="3058738" y="2798529"/>
-            <a:ext cx="1880986" cy="261610"/>
-          </a:xfrm>
-          <a:prstGeom prst="rect">
-            <a:avLst/>
-          </a:prstGeom>
-          <a:solidFill>
-            <a:schemeClr val="bg2"/>
-          </a:solidFill>
-          <a:ln>
-            <a:solidFill>
-              <a:srgbClr val="0070C0"/>
-            </a:solidFill>
-          </a:ln>
-        </p:spPr>
-        <p:txBody>
-          <a:bodyPr wrap="square">
-            <a:spAutoFit/>
-          </a:bodyPr>
-          <a:lstStyle/>
-          <a:p>
-            <a:pPr algn="ctr"/>
-            <a:r>
-              <a:rPr lang="ko-KR" altLang="en-US" sz="1100" dirty="0" smtClean="0">
-                <a:ln>
-                  <a:solidFill>
-                    <a:schemeClr val="tx1">
-                      <a:alpha val="0"/>
-                    </a:schemeClr>
-                  </a:solidFill>
-                </a:ln>
-                <a:latin typeface="나눔바른고딕" panose="020B0603020101020101" pitchFamily="50" charset="-127"/>
-                <a:ea typeface="나눔바른고딕" panose="020B0603020101020101" pitchFamily="50" charset="-127"/>
-              </a:rPr>
-              <a:t>결제 전환</a:t>
-            </a:r>
-            <a:endParaRPr lang="en-US" altLang="ko-KR" sz="1100" dirty="0">
-              <a:ln>
-                <a:solidFill>
-                  <a:schemeClr val="tx1">
-                    <a:alpha val="0"/>
-                  </a:schemeClr>
-                </a:solidFill>
-              </a:ln>
-              <a:latin typeface="나눔바른고딕" panose="020B0603020101020101" pitchFamily="50" charset="-127"/>
-              <a:ea typeface="나눔바른고딕" panose="020B0603020101020101" pitchFamily="50" charset="-127"/>
-            </a:endParaRPr>
-          </a:p>
-        </p:txBody>
-      </p:sp>
-      <p:pic>
-        <p:nvPicPr>
-          <p:cNvPr id="4" name="그림 3"/>
-          <p:cNvPicPr>
-            <a:picLocks noChangeAspect="1"/>
-          </p:cNvPicPr>
-          <p:nvPr/>
-        </p:nvPicPr>
-        <p:blipFill>
-          <a:blip r:embed="rId4"/>
-          <a:stretch>
-            <a:fillRect/>
-          </a:stretch>
-        </p:blipFill>
-        <p:spPr>
-          <a:xfrm>
-            <a:off x="6179363" y="487723"/>
-            <a:ext cx="2824856" cy="174105"/>
-          </a:xfrm>
-          <a:prstGeom prst="rect">
-            <a:avLst/>
-          </a:prstGeom>
-        </p:spPr>
-      </p:pic>
-      <p:grpSp>
-        <p:nvGrpSpPr>
-          <p:cNvPr id="18" name="그룹 17"/>
-          <p:cNvGrpSpPr/>
-          <p:nvPr/>
-        </p:nvGrpSpPr>
-        <p:grpSpPr>
-          <a:xfrm>
-            <a:off x="643283" y="3831128"/>
-            <a:ext cx="6784140" cy="1266826"/>
-            <a:chOff x="643283" y="3831128"/>
-            <a:chExt cx="6784140" cy="1266826"/>
-          </a:xfrm>
-        </p:grpSpPr>
-        <p:pic>
-          <p:nvPicPr>
-            <p:cNvPr id="16" name="그림 15"/>
-            <p:cNvPicPr>
-              <a:picLocks noChangeAspect="1"/>
-            </p:cNvPicPr>
-            <p:nvPr/>
-          </p:nvPicPr>
-          <p:blipFill>
-            <a:blip r:embed="rId5"/>
             <a:stretch>
               <a:fillRect/>
             </a:stretch>
@@ -7112,7 +9985,7 @@
         </p:pic>
         <p:sp>
           <p:nvSpPr>
-            <p:cNvPr id="17" name="직사각형 16"/>
+            <p:cNvPr id="21" name="직사각형 20"/>
             <p:cNvSpPr/>
             <p:nvPr/>
           </p:nvSpPr>
@@ -7160,10 +10033,450 @@
           </p:txBody>
         </p:sp>
       </p:grpSp>
+      <p:sp>
+        <p:nvSpPr>
+          <p:cNvPr id="22" name="직사각형 21"/>
+          <p:cNvSpPr/>
+          <p:nvPr/>
+        </p:nvSpPr>
+        <p:spPr>
+          <a:xfrm>
+            <a:off x="338634" y="3059295"/>
+            <a:ext cx="1358065" cy="276999"/>
+          </a:xfrm>
+          <a:prstGeom prst="rect">
+            <a:avLst/>
+          </a:prstGeom>
+          <a:solidFill>
+            <a:schemeClr val="tx1">
+              <a:lumMod val="65000"/>
+              <a:lumOff val="35000"/>
+            </a:schemeClr>
+          </a:solidFill>
+        </p:spPr>
+        <p:txBody>
+          <a:bodyPr wrap="none">
+            <a:spAutoFit/>
+          </a:bodyPr>
+          <a:lstStyle/>
+          <a:p>
+            <a:pPr algn="ctr"/>
+            <a:r>
+              <a:rPr lang="ko-KR" altLang="en-US" sz="1200" dirty="0" smtClean="0">
+                <a:ln>
+                  <a:solidFill>
+                    <a:schemeClr val="bg2">
+                      <a:alpha val="0"/>
+                    </a:schemeClr>
+                  </a:solidFill>
+                </a:ln>
+                <a:solidFill>
+                  <a:schemeClr val="bg1"/>
+                </a:solidFill>
+                <a:latin typeface="나눔바른고딕" panose="020B0603020101020101" pitchFamily="50" charset="-127"/>
+                <a:ea typeface="나눔바른고딕" panose="020B0603020101020101" pitchFamily="50" charset="-127"/>
+              </a:rPr>
+              <a:t>광고 유입 가입회원</a:t>
+            </a:r>
+            <a:endParaRPr lang="ko-KR" altLang="en-US" sz="1200" dirty="0">
+              <a:ln>
+                <a:solidFill>
+                  <a:schemeClr val="bg2">
+                    <a:alpha val="0"/>
+                  </a:schemeClr>
+                </a:solidFill>
+              </a:ln>
+              <a:solidFill>
+                <a:schemeClr val="bg1"/>
+              </a:solidFill>
+            </a:endParaRPr>
+          </a:p>
+        </p:txBody>
+      </p:sp>
+      <p:grpSp>
+        <p:nvGrpSpPr>
+          <p:cNvPr id="9" name="그룹 8"/>
+          <p:cNvGrpSpPr/>
+          <p:nvPr/>
+        </p:nvGrpSpPr>
+        <p:grpSpPr>
+          <a:xfrm>
+            <a:off x="317244" y="1046234"/>
+            <a:ext cx="4746141" cy="1548938"/>
+            <a:chOff x="317244" y="1046234"/>
+            <a:chExt cx="4746141" cy="1548938"/>
+          </a:xfrm>
+        </p:grpSpPr>
+        <p:pic>
+          <p:nvPicPr>
+            <p:cNvPr id="7" name="그림 6"/>
+            <p:cNvPicPr>
+              <a:picLocks noChangeAspect="1"/>
+            </p:cNvPicPr>
+            <p:nvPr/>
+          </p:nvPicPr>
+          <p:blipFill>
+            <a:blip r:embed="rId3"/>
+            <a:stretch>
+              <a:fillRect/>
+            </a:stretch>
+          </p:blipFill>
+          <p:spPr>
+            <a:xfrm>
+              <a:off x="3626531" y="1381454"/>
+              <a:ext cx="1425354" cy="1208700"/>
+            </a:xfrm>
+            <a:prstGeom prst="rect">
+              <a:avLst/>
+            </a:prstGeom>
+          </p:spPr>
+        </p:pic>
+        <p:grpSp>
+          <p:nvGrpSpPr>
+            <p:cNvPr id="6" name="그룹 5"/>
+            <p:cNvGrpSpPr/>
+            <p:nvPr/>
+          </p:nvGrpSpPr>
+          <p:grpSpPr>
+            <a:xfrm>
+              <a:off x="317244" y="1046234"/>
+              <a:ext cx="4746141" cy="1548938"/>
+              <a:chOff x="343366" y="1493761"/>
+              <a:chExt cx="4746141" cy="1548938"/>
+            </a:xfrm>
+          </p:grpSpPr>
+          <p:grpSp>
+            <p:nvGrpSpPr>
+              <p:cNvPr id="18" name="그룹 17"/>
+              <p:cNvGrpSpPr/>
+              <p:nvPr/>
+            </p:nvGrpSpPr>
+            <p:grpSpPr>
+              <a:xfrm>
+                <a:off x="343366" y="1506824"/>
+                <a:ext cx="4746140" cy="1535875"/>
+                <a:chOff x="324624" y="1839333"/>
+                <a:chExt cx="7862631" cy="2544387"/>
+              </a:xfrm>
+            </p:grpSpPr>
+            <p:pic>
+              <p:nvPicPr>
+                <p:cNvPr id="12" name="그림 11"/>
+                <p:cNvPicPr>
+                  <a:picLocks noChangeAspect="1"/>
+                </p:cNvPicPr>
+                <p:nvPr/>
+              </p:nvPicPr>
+              <p:blipFill>
+                <a:blip r:embed="rId4"/>
+                <a:stretch>
+                  <a:fillRect/>
+                </a:stretch>
+              </p:blipFill>
+              <p:spPr>
+                <a:xfrm>
+                  <a:off x="324624" y="2346582"/>
+                  <a:ext cx="2419350" cy="2028825"/>
+                </a:xfrm>
+                <a:prstGeom prst="rect">
+                  <a:avLst/>
+                </a:prstGeom>
+              </p:spPr>
+            </p:pic>
+            <p:pic>
+              <p:nvPicPr>
+                <p:cNvPr id="13" name="그림 12"/>
+                <p:cNvPicPr>
+                  <a:picLocks noChangeAspect="1"/>
+                </p:cNvPicPr>
+                <p:nvPr/>
+              </p:nvPicPr>
+              <p:blipFill>
+                <a:blip r:embed="rId5"/>
+                <a:stretch>
+                  <a:fillRect/>
+                </a:stretch>
+              </p:blipFill>
+              <p:spPr>
+                <a:xfrm>
+                  <a:off x="2843730" y="2354895"/>
+                  <a:ext cx="5343525" cy="2028825"/>
+                </a:xfrm>
+                <a:prstGeom prst="rect">
+                  <a:avLst/>
+                </a:prstGeom>
+              </p:spPr>
+            </p:pic>
+            <p:pic>
+              <p:nvPicPr>
+                <p:cNvPr id="14" name="그림 13"/>
+                <p:cNvPicPr>
+                  <a:picLocks noChangeAspect="1"/>
+                </p:cNvPicPr>
+                <p:nvPr/>
+              </p:nvPicPr>
+              <p:blipFill>
+                <a:blip r:embed="rId6"/>
+                <a:stretch>
+                  <a:fillRect/>
+                </a:stretch>
+              </p:blipFill>
+              <p:spPr>
+                <a:xfrm>
+                  <a:off x="2843730" y="1839333"/>
+                  <a:ext cx="5324475" cy="523875"/>
+                </a:xfrm>
+                <a:prstGeom prst="rect">
+                  <a:avLst/>
+                </a:prstGeom>
+              </p:spPr>
+            </p:pic>
+            <p:pic>
+              <p:nvPicPr>
+                <p:cNvPr id="15" name="그림 14"/>
+                <p:cNvPicPr>
+                  <a:picLocks noChangeAspect="1"/>
+                </p:cNvPicPr>
+                <p:nvPr/>
+              </p:nvPicPr>
+              <p:blipFill>
+                <a:blip r:embed="rId7"/>
+                <a:stretch>
+                  <a:fillRect/>
+                </a:stretch>
+              </p:blipFill>
+              <p:spPr>
+                <a:xfrm>
+                  <a:off x="335878" y="1839333"/>
+                  <a:ext cx="2514600" cy="533400"/>
+                </a:xfrm>
+                <a:prstGeom prst="rect">
+                  <a:avLst/>
+                </a:prstGeom>
+              </p:spPr>
+            </p:pic>
+            <p:cxnSp>
+              <p:nvCxnSpPr>
+                <p:cNvPr id="17" name="직선 연결선 16"/>
+                <p:cNvCxnSpPr/>
+                <p:nvPr/>
+              </p:nvCxnSpPr>
+              <p:spPr>
+                <a:xfrm>
+                  <a:off x="2843730" y="1839333"/>
+                  <a:ext cx="0" cy="2536074"/>
+                </a:xfrm>
+                <a:prstGeom prst="line">
+                  <a:avLst/>
+                </a:prstGeom>
+                <a:ln w="12700">
+                  <a:solidFill>
+                    <a:schemeClr val="bg1">
+                      <a:lumMod val="85000"/>
+                    </a:schemeClr>
+                  </a:solidFill>
+                </a:ln>
+              </p:spPr>
+              <p:style>
+                <a:lnRef idx="1">
+                  <a:schemeClr val="accent1"/>
+                </a:lnRef>
+                <a:fillRef idx="0">
+                  <a:schemeClr val="accent1"/>
+                </a:fillRef>
+                <a:effectRef idx="0">
+                  <a:schemeClr val="accent1"/>
+                </a:effectRef>
+                <a:fontRef idx="minor">
+                  <a:schemeClr val="tx1"/>
+                </a:fontRef>
+              </p:style>
+            </p:cxnSp>
+          </p:grpSp>
+          <p:sp>
+            <p:nvSpPr>
+              <p:cNvPr id="19" name="직사각형 18"/>
+              <p:cNvSpPr/>
+              <p:nvPr/>
+            </p:nvSpPr>
+            <p:spPr>
+              <a:xfrm>
+                <a:off x="343367" y="1493761"/>
+                <a:ext cx="4746140" cy="1543920"/>
+              </a:xfrm>
+              <a:prstGeom prst="rect">
+                <a:avLst/>
+              </a:prstGeom>
+              <a:noFill/>
+              <a:ln w="44450">
+                <a:solidFill>
+                  <a:schemeClr val="tx1">
+                    <a:lumMod val="50000"/>
+                    <a:lumOff val="50000"/>
+                  </a:schemeClr>
+                </a:solidFill>
+              </a:ln>
+            </p:spPr>
+            <p:style>
+              <a:lnRef idx="2">
+                <a:schemeClr val="accent1">
+                  <a:shade val="50000"/>
+                </a:schemeClr>
+              </a:lnRef>
+              <a:fillRef idx="1">
+                <a:schemeClr val="accent1"/>
+              </a:fillRef>
+              <a:effectRef idx="0">
+                <a:schemeClr val="accent1"/>
+              </a:effectRef>
+              <a:fontRef idx="minor">
+                <a:schemeClr val="lt1"/>
+              </a:fontRef>
+            </p:style>
+            <p:txBody>
+              <a:bodyPr rtlCol="0" anchor="ctr"/>
+              <a:lstStyle/>
+              <a:p>
+                <a:pPr algn="ctr"/>
+                <a:endParaRPr lang="ko-KR" altLang="en-US"/>
+              </a:p>
+            </p:txBody>
+          </p:sp>
+        </p:grpSp>
+      </p:grpSp>
+      <p:sp>
+        <p:nvSpPr>
+          <p:cNvPr id="23" name="직사각형 22"/>
+          <p:cNvSpPr/>
+          <p:nvPr/>
+        </p:nvSpPr>
+        <p:spPr>
+          <a:xfrm>
+            <a:off x="5354348" y="4714759"/>
+            <a:ext cx="1747036" cy="276999"/>
+          </a:xfrm>
+          <a:prstGeom prst="rect">
+            <a:avLst/>
+          </a:prstGeom>
+          <a:solidFill>
+            <a:schemeClr val="bg1">
+              <a:lumMod val="95000"/>
+            </a:schemeClr>
+          </a:solidFill>
+          <a:ln w="25400">
+            <a:solidFill>
+              <a:schemeClr val="accent1">
+                <a:lumMod val="60000"/>
+                <a:lumOff val="40000"/>
+              </a:schemeClr>
+            </a:solidFill>
+          </a:ln>
+        </p:spPr>
+        <p:txBody>
+          <a:bodyPr wrap="square">
+            <a:spAutoFit/>
+          </a:bodyPr>
+          <a:lstStyle/>
+          <a:p>
+            <a:pPr algn="r"/>
+            <a:r>
+              <a:rPr lang="ko-KR" altLang="en-US" sz="1200" dirty="0" err="1" smtClean="0">
+                <a:ln>
+                  <a:solidFill>
+                    <a:schemeClr val="tx1">
+                      <a:alpha val="0"/>
+                    </a:schemeClr>
+                  </a:solidFill>
+                </a:ln>
+                <a:latin typeface="나눔바른고딕" panose="020B0603020101020101" pitchFamily="50" charset="-127"/>
+                <a:ea typeface="나눔바른고딕" panose="020B0603020101020101" pitchFamily="50" charset="-127"/>
+              </a:rPr>
+              <a:t>이태강</a:t>
+            </a:r>
+            <a:r>
+              <a:rPr lang="ko-KR" altLang="en-US" sz="1200" dirty="0" smtClean="0">
+                <a:ln>
+                  <a:solidFill>
+                    <a:schemeClr val="tx1">
+                      <a:alpha val="0"/>
+                    </a:schemeClr>
+                  </a:solidFill>
+                </a:ln>
+                <a:latin typeface="나눔바른고딕" panose="020B0603020101020101" pitchFamily="50" charset="-127"/>
+                <a:ea typeface="나눔바른고딕" panose="020B0603020101020101" pitchFamily="50" charset="-127"/>
+              </a:rPr>
+              <a:t> </a:t>
+            </a:r>
+            <a:r>
+              <a:rPr lang="en-US" altLang="ko-KR" sz="1200" dirty="0" smtClean="0">
+                <a:ln>
+                  <a:solidFill>
+                    <a:schemeClr val="tx1">
+                      <a:alpha val="0"/>
+                    </a:schemeClr>
+                  </a:solidFill>
+                </a:ln>
+                <a:latin typeface="나눔바른고딕" panose="020B0603020101020101" pitchFamily="50" charset="-127"/>
+                <a:ea typeface="나눔바른고딕" panose="020B0603020101020101" pitchFamily="50" charset="-127"/>
+              </a:rPr>
+              <a:t>480,000</a:t>
+            </a:r>
+            <a:r>
+              <a:rPr lang="ko-KR" altLang="en-US" sz="1200" dirty="0" smtClean="0">
+                <a:ln>
+                  <a:solidFill>
+                    <a:schemeClr val="tx1">
+                      <a:alpha val="0"/>
+                    </a:schemeClr>
+                  </a:solidFill>
+                </a:ln>
+                <a:latin typeface="나눔바른고딕" panose="020B0603020101020101" pitchFamily="50" charset="-127"/>
+                <a:ea typeface="나눔바른고딕" panose="020B0603020101020101" pitchFamily="50" charset="-127"/>
+              </a:rPr>
+              <a:t>원 결제</a:t>
+            </a:r>
+            <a:endParaRPr lang="en-US" altLang="ko-KR" sz="1200" dirty="0">
+              <a:ln>
+                <a:solidFill>
+                  <a:schemeClr val="tx1">
+                    <a:alpha val="0"/>
+                  </a:schemeClr>
+                </a:solidFill>
+              </a:ln>
+              <a:latin typeface="나눔바른고딕" panose="020B0603020101020101" pitchFamily="50" charset="-127"/>
+              <a:ea typeface="나눔바른고딕" panose="020B0603020101020101" pitchFamily="50" charset="-127"/>
+            </a:endParaRPr>
+          </a:p>
+        </p:txBody>
+      </p:sp>
+      <p:pic>
+        <p:nvPicPr>
+          <p:cNvPr id="24" name="그림 23"/>
+          <p:cNvPicPr>
+            <a:picLocks noChangeAspect="1"/>
+          </p:cNvPicPr>
+          <p:nvPr/>
+        </p:nvPicPr>
+        <p:blipFill>
+          <a:blip r:embed="rId8"/>
+          <a:stretch>
+            <a:fillRect/>
+          </a:stretch>
+        </p:blipFill>
+        <p:spPr>
+          <a:xfrm>
+            <a:off x="1745687" y="3162189"/>
+            <a:ext cx="2824856" cy="174105"/>
+          </a:xfrm>
+          <a:prstGeom prst="rect">
+            <a:avLst/>
+          </a:prstGeom>
+        </p:spPr>
+      </p:pic>
     </p:spTree>
     <p:extLst>
       <p:ext uri="{BB962C8B-B14F-4D97-AF65-F5344CB8AC3E}">
-        <p14:creationId xmlns:p14="http://schemas.microsoft.com/office/powerpoint/2010/main" val="2139545914"/>
+        <p14:creationId xmlns:p14="http://schemas.microsoft.com/office/powerpoint/2010/main" val="3479564396"/>
       </p:ext>
     </p:extLst>
   </p:cSld>
@@ -7212,18 +10525,766 @@
           <a:lstStyle/>
           <a:p>
             <a:r>
-              <a:rPr lang="en-US" altLang="ko-KR" sz="1050" b="1" dirty="0" smtClean="0">
-                <a:ln>
-                  <a:solidFill>
-                    <a:schemeClr val="tx1">
-                      <a:alpha val="0"/>
-                    </a:schemeClr>
-                  </a:solidFill>
-                </a:ln>
-                <a:latin typeface="나눔바른고딕" panose="020B0603020101020101" pitchFamily="50" charset="-127"/>
-                <a:ea typeface="나눔바른고딕" panose="020B0603020101020101" pitchFamily="50" charset="-127"/>
-              </a:rPr>
-              <a:t>01.08-01.14 </a:t>
+              <a:rPr lang="ko-KR" altLang="en-US" sz="1050" b="1" dirty="0" smtClean="0">
+                <a:ln>
+                  <a:solidFill>
+                    <a:schemeClr val="tx1">
+                      <a:alpha val="0"/>
+                    </a:schemeClr>
+                  </a:solidFill>
+                </a:ln>
+                <a:latin typeface="나눔바른고딕" panose="020B0603020101020101" pitchFamily="50" charset="-127"/>
+                <a:ea typeface="나눔바른고딕" panose="020B0603020101020101" pitchFamily="50" charset="-127"/>
+              </a:rPr>
+              <a:t>키워드 검색 컨텐츠 채우기</a:t>
+            </a:r>
+            <a:endParaRPr lang="ko-KR" altLang="en-US" sz="1050" b="1" dirty="0">
+              <a:ln>
+                <a:solidFill>
+                  <a:schemeClr val="tx1">
+                    <a:alpha val="0"/>
+                  </a:schemeClr>
+                </a:solidFill>
+              </a:ln>
+              <a:latin typeface="나눔바른고딕" panose="020B0603020101020101" pitchFamily="50" charset="-127"/>
+              <a:ea typeface="나눔바른고딕" panose="020B0603020101020101" pitchFamily="50" charset="-127"/>
+            </a:endParaRPr>
+          </a:p>
+        </p:txBody>
+      </p:sp>
+      <p:cxnSp>
+        <p:nvCxnSpPr>
+          <p:cNvPr id="3" name="직선 연결선 2"/>
+          <p:cNvCxnSpPr/>
+          <p:nvPr/>
+        </p:nvCxnSpPr>
+        <p:spPr>
+          <a:xfrm>
+            <a:off x="136868" y="401870"/>
+            <a:ext cx="8867351" cy="0"/>
+          </a:xfrm>
+          <a:prstGeom prst="line">
+            <a:avLst/>
+          </a:prstGeom>
+          <a:ln>
+            <a:solidFill>
+              <a:schemeClr val="tx1"/>
+            </a:solidFill>
+          </a:ln>
+        </p:spPr>
+        <p:style>
+          <a:lnRef idx="1">
+            <a:schemeClr val="accent1"/>
+          </a:lnRef>
+          <a:fillRef idx="0">
+            <a:schemeClr val="accent1"/>
+          </a:fillRef>
+          <a:effectRef idx="0">
+            <a:schemeClr val="accent1"/>
+          </a:effectRef>
+          <a:fontRef idx="minor">
+            <a:schemeClr val="tx1"/>
+          </a:fontRef>
+        </p:style>
+      </p:cxnSp>
+      <p:sp>
+        <p:nvSpPr>
+          <p:cNvPr id="4" name="직사각형 3"/>
+          <p:cNvSpPr/>
+          <p:nvPr/>
+        </p:nvSpPr>
+        <p:spPr>
+          <a:xfrm>
+            <a:off x="707452" y="2978327"/>
+            <a:ext cx="4182555" cy="2308324"/>
+          </a:xfrm>
+          <a:prstGeom prst="rect">
+            <a:avLst/>
+          </a:prstGeom>
+        </p:spPr>
+        <p:txBody>
+          <a:bodyPr wrap="none">
+            <a:spAutoFit/>
+          </a:bodyPr>
+          <a:lstStyle/>
+          <a:p>
+            <a:r>
+              <a:rPr lang="ko-KR" altLang="en-US" sz="1200" dirty="0" smtClean="0">
+                <a:ln>
+                  <a:solidFill>
+                    <a:schemeClr val="tx1">
+                      <a:alpha val="0"/>
+                    </a:schemeClr>
+                  </a:solidFill>
+                </a:ln>
+                <a:latin typeface="나눔바른고딕" panose="020B0603020101020101" pitchFamily="50" charset="-127"/>
+                <a:ea typeface="나눔바른고딕" panose="020B0603020101020101" pitchFamily="50" charset="-127"/>
+              </a:rPr>
+              <a:t>상위 키워드 </a:t>
+            </a:r>
+            <a:r>
+              <a:rPr lang="en-US" altLang="ko-KR" sz="1200" dirty="0" smtClean="0">
+                <a:ln>
+                  <a:solidFill>
+                    <a:schemeClr val="tx1">
+                      <a:alpha val="0"/>
+                    </a:schemeClr>
+                  </a:solidFill>
+                </a:ln>
+                <a:latin typeface="나눔바른고딕" panose="020B0603020101020101" pitchFamily="50" charset="-127"/>
+                <a:ea typeface="나눔바른고딕" panose="020B0603020101020101" pitchFamily="50" charset="-127"/>
+              </a:rPr>
+              <a:t>2-3</a:t>
+            </a:r>
+            <a:r>
+              <a:rPr lang="ko-KR" altLang="en-US" sz="1200" dirty="0" smtClean="0">
+                <a:ln>
+                  <a:solidFill>
+                    <a:schemeClr val="tx1">
+                      <a:alpha val="0"/>
+                    </a:schemeClr>
+                  </a:solidFill>
+                </a:ln>
+                <a:latin typeface="나눔바른고딕" panose="020B0603020101020101" pitchFamily="50" charset="-127"/>
+                <a:ea typeface="나눔바른고딕" panose="020B0603020101020101" pitchFamily="50" charset="-127"/>
+              </a:rPr>
+              <a:t>개</a:t>
+            </a:r>
+            <a:r>
+              <a:rPr lang="en-US" altLang="ko-KR" sz="1200" dirty="0" smtClean="0">
+                <a:ln>
+                  <a:solidFill>
+                    <a:schemeClr val="tx1">
+                      <a:alpha val="0"/>
+                    </a:schemeClr>
+                  </a:solidFill>
+                </a:ln>
+                <a:latin typeface="나눔바른고딕" panose="020B0603020101020101" pitchFamily="50" charset="-127"/>
+                <a:ea typeface="나눔바른고딕" panose="020B0603020101020101" pitchFamily="50" charset="-127"/>
+              </a:rPr>
+              <a:t>(</a:t>
+            </a:r>
+            <a:r>
+              <a:rPr lang="ko-KR" altLang="en-US" sz="1200" dirty="0" smtClean="0">
+                <a:ln>
+                  <a:solidFill>
+                    <a:schemeClr val="tx1">
+                      <a:alpha val="0"/>
+                    </a:schemeClr>
+                  </a:solidFill>
+                </a:ln>
+                <a:latin typeface="나눔바른고딕" panose="020B0603020101020101" pitchFamily="50" charset="-127"/>
+                <a:ea typeface="나눔바른고딕" panose="020B0603020101020101" pitchFamily="50" charset="-127"/>
+              </a:rPr>
+              <a:t>영재고</a:t>
+            </a:r>
+            <a:r>
+              <a:rPr lang="en-US" altLang="ko-KR" sz="1200" dirty="0" smtClean="0">
+                <a:ln>
+                  <a:solidFill>
+                    <a:schemeClr val="tx1">
+                      <a:alpha val="0"/>
+                    </a:schemeClr>
+                  </a:solidFill>
+                </a:ln>
+                <a:latin typeface="나눔바른고딕" panose="020B0603020101020101" pitchFamily="50" charset="-127"/>
+                <a:ea typeface="나눔바른고딕" panose="020B0603020101020101" pitchFamily="50" charset="-127"/>
+              </a:rPr>
+              <a:t>, KMO, </a:t>
+            </a:r>
+            <a:r>
+              <a:rPr lang="ko-KR" altLang="en-US" sz="1200" dirty="0" err="1" smtClean="0">
+                <a:ln>
+                  <a:solidFill>
+                    <a:schemeClr val="tx1">
+                      <a:alpha val="0"/>
+                    </a:schemeClr>
+                  </a:solidFill>
+                </a:ln>
+                <a:latin typeface="나눔바른고딕" panose="020B0603020101020101" pitchFamily="50" charset="-127"/>
+                <a:ea typeface="나눔바른고딕" panose="020B0603020101020101" pitchFamily="50" charset="-127"/>
+              </a:rPr>
+              <a:t>영재고입시</a:t>
+            </a:r>
+            <a:r>
+              <a:rPr lang="en-US" altLang="ko-KR" sz="1200" dirty="0" smtClean="0">
+                <a:ln>
+                  <a:solidFill>
+                    <a:schemeClr val="tx1">
+                      <a:alpha val="0"/>
+                    </a:schemeClr>
+                  </a:solidFill>
+                </a:ln>
+                <a:latin typeface="나눔바른고딕" panose="020B0603020101020101" pitchFamily="50" charset="-127"/>
+                <a:ea typeface="나눔바른고딕" panose="020B0603020101020101" pitchFamily="50" charset="-127"/>
+              </a:rPr>
+              <a:t>) </a:t>
+            </a:r>
+            <a:r>
+              <a:rPr lang="ko-KR" altLang="en-US" sz="1200" dirty="0" smtClean="0">
+                <a:ln>
+                  <a:solidFill>
+                    <a:schemeClr val="tx1">
+                      <a:alpha val="0"/>
+                    </a:schemeClr>
+                  </a:solidFill>
+                </a:ln>
+                <a:latin typeface="나눔바른고딕" panose="020B0603020101020101" pitchFamily="50" charset="-127"/>
+                <a:ea typeface="나눔바른고딕" panose="020B0603020101020101" pitchFamily="50" charset="-127"/>
+              </a:rPr>
+              <a:t>경쟁 포화상태</a:t>
+            </a:r>
+            <a:endParaRPr lang="en-US" altLang="ko-KR" sz="1200" dirty="0" smtClean="0">
+              <a:ln>
+                <a:solidFill>
+                  <a:schemeClr val="tx1">
+                    <a:alpha val="0"/>
+                  </a:schemeClr>
+                </a:solidFill>
+              </a:ln>
+              <a:latin typeface="나눔바른고딕" panose="020B0603020101020101" pitchFamily="50" charset="-127"/>
+              <a:ea typeface="나눔바른고딕" panose="020B0603020101020101" pitchFamily="50" charset="-127"/>
+            </a:endParaRPr>
+          </a:p>
+          <a:p>
+            <a:endParaRPr lang="en-US" altLang="ko-KR" sz="1200" dirty="0" smtClean="0">
+              <a:ln>
+                <a:solidFill>
+                  <a:schemeClr val="tx1">
+                    <a:alpha val="0"/>
+                  </a:schemeClr>
+                </a:solidFill>
+              </a:ln>
+              <a:latin typeface="나눔바른고딕" panose="020B0603020101020101" pitchFamily="50" charset="-127"/>
+              <a:ea typeface="나눔바른고딕" panose="020B0603020101020101" pitchFamily="50" charset="-127"/>
+            </a:endParaRPr>
+          </a:p>
+          <a:p>
+            <a:r>
+              <a:rPr lang="ko-KR" altLang="en-US" sz="1200" dirty="0" smtClean="0">
+                <a:ln>
+                  <a:solidFill>
+                    <a:schemeClr val="tx1">
+                      <a:alpha val="0"/>
+                    </a:schemeClr>
+                  </a:solidFill>
+                </a:ln>
+                <a:latin typeface="나눔바른고딕" panose="020B0603020101020101" pitchFamily="50" charset="-127"/>
+                <a:ea typeface="나눔바른고딕" panose="020B0603020101020101" pitchFamily="50" charset="-127"/>
+              </a:rPr>
+              <a:t>블로그체험단 활용</a:t>
+            </a:r>
+            <a:endParaRPr lang="en-US" altLang="ko-KR" sz="1200" dirty="0" smtClean="0">
+              <a:ln>
+                <a:solidFill>
+                  <a:schemeClr val="tx1">
+                    <a:alpha val="0"/>
+                  </a:schemeClr>
+                </a:solidFill>
+              </a:ln>
+              <a:latin typeface="나눔바른고딕" panose="020B0603020101020101" pitchFamily="50" charset="-127"/>
+              <a:ea typeface="나눔바른고딕" panose="020B0603020101020101" pitchFamily="50" charset="-127"/>
+            </a:endParaRPr>
+          </a:p>
+          <a:p>
+            <a:r>
+              <a:rPr lang="ko-KR" altLang="en-US" sz="1200" dirty="0" smtClean="0">
+                <a:ln>
+                  <a:solidFill>
+                    <a:schemeClr val="tx1">
+                      <a:alpha val="0"/>
+                    </a:schemeClr>
+                  </a:solidFill>
+                </a:ln>
+                <a:latin typeface="나눔바른고딕" panose="020B0603020101020101" pitchFamily="50" charset="-127"/>
+                <a:ea typeface="나눔바른고딕" panose="020B0603020101020101" pitchFamily="50" charset="-127"/>
+              </a:rPr>
+              <a:t>비용 </a:t>
+            </a:r>
+            <a:r>
+              <a:rPr lang="en-US" altLang="ko-KR" sz="1200" dirty="0" smtClean="0">
+                <a:ln>
+                  <a:solidFill>
+                    <a:schemeClr val="tx1">
+                      <a:alpha val="0"/>
+                    </a:schemeClr>
+                  </a:solidFill>
+                </a:ln>
+                <a:latin typeface="나눔바른고딕" panose="020B0603020101020101" pitchFamily="50" charset="-127"/>
+                <a:ea typeface="나눔바른고딕" panose="020B0603020101020101" pitchFamily="50" charset="-127"/>
+              </a:rPr>
+              <a:t>X </a:t>
+            </a:r>
+          </a:p>
+          <a:p>
+            <a:r>
+              <a:rPr lang="ko-KR" altLang="en-US" sz="1200" dirty="0" smtClean="0">
+                <a:ln>
+                  <a:solidFill>
+                    <a:schemeClr val="tx1">
+                      <a:alpha val="0"/>
+                    </a:schemeClr>
+                  </a:solidFill>
+                </a:ln>
+                <a:latin typeface="나눔바른고딕" panose="020B0603020101020101" pitchFamily="50" charset="-127"/>
+                <a:ea typeface="나눔바른고딕" panose="020B0603020101020101" pitchFamily="50" charset="-127"/>
+              </a:rPr>
+              <a:t>대략 한달 </a:t>
+            </a:r>
+            <a:r>
+              <a:rPr lang="ko-KR" altLang="en-US" sz="1200" dirty="0" err="1" smtClean="0">
+                <a:ln>
+                  <a:solidFill>
+                    <a:schemeClr val="tx1">
+                      <a:alpha val="0"/>
+                    </a:schemeClr>
+                  </a:solidFill>
+                </a:ln>
+                <a:latin typeface="나눔바른고딕" panose="020B0603020101020101" pitchFamily="50" charset="-127"/>
+                <a:ea typeface="나눔바른고딕" panose="020B0603020101020101" pitchFamily="50" charset="-127"/>
+              </a:rPr>
+              <a:t>체험권</a:t>
+            </a:r>
+            <a:r>
+              <a:rPr lang="ko-KR" altLang="en-US" sz="1200" dirty="0" smtClean="0">
+                <a:ln>
+                  <a:solidFill>
+                    <a:schemeClr val="tx1">
+                      <a:alpha val="0"/>
+                    </a:schemeClr>
+                  </a:solidFill>
+                </a:ln>
+                <a:latin typeface="나눔바른고딕" panose="020B0603020101020101" pitchFamily="50" charset="-127"/>
+                <a:ea typeface="나눔바른고딕" panose="020B0603020101020101" pitchFamily="50" charset="-127"/>
+              </a:rPr>
+              <a:t> 주는 형태</a:t>
+            </a:r>
+            <a:endParaRPr lang="en-US" altLang="ko-KR" sz="1200" dirty="0" smtClean="0">
+              <a:ln>
+                <a:solidFill>
+                  <a:schemeClr val="tx1">
+                    <a:alpha val="0"/>
+                  </a:schemeClr>
+                </a:solidFill>
+              </a:ln>
+              <a:latin typeface="나눔바른고딕" panose="020B0603020101020101" pitchFamily="50" charset="-127"/>
+              <a:ea typeface="나눔바른고딕" panose="020B0603020101020101" pitchFamily="50" charset="-127"/>
+            </a:endParaRPr>
+          </a:p>
+          <a:p>
+            <a:endParaRPr lang="en-US" altLang="ko-KR" sz="1200" dirty="0">
+              <a:ln>
+                <a:solidFill>
+                  <a:schemeClr val="tx1">
+                    <a:alpha val="0"/>
+                  </a:schemeClr>
+                </a:solidFill>
+              </a:ln>
+              <a:latin typeface="나눔바른고딕" panose="020B0603020101020101" pitchFamily="50" charset="-127"/>
+              <a:ea typeface="나눔바른고딕" panose="020B0603020101020101" pitchFamily="50" charset="-127"/>
+            </a:endParaRPr>
+          </a:p>
+          <a:p>
+            <a:r>
+              <a:rPr lang="ko-KR" altLang="en-US" sz="1200" dirty="0" smtClean="0">
+                <a:ln>
+                  <a:solidFill>
+                    <a:schemeClr val="tx1">
+                      <a:alpha val="0"/>
+                    </a:schemeClr>
+                  </a:solidFill>
+                </a:ln>
+                <a:latin typeface="나눔바른고딕" panose="020B0603020101020101" pitchFamily="50" charset="-127"/>
+                <a:ea typeface="나눔바른고딕" panose="020B0603020101020101" pitchFamily="50" charset="-127"/>
+              </a:rPr>
+              <a:t>실장님과 논의 예정</a:t>
+            </a:r>
+            <a:endParaRPr lang="en-US" altLang="ko-KR" sz="1200" dirty="0" smtClean="0">
+              <a:ln>
+                <a:solidFill>
+                  <a:schemeClr val="tx1">
+                    <a:alpha val="0"/>
+                  </a:schemeClr>
+                </a:solidFill>
+              </a:ln>
+              <a:latin typeface="나눔바른고딕" panose="020B0603020101020101" pitchFamily="50" charset="-127"/>
+              <a:ea typeface="나눔바른고딕" panose="020B0603020101020101" pitchFamily="50" charset="-127"/>
+            </a:endParaRPr>
+          </a:p>
+          <a:p>
+            <a:endParaRPr lang="en-US" altLang="ko-KR" sz="1200" dirty="0">
+              <a:ln>
+                <a:solidFill>
+                  <a:schemeClr val="tx1">
+                    <a:alpha val="0"/>
+                  </a:schemeClr>
+                </a:solidFill>
+              </a:ln>
+              <a:latin typeface="나눔바른고딕" panose="020B0603020101020101" pitchFamily="50" charset="-127"/>
+              <a:ea typeface="나눔바른고딕" panose="020B0603020101020101" pitchFamily="50" charset="-127"/>
+            </a:endParaRPr>
+          </a:p>
+          <a:p>
+            <a:r>
+              <a:rPr lang="ko-KR" altLang="en-US" sz="1200" dirty="0" smtClean="0">
+                <a:ln>
+                  <a:solidFill>
+                    <a:schemeClr val="tx1">
+                      <a:alpha val="0"/>
+                    </a:schemeClr>
+                  </a:solidFill>
+                </a:ln>
+                <a:latin typeface="나눔바른고딕" panose="020B0603020101020101" pitchFamily="50" charset="-127"/>
+                <a:ea typeface="나눔바른고딕" panose="020B0603020101020101" pitchFamily="50" charset="-127"/>
+              </a:rPr>
+              <a:t>실장님과 </a:t>
+            </a:r>
+            <a:r>
+              <a:rPr lang="ko-KR" altLang="en-US" sz="1200" dirty="0" err="1" smtClean="0">
+                <a:ln>
+                  <a:solidFill>
+                    <a:schemeClr val="tx1">
+                      <a:alpha val="0"/>
+                    </a:schemeClr>
+                  </a:solidFill>
+                </a:ln>
+                <a:latin typeface="나눔바른고딕" panose="020B0603020101020101" pitchFamily="50" charset="-127"/>
+                <a:ea typeface="나눔바른고딕" panose="020B0603020101020101" pitchFamily="50" charset="-127"/>
+              </a:rPr>
+              <a:t>논의사항</a:t>
+            </a:r>
+            <a:endParaRPr lang="en-US" altLang="ko-KR" sz="1200" dirty="0" smtClean="0">
+              <a:ln>
+                <a:solidFill>
+                  <a:schemeClr val="tx1">
+                    <a:alpha val="0"/>
+                  </a:schemeClr>
+                </a:solidFill>
+              </a:ln>
+              <a:latin typeface="나눔바른고딕" panose="020B0603020101020101" pitchFamily="50" charset="-127"/>
+              <a:ea typeface="나눔바른고딕" panose="020B0603020101020101" pitchFamily="50" charset="-127"/>
+            </a:endParaRPr>
+          </a:p>
+          <a:p>
+            <a:pPr marL="171450" indent="-171450">
+              <a:buFontTx/>
+              <a:buChar char="-"/>
+            </a:pPr>
+            <a:r>
+              <a:rPr lang="ko-KR" altLang="en-US" sz="1200" dirty="0" smtClean="0">
+                <a:ln>
+                  <a:solidFill>
+                    <a:schemeClr val="tx1">
+                      <a:alpha val="0"/>
+                    </a:schemeClr>
+                  </a:solidFill>
+                </a:ln>
+                <a:latin typeface="나눔바른고딕" panose="020B0603020101020101" pitchFamily="50" charset="-127"/>
+                <a:ea typeface="나눔바른고딕" panose="020B0603020101020101" pitchFamily="50" charset="-127"/>
+              </a:rPr>
+              <a:t>블로그 </a:t>
+            </a:r>
+            <a:r>
+              <a:rPr lang="ko-KR" altLang="en-US" sz="1200" dirty="0" err="1" smtClean="0">
+                <a:ln>
+                  <a:solidFill>
+                    <a:schemeClr val="tx1">
+                      <a:alpha val="0"/>
+                    </a:schemeClr>
+                  </a:solidFill>
+                </a:ln>
+                <a:latin typeface="나눔바른고딕" panose="020B0603020101020101" pitchFamily="50" charset="-127"/>
+                <a:ea typeface="나눔바른고딕" panose="020B0603020101020101" pitchFamily="50" charset="-127"/>
+              </a:rPr>
+              <a:t>체험단</a:t>
+            </a:r>
+            <a:endParaRPr lang="en-US" altLang="ko-KR" sz="1200" dirty="0" smtClean="0">
+              <a:ln>
+                <a:solidFill>
+                  <a:schemeClr val="tx1">
+                    <a:alpha val="0"/>
+                  </a:schemeClr>
+                </a:solidFill>
+              </a:ln>
+              <a:latin typeface="나눔바른고딕" panose="020B0603020101020101" pitchFamily="50" charset="-127"/>
+              <a:ea typeface="나눔바른고딕" panose="020B0603020101020101" pitchFamily="50" charset="-127"/>
+            </a:endParaRPr>
+          </a:p>
+          <a:p>
+            <a:pPr marL="171450" indent="-171450">
+              <a:buFontTx/>
+              <a:buChar char="-"/>
+            </a:pPr>
+            <a:r>
+              <a:rPr lang="ko-KR" altLang="en-US" sz="1200" dirty="0" err="1" smtClean="0">
+                <a:ln>
+                  <a:solidFill>
+                    <a:schemeClr val="tx1">
+                      <a:alpha val="0"/>
+                    </a:schemeClr>
+                  </a:solidFill>
+                </a:ln>
+                <a:latin typeface="나눔바른고딕" panose="020B0603020101020101" pitchFamily="50" charset="-127"/>
+                <a:ea typeface="나눔바른고딕" panose="020B0603020101020101" pitchFamily="50" charset="-127"/>
+              </a:rPr>
+              <a:t>체험권</a:t>
+            </a:r>
+            <a:r>
+              <a:rPr lang="ko-KR" altLang="en-US" sz="1200" dirty="0" smtClean="0">
+                <a:ln>
+                  <a:solidFill>
+                    <a:schemeClr val="tx1">
+                      <a:alpha val="0"/>
+                    </a:schemeClr>
+                  </a:solidFill>
+                </a:ln>
+                <a:latin typeface="나눔바른고딕" panose="020B0603020101020101" pitchFamily="50" charset="-127"/>
+                <a:ea typeface="나눔바른고딕" panose="020B0603020101020101" pitchFamily="50" charset="-127"/>
+              </a:rPr>
+              <a:t> 신청하고 실제 사용을 시작하는 비율</a:t>
+            </a:r>
+            <a:r>
+              <a:rPr lang="en-US" altLang="ko-KR" sz="1200" dirty="0" smtClean="0">
+                <a:ln>
+                  <a:solidFill>
+                    <a:schemeClr val="tx1">
+                      <a:alpha val="0"/>
+                    </a:schemeClr>
+                  </a:solidFill>
+                </a:ln>
+                <a:latin typeface="나눔바른고딕" panose="020B0603020101020101" pitchFamily="50" charset="-127"/>
+                <a:ea typeface="나눔바른고딕" panose="020B0603020101020101" pitchFamily="50" charset="-127"/>
+              </a:rPr>
+              <a:t>????</a:t>
+            </a:r>
+          </a:p>
+          <a:p>
+            <a:pPr marL="171450" indent="-171450">
+              <a:buFontTx/>
+              <a:buChar char="-"/>
+            </a:pPr>
+            <a:r>
+              <a:rPr lang="ko-KR" altLang="en-US" sz="1200" dirty="0" err="1" smtClean="0">
+                <a:ln>
+                  <a:solidFill>
+                    <a:schemeClr val="tx1">
+                      <a:alpha val="0"/>
+                    </a:schemeClr>
+                  </a:solidFill>
+                </a:ln>
+                <a:latin typeface="나눔바른고딕" panose="020B0603020101020101" pitchFamily="50" charset="-127"/>
+                <a:ea typeface="나눔바른고딕" panose="020B0603020101020101" pitchFamily="50" charset="-127"/>
+              </a:rPr>
+              <a:t>열흘동안</a:t>
+            </a:r>
+            <a:r>
+              <a:rPr lang="ko-KR" altLang="en-US" sz="1200" dirty="0" smtClean="0">
+                <a:ln>
+                  <a:solidFill>
+                    <a:schemeClr val="tx1">
+                      <a:alpha val="0"/>
+                    </a:schemeClr>
+                  </a:solidFill>
+                </a:ln>
+                <a:latin typeface="나눔바른고딕" panose="020B0603020101020101" pitchFamily="50" charset="-127"/>
+                <a:ea typeface="나눔바른고딕" panose="020B0603020101020101" pitchFamily="50" charset="-127"/>
+              </a:rPr>
+              <a:t> </a:t>
+            </a:r>
+            <a:r>
+              <a:rPr lang="en-US" altLang="ko-KR" sz="1200" dirty="0" smtClean="0">
+                <a:ln>
+                  <a:solidFill>
+                    <a:schemeClr val="tx1">
+                      <a:alpha val="0"/>
+                    </a:schemeClr>
+                  </a:solidFill>
+                </a:ln>
+                <a:latin typeface="나눔바른고딕" panose="020B0603020101020101" pitchFamily="50" charset="-127"/>
+                <a:ea typeface="나눔바른고딕" panose="020B0603020101020101" pitchFamily="50" charset="-127"/>
+              </a:rPr>
+              <a:t>15</a:t>
+            </a:r>
+            <a:r>
+              <a:rPr lang="ko-KR" altLang="en-US" sz="1200" dirty="0" smtClean="0">
+                <a:ln>
+                  <a:solidFill>
+                    <a:schemeClr val="tx1">
+                      <a:alpha val="0"/>
+                    </a:schemeClr>
+                  </a:solidFill>
+                </a:ln>
+                <a:latin typeface="나눔바른고딕" panose="020B0603020101020101" pitchFamily="50" charset="-127"/>
+                <a:ea typeface="나눔바른고딕" panose="020B0603020101020101" pitchFamily="50" charset="-127"/>
+              </a:rPr>
+              <a:t>명이 실제 </a:t>
+            </a:r>
+            <a:r>
+              <a:rPr lang="ko-KR" altLang="en-US" sz="1200" dirty="0" err="1" smtClean="0">
+                <a:ln>
+                  <a:solidFill>
+                    <a:schemeClr val="tx1">
+                      <a:alpha val="0"/>
+                    </a:schemeClr>
+                  </a:solidFill>
+                </a:ln>
+                <a:latin typeface="나눔바른고딕" panose="020B0603020101020101" pitchFamily="50" charset="-127"/>
+                <a:ea typeface="나눔바른고딕" panose="020B0603020101020101" pitchFamily="50" charset="-127"/>
+              </a:rPr>
+              <a:t>체험쿠폰을</a:t>
+            </a:r>
+            <a:r>
+              <a:rPr lang="ko-KR" altLang="en-US" sz="1200" dirty="0" smtClean="0">
+                <a:ln>
+                  <a:solidFill>
+                    <a:schemeClr val="tx1">
+                      <a:alpha val="0"/>
+                    </a:schemeClr>
+                  </a:solidFill>
+                </a:ln>
+                <a:latin typeface="나눔바른고딕" panose="020B0603020101020101" pitchFamily="50" charset="-127"/>
+                <a:ea typeface="나눔바른고딕" panose="020B0603020101020101" pitchFamily="50" charset="-127"/>
+              </a:rPr>
+              <a:t> </a:t>
+            </a:r>
+            <a:r>
+              <a:rPr lang="en-US" altLang="ko-KR" sz="1200" dirty="0" smtClean="0">
+                <a:ln>
+                  <a:solidFill>
+                    <a:schemeClr val="tx1">
+                      <a:alpha val="0"/>
+                    </a:schemeClr>
+                  </a:solidFill>
+                </a:ln>
+                <a:latin typeface="나눔바른고딕" panose="020B0603020101020101" pitchFamily="50" charset="-127"/>
+                <a:ea typeface="나눔바른고딕" panose="020B0603020101020101" pitchFamily="50" charset="-127"/>
+              </a:rPr>
+              <a:t>‘</a:t>
+            </a:r>
+            <a:r>
+              <a:rPr lang="ko-KR" altLang="en-US" sz="1200" dirty="0" smtClean="0">
+                <a:ln>
+                  <a:solidFill>
+                    <a:schemeClr val="tx1">
+                      <a:alpha val="0"/>
+                    </a:schemeClr>
+                  </a:solidFill>
+                </a:ln>
+                <a:latin typeface="나눔바른고딕" panose="020B0603020101020101" pitchFamily="50" charset="-127"/>
+                <a:ea typeface="나눔바른고딕" panose="020B0603020101020101" pitchFamily="50" charset="-127"/>
+              </a:rPr>
+              <a:t>사용</a:t>
+            </a:r>
+            <a:r>
+              <a:rPr lang="en-US" altLang="ko-KR" sz="1200" dirty="0" smtClean="0">
+                <a:ln>
+                  <a:solidFill>
+                    <a:schemeClr val="tx1">
+                      <a:alpha val="0"/>
+                    </a:schemeClr>
+                  </a:solidFill>
+                </a:ln>
+                <a:latin typeface="나눔바른고딕" panose="020B0603020101020101" pitchFamily="50" charset="-127"/>
+                <a:ea typeface="나눔바른고딕" panose="020B0603020101020101" pitchFamily="50" charset="-127"/>
+              </a:rPr>
+              <a:t>’</a:t>
+            </a:r>
+            <a:r>
+              <a:rPr lang="ko-KR" altLang="en-US" sz="1200" dirty="0" smtClean="0">
+                <a:ln>
+                  <a:solidFill>
+                    <a:schemeClr val="tx1">
+                      <a:alpha val="0"/>
+                    </a:schemeClr>
+                  </a:solidFill>
+                </a:ln>
+                <a:latin typeface="나눔바른고딕" panose="020B0603020101020101" pitchFamily="50" charset="-127"/>
+                <a:ea typeface="나눔바른고딕" panose="020B0603020101020101" pitchFamily="50" charset="-127"/>
+              </a:rPr>
+              <a:t>했으면 문제 아녀</a:t>
+            </a:r>
+            <a:r>
+              <a:rPr lang="en-US" altLang="ko-KR" sz="1200" dirty="0" smtClean="0">
+                <a:ln>
+                  <a:solidFill>
+                    <a:schemeClr val="tx1">
+                      <a:alpha val="0"/>
+                    </a:schemeClr>
+                  </a:solidFill>
+                </a:ln>
+                <a:latin typeface="나눔바른고딕" panose="020B0603020101020101" pitchFamily="50" charset="-127"/>
+                <a:ea typeface="나눔바른고딕" panose="020B0603020101020101" pitchFamily="50" charset="-127"/>
+              </a:rPr>
+              <a:t>???</a:t>
+            </a:r>
+            <a:endParaRPr lang="ko-KR" altLang="en-US" sz="1200" dirty="0"/>
+          </a:p>
+        </p:txBody>
+      </p:sp>
+    </p:spTree>
+    <p:extLst>
+      <p:ext uri="{BB962C8B-B14F-4D97-AF65-F5344CB8AC3E}">
+        <p14:creationId xmlns:p14="http://schemas.microsoft.com/office/powerpoint/2010/main" val="1762383863"/>
+      </p:ext>
+    </p:extLst>
+  </p:cSld>
+  <p:clrMapOvr>
+    <a:masterClrMapping/>
+  </p:clrMapOvr>
+</p:sld>
+</file>
+
+<file path=ppt/slides/slide8.xml><?xml version="1.0" encoding="utf-8"?>
+<p:sld xmlns:a="http://schemas.openxmlformats.org/drawingml/2006/main" xmlns:r="http://schemas.openxmlformats.org/officeDocument/2006/relationships" xmlns:p="http://schemas.openxmlformats.org/presentationml/2006/main">
+  <p:cSld>
+    <p:spTree>
+      <p:nvGrpSpPr>
+        <p:cNvPr id="1" name=""/>
+        <p:cNvGrpSpPr/>
+        <p:nvPr/>
+      </p:nvGrpSpPr>
+      <p:grpSpPr>
+        <a:xfrm>
+          <a:off x="0" y="0"/>
+          <a:ext cx="0" cy="0"/>
+          <a:chOff x="0" y="0"/>
+          <a:chExt cx="0" cy="0"/>
+        </a:xfrm>
+      </p:grpSpPr>
+      <p:sp>
+        <p:nvSpPr>
+          <p:cNvPr id="2" name="직사각형 1"/>
+          <p:cNvSpPr/>
+          <p:nvPr/>
+        </p:nvSpPr>
+        <p:spPr>
+          <a:xfrm>
+            <a:off x="136868" y="98606"/>
+            <a:ext cx="4572000" cy="253916"/>
+          </a:xfrm>
+          <a:prstGeom prst="rect">
+            <a:avLst/>
+          </a:prstGeom>
+        </p:spPr>
+        <p:txBody>
+          <a:bodyPr>
+            <a:spAutoFit/>
+          </a:bodyPr>
+          <a:lstStyle/>
+          <a:p>
+            <a:r>
+              <a:rPr lang="en-US" altLang="ko-KR" sz="1050" b="1" dirty="0">
+                <a:ln>
+                  <a:solidFill>
+                    <a:schemeClr val="tx1">
+                      <a:alpha val="0"/>
+                    </a:schemeClr>
+                  </a:solidFill>
+                </a:ln>
+                <a:latin typeface="나눔바른고딕" panose="020B0603020101020101" pitchFamily="50" charset="-127"/>
+                <a:ea typeface="나눔바른고딕" panose="020B0603020101020101" pitchFamily="50" charset="-127"/>
+              </a:rPr>
+              <a:t>01.15-01.21 </a:t>
             </a:r>
             <a:r>
               <a:rPr lang="ko-KR" altLang="en-US" sz="1050" b="1" dirty="0" smtClean="0">
@@ -7742,289 +11803,6 @@
 </p:sld>
 </file>
 
-<file path=ppt/slides/slide8.xml><?xml version="1.0" encoding="utf-8"?>
-<p:sld xmlns:a="http://schemas.openxmlformats.org/drawingml/2006/main" xmlns:r="http://schemas.openxmlformats.org/officeDocument/2006/relationships" xmlns:p="http://schemas.openxmlformats.org/presentationml/2006/main">
-  <p:cSld>
-    <p:spTree>
-      <p:nvGrpSpPr>
-        <p:cNvPr id="1" name=""/>
-        <p:cNvGrpSpPr/>
-        <p:nvPr/>
-      </p:nvGrpSpPr>
-      <p:grpSpPr>
-        <a:xfrm>
-          <a:off x="0" y="0"/>
-          <a:ext cx="0" cy="0"/>
-          <a:chOff x="0" y="0"/>
-          <a:chExt cx="0" cy="0"/>
-        </a:xfrm>
-      </p:grpSpPr>
-      <p:sp>
-        <p:nvSpPr>
-          <p:cNvPr id="2" name="직사각형 1"/>
-          <p:cNvSpPr/>
-          <p:nvPr/>
-        </p:nvSpPr>
-        <p:spPr>
-          <a:xfrm>
-            <a:off x="136868" y="98606"/>
-            <a:ext cx="4572000" cy="253916"/>
-          </a:xfrm>
-          <a:prstGeom prst="rect">
-            <a:avLst/>
-          </a:prstGeom>
-        </p:spPr>
-        <p:txBody>
-          <a:bodyPr>
-            <a:spAutoFit/>
-          </a:bodyPr>
-          <a:lstStyle/>
-          <a:p>
-            <a:r>
-              <a:rPr lang="en-US" altLang="ko-KR" sz="1050" b="1" dirty="0" smtClean="0">
-                <a:ln>
-                  <a:solidFill>
-                    <a:schemeClr val="tx1">
-                      <a:alpha val="0"/>
-                    </a:schemeClr>
-                  </a:solidFill>
-                </a:ln>
-                <a:latin typeface="나눔바른고딕" panose="020B0603020101020101" pitchFamily="50" charset="-127"/>
-                <a:ea typeface="나눔바른고딕" panose="020B0603020101020101" pitchFamily="50" charset="-127"/>
-              </a:rPr>
-              <a:t>01.08-01.14 </a:t>
-            </a:r>
-            <a:r>
-              <a:rPr lang="ko-KR" altLang="en-US" sz="1050" b="1" dirty="0" smtClean="0">
-                <a:ln>
-                  <a:solidFill>
-                    <a:schemeClr val="tx1">
-                      <a:alpha val="0"/>
-                    </a:schemeClr>
-                  </a:solidFill>
-                </a:ln>
-                <a:latin typeface="나눔바른고딕" panose="020B0603020101020101" pitchFamily="50" charset="-127"/>
-                <a:ea typeface="나눔바른고딕" panose="020B0603020101020101" pitchFamily="50" charset="-127"/>
-              </a:rPr>
-              <a:t>이벤트 배너 유입 </a:t>
-            </a:r>
-            <a:r>
-              <a:rPr lang="en-US" altLang="ko-KR" sz="1050" b="1" dirty="0" err="1" smtClean="0">
-                <a:ln>
-                  <a:solidFill>
-                    <a:schemeClr val="tx1">
-                      <a:alpha val="0"/>
-                    </a:schemeClr>
-                  </a:solidFill>
-                </a:ln>
-                <a:latin typeface="나눔바른고딕" panose="020B0603020101020101" pitchFamily="50" charset="-127"/>
-                <a:ea typeface="나눔바른고딕" panose="020B0603020101020101" pitchFamily="50" charset="-127"/>
-              </a:rPr>
-              <a:t>Hotjar</a:t>
-            </a:r>
-            <a:endParaRPr lang="ko-KR" altLang="en-US" sz="1050" b="1" dirty="0">
-              <a:ln>
-                <a:solidFill>
-                  <a:schemeClr val="tx1">
-                    <a:alpha val="0"/>
-                  </a:schemeClr>
-                </a:solidFill>
-              </a:ln>
-              <a:latin typeface="나눔바른고딕" panose="020B0603020101020101" pitchFamily="50" charset="-127"/>
-              <a:ea typeface="나눔바른고딕" panose="020B0603020101020101" pitchFamily="50" charset="-127"/>
-            </a:endParaRPr>
-          </a:p>
-        </p:txBody>
-      </p:sp>
-      <p:cxnSp>
-        <p:nvCxnSpPr>
-          <p:cNvPr id="3" name="직선 연결선 2"/>
-          <p:cNvCxnSpPr/>
-          <p:nvPr/>
-        </p:nvCxnSpPr>
-        <p:spPr>
-          <a:xfrm>
-            <a:off x="136868" y="401870"/>
-            <a:ext cx="8867351" cy="0"/>
-          </a:xfrm>
-          <a:prstGeom prst="line">
-            <a:avLst/>
-          </a:prstGeom>
-          <a:ln>
-            <a:solidFill>
-              <a:schemeClr val="tx1"/>
-            </a:solidFill>
-          </a:ln>
-        </p:spPr>
-        <p:style>
-          <a:lnRef idx="1">
-            <a:schemeClr val="accent1"/>
-          </a:lnRef>
-          <a:fillRef idx="0">
-            <a:schemeClr val="accent1"/>
-          </a:fillRef>
-          <a:effectRef idx="0">
-            <a:schemeClr val="accent1"/>
-          </a:effectRef>
-          <a:fontRef idx="minor">
-            <a:schemeClr val="tx1"/>
-          </a:fontRef>
-        </p:style>
-      </p:cxnSp>
-      <p:pic>
-        <p:nvPicPr>
-          <p:cNvPr id="4" name="그림 3"/>
-          <p:cNvPicPr>
-            <a:picLocks noChangeAspect="1"/>
-          </p:cNvPicPr>
-          <p:nvPr/>
-        </p:nvPicPr>
-        <p:blipFill>
-          <a:blip r:embed="rId2"/>
-          <a:stretch>
-            <a:fillRect/>
-          </a:stretch>
-        </p:blipFill>
-        <p:spPr>
-          <a:xfrm>
-            <a:off x="630295" y="648392"/>
-            <a:ext cx="7262335" cy="3519747"/>
-          </a:xfrm>
-          <a:prstGeom prst="rect">
-            <a:avLst/>
-          </a:prstGeom>
-        </p:spPr>
-      </p:pic>
-      <p:sp>
-        <p:nvSpPr>
-          <p:cNvPr id="5" name="직사각형 4"/>
-          <p:cNvSpPr/>
-          <p:nvPr/>
-        </p:nvSpPr>
-        <p:spPr>
-          <a:xfrm>
-            <a:off x="4787900" y="5930167"/>
-            <a:ext cx="4077145" cy="461665"/>
-          </a:xfrm>
-          <a:prstGeom prst="rect">
-            <a:avLst/>
-          </a:prstGeom>
-          <a:solidFill>
-            <a:schemeClr val="accent4">
-              <a:lumMod val="20000"/>
-              <a:lumOff val="80000"/>
-            </a:schemeClr>
-          </a:solidFill>
-          <a:ln w="25400">
-            <a:solidFill>
-              <a:srgbClr val="C00000"/>
-            </a:solidFill>
-          </a:ln>
-        </p:spPr>
-        <p:txBody>
-          <a:bodyPr wrap="square">
-            <a:spAutoFit/>
-          </a:bodyPr>
-          <a:lstStyle/>
-          <a:p>
-            <a:pPr algn="r"/>
-            <a:r>
-              <a:rPr lang="en-US" altLang="ko-KR" sz="1200" dirty="0" err="1" smtClean="0">
-                <a:ln>
-                  <a:solidFill>
-                    <a:schemeClr val="tx1">
-                      <a:alpha val="0"/>
-                    </a:schemeClr>
-                  </a:solidFill>
-                </a:ln>
-                <a:latin typeface="나눔바른고딕" panose="020B0603020101020101" pitchFamily="50" charset="-127"/>
-                <a:ea typeface="나눔바른고딕" panose="020B0603020101020101" pitchFamily="50" charset="-127"/>
-              </a:rPr>
-              <a:t>Hotjar</a:t>
-            </a:r>
-            <a:r>
-              <a:rPr lang="en-US" altLang="ko-KR" sz="1200" dirty="0" smtClean="0">
-                <a:ln>
-                  <a:solidFill>
-                    <a:schemeClr val="tx1">
-                      <a:alpha val="0"/>
-                    </a:schemeClr>
-                  </a:solidFill>
-                </a:ln>
-                <a:latin typeface="나눔바른고딕" panose="020B0603020101020101" pitchFamily="50" charset="-127"/>
-                <a:ea typeface="나눔바른고딕" panose="020B0603020101020101" pitchFamily="50" charset="-127"/>
-              </a:rPr>
-              <a:t> </a:t>
-            </a:r>
-            <a:r>
-              <a:rPr lang="ko-KR" altLang="en-US" sz="1200" dirty="0" smtClean="0">
-                <a:ln>
-                  <a:solidFill>
-                    <a:schemeClr val="tx1">
-                      <a:alpha val="0"/>
-                    </a:schemeClr>
-                  </a:solidFill>
-                </a:ln>
-                <a:latin typeface="나눔바른고딕" panose="020B0603020101020101" pitchFamily="50" charset="-127"/>
-                <a:ea typeface="나눔바른고딕" panose="020B0603020101020101" pitchFamily="50" charset="-127"/>
-              </a:rPr>
-              <a:t>내 이미지가 반영이 안되는 문제</a:t>
-            </a:r>
-            <a:endParaRPr lang="en-US" altLang="ko-KR" sz="1200" dirty="0" smtClean="0">
-              <a:ln>
-                <a:solidFill>
-                  <a:schemeClr val="tx1">
-                    <a:alpha val="0"/>
-                  </a:schemeClr>
-                </a:solidFill>
-              </a:ln>
-              <a:latin typeface="나눔바른고딕" panose="020B0603020101020101" pitchFamily="50" charset="-127"/>
-              <a:ea typeface="나눔바른고딕" panose="020B0603020101020101" pitchFamily="50" charset="-127"/>
-            </a:endParaRPr>
-          </a:p>
-          <a:p>
-            <a:pPr algn="r"/>
-            <a:r>
-              <a:rPr lang="ko-KR" altLang="en-US" sz="1200" dirty="0" smtClean="0">
-                <a:ln>
-                  <a:solidFill>
-                    <a:schemeClr val="tx1">
-                      <a:alpha val="0"/>
-                    </a:schemeClr>
-                  </a:solidFill>
-                </a:ln>
-                <a:latin typeface="나눔바른고딕" panose="020B0603020101020101" pitchFamily="50" charset="-127"/>
-                <a:ea typeface="나눔바른고딕" panose="020B0603020101020101" pitchFamily="50" charset="-127"/>
-              </a:rPr>
-              <a:t>해결 진행 중</a:t>
-            </a:r>
-            <a:endParaRPr lang="en-US" altLang="ko-KR" sz="1200" dirty="0">
-              <a:ln>
-                <a:solidFill>
-                  <a:schemeClr val="tx1">
-                    <a:alpha val="0"/>
-                  </a:schemeClr>
-                </a:solidFill>
-              </a:ln>
-              <a:latin typeface="나눔바른고딕" panose="020B0603020101020101" pitchFamily="50" charset="-127"/>
-              <a:ea typeface="나눔바른고딕" panose="020B0603020101020101" pitchFamily="50" charset="-127"/>
-            </a:endParaRPr>
-          </a:p>
-        </p:txBody>
-      </p:sp>
-    </p:spTree>
-    <p:extLst>
-      <p:ext uri="{BB962C8B-B14F-4D97-AF65-F5344CB8AC3E}">
-        <p14:creationId xmlns:p14="http://schemas.microsoft.com/office/powerpoint/2010/main" val="868921642"/>
-      </p:ext>
-    </p:extLst>
-  </p:cSld>
-  <p:clrMapOvr>
-    <a:masterClrMapping/>
-  </p:clrMapOvr>
-</p:sld>
-</file>
-
 <file path=ppt/slides/slide9.xml><?xml version="1.0" encoding="utf-8"?>
 <p:sld xmlns:a="http://schemas.openxmlformats.org/drawingml/2006/main" xmlns:r="http://schemas.openxmlformats.org/officeDocument/2006/relationships" xmlns:p="http://schemas.openxmlformats.org/presentationml/2006/main">
   <p:cSld>
@@ -8064,18 +11842,18 @@
           <a:lstStyle/>
           <a:p>
             <a:r>
-              <a:rPr lang="ko-KR" altLang="en-US" sz="1050" b="1" dirty="0" err="1" smtClean="0">
-                <a:ln>
-                  <a:solidFill>
-                    <a:schemeClr val="tx1">
-                      <a:alpha val="0"/>
-                    </a:schemeClr>
-                  </a:solidFill>
-                </a:ln>
-                <a:latin typeface="나눔바른고딕" panose="020B0603020101020101" pitchFamily="50" charset="-127"/>
-                <a:ea typeface="나눔바른고딕" panose="020B0603020101020101" pitchFamily="50" charset="-127"/>
-              </a:rPr>
-              <a:t>채널톡</a:t>
+              <a:rPr lang="en-US" altLang="ko-KR" sz="1050" b="1" dirty="0">
+                <a:ln>
+                  <a:solidFill>
+                    <a:schemeClr val="tx1">
+                      <a:alpha val="0"/>
+                    </a:schemeClr>
+                  </a:solidFill>
+                </a:ln>
+                <a:latin typeface="나눔바른고딕" panose="020B0603020101020101" pitchFamily="50" charset="-127"/>
+                <a:ea typeface="나눔바른고딕" panose="020B0603020101020101" pitchFamily="50" charset="-127"/>
+              </a:rPr>
+              <a:t>01.15-01.21 </a:t>
             </a:r>
             <a:r>
               <a:rPr lang="ko-KR" altLang="en-US" sz="1050" b="1" dirty="0" smtClean="0">
@@ -8089,35 +11867,21 @@
                 <a:latin typeface="나눔바른고딕" panose="020B0603020101020101" pitchFamily="50" charset="-127"/>
                 <a:ea typeface="나눔바른고딕" panose="020B0603020101020101" pitchFamily="50" charset="-127"/>
               </a:rPr>
-              <a:t> 마케팅 </a:t>
-            </a:r>
-            <a:r>
-              <a:rPr lang="en-US" altLang="ko-KR" sz="1050" b="1" dirty="0" smtClean="0">
-                <a:ln>
-                  <a:solidFill>
-                    <a:schemeClr val="tx1">
-                      <a:alpha val="0"/>
-                    </a:schemeClr>
-                  </a:solidFill>
-                </a:ln>
-                <a:latin typeface="나눔바른고딕" panose="020B0603020101020101" pitchFamily="50" charset="-127"/>
-                <a:ea typeface="나눔바른고딕" panose="020B0603020101020101" pitchFamily="50" charset="-127"/>
-              </a:rPr>
-              <a:t>: </a:t>
-            </a:r>
-            <a:r>
-              <a:rPr lang="ko-KR" altLang="en-US" sz="1050" b="1" dirty="0" err="1" smtClean="0">
-                <a:ln>
-                  <a:solidFill>
-                    <a:schemeClr val="tx1">
-                      <a:alpha val="0"/>
-                    </a:schemeClr>
-                  </a:solidFill>
-                </a:ln>
-                <a:latin typeface="나눔바른고딕" panose="020B0603020101020101" pitchFamily="50" charset="-127"/>
-                <a:ea typeface="나눔바른고딕" panose="020B0603020101020101" pitchFamily="50" charset="-127"/>
-              </a:rPr>
-              <a:t>비공개미션</a:t>
+              <a:t>이벤트 배너 유입 </a:t>
+            </a:r>
+            <a:r>
+              <a:rPr lang="en-US" altLang="ko-KR" sz="1050" b="1" dirty="0" err="1" smtClean="0">
+                <a:ln>
+                  <a:solidFill>
+                    <a:schemeClr val="tx1">
+                      <a:alpha val="0"/>
+                    </a:schemeClr>
+                  </a:solidFill>
+                </a:ln>
+                <a:latin typeface="나눔바른고딕" panose="020B0603020101020101" pitchFamily="50" charset="-127"/>
+                <a:ea typeface="나눔바른고딕" panose="020B0603020101020101" pitchFamily="50" charset="-127"/>
+              </a:rPr>
+              <a:t>Hotjar</a:t>
             </a:r>
             <a:endParaRPr lang="ko-KR" altLang="en-US" sz="1050" b="1" dirty="0">
               <a:ln>
@@ -8170,226 +11934,14 @@
       </p:cxnSp>
       <p:sp>
         <p:nvSpPr>
-          <p:cNvPr id="4" name="직사각형 3"/>
+          <p:cNvPr id="7" name="직사각형 6"/>
           <p:cNvSpPr/>
           <p:nvPr/>
         </p:nvSpPr>
         <p:spPr>
           <a:xfrm>
-            <a:off x="5977595" y="451219"/>
-            <a:ext cx="3026624" cy="261610"/>
-          </a:xfrm>
-          <a:prstGeom prst="rect">
-            <a:avLst/>
-          </a:prstGeom>
-          <a:solidFill>
-            <a:schemeClr val="bg2"/>
-          </a:solidFill>
-          <a:ln>
-            <a:solidFill>
-              <a:srgbClr val="0070C0"/>
-            </a:solidFill>
-          </a:ln>
-        </p:spPr>
-        <p:txBody>
-          <a:bodyPr wrap="square">
-            <a:spAutoFit/>
-          </a:bodyPr>
-          <a:lstStyle/>
-          <a:p>
-            <a:pPr algn="ctr"/>
-            <a:r>
-              <a:rPr lang="ko-KR" altLang="en-US" sz="1100" dirty="0">
-                <a:ln>
-                  <a:solidFill>
-                    <a:schemeClr val="tx1">
-                      <a:alpha val="0"/>
-                    </a:schemeClr>
-                  </a:solidFill>
-                </a:ln>
-                <a:latin typeface="나눔바른고딕" panose="020B0603020101020101" pitchFamily="50" charset="-127"/>
-                <a:ea typeface="나눔바른고딕" panose="020B0603020101020101" pitchFamily="50" charset="-127"/>
-              </a:rPr>
-              <a:t>목표 </a:t>
-            </a:r>
-            <a:r>
-              <a:rPr lang="en-US" altLang="ko-KR" sz="1100" dirty="0">
-                <a:ln>
-                  <a:solidFill>
-                    <a:schemeClr val="tx1">
-                      <a:alpha val="0"/>
-                    </a:schemeClr>
-                  </a:solidFill>
-                </a:ln>
-                <a:latin typeface="나눔바른고딕" panose="020B0603020101020101" pitchFamily="50" charset="-127"/>
-                <a:ea typeface="나눔바른고딕" panose="020B0603020101020101" pitchFamily="50" charset="-127"/>
-              </a:rPr>
-              <a:t>: </a:t>
-            </a:r>
-            <a:r>
-              <a:rPr lang="en-US" altLang="ko-KR" sz="1100" dirty="0" smtClean="0">
-                <a:ln>
-                  <a:solidFill>
-                    <a:schemeClr val="tx1">
-                      <a:alpha val="0"/>
-                    </a:schemeClr>
-                  </a:solidFill>
-                </a:ln>
-                <a:latin typeface="나눔바른고딕" panose="020B0603020101020101" pitchFamily="50" charset="-127"/>
-                <a:ea typeface="나눔바른고딕" panose="020B0603020101020101" pitchFamily="50" charset="-127"/>
-              </a:rPr>
-              <a:t>‘</a:t>
-            </a:r>
-            <a:r>
-              <a:rPr lang="ko-KR" altLang="en-US" sz="1100" dirty="0" smtClean="0">
-                <a:ln>
-                  <a:solidFill>
-                    <a:schemeClr val="tx1">
-                      <a:alpha val="0"/>
-                    </a:schemeClr>
-                  </a:solidFill>
-                </a:ln>
-                <a:latin typeface="나눔바른고딕" panose="020B0603020101020101" pitchFamily="50" charset="-127"/>
-                <a:ea typeface="나눔바른고딕" panose="020B0603020101020101" pitchFamily="50" charset="-127"/>
-              </a:rPr>
-              <a:t>제대로</a:t>
-            </a:r>
-            <a:r>
-              <a:rPr lang="en-US" altLang="ko-KR" sz="1100" dirty="0" smtClean="0">
-                <a:ln>
-                  <a:solidFill>
-                    <a:schemeClr val="tx1">
-                      <a:alpha val="0"/>
-                    </a:schemeClr>
-                  </a:solidFill>
-                </a:ln>
-                <a:latin typeface="나눔바른고딕" panose="020B0603020101020101" pitchFamily="50" charset="-127"/>
-                <a:ea typeface="나눔바른고딕" panose="020B0603020101020101" pitchFamily="50" charset="-127"/>
-              </a:rPr>
-              <a:t>’ </a:t>
-            </a:r>
-            <a:r>
-              <a:rPr lang="ko-KR" altLang="en-US" sz="1100" dirty="0" smtClean="0">
-                <a:ln>
-                  <a:solidFill>
-                    <a:schemeClr val="tx1">
-                      <a:alpha val="0"/>
-                    </a:schemeClr>
-                  </a:solidFill>
-                </a:ln>
-                <a:latin typeface="나눔바른고딕" panose="020B0603020101020101" pitchFamily="50" charset="-127"/>
-                <a:ea typeface="나눔바른고딕" panose="020B0603020101020101" pitchFamily="50" charset="-127"/>
-              </a:rPr>
-              <a:t>체험 유도</a:t>
-            </a:r>
-            <a:r>
-              <a:rPr lang="en-US" altLang="ko-KR" sz="1100" dirty="0" smtClean="0">
-                <a:ln>
-                  <a:solidFill>
-                    <a:schemeClr val="tx1">
-                      <a:alpha val="0"/>
-                    </a:schemeClr>
-                  </a:solidFill>
-                </a:ln>
-                <a:latin typeface="나눔바른고딕" panose="020B0603020101020101" pitchFamily="50" charset="-127"/>
-                <a:ea typeface="나눔바른고딕" panose="020B0603020101020101" pitchFamily="50" charset="-127"/>
-              </a:rPr>
-              <a:t>(</a:t>
-            </a:r>
-            <a:r>
-              <a:rPr lang="ko-KR" altLang="en-US" sz="1100" dirty="0" err="1" smtClean="0">
-                <a:ln>
-                  <a:solidFill>
-                    <a:schemeClr val="tx1">
-                      <a:alpha val="0"/>
-                    </a:schemeClr>
-                  </a:solidFill>
-                </a:ln>
-                <a:latin typeface="나눔바른고딕" panose="020B0603020101020101" pitchFamily="50" charset="-127"/>
-                <a:ea typeface="나눔바른고딕" panose="020B0603020101020101" pitchFamily="50" charset="-127"/>
-              </a:rPr>
-              <a:t>코칭앱</a:t>
-            </a:r>
-            <a:r>
-              <a:rPr lang="ko-KR" altLang="en-US" sz="1100" dirty="0" smtClean="0">
-                <a:ln>
-                  <a:solidFill>
-                    <a:schemeClr val="tx1">
-                      <a:alpha val="0"/>
-                    </a:schemeClr>
-                  </a:solidFill>
-                </a:ln>
-                <a:latin typeface="나눔바른고딕" panose="020B0603020101020101" pitchFamily="50" charset="-127"/>
-                <a:ea typeface="나눔바른고딕" panose="020B0603020101020101" pitchFamily="50" charset="-127"/>
-              </a:rPr>
-              <a:t> </a:t>
-            </a:r>
-            <a:r>
-              <a:rPr lang="en-US" altLang="ko-KR" sz="1100" dirty="0" smtClean="0">
-                <a:ln>
-                  <a:solidFill>
-                    <a:schemeClr val="tx1">
-                      <a:alpha val="0"/>
-                    </a:schemeClr>
-                  </a:solidFill>
-                </a:ln>
-                <a:latin typeface="나눔바른고딕" panose="020B0603020101020101" pitchFamily="50" charset="-127"/>
-                <a:ea typeface="나눔바른고딕" panose="020B0603020101020101" pitchFamily="50" charset="-127"/>
-              </a:rPr>
-              <a:t>30</a:t>
-            </a:r>
-            <a:r>
-              <a:rPr lang="ko-KR" altLang="en-US" sz="1100" dirty="0" smtClean="0">
-                <a:ln>
-                  <a:solidFill>
-                    <a:schemeClr val="tx1">
-                      <a:alpha val="0"/>
-                    </a:schemeClr>
-                  </a:solidFill>
-                </a:ln>
-                <a:latin typeface="나눔바른고딕" panose="020B0603020101020101" pitchFamily="50" charset="-127"/>
-                <a:ea typeface="나눔바른고딕" panose="020B0603020101020101" pitchFamily="50" charset="-127"/>
-              </a:rPr>
-              <a:t>문제 정답</a:t>
-            </a:r>
-            <a:r>
-              <a:rPr lang="en-US" altLang="ko-KR" sz="1100" dirty="0" smtClean="0">
-                <a:ln>
-                  <a:solidFill>
-                    <a:schemeClr val="tx1">
-                      <a:alpha val="0"/>
-                    </a:schemeClr>
-                  </a:solidFill>
-                </a:ln>
-                <a:latin typeface="나눔바른고딕" panose="020B0603020101020101" pitchFamily="50" charset="-127"/>
-                <a:ea typeface="나눔바른고딕" panose="020B0603020101020101" pitchFamily="50" charset="-127"/>
-              </a:rPr>
-              <a:t>)</a:t>
-            </a:r>
-            <a:endParaRPr lang="en-US" altLang="ko-KR" sz="1100" dirty="0">
-              <a:ln>
-                <a:solidFill>
-                  <a:schemeClr val="tx1">
-                    <a:alpha val="0"/>
-                  </a:schemeClr>
-                </a:solidFill>
-              </a:ln>
-              <a:latin typeface="나눔바른고딕" panose="020B0603020101020101" pitchFamily="50" charset="-127"/>
-              <a:ea typeface="나눔바른고딕" panose="020B0603020101020101" pitchFamily="50" charset="-127"/>
-            </a:endParaRPr>
-          </a:p>
-        </p:txBody>
-      </p:sp>
-      <p:sp>
-        <p:nvSpPr>
-          <p:cNvPr id="6" name="직사각형 5"/>
-          <p:cNvSpPr/>
-          <p:nvPr/>
-        </p:nvSpPr>
-        <p:spPr>
-          <a:xfrm>
-            <a:off x="5565531" y="5930167"/>
-            <a:ext cx="3299514" cy="276999"/>
+            <a:off x="136868" y="5930167"/>
+            <a:ext cx="8867351" cy="461665"/>
           </a:xfrm>
           <a:prstGeom prst="rect">
             <a:avLst/>
@@ -8412,21 +11964,7 @@
           </a:bodyPr>
           <a:lstStyle/>
           <a:p>
-            <a:pPr algn="r"/>
-            <a:r>
-              <a:rPr lang="en-US" altLang="ko-KR" sz="1200" dirty="0" smtClean="0">
-                <a:ln>
-                  <a:solidFill>
-                    <a:schemeClr val="tx1">
-                      <a:alpha val="0"/>
-                    </a:schemeClr>
-                  </a:solidFill>
-                </a:ln>
-                <a:latin typeface="나눔바른고딕" panose="020B0603020101020101" pitchFamily="50" charset="-127"/>
-                <a:ea typeface="나눔바른고딕" panose="020B0603020101020101" pitchFamily="50" charset="-127"/>
-              </a:rPr>
-              <a:t>1/13~ </a:t>
-            </a:r>
+            <a:pPr algn="ctr"/>
             <a:r>
               <a:rPr lang="ko-KR" altLang="en-US" sz="1200" dirty="0" smtClean="0">
                 <a:ln>
@@ -8439,7 +11977,35 @@
                 <a:latin typeface="나눔바른고딕" panose="020B0603020101020101" pitchFamily="50" charset="-127"/>
                 <a:ea typeface="나눔바른고딕" panose="020B0603020101020101" pitchFamily="50" charset="-127"/>
               </a:rPr>
-              <a:t>진행 중</a:t>
+              <a:t>이미지 </a:t>
+            </a:r>
+            <a:r>
+              <a:rPr lang="ko-KR" altLang="en-US" sz="1200" dirty="0" err="1" smtClean="0">
+                <a:ln>
+                  <a:solidFill>
+                    <a:schemeClr val="tx1">
+                      <a:alpha val="0"/>
+                    </a:schemeClr>
+                  </a:solidFill>
+                </a:ln>
+                <a:latin typeface="나눔바른고딕" panose="020B0603020101020101" pitchFamily="50" charset="-127"/>
+                <a:ea typeface="나눔바른고딕" panose="020B0603020101020101" pitchFamily="50" charset="-127"/>
+              </a:rPr>
+              <a:t>미반영</a:t>
+            </a:r>
+            <a:r>
+              <a:rPr lang="ko-KR" altLang="en-US" sz="1200" dirty="0" smtClean="0">
+                <a:ln>
+                  <a:solidFill>
+                    <a:schemeClr val="tx1">
+                      <a:alpha val="0"/>
+                    </a:schemeClr>
+                  </a:solidFill>
+                </a:ln>
+                <a:latin typeface="나눔바른고딕" panose="020B0603020101020101" pitchFamily="50" charset="-127"/>
+                <a:ea typeface="나눔바른고딕" panose="020B0603020101020101" pitchFamily="50" charset="-127"/>
+              </a:rPr>
+              <a:t> 문제 해결 후</a:t>
             </a:r>
             <a:endParaRPr lang="en-US" altLang="ko-KR" sz="1200" dirty="0" smtClean="0">
               <a:ln>
@@ -8453,11 +12019,53 @@
               <a:ea typeface="나눔바른고딕" panose="020B0603020101020101" pitchFamily="50" charset="-127"/>
             </a:endParaRPr>
           </a:p>
+          <a:p>
+            <a:pPr algn="ctr"/>
+            <a:r>
+              <a:rPr lang="ko-KR" altLang="en-US" sz="1200" dirty="0" err="1" smtClean="0">
+                <a:ln>
+                  <a:solidFill>
+                    <a:schemeClr val="tx1">
+                      <a:alpha val="0"/>
+                    </a:schemeClr>
+                  </a:solidFill>
+                </a:ln>
+                <a:latin typeface="나눔바른고딕" panose="020B0603020101020101" pitchFamily="50" charset="-127"/>
+                <a:ea typeface="나눔바른고딕" panose="020B0603020101020101" pitchFamily="50" charset="-127"/>
+              </a:rPr>
+              <a:t>히트맵</a:t>
+            </a:r>
+            <a:r>
+              <a:rPr lang="ko-KR" altLang="en-US" sz="1200" dirty="0" smtClean="0">
+                <a:ln>
+                  <a:solidFill>
+                    <a:schemeClr val="tx1">
+                      <a:alpha val="0"/>
+                    </a:schemeClr>
+                  </a:solidFill>
+                </a:ln>
+                <a:latin typeface="나눔바른고딕" panose="020B0603020101020101" pitchFamily="50" charset="-127"/>
+                <a:ea typeface="나눔바른고딕" panose="020B0603020101020101" pitchFamily="50" charset="-127"/>
+              </a:rPr>
+              <a:t> 수집 중</a:t>
+            </a:r>
+            <a:endParaRPr lang="en-US" altLang="ko-KR" sz="1200" dirty="0">
+              <a:ln>
+                <a:solidFill>
+                  <a:schemeClr val="tx1">
+                    <a:alpha val="0"/>
+                  </a:schemeClr>
+                </a:solidFill>
+              </a:ln>
+              <a:latin typeface="나눔바른고딕" panose="020B0603020101020101" pitchFamily="50" charset="-127"/>
+              <a:ea typeface="나눔바른고딕" panose="020B0603020101020101" pitchFamily="50" charset="-127"/>
+            </a:endParaRPr>
+          </a:p>
         </p:txBody>
       </p:sp>
       <p:pic>
         <p:nvPicPr>
-          <p:cNvPr id="7" name="그림 6"/>
+          <p:cNvPr id="8" name="그림 7"/>
           <p:cNvPicPr>
             <a:picLocks noChangeAspect="1"/>
           </p:cNvPicPr>
@@ -8471,154 +12079,42 @@
         </p:blipFill>
         <p:spPr>
           <a:xfrm>
-            <a:off x="477654" y="1113905"/>
-            <a:ext cx="6737634" cy="3293831"/>
+            <a:off x="4645896" y="1801528"/>
+            <a:ext cx="4076836" cy="3007658"/>
           </a:xfrm>
           <a:prstGeom prst="rect">
             <a:avLst/>
           </a:prstGeom>
         </p:spPr>
       </p:pic>
-      <p:sp>
-        <p:nvSpPr>
-          <p:cNvPr id="9" name="직사각형 8"/>
-          <p:cNvSpPr/>
+      <p:pic>
+        <p:nvPicPr>
+          <p:cNvPr id="9" name="그림 8"/>
+          <p:cNvPicPr>
+            <a:picLocks noChangeAspect="1"/>
+          </p:cNvPicPr>
           <p:nvPr/>
-        </p:nvSpPr>
+        </p:nvPicPr>
+        <p:blipFill>
+          <a:blip r:embed="rId3"/>
+          <a:stretch>
+            <a:fillRect/>
+          </a:stretch>
+        </p:blipFill>
         <p:spPr>
           <a:xfrm>
-            <a:off x="596135" y="1492926"/>
-            <a:ext cx="6095610" cy="552005"/>
+            <a:off x="401639" y="1801528"/>
+            <a:ext cx="4085694" cy="3007658"/>
           </a:xfrm>
           <a:prstGeom prst="rect">
             <a:avLst/>
           </a:prstGeom>
-          <a:solidFill>
-            <a:schemeClr val="accent4">
-              <a:lumMod val="20000"/>
-              <a:lumOff val="80000"/>
-              <a:alpha val="20000"/>
-            </a:schemeClr>
-          </a:solidFill>
-          <a:ln w="25400">
-            <a:solidFill>
-              <a:srgbClr val="C00000"/>
-            </a:solidFill>
-          </a:ln>
         </p:spPr>
-        <p:txBody>
-          <a:bodyPr wrap="square">
-            <a:spAutoFit/>
-          </a:bodyPr>
-          <a:lstStyle/>
-          <a:p>
-            <a:pPr algn="r"/>
-            <a:endParaRPr lang="en-US" altLang="ko-KR" sz="1200" dirty="0">
-              <a:ln>
-                <a:solidFill>
-                  <a:schemeClr val="tx1">
-                    <a:alpha val="0"/>
-                  </a:schemeClr>
-                </a:solidFill>
-              </a:ln>
-              <a:latin typeface="나눔바른고딕" panose="020B0603020101020101" pitchFamily="50" charset="-127"/>
-              <a:ea typeface="나눔바른고딕" panose="020B0603020101020101" pitchFamily="50" charset="-127"/>
-            </a:endParaRPr>
-          </a:p>
-        </p:txBody>
-      </p:sp>
-      <p:sp>
-        <p:nvSpPr>
-          <p:cNvPr id="8" name="직사각형 7"/>
-          <p:cNvSpPr/>
-          <p:nvPr/>
-        </p:nvSpPr>
-        <p:spPr>
-          <a:xfrm>
-            <a:off x="2980503" y="1668799"/>
-            <a:ext cx="1258988" cy="215444"/>
-          </a:xfrm>
-          <a:prstGeom prst="rect">
-            <a:avLst/>
-          </a:prstGeom>
-          <a:solidFill>
-            <a:schemeClr val="bg2"/>
-          </a:solidFill>
-          <a:ln>
-            <a:solidFill>
-              <a:srgbClr val="0070C0"/>
-            </a:solidFill>
-          </a:ln>
-        </p:spPr>
-        <p:txBody>
-          <a:bodyPr wrap="square">
-            <a:spAutoFit/>
-          </a:bodyPr>
-          <a:lstStyle/>
-          <a:p>
-            <a:pPr algn="ctr"/>
-            <a:r>
-              <a:rPr lang="en-US" altLang="ko-KR" sz="800" dirty="0" smtClean="0">
-                <a:ln>
-                  <a:solidFill>
-                    <a:schemeClr val="tx1">
-                      <a:alpha val="0"/>
-                    </a:schemeClr>
-                  </a:solidFill>
-                </a:ln>
-                <a:latin typeface="나눔바른고딕" panose="020B0603020101020101" pitchFamily="50" charset="-127"/>
-                <a:ea typeface="나눔바른고딕" panose="020B0603020101020101" pitchFamily="50" charset="-127"/>
-                <a:sym typeface="Wingdings" panose="05000000000000000000" pitchFamily="2" charset="2"/>
-              </a:rPr>
-              <a:t></a:t>
-            </a:r>
-            <a:r>
-              <a:rPr lang="en-US" altLang="ko-KR" sz="800" dirty="0">
-                <a:ln>
-                  <a:solidFill>
-                    <a:schemeClr val="tx1">
-                      <a:alpha val="0"/>
-                    </a:schemeClr>
-                  </a:solidFill>
-                </a:ln>
-                <a:latin typeface="나눔바른고딕" panose="020B0603020101020101" pitchFamily="50" charset="-127"/>
-                <a:ea typeface="나눔바른고딕" panose="020B0603020101020101" pitchFamily="50" charset="-127"/>
-                <a:sym typeface="Wingdings" panose="05000000000000000000" pitchFamily="2" charset="2"/>
-              </a:rPr>
-              <a:t> </a:t>
-            </a:r>
-            <a:r>
-              <a:rPr lang="ko-KR" altLang="en-US" sz="800" dirty="0" smtClean="0">
-                <a:ln>
-                  <a:solidFill>
-                    <a:schemeClr val="tx1">
-                      <a:alpha val="0"/>
-                    </a:schemeClr>
-                  </a:solidFill>
-                </a:ln>
-                <a:latin typeface="나눔바른고딕" panose="020B0603020101020101" pitchFamily="50" charset="-127"/>
-                <a:ea typeface="나눔바른고딕" panose="020B0603020101020101" pitchFamily="50" charset="-127"/>
-              </a:rPr>
-              <a:t>강의실 페이지 유입</a:t>
-            </a:r>
-            <a:endParaRPr lang="en-US" altLang="ko-KR" sz="800" dirty="0">
-              <a:ln>
-                <a:solidFill>
-                  <a:schemeClr val="tx1">
-                    <a:alpha val="0"/>
-                  </a:schemeClr>
-                </a:solidFill>
-              </a:ln>
-              <a:latin typeface="나눔바른고딕" panose="020B0603020101020101" pitchFamily="50" charset="-127"/>
-              <a:ea typeface="나눔바른고딕" panose="020B0603020101020101" pitchFamily="50" charset="-127"/>
-            </a:endParaRPr>
-          </a:p>
-        </p:txBody>
-      </p:sp>
+      </p:pic>
     </p:spTree>
     <p:extLst>
       <p:ext uri="{BB962C8B-B14F-4D97-AF65-F5344CB8AC3E}">
-        <p14:creationId xmlns:p14="http://schemas.microsoft.com/office/powerpoint/2010/main" val="2204932835"/>
+        <p14:creationId xmlns:p14="http://schemas.microsoft.com/office/powerpoint/2010/main" val="868921642"/>
       </p:ext>
     </p:extLst>
   </p:cSld>
